--- a/Project_Development/Pictures/Pipeline.pptx
+++ b/Project_Development/Pictures/Pipeline.pptx
@@ -8,6 +8,10 @@
     <p:sldId id="278" r:id="rId2"/>
     <p:sldId id="279" r:id="rId3"/>
     <p:sldId id="281" r:id="rId4"/>
+    <p:sldId id="282" r:id="rId5"/>
+    <p:sldId id="283" r:id="rId6"/>
+    <p:sldId id="284" r:id="rId7"/>
+    <p:sldId id="285" r:id="rId8"/>
   </p:sldIdLst>
   <p:sldSz cx="12192000" cy="18000663"/>
   <p:notesSz cx="6858000" cy="9144000"/>
@@ -245,7 +249,7 @@
           <a:p>
             <a:fld id="{B26E4EDF-85BF-4785-AF96-8A7947630A90}" type="datetimeFigureOut">
               <a:rPr lang="en-GB" smtClean="0"/>
-              <a:t>12/04/2021</a:t>
+              <a:t>27/04/2021</a:t>
             </a:fld>
             <a:endParaRPr lang="en-GB"/>
           </a:p>
@@ -415,7 +419,7 @@
           <a:p>
             <a:fld id="{B26E4EDF-85BF-4785-AF96-8A7947630A90}" type="datetimeFigureOut">
               <a:rPr lang="en-GB" smtClean="0"/>
-              <a:t>12/04/2021</a:t>
+              <a:t>27/04/2021</a:t>
             </a:fld>
             <a:endParaRPr lang="en-GB"/>
           </a:p>
@@ -595,7 +599,7 @@
           <a:p>
             <a:fld id="{B26E4EDF-85BF-4785-AF96-8A7947630A90}" type="datetimeFigureOut">
               <a:rPr lang="en-GB" smtClean="0"/>
-              <a:t>12/04/2021</a:t>
+              <a:t>27/04/2021</a:t>
             </a:fld>
             <a:endParaRPr lang="en-GB"/>
           </a:p>
@@ -765,7 +769,7 @@
           <a:p>
             <a:fld id="{B26E4EDF-85BF-4785-AF96-8A7947630A90}" type="datetimeFigureOut">
               <a:rPr lang="en-GB" smtClean="0"/>
-              <a:t>12/04/2021</a:t>
+              <a:t>27/04/2021</a:t>
             </a:fld>
             <a:endParaRPr lang="en-GB"/>
           </a:p>
@@ -1009,7 +1013,7 @@
           <a:p>
             <a:fld id="{B26E4EDF-85BF-4785-AF96-8A7947630A90}" type="datetimeFigureOut">
               <a:rPr lang="en-GB" smtClean="0"/>
-              <a:t>12/04/2021</a:t>
+              <a:t>27/04/2021</a:t>
             </a:fld>
             <a:endParaRPr lang="en-GB"/>
           </a:p>
@@ -1241,7 +1245,7 @@
           <a:p>
             <a:fld id="{B26E4EDF-85BF-4785-AF96-8A7947630A90}" type="datetimeFigureOut">
               <a:rPr lang="en-GB" smtClean="0"/>
-              <a:t>12/04/2021</a:t>
+              <a:t>27/04/2021</a:t>
             </a:fld>
             <a:endParaRPr lang="en-GB"/>
           </a:p>
@@ -1608,7 +1612,7 @@
           <a:p>
             <a:fld id="{B26E4EDF-85BF-4785-AF96-8A7947630A90}" type="datetimeFigureOut">
               <a:rPr lang="en-GB" smtClean="0"/>
-              <a:t>12/04/2021</a:t>
+              <a:t>27/04/2021</a:t>
             </a:fld>
             <a:endParaRPr lang="en-GB"/>
           </a:p>
@@ -1726,7 +1730,7 @@
           <a:p>
             <a:fld id="{B26E4EDF-85BF-4785-AF96-8A7947630A90}" type="datetimeFigureOut">
               <a:rPr lang="en-GB" smtClean="0"/>
-              <a:t>12/04/2021</a:t>
+              <a:t>27/04/2021</a:t>
             </a:fld>
             <a:endParaRPr lang="en-GB"/>
           </a:p>
@@ -1821,7 +1825,7 @@
           <a:p>
             <a:fld id="{B26E4EDF-85BF-4785-AF96-8A7947630A90}" type="datetimeFigureOut">
               <a:rPr lang="en-GB" smtClean="0"/>
-              <a:t>12/04/2021</a:t>
+              <a:t>27/04/2021</a:t>
             </a:fld>
             <a:endParaRPr lang="en-GB"/>
           </a:p>
@@ -2098,7 +2102,7 @@
           <a:p>
             <a:fld id="{B26E4EDF-85BF-4785-AF96-8A7947630A90}" type="datetimeFigureOut">
               <a:rPr lang="en-GB" smtClean="0"/>
-              <a:t>12/04/2021</a:t>
+              <a:t>27/04/2021</a:t>
             </a:fld>
             <a:endParaRPr lang="en-GB"/>
           </a:p>
@@ -2355,7 +2359,7 @@
           <a:p>
             <a:fld id="{B26E4EDF-85BF-4785-AF96-8A7947630A90}" type="datetimeFigureOut">
               <a:rPr lang="en-GB" smtClean="0"/>
-              <a:t>12/04/2021</a:t>
+              <a:t>27/04/2021</a:t>
             </a:fld>
             <a:endParaRPr lang="en-GB"/>
           </a:p>
@@ -2568,7 +2572,7 @@
           <a:p>
             <a:fld id="{B26E4EDF-85BF-4785-AF96-8A7947630A90}" type="datetimeFigureOut">
               <a:rPr lang="en-GB" smtClean="0"/>
-              <a:t>12/04/2021</a:t>
+              <a:t>27/04/2021</a:t>
             </a:fld>
             <a:endParaRPr lang="en-GB"/>
           </a:p>
@@ -6822,6 +6826,5110 @@
 </p:sld>
 </file>
 
+<file path=ppt/slides/slide4.xml><?xml version="1.0" encoding="utf-8"?>
+<p:sld xmlns:a="http://schemas.openxmlformats.org/drawingml/2006/main" xmlns:r="http://schemas.openxmlformats.org/officeDocument/2006/relationships" xmlns:p="http://schemas.openxmlformats.org/presentationml/2006/main">
+  <p:cSld>
+    <p:spTree>
+      <p:nvGrpSpPr>
+        <p:cNvPr id="1" name=""/>
+        <p:cNvGrpSpPr/>
+        <p:nvPr/>
+      </p:nvGrpSpPr>
+      <p:grpSpPr>
+        <a:xfrm>
+          <a:off x="0" y="0"/>
+          <a:ext cx="0" cy="0"/>
+          <a:chOff x="0" y="0"/>
+          <a:chExt cx="0" cy="0"/>
+        </a:xfrm>
+      </p:grpSpPr>
+      <p:pic>
+        <p:nvPicPr>
+          <p:cNvPr id="4" name="Picture 3"/>
+          <p:cNvPicPr>
+            <a:picLocks noChangeAspect="1"/>
+          </p:cNvPicPr>
+          <p:nvPr/>
+        </p:nvPicPr>
+        <p:blipFill>
+          <a:blip r:embed="rId2">
+            <a:extLst>
+              <a:ext uri="{28A0092B-C50C-407E-A947-70E740481C1C}">
+                <a14:useLocalDpi xmlns:a14="http://schemas.microsoft.com/office/drawing/2010/main" val="0"/>
+              </a:ext>
+            </a:extLst>
+          </a:blip>
+          <a:stretch>
+            <a:fillRect/>
+          </a:stretch>
+        </p:blipFill>
+        <p:spPr>
+          <a:xfrm>
+            <a:off x="5145180" y="1644651"/>
+            <a:ext cx="5627338" cy="3374205"/>
+          </a:xfrm>
+          <a:prstGeom prst="rect">
+            <a:avLst/>
+          </a:prstGeom>
+        </p:spPr>
+      </p:pic>
+      <p:pic>
+        <p:nvPicPr>
+          <p:cNvPr id="5" name="Picture 4"/>
+          <p:cNvPicPr>
+            <a:picLocks noChangeAspect="1"/>
+          </p:cNvPicPr>
+          <p:nvPr/>
+        </p:nvPicPr>
+        <p:blipFill rotWithShape="1">
+          <a:blip r:embed="rId3"/>
+          <a:srcRect l="7817" t="3820" r="6225" b="6783"/>
+          <a:stretch/>
+        </p:blipFill>
+        <p:spPr>
+          <a:xfrm>
+            <a:off x="1495569" y="1410275"/>
+            <a:ext cx="2319804" cy="3608581"/>
+          </a:xfrm>
+          <a:prstGeom prst="rect">
+            <a:avLst/>
+          </a:prstGeom>
+        </p:spPr>
+      </p:pic>
+      <p:sp>
+        <p:nvSpPr>
+          <p:cNvPr id="6" name="TextBox 7"/>
+          <p:cNvSpPr txBox="1"/>
+          <p:nvPr/>
+        </p:nvSpPr>
+        <p:spPr>
+          <a:xfrm>
+            <a:off x="1022121" y="843519"/>
+            <a:ext cx="3417369" cy="553998"/>
+          </a:xfrm>
+          <a:prstGeom prst="rect">
+            <a:avLst/>
+          </a:prstGeom>
+          <a:noFill/>
+        </p:spPr>
+        <p:txBody>
+          <a:bodyPr wrap="square" rtlCol="0">
+            <a:spAutoFit/>
+          </a:bodyPr>
+          <a:lstStyle>
+            <a:defPPr>
+              <a:defRPr lang="en-US"/>
+            </a:defPPr>
+            <a:lvl1pPr marL="0" algn="l" defTabSz="457120" rtl="0" eaLnBrk="1" latinLnBrk="0" hangingPunct="1">
+              <a:defRPr sz="1799" kern="1200">
+                <a:solidFill>
+                  <a:schemeClr val="tx1"/>
+                </a:solidFill>
+                <a:latin typeface="+mn-lt"/>
+                <a:ea typeface="+mn-ea"/>
+                <a:cs typeface="+mn-cs"/>
+              </a:defRPr>
+            </a:lvl1pPr>
+            <a:lvl2pPr marL="457120" algn="l" defTabSz="457120" rtl="0" eaLnBrk="1" latinLnBrk="0" hangingPunct="1">
+              <a:defRPr sz="1799" kern="1200">
+                <a:solidFill>
+                  <a:schemeClr val="tx1"/>
+                </a:solidFill>
+                <a:latin typeface="+mn-lt"/>
+                <a:ea typeface="+mn-ea"/>
+                <a:cs typeface="+mn-cs"/>
+              </a:defRPr>
+            </a:lvl2pPr>
+            <a:lvl3pPr marL="914241" algn="l" defTabSz="457120" rtl="0" eaLnBrk="1" latinLnBrk="0" hangingPunct="1">
+              <a:defRPr sz="1799" kern="1200">
+                <a:solidFill>
+                  <a:schemeClr val="tx1"/>
+                </a:solidFill>
+                <a:latin typeface="+mn-lt"/>
+                <a:ea typeface="+mn-ea"/>
+                <a:cs typeface="+mn-cs"/>
+              </a:defRPr>
+            </a:lvl3pPr>
+            <a:lvl4pPr marL="1371361" algn="l" defTabSz="457120" rtl="0" eaLnBrk="1" latinLnBrk="0" hangingPunct="1">
+              <a:defRPr sz="1799" kern="1200">
+                <a:solidFill>
+                  <a:schemeClr val="tx1"/>
+                </a:solidFill>
+                <a:latin typeface="+mn-lt"/>
+                <a:ea typeface="+mn-ea"/>
+                <a:cs typeface="+mn-cs"/>
+              </a:defRPr>
+            </a:lvl4pPr>
+            <a:lvl5pPr marL="1828481" algn="l" defTabSz="457120" rtl="0" eaLnBrk="1" latinLnBrk="0" hangingPunct="1">
+              <a:defRPr sz="1799" kern="1200">
+                <a:solidFill>
+                  <a:schemeClr val="tx1"/>
+                </a:solidFill>
+                <a:latin typeface="+mn-lt"/>
+                <a:ea typeface="+mn-ea"/>
+                <a:cs typeface="+mn-cs"/>
+              </a:defRPr>
+            </a:lvl5pPr>
+            <a:lvl6pPr marL="2285602" algn="l" defTabSz="457120" rtl="0" eaLnBrk="1" latinLnBrk="0" hangingPunct="1">
+              <a:defRPr sz="1799" kern="1200">
+                <a:solidFill>
+                  <a:schemeClr val="tx1"/>
+                </a:solidFill>
+                <a:latin typeface="+mn-lt"/>
+                <a:ea typeface="+mn-ea"/>
+                <a:cs typeface="+mn-cs"/>
+              </a:defRPr>
+            </a:lvl6pPr>
+            <a:lvl7pPr marL="2742722" algn="l" defTabSz="457120" rtl="0" eaLnBrk="1" latinLnBrk="0" hangingPunct="1">
+              <a:defRPr sz="1799" kern="1200">
+                <a:solidFill>
+                  <a:schemeClr val="tx1"/>
+                </a:solidFill>
+                <a:latin typeface="+mn-lt"/>
+                <a:ea typeface="+mn-ea"/>
+                <a:cs typeface="+mn-cs"/>
+              </a:defRPr>
+            </a:lvl7pPr>
+            <a:lvl8pPr marL="3199842" algn="l" defTabSz="457120" rtl="0" eaLnBrk="1" latinLnBrk="0" hangingPunct="1">
+              <a:defRPr sz="1799" kern="1200">
+                <a:solidFill>
+                  <a:schemeClr val="tx1"/>
+                </a:solidFill>
+                <a:latin typeface="+mn-lt"/>
+                <a:ea typeface="+mn-ea"/>
+                <a:cs typeface="+mn-cs"/>
+              </a:defRPr>
+            </a:lvl8pPr>
+            <a:lvl9pPr marL="3656962" algn="l" defTabSz="457120" rtl="0" eaLnBrk="1" latinLnBrk="0" hangingPunct="1">
+              <a:defRPr sz="1799" kern="1200">
+                <a:solidFill>
+                  <a:schemeClr val="tx1"/>
+                </a:solidFill>
+                <a:latin typeface="+mn-lt"/>
+                <a:ea typeface="+mn-ea"/>
+                <a:cs typeface="+mn-cs"/>
+              </a:defRPr>
+            </a:lvl9pPr>
+          </a:lstStyle>
+          <a:p>
+            <a:r>
+              <a:rPr lang="en-GB" sz="3000" dirty="0">
+                <a:latin typeface="Latin Modern Math" panose="02000503000000000000" pitchFamily="50" charset="0"/>
+                <a:ea typeface="Latin Modern Math" panose="02000503000000000000" pitchFamily="50" charset="0"/>
+              </a:rPr>
+              <a:t>a</a:t>
+            </a:r>
+          </a:p>
+        </p:txBody>
+      </p:sp>
+      <p:sp>
+        <p:nvSpPr>
+          <p:cNvPr id="7" name="TextBox 8"/>
+          <p:cNvSpPr txBox="1"/>
+          <p:nvPr/>
+        </p:nvSpPr>
+        <p:spPr>
+          <a:xfrm>
+            <a:off x="4439490" y="858666"/>
+            <a:ext cx="3417369" cy="553998"/>
+          </a:xfrm>
+          <a:prstGeom prst="rect">
+            <a:avLst/>
+          </a:prstGeom>
+          <a:noFill/>
+        </p:spPr>
+        <p:txBody>
+          <a:bodyPr wrap="square" rtlCol="0">
+            <a:spAutoFit/>
+          </a:bodyPr>
+          <a:lstStyle>
+            <a:defPPr>
+              <a:defRPr lang="en-US"/>
+            </a:defPPr>
+            <a:lvl1pPr marL="0" algn="l" defTabSz="457120" rtl="0" eaLnBrk="1" latinLnBrk="0" hangingPunct="1">
+              <a:defRPr sz="1799" kern="1200">
+                <a:solidFill>
+                  <a:schemeClr val="tx1"/>
+                </a:solidFill>
+                <a:latin typeface="+mn-lt"/>
+                <a:ea typeface="+mn-ea"/>
+                <a:cs typeface="+mn-cs"/>
+              </a:defRPr>
+            </a:lvl1pPr>
+            <a:lvl2pPr marL="457120" algn="l" defTabSz="457120" rtl="0" eaLnBrk="1" latinLnBrk="0" hangingPunct="1">
+              <a:defRPr sz="1799" kern="1200">
+                <a:solidFill>
+                  <a:schemeClr val="tx1"/>
+                </a:solidFill>
+                <a:latin typeface="+mn-lt"/>
+                <a:ea typeface="+mn-ea"/>
+                <a:cs typeface="+mn-cs"/>
+              </a:defRPr>
+            </a:lvl2pPr>
+            <a:lvl3pPr marL="914241" algn="l" defTabSz="457120" rtl="0" eaLnBrk="1" latinLnBrk="0" hangingPunct="1">
+              <a:defRPr sz="1799" kern="1200">
+                <a:solidFill>
+                  <a:schemeClr val="tx1"/>
+                </a:solidFill>
+                <a:latin typeface="+mn-lt"/>
+                <a:ea typeface="+mn-ea"/>
+                <a:cs typeface="+mn-cs"/>
+              </a:defRPr>
+            </a:lvl3pPr>
+            <a:lvl4pPr marL="1371361" algn="l" defTabSz="457120" rtl="0" eaLnBrk="1" latinLnBrk="0" hangingPunct="1">
+              <a:defRPr sz="1799" kern="1200">
+                <a:solidFill>
+                  <a:schemeClr val="tx1"/>
+                </a:solidFill>
+                <a:latin typeface="+mn-lt"/>
+                <a:ea typeface="+mn-ea"/>
+                <a:cs typeface="+mn-cs"/>
+              </a:defRPr>
+            </a:lvl4pPr>
+            <a:lvl5pPr marL="1828481" algn="l" defTabSz="457120" rtl="0" eaLnBrk="1" latinLnBrk="0" hangingPunct="1">
+              <a:defRPr sz="1799" kern="1200">
+                <a:solidFill>
+                  <a:schemeClr val="tx1"/>
+                </a:solidFill>
+                <a:latin typeface="+mn-lt"/>
+                <a:ea typeface="+mn-ea"/>
+                <a:cs typeface="+mn-cs"/>
+              </a:defRPr>
+            </a:lvl5pPr>
+            <a:lvl6pPr marL="2285602" algn="l" defTabSz="457120" rtl="0" eaLnBrk="1" latinLnBrk="0" hangingPunct="1">
+              <a:defRPr sz="1799" kern="1200">
+                <a:solidFill>
+                  <a:schemeClr val="tx1"/>
+                </a:solidFill>
+                <a:latin typeface="+mn-lt"/>
+                <a:ea typeface="+mn-ea"/>
+                <a:cs typeface="+mn-cs"/>
+              </a:defRPr>
+            </a:lvl6pPr>
+            <a:lvl7pPr marL="2742722" algn="l" defTabSz="457120" rtl="0" eaLnBrk="1" latinLnBrk="0" hangingPunct="1">
+              <a:defRPr sz="1799" kern="1200">
+                <a:solidFill>
+                  <a:schemeClr val="tx1"/>
+                </a:solidFill>
+                <a:latin typeface="+mn-lt"/>
+                <a:ea typeface="+mn-ea"/>
+                <a:cs typeface="+mn-cs"/>
+              </a:defRPr>
+            </a:lvl7pPr>
+            <a:lvl8pPr marL="3199842" algn="l" defTabSz="457120" rtl="0" eaLnBrk="1" latinLnBrk="0" hangingPunct="1">
+              <a:defRPr sz="1799" kern="1200">
+                <a:solidFill>
+                  <a:schemeClr val="tx1"/>
+                </a:solidFill>
+                <a:latin typeface="+mn-lt"/>
+                <a:ea typeface="+mn-ea"/>
+                <a:cs typeface="+mn-cs"/>
+              </a:defRPr>
+            </a:lvl8pPr>
+            <a:lvl9pPr marL="3656962" algn="l" defTabSz="457120" rtl="0" eaLnBrk="1" latinLnBrk="0" hangingPunct="1">
+              <a:defRPr sz="1799" kern="1200">
+                <a:solidFill>
+                  <a:schemeClr val="tx1"/>
+                </a:solidFill>
+                <a:latin typeface="+mn-lt"/>
+                <a:ea typeface="+mn-ea"/>
+                <a:cs typeface="+mn-cs"/>
+              </a:defRPr>
+            </a:lvl9pPr>
+          </a:lstStyle>
+          <a:p>
+            <a:r>
+              <a:rPr lang="en-GB" sz="3000" dirty="0">
+                <a:latin typeface="Latin Modern Math" panose="02000503000000000000" pitchFamily="50" charset="0"/>
+                <a:ea typeface="Latin Modern Math" panose="02000503000000000000" pitchFamily="50" charset="0"/>
+              </a:rPr>
+              <a:t>b</a:t>
+            </a:r>
+          </a:p>
+        </p:txBody>
+      </p:sp>
+    </p:spTree>
+    <p:extLst>
+      <p:ext uri="{BB962C8B-B14F-4D97-AF65-F5344CB8AC3E}">
+        <p14:creationId xmlns:p14="http://schemas.microsoft.com/office/powerpoint/2010/main" val="2548433835"/>
+      </p:ext>
+    </p:extLst>
+  </p:cSld>
+  <p:clrMapOvr>
+    <a:masterClrMapping/>
+  </p:clrMapOvr>
+</p:sld>
+</file>
+
+<file path=ppt/slides/slide5.xml><?xml version="1.0" encoding="utf-8"?>
+<p:sld xmlns:a="http://schemas.openxmlformats.org/drawingml/2006/main" xmlns:r="http://schemas.openxmlformats.org/officeDocument/2006/relationships" xmlns:p="http://schemas.openxmlformats.org/presentationml/2006/main">
+  <p:cSld>
+    <p:spTree>
+      <p:nvGrpSpPr>
+        <p:cNvPr id="1" name=""/>
+        <p:cNvGrpSpPr/>
+        <p:nvPr/>
+      </p:nvGrpSpPr>
+      <p:grpSpPr>
+        <a:xfrm>
+          <a:off x="0" y="0"/>
+          <a:ext cx="0" cy="0"/>
+          <a:chOff x="0" y="0"/>
+          <a:chExt cx="0" cy="0"/>
+        </a:xfrm>
+      </p:grpSpPr>
+      <p:pic>
+        <p:nvPicPr>
+          <p:cNvPr id="4" name="Picture 3"/>
+          <p:cNvPicPr>
+            <a:picLocks noChangeAspect="1"/>
+          </p:cNvPicPr>
+          <p:nvPr/>
+        </p:nvPicPr>
+        <p:blipFill rotWithShape="1">
+          <a:blip r:embed="rId2"/>
+          <a:srcRect l="53222" t="14980" b="-1"/>
+          <a:stretch/>
+        </p:blipFill>
+        <p:spPr>
+          <a:xfrm>
+            <a:off x="1543920" y="2225561"/>
+            <a:ext cx="4050176" cy="4552950"/>
+          </a:xfrm>
+          <a:prstGeom prst="rect">
+            <a:avLst/>
+          </a:prstGeom>
+        </p:spPr>
+      </p:pic>
+      <p:pic>
+        <p:nvPicPr>
+          <p:cNvPr id="5" name="Picture 4"/>
+          <p:cNvPicPr>
+            <a:picLocks noChangeAspect="1"/>
+          </p:cNvPicPr>
+          <p:nvPr/>
+        </p:nvPicPr>
+        <p:blipFill rotWithShape="1">
+          <a:blip r:embed="rId3"/>
+          <a:srcRect t="24515"/>
+          <a:stretch/>
+        </p:blipFill>
+        <p:spPr>
+          <a:xfrm>
+            <a:off x="1467720" y="9177272"/>
+            <a:ext cx="7321359" cy="3878527"/>
+          </a:xfrm>
+          <a:prstGeom prst="rect">
+            <a:avLst/>
+          </a:prstGeom>
+        </p:spPr>
+      </p:pic>
+      <p:sp>
+        <p:nvSpPr>
+          <p:cNvPr id="6" name="TextBox 5"/>
+          <p:cNvSpPr txBox="1"/>
+          <p:nvPr/>
+        </p:nvSpPr>
+        <p:spPr>
+          <a:xfrm>
+            <a:off x="1467720" y="1955948"/>
+            <a:ext cx="9239250" cy="446276"/>
+          </a:xfrm>
+          <a:prstGeom prst="rect">
+            <a:avLst/>
+          </a:prstGeom>
+          <a:noFill/>
+        </p:spPr>
+        <p:txBody>
+          <a:bodyPr wrap="square" rtlCol="0">
+            <a:spAutoFit/>
+          </a:bodyPr>
+          <a:lstStyle/>
+          <a:p>
+            <a:r>
+              <a:rPr lang="en-GB" sz="2300" dirty="0" smtClean="0">
+                <a:latin typeface="Latin Modern Math" panose="02000503000000000000" pitchFamily="50" charset="0"/>
+                <a:ea typeface="Latin Modern Math" panose="02000503000000000000" pitchFamily="50" charset="0"/>
+              </a:rPr>
+              <a:t>13 14 15 16 17 18 13 16 L</a:t>
+            </a:r>
+            <a:endParaRPr lang="en-GB" sz="2300" dirty="0">
+              <a:latin typeface="Latin Modern Math" panose="02000503000000000000" pitchFamily="50" charset="0"/>
+              <a:ea typeface="Latin Modern Math" panose="02000503000000000000" pitchFamily="50" charset="0"/>
+            </a:endParaRPr>
+          </a:p>
+        </p:txBody>
+      </p:sp>
+      <p:sp>
+        <p:nvSpPr>
+          <p:cNvPr id="7" name="TextBox 6"/>
+          <p:cNvSpPr txBox="1"/>
+          <p:nvPr/>
+        </p:nvSpPr>
+        <p:spPr>
+          <a:xfrm>
+            <a:off x="1734420" y="8888610"/>
+            <a:ext cx="9239250" cy="446276"/>
+          </a:xfrm>
+          <a:prstGeom prst="rect">
+            <a:avLst/>
+          </a:prstGeom>
+          <a:noFill/>
+        </p:spPr>
+        <p:txBody>
+          <a:bodyPr wrap="square" rtlCol="0">
+            <a:spAutoFit/>
+          </a:bodyPr>
+          <a:lstStyle/>
+          <a:p>
+            <a:r>
+              <a:rPr lang="en-GB" sz="2300" dirty="0" smtClean="0">
+                <a:latin typeface="Latin Modern Math" panose="02000503000000000000" pitchFamily="50" charset="0"/>
+                <a:ea typeface="Latin Modern Math" panose="02000503000000000000" pitchFamily="50" charset="0"/>
+              </a:rPr>
+              <a:t>L   10  11  12  13   14  15  16   17   18 16  18   16  18</a:t>
+            </a:r>
+            <a:endParaRPr lang="en-GB" sz="2300" dirty="0">
+              <a:latin typeface="Latin Modern Math" panose="02000503000000000000" pitchFamily="50" charset="0"/>
+              <a:ea typeface="Latin Modern Math" panose="02000503000000000000" pitchFamily="50" charset="0"/>
+            </a:endParaRPr>
+          </a:p>
+        </p:txBody>
+      </p:sp>
+      <p:cxnSp>
+        <p:nvCxnSpPr>
+          <p:cNvPr id="9" name="Straight Connector 8"/>
+          <p:cNvCxnSpPr/>
+          <p:nvPr/>
+        </p:nvCxnSpPr>
+        <p:spPr>
+          <a:xfrm>
+            <a:off x="1505820" y="1787411"/>
+            <a:ext cx="2285130" cy="0"/>
+          </a:xfrm>
+          <a:prstGeom prst="line">
+            <a:avLst/>
+          </a:prstGeom>
+          <a:ln>
+            <a:solidFill>
+              <a:schemeClr val="tx1"/>
+            </a:solidFill>
+          </a:ln>
+        </p:spPr>
+        <p:style>
+          <a:lnRef idx="1">
+            <a:schemeClr val="accent1"/>
+          </a:lnRef>
+          <a:fillRef idx="0">
+            <a:schemeClr val="accent1"/>
+          </a:fillRef>
+          <a:effectRef idx="0">
+            <a:schemeClr val="accent1"/>
+          </a:effectRef>
+          <a:fontRef idx="minor">
+            <a:schemeClr val="tx1"/>
+          </a:fontRef>
+        </p:style>
+      </p:cxnSp>
+      <p:cxnSp>
+        <p:nvCxnSpPr>
+          <p:cNvPr id="10" name="Straight Connector 9"/>
+          <p:cNvCxnSpPr/>
+          <p:nvPr/>
+        </p:nvCxnSpPr>
+        <p:spPr>
+          <a:xfrm flipV="1">
+            <a:off x="2229720" y="8720073"/>
+            <a:ext cx="4533900" cy="0"/>
+          </a:xfrm>
+          <a:prstGeom prst="line">
+            <a:avLst/>
+          </a:prstGeom>
+          <a:ln>
+            <a:solidFill>
+              <a:schemeClr val="tx1"/>
+            </a:solidFill>
+          </a:ln>
+        </p:spPr>
+        <p:style>
+          <a:lnRef idx="1">
+            <a:schemeClr val="accent1"/>
+          </a:lnRef>
+          <a:fillRef idx="0">
+            <a:schemeClr val="accent1"/>
+          </a:fillRef>
+          <a:effectRef idx="0">
+            <a:schemeClr val="accent1"/>
+          </a:effectRef>
+          <a:fontRef idx="minor">
+            <a:schemeClr val="tx1"/>
+          </a:fontRef>
+        </p:style>
+      </p:cxnSp>
+      <p:cxnSp>
+        <p:nvCxnSpPr>
+          <p:cNvPr id="16" name="Straight Connector 15"/>
+          <p:cNvCxnSpPr/>
+          <p:nvPr/>
+        </p:nvCxnSpPr>
+        <p:spPr>
+          <a:xfrm>
+            <a:off x="6935070" y="8727414"/>
+            <a:ext cx="748393" cy="0"/>
+          </a:xfrm>
+          <a:prstGeom prst="line">
+            <a:avLst/>
+          </a:prstGeom>
+          <a:ln>
+            <a:solidFill>
+              <a:schemeClr val="tx1"/>
+            </a:solidFill>
+          </a:ln>
+        </p:spPr>
+        <p:style>
+          <a:lnRef idx="1">
+            <a:schemeClr val="accent1"/>
+          </a:lnRef>
+          <a:fillRef idx="0">
+            <a:schemeClr val="accent1"/>
+          </a:fillRef>
+          <a:effectRef idx="0">
+            <a:schemeClr val="accent1"/>
+          </a:effectRef>
+          <a:fontRef idx="minor">
+            <a:schemeClr val="tx1"/>
+          </a:fontRef>
+        </p:style>
+      </p:cxnSp>
+      <p:cxnSp>
+        <p:nvCxnSpPr>
+          <p:cNvPr id="19" name="Straight Connector 18"/>
+          <p:cNvCxnSpPr/>
+          <p:nvPr/>
+        </p:nvCxnSpPr>
+        <p:spPr>
+          <a:xfrm flipV="1">
+            <a:off x="8001870" y="8727414"/>
+            <a:ext cx="628650" cy="0"/>
+          </a:xfrm>
+          <a:prstGeom prst="line">
+            <a:avLst/>
+          </a:prstGeom>
+          <a:ln>
+            <a:solidFill>
+              <a:schemeClr val="tx1"/>
+            </a:solidFill>
+          </a:ln>
+        </p:spPr>
+        <p:style>
+          <a:lnRef idx="1">
+            <a:schemeClr val="accent1"/>
+          </a:lnRef>
+          <a:fillRef idx="0">
+            <a:schemeClr val="accent1"/>
+          </a:fillRef>
+          <a:effectRef idx="0">
+            <a:schemeClr val="accent1"/>
+          </a:effectRef>
+          <a:fontRef idx="minor">
+            <a:schemeClr val="tx1"/>
+          </a:fontRef>
+        </p:style>
+      </p:cxnSp>
+      <p:sp>
+        <p:nvSpPr>
+          <p:cNvPr id="21" name="TextBox 20"/>
+          <p:cNvSpPr txBox="1"/>
+          <p:nvPr/>
+        </p:nvSpPr>
+        <p:spPr>
+          <a:xfrm>
+            <a:off x="1601057" y="1463616"/>
+            <a:ext cx="3742127" cy="446276"/>
+          </a:xfrm>
+          <a:prstGeom prst="rect">
+            <a:avLst/>
+          </a:prstGeom>
+          <a:noFill/>
+        </p:spPr>
+        <p:txBody>
+          <a:bodyPr wrap="square" rtlCol="0">
+            <a:spAutoFit/>
+          </a:bodyPr>
+          <a:lstStyle/>
+          <a:p>
+            <a:r>
+              <a:rPr lang="en-GB" sz="2300" dirty="0" smtClean="0">
+                <a:latin typeface="Latin Modern Math" panose="02000503000000000000" pitchFamily="50" charset="0"/>
+                <a:ea typeface="Latin Modern Math" panose="02000503000000000000" pitchFamily="50" charset="0"/>
+              </a:rPr>
+              <a:t>cDNA + ERCC  </a:t>
+            </a:r>
+            <a:r>
+              <a:rPr lang="en-GB" sz="2300" dirty="0" err="1" smtClean="0">
+                <a:latin typeface="Latin Modern Math" panose="02000503000000000000" pitchFamily="50" charset="0"/>
+                <a:ea typeface="Latin Modern Math" panose="02000503000000000000" pitchFamily="50" charset="0"/>
+              </a:rPr>
+              <a:t>ERCC</a:t>
+            </a:r>
+            <a:endParaRPr lang="en-GB" sz="2300" dirty="0">
+              <a:latin typeface="Latin Modern Math" panose="02000503000000000000" pitchFamily="50" charset="0"/>
+              <a:ea typeface="Latin Modern Math" panose="02000503000000000000" pitchFamily="50" charset="0"/>
+            </a:endParaRPr>
+          </a:p>
+        </p:txBody>
+      </p:sp>
+      <p:sp>
+        <p:nvSpPr>
+          <p:cNvPr id="22" name="TextBox 21"/>
+          <p:cNvSpPr txBox="1"/>
+          <p:nvPr/>
+        </p:nvSpPr>
+        <p:spPr>
+          <a:xfrm>
+            <a:off x="3297523" y="8339322"/>
+            <a:ext cx="4085222" cy="446276"/>
+          </a:xfrm>
+          <a:prstGeom prst="rect">
+            <a:avLst/>
+          </a:prstGeom>
+          <a:noFill/>
+        </p:spPr>
+        <p:txBody>
+          <a:bodyPr wrap="square" rtlCol="0">
+            <a:spAutoFit/>
+          </a:bodyPr>
+          <a:lstStyle/>
+          <a:p>
+            <a:r>
+              <a:rPr lang="en-GB" sz="2300" dirty="0" smtClean="0">
+                <a:latin typeface="Latin Modern Math" panose="02000503000000000000" pitchFamily="50" charset="0"/>
+                <a:ea typeface="Latin Modern Math" panose="02000503000000000000" pitchFamily="50" charset="0"/>
+              </a:rPr>
+              <a:t>cDNA + ERCC</a:t>
+            </a:r>
+            <a:endParaRPr lang="en-GB" sz="2300" dirty="0">
+              <a:latin typeface="Latin Modern Math" panose="02000503000000000000" pitchFamily="50" charset="0"/>
+              <a:ea typeface="Latin Modern Math" panose="02000503000000000000" pitchFamily="50" charset="0"/>
+            </a:endParaRPr>
+          </a:p>
+        </p:txBody>
+      </p:sp>
+      <p:sp>
+        <p:nvSpPr>
+          <p:cNvPr id="23" name="TextBox 22"/>
+          <p:cNvSpPr txBox="1"/>
+          <p:nvPr/>
+        </p:nvSpPr>
+        <p:spPr>
+          <a:xfrm>
+            <a:off x="5588475" y="8339965"/>
+            <a:ext cx="4085222" cy="446276"/>
+          </a:xfrm>
+          <a:prstGeom prst="rect">
+            <a:avLst/>
+          </a:prstGeom>
+          <a:noFill/>
+        </p:spPr>
+        <p:txBody>
+          <a:bodyPr wrap="square" rtlCol="0">
+            <a:spAutoFit/>
+          </a:bodyPr>
+          <a:lstStyle/>
+          <a:p>
+            <a:r>
+              <a:rPr lang="en-GB" sz="2300" dirty="0" smtClean="0">
+                <a:latin typeface="Latin Modern Math" panose="02000503000000000000" pitchFamily="50" charset="0"/>
+                <a:ea typeface="Latin Modern Math" panose="02000503000000000000" pitchFamily="50" charset="0"/>
+              </a:rPr>
+              <a:t>             ERCC    -ve</a:t>
+            </a:r>
+            <a:endParaRPr lang="en-GB" sz="2300" dirty="0">
+              <a:latin typeface="Latin Modern Math" panose="02000503000000000000" pitchFamily="50" charset="0"/>
+              <a:ea typeface="Latin Modern Math" panose="02000503000000000000" pitchFamily="50" charset="0"/>
+            </a:endParaRPr>
+          </a:p>
+        </p:txBody>
+      </p:sp>
+      <p:sp>
+        <p:nvSpPr>
+          <p:cNvPr id="24" name="TextBox 7"/>
+          <p:cNvSpPr txBox="1"/>
+          <p:nvPr/>
+        </p:nvSpPr>
+        <p:spPr>
+          <a:xfrm>
+            <a:off x="1080141" y="947718"/>
+            <a:ext cx="3417369" cy="553998"/>
+          </a:xfrm>
+          <a:prstGeom prst="rect">
+            <a:avLst/>
+          </a:prstGeom>
+          <a:noFill/>
+        </p:spPr>
+        <p:txBody>
+          <a:bodyPr wrap="square" rtlCol="0">
+            <a:spAutoFit/>
+          </a:bodyPr>
+          <a:lstStyle>
+            <a:defPPr>
+              <a:defRPr lang="en-US"/>
+            </a:defPPr>
+            <a:lvl1pPr marL="0" algn="l" defTabSz="457120" rtl="0" eaLnBrk="1" latinLnBrk="0" hangingPunct="1">
+              <a:defRPr sz="1799" kern="1200">
+                <a:solidFill>
+                  <a:schemeClr val="tx1"/>
+                </a:solidFill>
+                <a:latin typeface="+mn-lt"/>
+                <a:ea typeface="+mn-ea"/>
+                <a:cs typeface="+mn-cs"/>
+              </a:defRPr>
+            </a:lvl1pPr>
+            <a:lvl2pPr marL="457120" algn="l" defTabSz="457120" rtl="0" eaLnBrk="1" latinLnBrk="0" hangingPunct="1">
+              <a:defRPr sz="1799" kern="1200">
+                <a:solidFill>
+                  <a:schemeClr val="tx1"/>
+                </a:solidFill>
+                <a:latin typeface="+mn-lt"/>
+                <a:ea typeface="+mn-ea"/>
+                <a:cs typeface="+mn-cs"/>
+              </a:defRPr>
+            </a:lvl2pPr>
+            <a:lvl3pPr marL="914241" algn="l" defTabSz="457120" rtl="0" eaLnBrk="1" latinLnBrk="0" hangingPunct="1">
+              <a:defRPr sz="1799" kern="1200">
+                <a:solidFill>
+                  <a:schemeClr val="tx1"/>
+                </a:solidFill>
+                <a:latin typeface="+mn-lt"/>
+                <a:ea typeface="+mn-ea"/>
+                <a:cs typeface="+mn-cs"/>
+              </a:defRPr>
+            </a:lvl3pPr>
+            <a:lvl4pPr marL="1371361" algn="l" defTabSz="457120" rtl="0" eaLnBrk="1" latinLnBrk="0" hangingPunct="1">
+              <a:defRPr sz="1799" kern="1200">
+                <a:solidFill>
+                  <a:schemeClr val="tx1"/>
+                </a:solidFill>
+                <a:latin typeface="+mn-lt"/>
+                <a:ea typeface="+mn-ea"/>
+                <a:cs typeface="+mn-cs"/>
+              </a:defRPr>
+            </a:lvl4pPr>
+            <a:lvl5pPr marL="1828481" algn="l" defTabSz="457120" rtl="0" eaLnBrk="1" latinLnBrk="0" hangingPunct="1">
+              <a:defRPr sz="1799" kern="1200">
+                <a:solidFill>
+                  <a:schemeClr val="tx1"/>
+                </a:solidFill>
+                <a:latin typeface="+mn-lt"/>
+                <a:ea typeface="+mn-ea"/>
+                <a:cs typeface="+mn-cs"/>
+              </a:defRPr>
+            </a:lvl5pPr>
+            <a:lvl6pPr marL="2285602" algn="l" defTabSz="457120" rtl="0" eaLnBrk="1" latinLnBrk="0" hangingPunct="1">
+              <a:defRPr sz="1799" kern="1200">
+                <a:solidFill>
+                  <a:schemeClr val="tx1"/>
+                </a:solidFill>
+                <a:latin typeface="+mn-lt"/>
+                <a:ea typeface="+mn-ea"/>
+                <a:cs typeface="+mn-cs"/>
+              </a:defRPr>
+            </a:lvl6pPr>
+            <a:lvl7pPr marL="2742722" algn="l" defTabSz="457120" rtl="0" eaLnBrk="1" latinLnBrk="0" hangingPunct="1">
+              <a:defRPr sz="1799" kern="1200">
+                <a:solidFill>
+                  <a:schemeClr val="tx1"/>
+                </a:solidFill>
+                <a:latin typeface="+mn-lt"/>
+                <a:ea typeface="+mn-ea"/>
+                <a:cs typeface="+mn-cs"/>
+              </a:defRPr>
+            </a:lvl7pPr>
+            <a:lvl8pPr marL="3199842" algn="l" defTabSz="457120" rtl="0" eaLnBrk="1" latinLnBrk="0" hangingPunct="1">
+              <a:defRPr sz="1799" kern="1200">
+                <a:solidFill>
+                  <a:schemeClr val="tx1"/>
+                </a:solidFill>
+                <a:latin typeface="+mn-lt"/>
+                <a:ea typeface="+mn-ea"/>
+                <a:cs typeface="+mn-cs"/>
+              </a:defRPr>
+            </a:lvl8pPr>
+            <a:lvl9pPr marL="3656962" algn="l" defTabSz="457120" rtl="0" eaLnBrk="1" latinLnBrk="0" hangingPunct="1">
+              <a:defRPr sz="1799" kern="1200">
+                <a:solidFill>
+                  <a:schemeClr val="tx1"/>
+                </a:solidFill>
+                <a:latin typeface="+mn-lt"/>
+                <a:ea typeface="+mn-ea"/>
+                <a:cs typeface="+mn-cs"/>
+              </a:defRPr>
+            </a:lvl9pPr>
+          </a:lstStyle>
+          <a:p>
+            <a:r>
+              <a:rPr lang="en-GB" sz="3000" dirty="0">
+                <a:latin typeface="Latin Modern Math" panose="02000503000000000000" pitchFamily="50" charset="0"/>
+                <a:ea typeface="Latin Modern Math" panose="02000503000000000000" pitchFamily="50" charset="0"/>
+              </a:rPr>
+              <a:t>a</a:t>
+            </a:r>
+          </a:p>
+        </p:txBody>
+      </p:sp>
+      <p:sp>
+        <p:nvSpPr>
+          <p:cNvPr id="25" name="TextBox 8"/>
+          <p:cNvSpPr txBox="1"/>
+          <p:nvPr/>
+        </p:nvSpPr>
+        <p:spPr>
+          <a:xfrm>
+            <a:off x="1042040" y="7934727"/>
+            <a:ext cx="3417369" cy="553998"/>
+          </a:xfrm>
+          <a:prstGeom prst="rect">
+            <a:avLst/>
+          </a:prstGeom>
+          <a:noFill/>
+        </p:spPr>
+        <p:txBody>
+          <a:bodyPr wrap="square" rtlCol="0">
+            <a:spAutoFit/>
+          </a:bodyPr>
+          <a:lstStyle>
+            <a:defPPr>
+              <a:defRPr lang="en-US"/>
+            </a:defPPr>
+            <a:lvl1pPr marL="0" algn="l" defTabSz="457120" rtl="0" eaLnBrk="1" latinLnBrk="0" hangingPunct="1">
+              <a:defRPr sz="1799" kern="1200">
+                <a:solidFill>
+                  <a:schemeClr val="tx1"/>
+                </a:solidFill>
+                <a:latin typeface="+mn-lt"/>
+                <a:ea typeface="+mn-ea"/>
+                <a:cs typeface="+mn-cs"/>
+              </a:defRPr>
+            </a:lvl1pPr>
+            <a:lvl2pPr marL="457120" algn="l" defTabSz="457120" rtl="0" eaLnBrk="1" latinLnBrk="0" hangingPunct="1">
+              <a:defRPr sz="1799" kern="1200">
+                <a:solidFill>
+                  <a:schemeClr val="tx1"/>
+                </a:solidFill>
+                <a:latin typeface="+mn-lt"/>
+                <a:ea typeface="+mn-ea"/>
+                <a:cs typeface="+mn-cs"/>
+              </a:defRPr>
+            </a:lvl2pPr>
+            <a:lvl3pPr marL="914241" algn="l" defTabSz="457120" rtl="0" eaLnBrk="1" latinLnBrk="0" hangingPunct="1">
+              <a:defRPr sz="1799" kern="1200">
+                <a:solidFill>
+                  <a:schemeClr val="tx1"/>
+                </a:solidFill>
+                <a:latin typeface="+mn-lt"/>
+                <a:ea typeface="+mn-ea"/>
+                <a:cs typeface="+mn-cs"/>
+              </a:defRPr>
+            </a:lvl3pPr>
+            <a:lvl4pPr marL="1371361" algn="l" defTabSz="457120" rtl="0" eaLnBrk="1" latinLnBrk="0" hangingPunct="1">
+              <a:defRPr sz="1799" kern="1200">
+                <a:solidFill>
+                  <a:schemeClr val="tx1"/>
+                </a:solidFill>
+                <a:latin typeface="+mn-lt"/>
+                <a:ea typeface="+mn-ea"/>
+                <a:cs typeface="+mn-cs"/>
+              </a:defRPr>
+            </a:lvl4pPr>
+            <a:lvl5pPr marL="1828481" algn="l" defTabSz="457120" rtl="0" eaLnBrk="1" latinLnBrk="0" hangingPunct="1">
+              <a:defRPr sz="1799" kern="1200">
+                <a:solidFill>
+                  <a:schemeClr val="tx1"/>
+                </a:solidFill>
+                <a:latin typeface="+mn-lt"/>
+                <a:ea typeface="+mn-ea"/>
+                <a:cs typeface="+mn-cs"/>
+              </a:defRPr>
+            </a:lvl5pPr>
+            <a:lvl6pPr marL="2285602" algn="l" defTabSz="457120" rtl="0" eaLnBrk="1" latinLnBrk="0" hangingPunct="1">
+              <a:defRPr sz="1799" kern="1200">
+                <a:solidFill>
+                  <a:schemeClr val="tx1"/>
+                </a:solidFill>
+                <a:latin typeface="+mn-lt"/>
+                <a:ea typeface="+mn-ea"/>
+                <a:cs typeface="+mn-cs"/>
+              </a:defRPr>
+            </a:lvl6pPr>
+            <a:lvl7pPr marL="2742722" algn="l" defTabSz="457120" rtl="0" eaLnBrk="1" latinLnBrk="0" hangingPunct="1">
+              <a:defRPr sz="1799" kern="1200">
+                <a:solidFill>
+                  <a:schemeClr val="tx1"/>
+                </a:solidFill>
+                <a:latin typeface="+mn-lt"/>
+                <a:ea typeface="+mn-ea"/>
+                <a:cs typeface="+mn-cs"/>
+              </a:defRPr>
+            </a:lvl7pPr>
+            <a:lvl8pPr marL="3199842" algn="l" defTabSz="457120" rtl="0" eaLnBrk="1" latinLnBrk="0" hangingPunct="1">
+              <a:defRPr sz="1799" kern="1200">
+                <a:solidFill>
+                  <a:schemeClr val="tx1"/>
+                </a:solidFill>
+                <a:latin typeface="+mn-lt"/>
+                <a:ea typeface="+mn-ea"/>
+                <a:cs typeface="+mn-cs"/>
+              </a:defRPr>
+            </a:lvl8pPr>
+            <a:lvl9pPr marL="3656962" algn="l" defTabSz="457120" rtl="0" eaLnBrk="1" latinLnBrk="0" hangingPunct="1">
+              <a:defRPr sz="1799" kern="1200">
+                <a:solidFill>
+                  <a:schemeClr val="tx1"/>
+                </a:solidFill>
+                <a:latin typeface="+mn-lt"/>
+                <a:ea typeface="+mn-ea"/>
+                <a:cs typeface="+mn-cs"/>
+              </a:defRPr>
+            </a:lvl9pPr>
+          </a:lstStyle>
+          <a:p>
+            <a:r>
+              <a:rPr lang="en-GB" sz="3000" dirty="0">
+                <a:latin typeface="Latin Modern Math" panose="02000503000000000000" pitchFamily="50" charset="0"/>
+                <a:ea typeface="Latin Modern Math" panose="02000503000000000000" pitchFamily="50" charset="0"/>
+              </a:rPr>
+              <a:t>c</a:t>
+            </a:r>
+          </a:p>
+        </p:txBody>
+      </p:sp>
+      <p:pic>
+        <p:nvPicPr>
+          <p:cNvPr id="30" name="Picture 29"/>
+          <p:cNvPicPr>
+            <a:picLocks noChangeAspect="1"/>
+          </p:cNvPicPr>
+          <p:nvPr/>
+        </p:nvPicPr>
+        <p:blipFill>
+          <a:blip r:embed="rId4"/>
+          <a:stretch>
+            <a:fillRect/>
+          </a:stretch>
+        </p:blipFill>
+        <p:spPr>
+          <a:xfrm>
+            <a:off x="6439770" y="742830"/>
+            <a:ext cx="4533900" cy="6819900"/>
+          </a:xfrm>
+          <a:prstGeom prst="rect">
+            <a:avLst/>
+          </a:prstGeom>
+        </p:spPr>
+      </p:pic>
+      <p:sp>
+        <p:nvSpPr>
+          <p:cNvPr id="31" name="TextBox 8"/>
+          <p:cNvSpPr txBox="1"/>
+          <p:nvPr/>
+        </p:nvSpPr>
+        <p:spPr>
+          <a:xfrm>
+            <a:off x="5962504" y="1029953"/>
+            <a:ext cx="3417369" cy="553998"/>
+          </a:xfrm>
+          <a:prstGeom prst="rect">
+            <a:avLst/>
+          </a:prstGeom>
+          <a:noFill/>
+        </p:spPr>
+        <p:txBody>
+          <a:bodyPr wrap="square" rtlCol="0">
+            <a:spAutoFit/>
+          </a:bodyPr>
+          <a:lstStyle>
+            <a:defPPr>
+              <a:defRPr lang="en-US"/>
+            </a:defPPr>
+            <a:lvl1pPr marL="0" algn="l" defTabSz="457120" rtl="0" eaLnBrk="1" latinLnBrk="0" hangingPunct="1">
+              <a:defRPr sz="1799" kern="1200">
+                <a:solidFill>
+                  <a:schemeClr val="tx1"/>
+                </a:solidFill>
+                <a:latin typeface="+mn-lt"/>
+                <a:ea typeface="+mn-ea"/>
+                <a:cs typeface="+mn-cs"/>
+              </a:defRPr>
+            </a:lvl1pPr>
+            <a:lvl2pPr marL="457120" algn="l" defTabSz="457120" rtl="0" eaLnBrk="1" latinLnBrk="0" hangingPunct="1">
+              <a:defRPr sz="1799" kern="1200">
+                <a:solidFill>
+                  <a:schemeClr val="tx1"/>
+                </a:solidFill>
+                <a:latin typeface="+mn-lt"/>
+                <a:ea typeface="+mn-ea"/>
+                <a:cs typeface="+mn-cs"/>
+              </a:defRPr>
+            </a:lvl2pPr>
+            <a:lvl3pPr marL="914241" algn="l" defTabSz="457120" rtl="0" eaLnBrk="1" latinLnBrk="0" hangingPunct="1">
+              <a:defRPr sz="1799" kern="1200">
+                <a:solidFill>
+                  <a:schemeClr val="tx1"/>
+                </a:solidFill>
+                <a:latin typeface="+mn-lt"/>
+                <a:ea typeface="+mn-ea"/>
+                <a:cs typeface="+mn-cs"/>
+              </a:defRPr>
+            </a:lvl3pPr>
+            <a:lvl4pPr marL="1371361" algn="l" defTabSz="457120" rtl="0" eaLnBrk="1" latinLnBrk="0" hangingPunct="1">
+              <a:defRPr sz="1799" kern="1200">
+                <a:solidFill>
+                  <a:schemeClr val="tx1"/>
+                </a:solidFill>
+                <a:latin typeface="+mn-lt"/>
+                <a:ea typeface="+mn-ea"/>
+                <a:cs typeface="+mn-cs"/>
+              </a:defRPr>
+            </a:lvl4pPr>
+            <a:lvl5pPr marL="1828481" algn="l" defTabSz="457120" rtl="0" eaLnBrk="1" latinLnBrk="0" hangingPunct="1">
+              <a:defRPr sz="1799" kern="1200">
+                <a:solidFill>
+                  <a:schemeClr val="tx1"/>
+                </a:solidFill>
+                <a:latin typeface="+mn-lt"/>
+                <a:ea typeface="+mn-ea"/>
+                <a:cs typeface="+mn-cs"/>
+              </a:defRPr>
+            </a:lvl5pPr>
+            <a:lvl6pPr marL="2285602" algn="l" defTabSz="457120" rtl="0" eaLnBrk="1" latinLnBrk="0" hangingPunct="1">
+              <a:defRPr sz="1799" kern="1200">
+                <a:solidFill>
+                  <a:schemeClr val="tx1"/>
+                </a:solidFill>
+                <a:latin typeface="+mn-lt"/>
+                <a:ea typeface="+mn-ea"/>
+                <a:cs typeface="+mn-cs"/>
+              </a:defRPr>
+            </a:lvl6pPr>
+            <a:lvl7pPr marL="2742722" algn="l" defTabSz="457120" rtl="0" eaLnBrk="1" latinLnBrk="0" hangingPunct="1">
+              <a:defRPr sz="1799" kern="1200">
+                <a:solidFill>
+                  <a:schemeClr val="tx1"/>
+                </a:solidFill>
+                <a:latin typeface="+mn-lt"/>
+                <a:ea typeface="+mn-ea"/>
+                <a:cs typeface="+mn-cs"/>
+              </a:defRPr>
+            </a:lvl7pPr>
+            <a:lvl8pPr marL="3199842" algn="l" defTabSz="457120" rtl="0" eaLnBrk="1" latinLnBrk="0" hangingPunct="1">
+              <a:defRPr sz="1799" kern="1200">
+                <a:solidFill>
+                  <a:schemeClr val="tx1"/>
+                </a:solidFill>
+                <a:latin typeface="+mn-lt"/>
+                <a:ea typeface="+mn-ea"/>
+                <a:cs typeface="+mn-cs"/>
+              </a:defRPr>
+            </a:lvl8pPr>
+            <a:lvl9pPr marL="3656962" algn="l" defTabSz="457120" rtl="0" eaLnBrk="1" latinLnBrk="0" hangingPunct="1">
+              <a:defRPr sz="1799" kern="1200">
+                <a:solidFill>
+                  <a:schemeClr val="tx1"/>
+                </a:solidFill>
+                <a:latin typeface="+mn-lt"/>
+                <a:ea typeface="+mn-ea"/>
+                <a:cs typeface="+mn-cs"/>
+              </a:defRPr>
+            </a:lvl9pPr>
+          </a:lstStyle>
+          <a:p>
+            <a:r>
+              <a:rPr lang="en-GB" sz="3000" dirty="0">
+                <a:latin typeface="Latin Modern Math" panose="02000503000000000000" pitchFamily="50" charset="0"/>
+                <a:ea typeface="Latin Modern Math" panose="02000503000000000000" pitchFamily="50" charset="0"/>
+              </a:rPr>
+              <a:t>b</a:t>
+            </a:r>
+          </a:p>
+        </p:txBody>
+      </p:sp>
+      <p:sp>
+        <p:nvSpPr>
+          <p:cNvPr id="32" name="TextBox 31"/>
+          <p:cNvSpPr txBox="1"/>
+          <p:nvPr/>
+        </p:nvSpPr>
+        <p:spPr>
+          <a:xfrm>
+            <a:off x="4914900" y="3314700"/>
+            <a:ext cx="1047604" cy="3231654"/>
+          </a:xfrm>
+          <a:prstGeom prst="rect">
+            <a:avLst/>
+          </a:prstGeom>
+          <a:noFill/>
+        </p:spPr>
+        <p:txBody>
+          <a:bodyPr wrap="square" rtlCol="0">
+            <a:spAutoFit/>
+          </a:bodyPr>
+          <a:lstStyle/>
+          <a:p>
+            <a:r>
+              <a:rPr lang="en-GB" sz="1200" dirty="0" smtClean="0"/>
+              <a:t>3000</a:t>
+            </a:r>
+          </a:p>
+          <a:p>
+            <a:endParaRPr lang="en-GB" sz="1200" dirty="0" smtClean="0"/>
+          </a:p>
+          <a:p>
+            <a:r>
+              <a:rPr lang="en-GB" sz="1200" dirty="0" smtClean="0"/>
+              <a:t>2000</a:t>
+            </a:r>
+          </a:p>
+          <a:p>
+            <a:endParaRPr lang="en-GB" sz="1200" dirty="0" smtClean="0"/>
+          </a:p>
+          <a:p>
+            <a:r>
+              <a:rPr lang="en-GB" sz="1200" dirty="0" smtClean="0"/>
+              <a:t>1500</a:t>
+            </a:r>
+          </a:p>
+          <a:p>
+            <a:endParaRPr lang="en-GB" sz="1200" dirty="0" smtClean="0"/>
+          </a:p>
+          <a:p>
+            <a:r>
+              <a:rPr lang="en-GB" sz="1200" dirty="0" smtClean="0"/>
+              <a:t>1000</a:t>
+            </a:r>
+          </a:p>
+          <a:p>
+            <a:endParaRPr lang="en-GB" sz="1200" dirty="0"/>
+          </a:p>
+          <a:p>
+            <a:r>
+              <a:rPr lang="en-GB" sz="1200" dirty="0" smtClean="0"/>
+              <a:t>700</a:t>
+            </a:r>
+          </a:p>
+          <a:p>
+            <a:r>
+              <a:rPr lang="en-GB" sz="1200" dirty="0" smtClean="0"/>
+              <a:t>600</a:t>
+            </a:r>
+          </a:p>
+          <a:p>
+            <a:r>
+              <a:rPr lang="en-GB" sz="1200" dirty="0" smtClean="0"/>
+              <a:t>500</a:t>
+            </a:r>
+          </a:p>
+          <a:p>
+            <a:r>
+              <a:rPr lang="en-GB" sz="1200" dirty="0" smtClean="0"/>
+              <a:t>400</a:t>
+            </a:r>
+          </a:p>
+          <a:p>
+            <a:r>
+              <a:rPr lang="en-GB" sz="1200" dirty="0" smtClean="0"/>
+              <a:t>300</a:t>
+            </a:r>
+          </a:p>
+          <a:p>
+            <a:endParaRPr lang="en-GB" sz="1200" dirty="0"/>
+          </a:p>
+          <a:p>
+            <a:r>
+              <a:rPr lang="en-GB" sz="1200" dirty="0" smtClean="0"/>
+              <a:t>200</a:t>
+            </a:r>
+          </a:p>
+          <a:p>
+            <a:endParaRPr lang="en-GB" sz="1200" dirty="0"/>
+          </a:p>
+          <a:p>
+            <a:r>
+              <a:rPr lang="en-GB" sz="1200" dirty="0" smtClean="0"/>
+              <a:t>100</a:t>
+            </a:r>
+            <a:endParaRPr lang="en-GB" sz="1200" dirty="0"/>
+          </a:p>
+        </p:txBody>
+      </p:sp>
+      <p:sp>
+        <p:nvSpPr>
+          <p:cNvPr id="33" name="TextBox 32"/>
+          <p:cNvSpPr txBox="1"/>
+          <p:nvPr/>
+        </p:nvSpPr>
+        <p:spPr>
+          <a:xfrm>
+            <a:off x="1210618" y="10216366"/>
+            <a:ext cx="1047604" cy="2677656"/>
+          </a:xfrm>
+          <a:prstGeom prst="rect">
+            <a:avLst/>
+          </a:prstGeom>
+          <a:noFill/>
+        </p:spPr>
+        <p:txBody>
+          <a:bodyPr wrap="square" rtlCol="0">
+            <a:spAutoFit/>
+          </a:bodyPr>
+          <a:lstStyle/>
+          <a:p>
+            <a:r>
+              <a:rPr lang="en-GB" sz="1200" dirty="0" smtClean="0"/>
+              <a:t>3000</a:t>
+            </a:r>
+          </a:p>
+          <a:p>
+            <a:r>
+              <a:rPr lang="en-GB" sz="1200" dirty="0" smtClean="0"/>
+              <a:t>2000</a:t>
+            </a:r>
+          </a:p>
+          <a:p>
+            <a:r>
+              <a:rPr lang="en-GB" sz="1200" dirty="0" smtClean="0"/>
+              <a:t>1500</a:t>
+            </a:r>
+          </a:p>
+          <a:p>
+            <a:endParaRPr lang="en-GB" sz="1200" dirty="0" smtClean="0"/>
+          </a:p>
+          <a:p>
+            <a:r>
+              <a:rPr lang="en-GB" sz="1200" dirty="0" smtClean="0"/>
+              <a:t>1000</a:t>
+            </a:r>
+          </a:p>
+          <a:p>
+            <a:endParaRPr lang="en-GB" sz="1200" dirty="0"/>
+          </a:p>
+          <a:p>
+            <a:r>
+              <a:rPr lang="en-GB" sz="1200" dirty="0" smtClean="0"/>
+              <a:t>700</a:t>
+            </a:r>
+          </a:p>
+          <a:p>
+            <a:r>
+              <a:rPr lang="en-GB" sz="1200" dirty="0" smtClean="0"/>
+              <a:t>600</a:t>
+            </a:r>
+          </a:p>
+          <a:p>
+            <a:r>
+              <a:rPr lang="en-GB" sz="1200" dirty="0" smtClean="0"/>
+              <a:t>500</a:t>
+            </a:r>
+          </a:p>
+          <a:p>
+            <a:r>
+              <a:rPr lang="en-GB" sz="1200" dirty="0" smtClean="0"/>
+              <a:t>400</a:t>
+            </a:r>
+          </a:p>
+          <a:p>
+            <a:r>
+              <a:rPr lang="en-GB" sz="1200" dirty="0" smtClean="0"/>
+              <a:t>300</a:t>
+            </a:r>
+            <a:endParaRPr lang="en-GB" sz="1200" dirty="0"/>
+          </a:p>
+          <a:p>
+            <a:r>
+              <a:rPr lang="en-GB" sz="1200" dirty="0" smtClean="0"/>
+              <a:t>200</a:t>
+            </a:r>
+          </a:p>
+          <a:p>
+            <a:endParaRPr lang="en-GB" sz="1200" dirty="0"/>
+          </a:p>
+          <a:p>
+            <a:r>
+              <a:rPr lang="en-GB" sz="1200" dirty="0" smtClean="0"/>
+              <a:t>100</a:t>
+            </a:r>
+            <a:endParaRPr lang="en-GB" sz="1200" dirty="0"/>
+          </a:p>
+        </p:txBody>
+      </p:sp>
+      <p:cxnSp>
+        <p:nvCxnSpPr>
+          <p:cNvPr id="26" name="Straight Connector 25"/>
+          <p:cNvCxnSpPr/>
+          <p:nvPr/>
+        </p:nvCxnSpPr>
+        <p:spPr>
+          <a:xfrm>
+            <a:off x="3920543" y="1785551"/>
+            <a:ext cx="672204" cy="0"/>
+          </a:xfrm>
+          <a:prstGeom prst="line">
+            <a:avLst/>
+          </a:prstGeom>
+          <a:ln>
+            <a:solidFill>
+              <a:schemeClr val="tx1"/>
+            </a:solidFill>
+          </a:ln>
+        </p:spPr>
+        <p:style>
+          <a:lnRef idx="1">
+            <a:schemeClr val="accent1"/>
+          </a:lnRef>
+          <a:fillRef idx="0">
+            <a:schemeClr val="accent1"/>
+          </a:fillRef>
+          <a:effectRef idx="0">
+            <a:schemeClr val="accent1"/>
+          </a:effectRef>
+          <a:fontRef idx="minor">
+            <a:schemeClr val="tx1"/>
+          </a:fontRef>
+        </p:style>
+      </p:cxnSp>
+    </p:spTree>
+    <p:extLst>
+      <p:ext uri="{BB962C8B-B14F-4D97-AF65-F5344CB8AC3E}">
+        <p14:creationId xmlns:p14="http://schemas.microsoft.com/office/powerpoint/2010/main" val="3214221866"/>
+      </p:ext>
+    </p:extLst>
+  </p:cSld>
+  <p:clrMapOvr>
+    <a:masterClrMapping/>
+  </p:clrMapOvr>
+  <p:timing>
+    <p:tnLst>
+      <p:par>
+        <p:cTn id="1" dur="indefinite" restart="never" nodeType="tmRoot"/>
+      </p:par>
+    </p:tnLst>
+  </p:timing>
+</p:sld>
+</file>
+
+<file path=ppt/slides/slide6.xml><?xml version="1.0" encoding="utf-8"?>
+<p:sld xmlns:a="http://schemas.openxmlformats.org/drawingml/2006/main" xmlns:r="http://schemas.openxmlformats.org/officeDocument/2006/relationships" xmlns:p="http://schemas.openxmlformats.org/presentationml/2006/main">
+  <p:cSld>
+    <p:spTree>
+      <p:nvGrpSpPr>
+        <p:cNvPr id="1" name=""/>
+        <p:cNvGrpSpPr/>
+        <p:nvPr/>
+      </p:nvGrpSpPr>
+      <p:grpSpPr>
+        <a:xfrm>
+          <a:off x="0" y="0"/>
+          <a:ext cx="0" cy="0"/>
+          <a:chOff x="0" y="0"/>
+          <a:chExt cx="0" cy="0"/>
+        </a:xfrm>
+      </p:grpSpPr>
+      <p:sp>
+        <p:nvSpPr>
+          <p:cNvPr id="7" name="TextBox 6"/>
+          <p:cNvSpPr txBox="1"/>
+          <p:nvPr/>
+        </p:nvSpPr>
+        <p:spPr>
+          <a:xfrm>
+            <a:off x="762050" y="2812032"/>
+            <a:ext cx="4478538" cy="323165"/>
+          </a:xfrm>
+          <a:prstGeom prst="rect">
+            <a:avLst/>
+          </a:prstGeom>
+          <a:noFill/>
+        </p:spPr>
+        <p:txBody>
+          <a:bodyPr wrap="square" rtlCol="0">
+            <a:spAutoFit/>
+          </a:bodyPr>
+          <a:lstStyle/>
+          <a:p>
+            <a:r>
+              <a:rPr lang="en-GB" sz="1500" dirty="0" smtClean="0">
+                <a:solidFill>
+                  <a:srgbClr val="7030A0"/>
+                </a:solidFill>
+                <a:latin typeface="Latin Modern Math" panose="02000503000000000000" pitchFamily="50" charset="0"/>
+                <a:ea typeface="Latin Modern Math" panose="02000503000000000000" pitchFamily="50" charset="0"/>
+              </a:rPr>
+              <a:t>AAGCAGTGGTATCAACGCAGACGTACXX</a:t>
+            </a:r>
+            <a:endParaRPr lang="en-GB" sz="1500" dirty="0">
+              <a:solidFill>
+                <a:srgbClr val="7030A0"/>
+              </a:solidFill>
+              <a:latin typeface="Latin Modern Math" panose="02000503000000000000" pitchFamily="50" charset="0"/>
+              <a:ea typeface="Latin Modern Math" panose="02000503000000000000" pitchFamily="50" charset="0"/>
+            </a:endParaRPr>
+          </a:p>
+        </p:txBody>
+      </p:sp>
+      <p:cxnSp>
+        <p:nvCxnSpPr>
+          <p:cNvPr id="8" name="Straight Connector 7"/>
+          <p:cNvCxnSpPr/>
+          <p:nvPr/>
+        </p:nvCxnSpPr>
+        <p:spPr>
+          <a:xfrm>
+            <a:off x="5214512" y="1460345"/>
+            <a:ext cx="1885950" cy="0"/>
+          </a:xfrm>
+          <a:prstGeom prst="line">
+            <a:avLst/>
+          </a:prstGeom>
+          <a:ln w="38100">
+            <a:solidFill>
+              <a:schemeClr val="accent2"/>
+            </a:solidFill>
+          </a:ln>
+        </p:spPr>
+        <p:style>
+          <a:lnRef idx="1">
+            <a:schemeClr val="accent1"/>
+          </a:lnRef>
+          <a:fillRef idx="0">
+            <a:schemeClr val="accent1"/>
+          </a:fillRef>
+          <a:effectRef idx="0">
+            <a:schemeClr val="accent1"/>
+          </a:effectRef>
+          <a:fontRef idx="minor">
+            <a:schemeClr val="tx1"/>
+          </a:fontRef>
+        </p:style>
+      </p:cxnSp>
+      <p:sp>
+        <p:nvSpPr>
+          <p:cNvPr id="9" name="TextBox 8"/>
+          <p:cNvSpPr txBox="1"/>
+          <p:nvPr/>
+        </p:nvSpPr>
+        <p:spPr>
+          <a:xfrm>
+            <a:off x="7189362" y="1624371"/>
+            <a:ext cx="4803775" cy="323165"/>
+          </a:xfrm>
+          <a:prstGeom prst="rect">
+            <a:avLst/>
+          </a:prstGeom>
+          <a:noFill/>
+        </p:spPr>
+        <p:txBody>
+          <a:bodyPr wrap="square" rtlCol="0">
+            <a:spAutoFit/>
+          </a:bodyPr>
+          <a:lstStyle/>
+          <a:p>
+            <a:r>
+              <a:rPr lang="en-GB" sz="1500" dirty="0" smtClean="0">
+                <a:solidFill>
+                  <a:schemeClr val="accent2"/>
+                </a:solidFill>
+                <a:latin typeface="Latin Modern Math" panose="02000503000000000000" pitchFamily="50" charset="0"/>
+                <a:ea typeface="Latin Modern Math" panose="02000503000000000000" pitchFamily="50" charset="0"/>
+              </a:rPr>
+              <a:t>T(30)CATGAGACGCAACTATCGGTGACGAA</a:t>
+            </a:r>
+            <a:endParaRPr lang="en-GB" sz="1500" dirty="0">
+              <a:solidFill>
+                <a:schemeClr val="accent2"/>
+              </a:solidFill>
+              <a:latin typeface="Latin Modern Math" panose="02000503000000000000" pitchFamily="50" charset="0"/>
+              <a:ea typeface="Latin Modern Math" panose="02000503000000000000" pitchFamily="50" charset="0"/>
+            </a:endParaRPr>
+          </a:p>
+        </p:txBody>
+      </p:sp>
+      <p:sp>
+        <p:nvSpPr>
+          <p:cNvPr id="10" name="TextBox 9"/>
+          <p:cNvSpPr txBox="1"/>
+          <p:nvPr/>
+        </p:nvSpPr>
+        <p:spPr>
+          <a:xfrm>
+            <a:off x="4935112" y="1248689"/>
+            <a:ext cx="558800" cy="369332"/>
+          </a:xfrm>
+          <a:prstGeom prst="rect">
+            <a:avLst/>
+          </a:prstGeom>
+          <a:noFill/>
+        </p:spPr>
+        <p:txBody>
+          <a:bodyPr wrap="square" rtlCol="0">
+            <a:spAutoFit/>
+          </a:bodyPr>
+          <a:lstStyle/>
+          <a:p>
+            <a:r>
+              <a:rPr lang="en-GB" dirty="0" smtClean="0">
+                <a:solidFill>
+                  <a:schemeClr val="accent2"/>
+                </a:solidFill>
+              </a:rPr>
+              <a:t>5’</a:t>
+            </a:r>
+            <a:endParaRPr lang="en-GB" dirty="0">
+              <a:solidFill>
+                <a:schemeClr val="accent2"/>
+              </a:solidFill>
+            </a:endParaRPr>
+          </a:p>
+        </p:txBody>
+      </p:sp>
+      <p:sp>
+        <p:nvSpPr>
+          <p:cNvPr id="11" name="TextBox 10"/>
+          <p:cNvSpPr txBox="1"/>
+          <p:nvPr/>
+        </p:nvSpPr>
+        <p:spPr>
+          <a:xfrm>
+            <a:off x="7011562" y="1248689"/>
+            <a:ext cx="2543175" cy="369332"/>
+          </a:xfrm>
+          <a:prstGeom prst="rect">
+            <a:avLst/>
+          </a:prstGeom>
+          <a:noFill/>
+        </p:spPr>
+        <p:txBody>
+          <a:bodyPr wrap="square" rtlCol="0">
+            <a:spAutoFit/>
+          </a:bodyPr>
+          <a:lstStyle/>
+          <a:p>
+            <a:r>
+              <a:rPr lang="en-GB" dirty="0" smtClean="0">
+                <a:solidFill>
+                  <a:schemeClr val="accent2"/>
+                </a:solidFill>
+              </a:rPr>
+              <a:t> polyA 3’ </a:t>
+            </a:r>
+            <a:endParaRPr lang="en-GB" dirty="0">
+              <a:solidFill>
+                <a:schemeClr val="accent2"/>
+              </a:solidFill>
+            </a:endParaRPr>
+          </a:p>
+        </p:txBody>
+      </p:sp>
+      <p:sp>
+        <p:nvSpPr>
+          <p:cNvPr id="12" name="Right Brace 11"/>
+          <p:cNvSpPr/>
+          <p:nvPr/>
+        </p:nvSpPr>
+        <p:spPr>
+          <a:xfrm rot="16200000">
+            <a:off x="7700000" y="1706578"/>
+            <a:ext cx="102674" cy="379242"/>
+          </a:xfrm>
+          <a:prstGeom prst="rightBrace">
+            <a:avLst/>
+          </a:prstGeom>
+          <a:ln>
+            <a:solidFill>
+              <a:schemeClr val="bg2">
+                <a:lumMod val="75000"/>
+              </a:schemeClr>
+            </a:solidFill>
+          </a:ln>
+        </p:spPr>
+        <p:style>
+          <a:lnRef idx="1">
+            <a:schemeClr val="accent1"/>
+          </a:lnRef>
+          <a:fillRef idx="0">
+            <a:schemeClr val="accent1"/>
+          </a:fillRef>
+          <a:effectRef idx="0">
+            <a:schemeClr val="accent1"/>
+          </a:effectRef>
+          <a:fontRef idx="minor">
+            <a:schemeClr val="tx1"/>
+          </a:fontRef>
+        </p:style>
+        <p:txBody>
+          <a:bodyPr rtlCol="0" anchor="ctr"/>
+          <a:lstStyle/>
+          <a:p>
+            <a:pPr algn="ctr"/>
+            <a:endParaRPr lang="en-GB"/>
+          </a:p>
+        </p:txBody>
+      </p:sp>
+      <p:sp>
+        <p:nvSpPr>
+          <p:cNvPr id="13" name="TextBox 12"/>
+          <p:cNvSpPr txBox="1"/>
+          <p:nvPr/>
+        </p:nvSpPr>
+        <p:spPr>
+          <a:xfrm>
+            <a:off x="7294137" y="1908899"/>
+            <a:ext cx="3632200" cy="307777"/>
+          </a:xfrm>
+          <a:prstGeom prst="rect">
+            <a:avLst/>
+          </a:prstGeom>
+          <a:noFill/>
+        </p:spPr>
+        <p:txBody>
+          <a:bodyPr wrap="square" rtlCol="0">
+            <a:spAutoFit/>
+          </a:bodyPr>
+          <a:lstStyle/>
+          <a:p>
+            <a:r>
+              <a:rPr lang="en-GB" sz="1400" i="1" dirty="0" smtClean="0">
+                <a:solidFill>
+                  <a:schemeClr val="bg1">
+                    <a:lumMod val="50000"/>
+                  </a:schemeClr>
+                </a:solidFill>
+              </a:rPr>
+              <a:t>16bp Barcode </a:t>
+            </a:r>
+            <a:endParaRPr lang="en-GB" sz="1400" i="1" dirty="0">
+              <a:solidFill>
+                <a:schemeClr val="bg1">
+                  <a:lumMod val="50000"/>
+                </a:schemeClr>
+              </a:solidFill>
+            </a:endParaRPr>
+          </a:p>
+        </p:txBody>
+      </p:sp>
+      <p:cxnSp>
+        <p:nvCxnSpPr>
+          <p:cNvPr id="14" name="Straight Connector 13"/>
+          <p:cNvCxnSpPr/>
+          <p:nvPr/>
+        </p:nvCxnSpPr>
+        <p:spPr>
+          <a:xfrm>
+            <a:off x="5214512" y="2925188"/>
+            <a:ext cx="1885950" cy="0"/>
+          </a:xfrm>
+          <a:prstGeom prst="line">
+            <a:avLst/>
+          </a:prstGeom>
+          <a:ln w="38100">
+            <a:solidFill>
+              <a:schemeClr val="accent2"/>
+            </a:solidFill>
+          </a:ln>
+        </p:spPr>
+        <p:style>
+          <a:lnRef idx="1">
+            <a:schemeClr val="accent1"/>
+          </a:lnRef>
+          <a:fillRef idx="0">
+            <a:schemeClr val="accent1"/>
+          </a:fillRef>
+          <a:effectRef idx="0">
+            <a:schemeClr val="accent1"/>
+          </a:effectRef>
+          <a:fontRef idx="minor">
+            <a:schemeClr val="tx1"/>
+          </a:fontRef>
+        </p:style>
+      </p:cxnSp>
+      <p:sp>
+        <p:nvSpPr>
+          <p:cNvPr id="15" name="TextBox 14"/>
+          <p:cNvSpPr txBox="1"/>
+          <p:nvPr/>
+        </p:nvSpPr>
+        <p:spPr>
+          <a:xfrm>
+            <a:off x="4935112" y="2713532"/>
+            <a:ext cx="558800" cy="369332"/>
+          </a:xfrm>
+          <a:prstGeom prst="rect">
+            <a:avLst/>
+          </a:prstGeom>
+          <a:noFill/>
+        </p:spPr>
+        <p:txBody>
+          <a:bodyPr wrap="square" rtlCol="0">
+            <a:spAutoFit/>
+          </a:bodyPr>
+          <a:lstStyle/>
+          <a:p>
+            <a:r>
+              <a:rPr lang="en-GB" dirty="0" smtClean="0">
+                <a:solidFill>
+                  <a:schemeClr val="accent2"/>
+                </a:solidFill>
+              </a:rPr>
+              <a:t>5’</a:t>
+            </a:r>
+            <a:endParaRPr lang="en-GB" dirty="0">
+              <a:solidFill>
+                <a:schemeClr val="accent2"/>
+              </a:solidFill>
+            </a:endParaRPr>
+          </a:p>
+        </p:txBody>
+      </p:sp>
+      <p:sp>
+        <p:nvSpPr>
+          <p:cNvPr id="16" name="TextBox 15"/>
+          <p:cNvSpPr txBox="1"/>
+          <p:nvPr/>
+        </p:nvSpPr>
+        <p:spPr>
+          <a:xfrm>
+            <a:off x="7011562" y="2713532"/>
+            <a:ext cx="2543175" cy="369332"/>
+          </a:xfrm>
+          <a:prstGeom prst="rect">
+            <a:avLst/>
+          </a:prstGeom>
+          <a:noFill/>
+        </p:spPr>
+        <p:txBody>
+          <a:bodyPr wrap="square" rtlCol="0">
+            <a:spAutoFit/>
+          </a:bodyPr>
+          <a:lstStyle/>
+          <a:p>
+            <a:r>
+              <a:rPr lang="en-GB" dirty="0" smtClean="0">
+                <a:solidFill>
+                  <a:schemeClr val="accent2"/>
+                </a:solidFill>
+              </a:rPr>
+              <a:t> polyA 3’ </a:t>
+            </a:r>
+            <a:endParaRPr lang="en-GB" dirty="0">
+              <a:solidFill>
+                <a:schemeClr val="accent2"/>
+              </a:solidFill>
+            </a:endParaRPr>
+          </a:p>
+        </p:txBody>
+      </p:sp>
+      <p:cxnSp>
+        <p:nvCxnSpPr>
+          <p:cNvPr id="18" name="Straight Arrow Connector 17"/>
+          <p:cNvCxnSpPr/>
+          <p:nvPr/>
+        </p:nvCxnSpPr>
+        <p:spPr>
+          <a:xfrm flipH="1">
+            <a:off x="6392437" y="1735153"/>
+            <a:ext cx="682625" cy="0"/>
+          </a:xfrm>
+          <a:prstGeom prst="straightConnector1">
+            <a:avLst/>
+          </a:prstGeom>
+          <a:ln w="38100">
+            <a:solidFill>
+              <a:srgbClr val="C00000"/>
+            </a:solidFill>
+            <a:tailEnd type="triangle"/>
+          </a:ln>
+        </p:spPr>
+        <p:style>
+          <a:lnRef idx="1">
+            <a:schemeClr val="accent1"/>
+          </a:lnRef>
+          <a:fillRef idx="0">
+            <a:schemeClr val="accent1"/>
+          </a:fillRef>
+          <a:effectRef idx="0">
+            <a:schemeClr val="accent1"/>
+          </a:effectRef>
+          <a:fontRef idx="minor">
+            <a:schemeClr val="tx1"/>
+          </a:fontRef>
+        </p:style>
+      </p:cxnSp>
+      <p:sp>
+        <p:nvSpPr>
+          <p:cNvPr id="19" name="TextBox 18"/>
+          <p:cNvSpPr txBox="1"/>
+          <p:nvPr/>
+        </p:nvSpPr>
+        <p:spPr>
+          <a:xfrm>
+            <a:off x="7189362" y="3150604"/>
+            <a:ext cx="4803775" cy="323165"/>
+          </a:xfrm>
+          <a:prstGeom prst="rect">
+            <a:avLst/>
+          </a:prstGeom>
+          <a:noFill/>
+        </p:spPr>
+        <p:txBody>
+          <a:bodyPr wrap="square" rtlCol="0">
+            <a:spAutoFit/>
+          </a:bodyPr>
+          <a:lstStyle/>
+          <a:p>
+            <a:r>
+              <a:rPr lang="en-GB" sz="1500" dirty="0" smtClean="0">
+                <a:solidFill>
+                  <a:schemeClr val="accent2"/>
+                </a:solidFill>
+                <a:latin typeface="Latin Modern Math" panose="02000503000000000000" pitchFamily="50" charset="0"/>
+                <a:ea typeface="Latin Modern Math" panose="02000503000000000000" pitchFamily="50" charset="0"/>
+              </a:rPr>
+              <a:t>T(30)CATGAGACGCAACTATGGTGACGAA</a:t>
+            </a:r>
+            <a:endParaRPr lang="en-GB" sz="1500" dirty="0">
+              <a:solidFill>
+                <a:schemeClr val="accent2"/>
+              </a:solidFill>
+              <a:latin typeface="Latin Modern Math" panose="02000503000000000000" pitchFamily="50" charset="0"/>
+              <a:ea typeface="Latin Modern Math" panose="02000503000000000000" pitchFamily="50" charset="0"/>
+            </a:endParaRPr>
+          </a:p>
+        </p:txBody>
+      </p:sp>
+      <p:cxnSp>
+        <p:nvCxnSpPr>
+          <p:cNvPr id="20" name="Straight Arrow Connector 19"/>
+          <p:cNvCxnSpPr/>
+          <p:nvPr/>
+        </p:nvCxnSpPr>
+        <p:spPr>
+          <a:xfrm flipH="1" flipV="1">
+            <a:off x="4935112" y="3252204"/>
+            <a:ext cx="2139952" cy="0"/>
+          </a:xfrm>
+          <a:prstGeom prst="straightConnector1">
+            <a:avLst/>
+          </a:prstGeom>
+          <a:ln w="38100">
+            <a:solidFill>
+              <a:srgbClr val="C00000"/>
+            </a:solidFill>
+            <a:tailEnd type="triangle"/>
+          </a:ln>
+        </p:spPr>
+        <p:style>
+          <a:lnRef idx="1">
+            <a:schemeClr val="accent1"/>
+          </a:lnRef>
+          <a:fillRef idx="0">
+            <a:schemeClr val="accent1"/>
+          </a:fillRef>
+          <a:effectRef idx="0">
+            <a:schemeClr val="accent1"/>
+          </a:effectRef>
+          <a:fontRef idx="minor">
+            <a:schemeClr val="tx1"/>
+          </a:fontRef>
+        </p:style>
+      </p:cxnSp>
+      <p:sp>
+        <p:nvSpPr>
+          <p:cNvPr id="22" name="TextBox 21"/>
+          <p:cNvSpPr txBox="1"/>
+          <p:nvPr/>
+        </p:nvSpPr>
+        <p:spPr>
+          <a:xfrm>
+            <a:off x="482650" y="3134916"/>
+            <a:ext cx="4478538" cy="323165"/>
+          </a:xfrm>
+          <a:prstGeom prst="rect">
+            <a:avLst/>
+          </a:prstGeom>
+          <a:noFill/>
+        </p:spPr>
+        <p:txBody>
+          <a:bodyPr wrap="square" rtlCol="0">
+            <a:spAutoFit/>
+          </a:bodyPr>
+          <a:lstStyle/>
+          <a:p>
+            <a:pPr algn="r"/>
+            <a:r>
+              <a:rPr lang="en-GB" sz="1500" dirty="0" smtClean="0">
+                <a:solidFill>
+                  <a:srgbClr val="C00000"/>
+                </a:solidFill>
+                <a:latin typeface="Latin Modern Math" panose="02000503000000000000" pitchFamily="50" charset="0"/>
+                <a:ea typeface="Latin Modern Math" panose="02000503000000000000" pitchFamily="50" charset="0"/>
+              </a:rPr>
+              <a:t>XX</a:t>
+            </a:r>
+            <a:endParaRPr lang="en-GB" sz="1500" dirty="0">
+              <a:solidFill>
+                <a:srgbClr val="C00000"/>
+              </a:solidFill>
+              <a:latin typeface="Latin Modern Math" panose="02000503000000000000" pitchFamily="50" charset="0"/>
+              <a:ea typeface="Latin Modern Math" panose="02000503000000000000" pitchFamily="50" charset="0"/>
+            </a:endParaRPr>
+          </a:p>
+        </p:txBody>
+      </p:sp>
+      <p:cxnSp>
+        <p:nvCxnSpPr>
+          <p:cNvPr id="25" name="Straight Connector 24"/>
+          <p:cNvCxnSpPr/>
+          <p:nvPr/>
+        </p:nvCxnSpPr>
+        <p:spPr>
+          <a:xfrm>
+            <a:off x="5214512" y="4298772"/>
+            <a:ext cx="1885950" cy="0"/>
+          </a:xfrm>
+          <a:prstGeom prst="line">
+            <a:avLst/>
+          </a:prstGeom>
+          <a:ln w="38100">
+            <a:solidFill>
+              <a:schemeClr val="accent2"/>
+            </a:solidFill>
+          </a:ln>
+        </p:spPr>
+        <p:style>
+          <a:lnRef idx="1">
+            <a:schemeClr val="accent1"/>
+          </a:lnRef>
+          <a:fillRef idx="0">
+            <a:schemeClr val="accent1"/>
+          </a:fillRef>
+          <a:effectRef idx="0">
+            <a:schemeClr val="accent1"/>
+          </a:effectRef>
+          <a:fontRef idx="minor">
+            <a:schemeClr val="tx1"/>
+          </a:fontRef>
+        </p:style>
+      </p:cxnSp>
+      <p:sp>
+        <p:nvSpPr>
+          <p:cNvPr id="26" name="TextBox 25"/>
+          <p:cNvSpPr txBox="1"/>
+          <p:nvPr/>
+        </p:nvSpPr>
+        <p:spPr>
+          <a:xfrm>
+            <a:off x="4935112" y="4087116"/>
+            <a:ext cx="558800" cy="369332"/>
+          </a:xfrm>
+          <a:prstGeom prst="rect">
+            <a:avLst/>
+          </a:prstGeom>
+          <a:noFill/>
+        </p:spPr>
+        <p:txBody>
+          <a:bodyPr wrap="square" rtlCol="0">
+            <a:spAutoFit/>
+          </a:bodyPr>
+          <a:lstStyle/>
+          <a:p>
+            <a:r>
+              <a:rPr lang="en-GB" dirty="0" smtClean="0">
+                <a:solidFill>
+                  <a:schemeClr val="accent2"/>
+                </a:solidFill>
+              </a:rPr>
+              <a:t>5’</a:t>
+            </a:r>
+            <a:endParaRPr lang="en-GB" dirty="0">
+              <a:solidFill>
+                <a:schemeClr val="accent2"/>
+              </a:solidFill>
+            </a:endParaRPr>
+          </a:p>
+        </p:txBody>
+      </p:sp>
+      <p:sp>
+        <p:nvSpPr>
+          <p:cNvPr id="27" name="TextBox 26"/>
+          <p:cNvSpPr txBox="1"/>
+          <p:nvPr/>
+        </p:nvSpPr>
+        <p:spPr>
+          <a:xfrm>
+            <a:off x="7011562" y="4087116"/>
+            <a:ext cx="2543175" cy="369332"/>
+          </a:xfrm>
+          <a:prstGeom prst="rect">
+            <a:avLst/>
+          </a:prstGeom>
+          <a:noFill/>
+        </p:spPr>
+        <p:txBody>
+          <a:bodyPr wrap="square" rtlCol="0">
+            <a:spAutoFit/>
+          </a:bodyPr>
+          <a:lstStyle/>
+          <a:p>
+            <a:r>
+              <a:rPr lang="en-GB" dirty="0" smtClean="0">
+                <a:solidFill>
+                  <a:schemeClr val="accent2"/>
+                </a:solidFill>
+              </a:rPr>
+              <a:t> polyA 3’ </a:t>
+            </a:r>
+            <a:endParaRPr lang="en-GB" dirty="0">
+              <a:solidFill>
+                <a:schemeClr val="accent2"/>
+              </a:solidFill>
+            </a:endParaRPr>
+          </a:p>
+        </p:txBody>
+      </p:sp>
+      <p:sp>
+        <p:nvSpPr>
+          <p:cNvPr id="28" name="TextBox 27"/>
+          <p:cNvSpPr txBox="1"/>
+          <p:nvPr/>
+        </p:nvSpPr>
+        <p:spPr>
+          <a:xfrm>
+            <a:off x="7189362" y="4524188"/>
+            <a:ext cx="4803775" cy="323165"/>
+          </a:xfrm>
+          <a:prstGeom prst="rect">
+            <a:avLst/>
+          </a:prstGeom>
+          <a:noFill/>
+        </p:spPr>
+        <p:txBody>
+          <a:bodyPr wrap="square" rtlCol="0">
+            <a:spAutoFit/>
+          </a:bodyPr>
+          <a:lstStyle/>
+          <a:p>
+            <a:r>
+              <a:rPr lang="en-GB" sz="1500" dirty="0">
+                <a:solidFill>
+                  <a:schemeClr val="accent2"/>
+                </a:solidFill>
+                <a:latin typeface="Latin Modern Math" panose="02000503000000000000" pitchFamily="50" charset="0"/>
+                <a:ea typeface="Latin Modern Math" panose="02000503000000000000" pitchFamily="50" charset="0"/>
+              </a:rPr>
+              <a:t>T(30)CATGAGACGCAACTATGGTGACGAA</a:t>
+            </a:r>
+          </a:p>
+        </p:txBody>
+      </p:sp>
+      <p:cxnSp>
+        <p:nvCxnSpPr>
+          <p:cNvPr id="29" name="Straight Arrow Connector 28"/>
+          <p:cNvCxnSpPr/>
+          <p:nvPr/>
+        </p:nvCxnSpPr>
+        <p:spPr>
+          <a:xfrm flipH="1" flipV="1">
+            <a:off x="4935112" y="4625788"/>
+            <a:ext cx="2139952" cy="0"/>
+          </a:xfrm>
+          <a:prstGeom prst="straightConnector1">
+            <a:avLst/>
+          </a:prstGeom>
+          <a:ln w="38100">
+            <a:solidFill>
+              <a:srgbClr val="C00000"/>
+            </a:solidFill>
+            <a:tailEnd type="triangle"/>
+          </a:ln>
+        </p:spPr>
+        <p:style>
+          <a:lnRef idx="1">
+            <a:schemeClr val="accent1"/>
+          </a:lnRef>
+          <a:fillRef idx="0">
+            <a:schemeClr val="accent1"/>
+          </a:fillRef>
+          <a:effectRef idx="0">
+            <a:schemeClr val="accent1"/>
+          </a:effectRef>
+          <a:fontRef idx="minor">
+            <a:schemeClr val="tx1"/>
+          </a:fontRef>
+        </p:style>
+      </p:cxnSp>
+      <p:sp>
+        <p:nvSpPr>
+          <p:cNvPr id="31" name="TextBox 30"/>
+          <p:cNvSpPr txBox="1"/>
+          <p:nvPr/>
+        </p:nvSpPr>
+        <p:spPr>
+          <a:xfrm>
+            <a:off x="748457" y="4201304"/>
+            <a:ext cx="4478538" cy="323165"/>
+          </a:xfrm>
+          <a:prstGeom prst="rect">
+            <a:avLst/>
+          </a:prstGeom>
+          <a:noFill/>
+        </p:spPr>
+        <p:txBody>
+          <a:bodyPr wrap="square" rtlCol="0">
+            <a:spAutoFit/>
+          </a:bodyPr>
+          <a:lstStyle/>
+          <a:p>
+            <a:r>
+              <a:rPr lang="en-GB" sz="1500" dirty="0" smtClean="0">
+                <a:solidFill>
+                  <a:srgbClr val="7030A0"/>
+                </a:solidFill>
+                <a:latin typeface="Latin Modern Math" panose="02000503000000000000" pitchFamily="50" charset="0"/>
+                <a:ea typeface="Latin Modern Math" panose="02000503000000000000" pitchFamily="50" charset="0"/>
+              </a:rPr>
+              <a:t>  AAGCAGTGGTATCAACGCAGAGTACXX</a:t>
+            </a:r>
+            <a:endParaRPr lang="en-GB" sz="1500" dirty="0">
+              <a:solidFill>
+                <a:srgbClr val="7030A0"/>
+              </a:solidFill>
+              <a:latin typeface="Latin Modern Math" panose="02000503000000000000" pitchFamily="50" charset="0"/>
+              <a:ea typeface="Latin Modern Math" panose="02000503000000000000" pitchFamily="50" charset="0"/>
+            </a:endParaRPr>
+          </a:p>
+        </p:txBody>
+      </p:sp>
+      <p:sp>
+        <p:nvSpPr>
+          <p:cNvPr id="32" name="TextBox 31"/>
+          <p:cNvSpPr txBox="1"/>
+          <p:nvPr/>
+        </p:nvSpPr>
+        <p:spPr>
+          <a:xfrm>
+            <a:off x="443657" y="4524188"/>
+            <a:ext cx="4478538" cy="323165"/>
+          </a:xfrm>
+          <a:prstGeom prst="rect">
+            <a:avLst/>
+          </a:prstGeom>
+          <a:noFill/>
+        </p:spPr>
+        <p:txBody>
+          <a:bodyPr wrap="square" rtlCol="0">
+            <a:spAutoFit/>
+          </a:bodyPr>
+          <a:lstStyle/>
+          <a:p>
+            <a:pPr algn="r"/>
+            <a:r>
+              <a:rPr lang="en-GB" sz="1500" dirty="0" smtClean="0">
+                <a:solidFill>
+                  <a:schemeClr val="bg1">
+                    <a:lumMod val="65000"/>
+                  </a:schemeClr>
+                </a:solidFill>
+                <a:latin typeface="Latin Modern Math" panose="02000503000000000000" pitchFamily="50" charset="0"/>
+                <a:ea typeface="Latin Modern Math" panose="02000503000000000000" pitchFamily="50" charset="0"/>
+              </a:rPr>
+              <a:t>TTCGTCACCATAGTTGCGTCTCATGXX</a:t>
+            </a:r>
+            <a:endParaRPr lang="en-GB" sz="1500" dirty="0">
+              <a:solidFill>
+                <a:schemeClr val="bg1">
+                  <a:lumMod val="65000"/>
+                </a:schemeClr>
+              </a:solidFill>
+              <a:latin typeface="Latin Modern Math" panose="02000503000000000000" pitchFamily="50" charset="0"/>
+              <a:ea typeface="Latin Modern Math" panose="02000503000000000000" pitchFamily="50" charset="0"/>
+            </a:endParaRPr>
+          </a:p>
+        </p:txBody>
+      </p:sp>
+      <p:sp>
+        <p:nvSpPr>
+          <p:cNvPr id="36" name="TextBox 35"/>
+          <p:cNvSpPr txBox="1"/>
+          <p:nvPr/>
+        </p:nvSpPr>
+        <p:spPr>
+          <a:xfrm>
+            <a:off x="7152849" y="6019427"/>
+            <a:ext cx="4803775" cy="323165"/>
+          </a:xfrm>
+          <a:prstGeom prst="rect">
+            <a:avLst/>
+          </a:prstGeom>
+          <a:noFill/>
+        </p:spPr>
+        <p:txBody>
+          <a:bodyPr wrap="square" rtlCol="0">
+            <a:spAutoFit/>
+          </a:bodyPr>
+          <a:lstStyle/>
+          <a:p>
+            <a:r>
+              <a:rPr lang="en-GB" sz="1500" dirty="0">
+                <a:solidFill>
+                  <a:schemeClr val="accent2"/>
+                </a:solidFill>
+                <a:latin typeface="Latin Modern Math" panose="02000503000000000000" pitchFamily="50" charset="0"/>
+                <a:ea typeface="Latin Modern Math" panose="02000503000000000000" pitchFamily="50" charset="0"/>
+              </a:rPr>
+              <a:t>T(30)CATGAGACGCAACTATGGTGACGAA</a:t>
+            </a:r>
+          </a:p>
+        </p:txBody>
+      </p:sp>
+      <p:cxnSp>
+        <p:nvCxnSpPr>
+          <p:cNvPr id="37" name="Straight Arrow Connector 36"/>
+          <p:cNvCxnSpPr/>
+          <p:nvPr/>
+        </p:nvCxnSpPr>
+        <p:spPr>
+          <a:xfrm flipH="1" flipV="1">
+            <a:off x="4942141" y="6121027"/>
+            <a:ext cx="2139952" cy="0"/>
+          </a:xfrm>
+          <a:prstGeom prst="straightConnector1">
+            <a:avLst/>
+          </a:prstGeom>
+          <a:ln w="38100">
+            <a:solidFill>
+              <a:srgbClr val="C00000"/>
+            </a:solidFill>
+            <a:headEnd type="none" w="med" len="med"/>
+            <a:tailEnd type="none" w="med" len="med"/>
+          </a:ln>
+        </p:spPr>
+        <p:style>
+          <a:lnRef idx="1">
+            <a:schemeClr val="accent1"/>
+          </a:lnRef>
+          <a:fillRef idx="0">
+            <a:schemeClr val="accent1"/>
+          </a:fillRef>
+          <a:effectRef idx="0">
+            <a:schemeClr val="accent1"/>
+          </a:effectRef>
+          <a:fontRef idx="minor">
+            <a:schemeClr val="tx1"/>
+          </a:fontRef>
+        </p:style>
+      </p:cxnSp>
+      <p:sp>
+        <p:nvSpPr>
+          <p:cNvPr id="38" name="TextBox 37"/>
+          <p:cNvSpPr txBox="1"/>
+          <p:nvPr/>
+        </p:nvSpPr>
+        <p:spPr>
+          <a:xfrm>
+            <a:off x="800844" y="5696543"/>
+            <a:ext cx="4478538" cy="323165"/>
+          </a:xfrm>
+          <a:prstGeom prst="rect">
+            <a:avLst/>
+          </a:prstGeom>
+          <a:noFill/>
+        </p:spPr>
+        <p:txBody>
+          <a:bodyPr wrap="square" rtlCol="0">
+            <a:spAutoFit/>
+          </a:bodyPr>
+          <a:lstStyle/>
+          <a:p>
+            <a:r>
+              <a:rPr lang="en-GB" sz="1500" dirty="0" smtClean="0">
+                <a:solidFill>
+                  <a:srgbClr val="7030A0"/>
+                </a:solidFill>
+                <a:latin typeface="Latin Modern Math" panose="02000503000000000000" pitchFamily="50" charset="0"/>
+                <a:ea typeface="Latin Modern Math" panose="02000503000000000000" pitchFamily="50" charset="0"/>
+              </a:rPr>
+              <a:t>AAGCAGTGGTATCAACGCAGAGTACXX</a:t>
+            </a:r>
+            <a:endParaRPr lang="en-GB" sz="1500" dirty="0">
+              <a:solidFill>
+                <a:srgbClr val="7030A0"/>
+              </a:solidFill>
+              <a:latin typeface="Latin Modern Math" panose="02000503000000000000" pitchFamily="50" charset="0"/>
+              <a:ea typeface="Latin Modern Math" panose="02000503000000000000" pitchFamily="50" charset="0"/>
+            </a:endParaRPr>
+          </a:p>
+        </p:txBody>
+      </p:sp>
+      <p:sp>
+        <p:nvSpPr>
+          <p:cNvPr id="39" name="TextBox 38"/>
+          <p:cNvSpPr txBox="1"/>
+          <p:nvPr/>
+        </p:nvSpPr>
+        <p:spPr>
+          <a:xfrm>
+            <a:off x="483344" y="6019427"/>
+            <a:ext cx="4334293" cy="323165"/>
+          </a:xfrm>
+          <a:prstGeom prst="rect">
+            <a:avLst/>
+          </a:prstGeom>
+          <a:noFill/>
+        </p:spPr>
+        <p:txBody>
+          <a:bodyPr wrap="square" rtlCol="0">
+            <a:spAutoFit/>
+          </a:bodyPr>
+          <a:lstStyle/>
+          <a:p>
+            <a:pPr algn="r"/>
+            <a:r>
+              <a:rPr lang="en-GB" sz="1500" dirty="0" smtClean="0">
+                <a:solidFill>
+                  <a:schemeClr val="bg1">
+                    <a:lumMod val="65000"/>
+                  </a:schemeClr>
+                </a:solidFill>
+                <a:latin typeface="Latin Modern Math" panose="02000503000000000000" pitchFamily="50" charset="0"/>
+                <a:ea typeface="Latin Modern Math" panose="02000503000000000000" pitchFamily="50" charset="0"/>
+              </a:rPr>
+              <a:t>TTCGTCACCATAGTTGCGTCTCATGXX</a:t>
+            </a:r>
+            <a:endParaRPr lang="en-GB" sz="1500" dirty="0">
+              <a:solidFill>
+                <a:schemeClr val="bg1">
+                  <a:lumMod val="65000"/>
+                </a:schemeClr>
+              </a:solidFill>
+              <a:latin typeface="Latin Modern Math" panose="02000503000000000000" pitchFamily="50" charset="0"/>
+              <a:ea typeface="Latin Modern Math" panose="02000503000000000000" pitchFamily="50" charset="0"/>
+            </a:endParaRPr>
+          </a:p>
+        </p:txBody>
+      </p:sp>
+      <p:cxnSp>
+        <p:nvCxnSpPr>
+          <p:cNvPr id="40" name="Straight Arrow Connector 39"/>
+          <p:cNvCxnSpPr/>
+          <p:nvPr/>
+        </p:nvCxnSpPr>
+        <p:spPr>
+          <a:xfrm flipH="1" flipV="1">
+            <a:off x="4942141" y="5816227"/>
+            <a:ext cx="2139952" cy="0"/>
+          </a:xfrm>
+          <a:prstGeom prst="straightConnector1">
+            <a:avLst/>
+          </a:prstGeom>
+          <a:ln w="38100">
+            <a:solidFill>
+              <a:schemeClr val="accent5"/>
+            </a:solidFill>
+            <a:headEnd type="triangle" w="med" len="med"/>
+            <a:tailEnd type="none" w="med" len="med"/>
+          </a:ln>
+        </p:spPr>
+        <p:style>
+          <a:lnRef idx="1">
+            <a:schemeClr val="accent1"/>
+          </a:lnRef>
+          <a:fillRef idx="0">
+            <a:schemeClr val="accent1"/>
+          </a:fillRef>
+          <a:effectRef idx="0">
+            <a:schemeClr val="accent1"/>
+          </a:effectRef>
+          <a:fontRef idx="minor">
+            <a:schemeClr val="tx1"/>
+          </a:fontRef>
+        </p:style>
+      </p:cxnSp>
+      <p:sp>
+        <p:nvSpPr>
+          <p:cNvPr id="41" name="TextBox 40"/>
+          <p:cNvSpPr txBox="1"/>
+          <p:nvPr/>
+        </p:nvSpPr>
+        <p:spPr>
+          <a:xfrm>
+            <a:off x="7164656" y="5696262"/>
+            <a:ext cx="4478538" cy="323165"/>
+          </a:xfrm>
+          <a:prstGeom prst="rect">
+            <a:avLst/>
+          </a:prstGeom>
+          <a:noFill/>
+        </p:spPr>
+        <p:txBody>
+          <a:bodyPr wrap="square" rtlCol="0">
+            <a:spAutoFit/>
+          </a:bodyPr>
+          <a:lstStyle/>
+          <a:p>
+            <a:r>
+              <a:rPr lang="en-GB" sz="1500" dirty="0" smtClean="0">
+                <a:solidFill>
+                  <a:schemeClr val="bg1">
+                    <a:lumMod val="65000"/>
+                  </a:schemeClr>
+                </a:solidFill>
+                <a:latin typeface="Latin Modern Math" panose="02000503000000000000" pitchFamily="50" charset="0"/>
+                <a:ea typeface="Latin Modern Math" panose="02000503000000000000" pitchFamily="50" charset="0"/>
+              </a:rPr>
+              <a:t>A(30)GTACTCTGCGTTGATACCACTGCTT</a:t>
+            </a:r>
+            <a:endParaRPr lang="en-GB" sz="1500" dirty="0">
+              <a:solidFill>
+                <a:schemeClr val="bg1">
+                  <a:lumMod val="65000"/>
+                </a:schemeClr>
+              </a:solidFill>
+              <a:latin typeface="Latin Modern Math" panose="02000503000000000000" pitchFamily="50" charset="0"/>
+              <a:ea typeface="Latin Modern Math" panose="02000503000000000000" pitchFamily="50" charset="0"/>
+            </a:endParaRPr>
+          </a:p>
+        </p:txBody>
+      </p:sp>
+      <p:sp>
+        <p:nvSpPr>
+          <p:cNvPr id="42" name="TextBox 41"/>
+          <p:cNvSpPr txBox="1"/>
+          <p:nvPr/>
+        </p:nvSpPr>
+        <p:spPr>
+          <a:xfrm>
+            <a:off x="7164656" y="7533030"/>
+            <a:ext cx="4803775" cy="323165"/>
+          </a:xfrm>
+          <a:prstGeom prst="rect">
+            <a:avLst/>
+          </a:prstGeom>
+          <a:noFill/>
+        </p:spPr>
+        <p:txBody>
+          <a:bodyPr wrap="square" rtlCol="0">
+            <a:spAutoFit/>
+          </a:bodyPr>
+          <a:lstStyle/>
+          <a:p>
+            <a:r>
+              <a:rPr lang="en-GB" sz="1500" dirty="0" smtClean="0">
+                <a:solidFill>
+                  <a:srgbClr val="7030A0"/>
+                </a:solidFill>
+                <a:latin typeface="Latin Modern Math" panose="02000503000000000000" pitchFamily="50" charset="0"/>
+                <a:ea typeface="Latin Modern Math" panose="02000503000000000000" pitchFamily="50" charset="0"/>
+              </a:rPr>
+              <a:t>T(30)CATGAGACGCAACTATGGTGACGAA5’</a:t>
+            </a:r>
+            <a:endParaRPr lang="en-GB" sz="1500" dirty="0">
+              <a:solidFill>
+                <a:srgbClr val="7030A0"/>
+              </a:solidFill>
+              <a:latin typeface="Latin Modern Math" panose="02000503000000000000" pitchFamily="50" charset="0"/>
+              <a:ea typeface="Latin Modern Math" panose="02000503000000000000" pitchFamily="50" charset="0"/>
+            </a:endParaRPr>
+          </a:p>
+        </p:txBody>
+      </p:sp>
+      <p:cxnSp>
+        <p:nvCxnSpPr>
+          <p:cNvPr id="43" name="Straight Arrow Connector 42"/>
+          <p:cNvCxnSpPr/>
+          <p:nvPr/>
+        </p:nvCxnSpPr>
+        <p:spPr>
+          <a:xfrm flipH="1" flipV="1">
+            <a:off x="4961188" y="7674765"/>
+            <a:ext cx="2139952" cy="0"/>
+          </a:xfrm>
+          <a:prstGeom prst="straightConnector1">
+            <a:avLst/>
+          </a:prstGeom>
+          <a:ln w="38100">
+            <a:solidFill>
+              <a:srgbClr val="C00000"/>
+            </a:solidFill>
+            <a:headEnd type="none" w="med" len="med"/>
+            <a:tailEnd type="none" w="med" len="med"/>
+          </a:ln>
+        </p:spPr>
+        <p:style>
+          <a:lnRef idx="1">
+            <a:schemeClr val="accent1"/>
+          </a:lnRef>
+          <a:fillRef idx="0">
+            <a:schemeClr val="accent1"/>
+          </a:fillRef>
+          <a:effectRef idx="0">
+            <a:schemeClr val="accent1"/>
+          </a:effectRef>
+          <a:fontRef idx="minor">
+            <a:schemeClr val="tx1"/>
+          </a:fontRef>
+        </p:style>
+      </p:cxnSp>
+      <p:sp>
+        <p:nvSpPr>
+          <p:cNvPr id="44" name="TextBox 43"/>
+          <p:cNvSpPr txBox="1"/>
+          <p:nvPr/>
+        </p:nvSpPr>
+        <p:spPr>
+          <a:xfrm>
+            <a:off x="659557" y="7176008"/>
+            <a:ext cx="4631632" cy="323165"/>
+          </a:xfrm>
+          <a:prstGeom prst="rect">
+            <a:avLst/>
+          </a:prstGeom>
+          <a:noFill/>
+        </p:spPr>
+        <p:txBody>
+          <a:bodyPr wrap="square" rtlCol="0">
+            <a:spAutoFit/>
+          </a:bodyPr>
+          <a:lstStyle/>
+          <a:p>
+            <a:r>
+              <a:rPr lang="en-GB" sz="1500" dirty="0" smtClean="0">
+                <a:solidFill>
+                  <a:srgbClr val="7030A0"/>
+                </a:solidFill>
+                <a:latin typeface="Latin Modern Math" panose="02000503000000000000" pitchFamily="50" charset="0"/>
+                <a:ea typeface="Latin Modern Math" panose="02000503000000000000" pitchFamily="50" charset="0"/>
+              </a:rPr>
+              <a:t>5’AAGCAGTGGTATCAACGCAGAGTACXX</a:t>
+            </a:r>
+            <a:endParaRPr lang="en-GB" sz="1500" dirty="0">
+              <a:solidFill>
+                <a:srgbClr val="7030A0"/>
+              </a:solidFill>
+              <a:latin typeface="Latin Modern Math" panose="02000503000000000000" pitchFamily="50" charset="0"/>
+              <a:ea typeface="Latin Modern Math" panose="02000503000000000000" pitchFamily="50" charset="0"/>
+            </a:endParaRPr>
+          </a:p>
+        </p:txBody>
+      </p:sp>
+      <p:sp>
+        <p:nvSpPr>
+          <p:cNvPr id="45" name="TextBox 44"/>
+          <p:cNvSpPr txBox="1"/>
+          <p:nvPr/>
+        </p:nvSpPr>
+        <p:spPr>
+          <a:xfrm>
+            <a:off x="368151" y="7533030"/>
+            <a:ext cx="4478538" cy="553998"/>
+          </a:xfrm>
+          <a:prstGeom prst="rect">
+            <a:avLst/>
+          </a:prstGeom>
+          <a:noFill/>
+        </p:spPr>
+        <p:txBody>
+          <a:bodyPr wrap="square" rtlCol="0">
+            <a:spAutoFit/>
+          </a:bodyPr>
+          <a:lstStyle/>
+          <a:p>
+            <a:pPr algn="r"/>
+            <a:r>
+              <a:rPr lang="en-GB" sz="1500" dirty="0" smtClean="0">
+                <a:solidFill>
+                  <a:schemeClr val="bg1">
+                    <a:lumMod val="65000"/>
+                  </a:schemeClr>
+                </a:solidFill>
+                <a:latin typeface="Latin Modern Math" panose="02000503000000000000" pitchFamily="50" charset="0"/>
+                <a:ea typeface="Latin Modern Math" panose="02000503000000000000" pitchFamily="50" charset="0"/>
+              </a:rPr>
+              <a:t>3’</a:t>
+            </a:r>
+            <a:r>
+              <a:rPr lang="en-GB" sz="1500" dirty="0">
+                <a:solidFill>
+                  <a:schemeClr val="bg1">
+                    <a:lumMod val="65000"/>
+                  </a:schemeClr>
+                </a:solidFill>
+                <a:latin typeface="Latin Modern Math" panose="02000503000000000000" pitchFamily="50" charset="0"/>
+                <a:ea typeface="Latin Modern Math" panose="02000503000000000000" pitchFamily="50" charset="0"/>
+              </a:rPr>
+              <a:t> </a:t>
+            </a:r>
+            <a:r>
+              <a:rPr lang="en-GB" sz="1500" dirty="0" smtClean="0">
+                <a:solidFill>
+                  <a:schemeClr val="bg1">
+                    <a:lumMod val="65000"/>
+                  </a:schemeClr>
+                </a:solidFill>
+                <a:latin typeface="Latin Modern Math" panose="02000503000000000000" pitchFamily="50" charset="0"/>
+                <a:ea typeface="Latin Modern Math" panose="02000503000000000000" pitchFamily="50" charset="0"/>
+              </a:rPr>
+              <a:t>TTCGTCACCATAGTTGCGTCTCATGXX</a:t>
+            </a:r>
+            <a:endParaRPr lang="en-GB" sz="1500" dirty="0">
+              <a:solidFill>
+                <a:schemeClr val="bg1">
+                  <a:lumMod val="65000"/>
+                </a:schemeClr>
+              </a:solidFill>
+              <a:latin typeface="Latin Modern Math" panose="02000503000000000000" pitchFamily="50" charset="0"/>
+              <a:ea typeface="Latin Modern Math" panose="02000503000000000000" pitchFamily="50" charset="0"/>
+            </a:endParaRPr>
+          </a:p>
+          <a:p>
+            <a:pPr algn="r"/>
+            <a:endParaRPr lang="en-GB" sz="1500" dirty="0">
+              <a:solidFill>
+                <a:schemeClr val="bg1">
+                  <a:lumMod val="65000"/>
+                </a:schemeClr>
+              </a:solidFill>
+              <a:latin typeface="Latin Modern Math" panose="02000503000000000000" pitchFamily="50" charset="0"/>
+              <a:ea typeface="Latin Modern Math" panose="02000503000000000000" pitchFamily="50" charset="0"/>
+            </a:endParaRPr>
+          </a:p>
+        </p:txBody>
+      </p:sp>
+      <p:cxnSp>
+        <p:nvCxnSpPr>
+          <p:cNvPr id="46" name="Straight Arrow Connector 45"/>
+          <p:cNvCxnSpPr/>
+          <p:nvPr/>
+        </p:nvCxnSpPr>
+        <p:spPr>
+          <a:xfrm flipH="1" flipV="1">
+            <a:off x="4953948" y="7329830"/>
+            <a:ext cx="2139952" cy="0"/>
+          </a:xfrm>
+          <a:prstGeom prst="straightConnector1">
+            <a:avLst/>
+          </a:prstGeom>
+          <a:ln w="38100">
+            <a:solidFill>
+              <a:schemeClr val="accent5"/>
+            </a:solidFill>
+            <a:headEnd type="none" w="med" len="med"/>
+            <a:tailEnd type="none" w="med" len="med"/>
+          </a:ln>
+        </p:spPr>
+        <p:style>
+          <a:lnRef idx="1">
+            <a:schemeClr val="accent1"/>
+          </a:lnRef>
+          <a:fillRef idx="0">
+            <a:schemeClr val="accent1"/>
+          </a:fillRef>
+          <a:effectRef idx="0">
+            <a:schemeClr val="accent1"/>
+          </a:effectRef>
+          <a:fontRef idx="minor">
+            <a:schemeClr val="tx1"/>
+          </a:fontRef>
+        </p:style>
+      </p:cxnSp>
+      <p:sp>
+        <p:nvSpPr>
+          <p:cNvPr id="47" name="TextBox 46"/>
+          <p:cNvSpPr txBox="1"/>
+          <p:nvPr/>
+        </p:nvSpPr>
+        <p:spPr>
+          <a:xfrm>
+            <a:off x="7176462" y="7209865"/>
+            <a:ext cx="4667903" cy="323165"/>
+          </a:xfrm>
+          <a:prstGeom prst="rect">
+            <a:avLst/>
+          </a:prstGeom>
+          <a:noFill/>
+        </p:spPr>
+        <p:txBody>
+          <a:bodyPr wrap="square" rtlCol="0">
+            <a:spAutoFit/>
+          </a:bodyPr>
+          <a:lstStyle/>
+          <a:p>
+            <a:r>
+              <a:rPr lang="en-GB" sz="1500" dirty="0" smtClean="0">
+                <a:solidFill>
+                  <a:schemeClr val="bg1">
+                    <a:lumMod val="65000"/>
+                  </a:schemeClr>
+                </a:solidFill>
+                <a:latin typeface="Latin Modern Math" panose="02000503000000000000" pitchFamily="50" charset="0"/>
+                <a:ea typeface="Latin Modern Math" panose="02000503000000000000" pitchFamily="50" charset="0"/>
+              </a:rPr>
+              <a:t>A(30)GTACTCTGCGTTGATACCACTGCTT3’</a:t>
+            </a:r>
+            <a:endParaRPr lang="en-GB" sz="1500" dirty="0">
+              <a:solidFill>
+                <a:schemeClr val="bg1">
+                  <a:lumMod val="65000"/>
+                </a:schemeClr>
+              </a:solidFill>
+              <a:latin typeface="Latin Modern Math" panose="02000503000000000000" pitchFamily="50" charset="0"/>
+              <a:ea typeface="Latin Modern Math" panose="02000503000000000000" pitchFamily="50" charset="0"/>
+            </a:endParaRPr>
+          </a:p>
+        </p:txBody>
+      </p:sp>
+      <p:cxnSp>
+        <p:nvCxnSpPr>
+          <p:cNvPr id="49" name="Straight Arrow Connector 48"/>
+          <p:cNvCxnSpPr/>
+          <p:nvPr/>
+        </p:nvCxnSpPr>
+        <p:spPr>
+          <a:xfrm>
+            <a:off x="5966080" y="1947536"/>
+            <a:ext cx="0" cy="765996"/>
+          </a:xfrm>
+          <a:prstGeom prst="straightConnector1">
+            <a:avLst/>
+          </a:prstGeom>
+          <a:ln>
+            <a:solidFill>
+              <a:schemeClr val="bg1">
+                <a:lumMod val="75000"/>
+              </a:schemeClr>
+            </a:solidFill>
+            <a:headEnd type="none" w="med" len="med"/>
+            <a:tailEnd type="arrow" w="med" len="med"/>
+          </a:ln>
+        </p:spPr>
+        <p:style>
+          <a:lnRef idx="1">
+            <a:schemeClr val="accent1"/>
+          </a:lnRef>
+          <a:fillRef idx="0">
+            <a:schemeClr val="accent1"/>
+          </a:fillRef>
+          <a:effectRef idx="0">
+            <a:schemeClr val="accent1"/>
+          </a:effectRef>
+          <a:fontRef idx="minor">
+            <a:schemeClr val="tx1"/>
+          </a:fontRef>
+        </p:style>
+      </p:cxnSp>
+      <p:cxnSp>
+        <p:nvCxnSpPr>
+          <p:cNvPr id="50" name="Straight Arrow Connector 49"/>
+          <p:cNvCxnSpPr/>
+          <p:nvPr/>
+        </p:nvCxnSpPr>
+        <p:spPr>
+          <a:xfrm>
+            <a:off x="5966080" y="3435308"/>
+            <a:ext cx="0" cy="765996"/>
+          </a:xfrm>
+          <a:prstGeom prst="straightConnector1">
+            <a:avLst/>
+          </a:prstGeom>
+          <a:ln>
+            <a:solidFill>
+              <a:schemeClr val="bg1">
+                <a:lumMod val="75000"/>
+              </a:schemeClr>
+            </a:solidFill>
+            <a:headEnd type="none" w="med" len="med"/>
+            <a:tailEnd type="arrow" w="med" len="med"/>
+          </a:ln>
+        </p:spPr>
+        <p:style>
+          <a:lnRef idx="1">
+            <a:schemeClr val="accent1"/>
+          </a:lnRef>
+          <a:fillRef idx="0">
+            <a:schemeClr val="accent1"/>
+          </a:fillRef>
+          <a:effectRef idx="0">
+            <a:schemeClr val="accent1"/>
+          </a:effectRef>
+          <a:fontRef idx="minor">
+            <a:schemeClr val="tx1"/>
+          </a:fontRef>
+        </p:style>
+      </p:cxnSp>
+      <p:cxnSp>
+        <p:nvCxnSpPr>
+          <p:cNvPr id="51" name="Straight Arrow Connector 50"/>
+          <p:cNvCxnSpPr/>
+          <p:nvPr/>
+        </p:nvCxnSpPr>
+        <p:spPr>
+          <a:xfrm>
+            <a:off x="5966080" y="4930266"/>
+            <a:ext cx="0" cy="765996"/>
+          </a:xfrm>
+          <a:prstGeom prst="straightConnector1">
+            <a:avLst/>
+          </a:prstGeom>
+          <a:ln>
+            <a:solidFill>
+              <a:schemeClr val="bg1">
+                <a:lumMod val="75000"/>
+              </a:schemeClr>
+            </a:solidFill>
+            <a:headEnd type="none" w="med" len="med"/>
+            <a:tailEnd type="arrow" w="med" len="med"/>
+          </a:ln>
+        </p:spPr>
+        <p:style>
+          <a:lnRef idx="1">
+            <a:schemeClr val="accent1"/>
+          </a:lnRef>
+          <a:fillRef idx="0">
+            <a:schemeClr val="accent1"/>
+          </a:fillRef>
+          <a:effectRef idx="0">
+            <a:schemeClr val="accent1"/>
+          </a:effectRef>
+          <a:fontRef idx="minor">
+            <a:schemeClr val="tx1"/>
+          </a:fontRef>
+        </p:style>
+      </p:cxnSp>
+      <p:cxnSp>
+        <p:nvCxnSpPr>
+          <p:cNvPr id="52" name="Straight Arrow Connector 51"/>
+          <p:cNvCxnSpPr/>
+          <p:nvPr/>
+        </p:nvCxnSpPr>
+        <p:spPr>
+          <a:xfrm>
+            <a:off x="5966080" y="6443869"/>
+            <a:ext cx="0" cy="765996"/>
+          </a:xfrm>
+          <a:prstGeom prst="straightConnector1">
+            <a:avLst/>
+          </a:prstGeom>
+          <a:ln>
+            <a:solidFill>
+              <a:schemeClr val="bg1">
+                <a:lumMod val="75000"/>
+              </a:schemeClr>
+            </a:solidFill>
+            <a:headEnd type="none" w="med" len="med"/>
+            <a:tailEnd type="arrow" w="med" len="med"/>
+          </a:ln>
+        </p:spPr>
+        <p:style>
+          <a:lnRef idx="1">
+            <a:schemeClr val="accent1"/>
+          </a:lnRef>
+          <a:fillRef idx="0">
+            <a:schemeClr val="accent1"/>
+          </a:fillRef>
+          <a:effectRef idx="0">
+            <a:schemeClr val="accent1"/>
+          </a:effectRef>
+          <a:fontRef idx="minor">
+            <a:schemeClr val="tx1"/>
+          </a:fontRef>
+        </p:style>
+      </p:cxnSp>
+    </p:spTree>
+    <p:extLst>
+      <p:ext uri="{BB962C8B-B14F-4D97-AF65-F5344CB8AC3E}">
+        <p14:creationId xmlns:p14="http://schemas.microsoft.com/office/powerpoint/2010/main" val="1388481512"/>
+      </p:ext>
+    </p:extLst>
+  </p:cSld>
+  <p:clrMapOvr>
+    <a:masterClrMapping/>
+  </p:clrMapOvr>
+</p:sld>
+</file>
+
+<file path=ppt/slides/slide7.xml><?xml version="1.0" encoding="utf-8"?>
+<p:sld xmlns:a="http://schemas.openxmlformats.org/drawingml/2006/main" xmlns:r="http://schemas.openxmlformats.org/officeDocument/2006/relationships" xmlns:p="http://schemas.openxmlformats.org/presentationml/2006/main">
+  <p:cSld>
+    <p:spTree>
+      <p:nvGrpSpPr>
+        <p:cNvPr id="1" name=""/>
+        <p:cNvGrpSpPr/>
+        <p:nvPr/>
+      </p:nvGrpSpPr>
+      <p:grpSpPr>
+        <a:xfrm>
+          <a:off x="0" y="0"/>
+          <a:ext cx="0" cy="0"/>
+          <a:chOff x="0" y="0"/>
+          <a:chExt cx="0" cy="0"/>
+        </a:xfrm>
+      </p:grpSpPr>
+      <p:sp>
+        <p:nvSpPr>
+          <p:cNvPr id="4" name="TextBox 3"/>
+          <p:cNvSpPr txBox="1"/>
+          <p:nvPr/>
+        </p:nvSpPr>
+        <p:spPr>
+          <a:xfrm>
+            <a:off x="4029261" y="3240066"/>
+            <a:ext cx="4944929" cy="323165"/>
+          </a:xfrm>
+          <a:prstGeom prst="rect">
+            <a:avLst/>
+          </a:prstGeom>
+          <a:noFill/>
+        </p:spPr>
+        <p:txBody>
+          <a:bodyPr wrap="square" rtlCol="0">
+            <a:spAutoFit/>
+          </a:bodyPr>
+          <a:lstStyle/>
+          <a:p>
+            <a:r>
+              <a:rPr lang="en-GB" sz="1500" dirty="0" smtClean="0">
+                <a:solidFill>
+                  <a:schemeClr val="accent6">
+                    <a:lumMod val="50000"/>
+                  </a:schemeClr>
+                </a:solidFill>
+                <a:latin typeface="Latin Modern Math" panose="02000503000000000000" pitchFamily="50" charset="0"/>
+                <a:ea typeface="Latin Modern Math" panose="02000503000000000000" pitchFamily="50" charset="0"/>
+              </a:rPr>
+              <a:t>   A(30)GTACTCTGCGTTGATACCACTGCTT 3</a:t>
+            </a:r>
+            <a:r>
+              <a:rPr lang="en-GB" sz="1500" dirty="0">
+                <a:solidFill>
+                  <a:schemeClr val="accent6">
+                    <a:lumMod val="50000"/>
+                  </a:schemeClr>
+                </a:solidFill>
+                <a:latin typeface="Latin Modern Math" panose="02000503000000000000" pitchFamily="50" charset="0"/>
+                <a:ea typeface="Latin Modern Math" panose="02000503000000000000" pitchFamily="50" charset="0"/>
+              </a:rPr>
+              <a:t>’</a:t>
+            </a:r>
+          </a:p>
+        </p:txBody>
+      </p:sp>
+      <p:cxnSp>
+        <p:nvCxnSpPr>
+          <p:cNvPr id="5" name="Straight Connector 4"/>
+          <p:cNvCxnSpPr/>
+          <p:nvPr/>
+        </p:nvCxnSpPr>
+        <p:spPr>
+          <a:xfrm>
+            <a:off x="1859376" y="1780507"/>
+            <a:ext cx="130628" cy="159658"/>
+          </a:xfrm>
+          <a:prstGeom prst="line">
+            <a:avLst/>
+          </a:prstGeom>
+          <a:ln>
+            <a:solidFill>
+              <a:srgbClr val="CFAFE7"/>
+            </a:solidFill>
+          </a:ln>
+        </p:spPr>
+        <p:style>
+          <a:lnRef idx="1">
+            <a:schemeClr val="accent1"/>
+          </a:lnRef>
+          <a:fillRef idx="0">
+            <a:schemeClr val="accent1"/>
+          </a:fillRef>
+          <a:effectRef idx="0">
+            <a:schemeClr val="accent1"/>
+          </a:effectRef>
+          <a:fontRef idx="minor">
+            <a:schemeClr val="tx1"/>
+          </a:fontRef>
+        </p:style>
+      </p:cxnSp>
+      <p:cxnSp>
+        <p:nvCxnSpPr>
+          <p:cNvPr id="6" name="Straight Connector 5"/>
+          <p:cNvCxnSpPr/>
+          <p:nvPr/>
+        </p:nvCxnSpPr>
+        <p:spPr>
+          <a:xfrm>
+            <a:off x="1981840" y="1938350"/>
+            <a:ext cx="2002971" cy="0"/>
+          </a:xfrm>
+          <a:prstGeom prst="line">
+            <a:avLst/>
+          </a:prstGeom>
+          <a:ln>
+            <a:solidFill>
+              <a:srgbClr val="CFAFE7"/>
+            </a:solidFill>
+            <a:prstDash val="dash"/>
+          </a:ln>
+        </p:spPr>
+        <p:style>
+          <a:lnRef idx="1">
+            <a:schemeClr val="accent1"/>
+          </a:lnRef>
+          <a:fillRef idx="0">
+            <a:schemeClr val="accent1"/>
+          </a:fillRef>
+          <a:effectRef idx="0">
+            <a:schemeClr val="accent1"/>
+          </a:effectRef>
+          <a:fontRef idx="minor">
+            <a:schemeClr val="tx1"/>
+          </a:fontRef>
+        </p:style>
+      </p:cxnSp>
+      <p:sp>
+        <p:nvSpPr>
+          <p:cNvPr id="7" name="Oval 6"/>
+          <p:cNvSpPr/>
+          <p:nvPr/>
+        </p:nvSpPr>
+        <p:spPr>
+          <a:xfrm>
+            <a:off x="1861190" y="1818607"/>
+            <a:ext cx="128814" cy="119743"/>
+          </a:xfrm>
+          <a:prstGeom prst="ellipse">
+            <a:avLst/>
+          </a:prstGeom>
+          <a:solidFill>
+            <a:srgbClr val="8B4C07"/>
+          </a:solidFill>
+          <a:ln>
+            <a:noFill/>
+            <a:prstDash val="dash"/>
+          </a:ln>
+        </p:spPr>
+        <p:style>
+          <a:lnRef idx="2">
+            <a:schemeClr val="accent1">
+              <a:shade val="50000"/>
+            </a:schemeClr>
+          </a:lnRef>
+          <a:fillRef idx="1">
+            <a:schemeClr val="accent1"/>
+          </a:fillRef>
+          <a:effectRef idx="0">
+            <a:schemeClr val="accent1"/>
+          </a:effectRef>
+          <a:fontRef idx="minor">
+            <a:schemeClr val="lt1"/>
+          </a:fontRef>
+        </p:style>
+        <p:txBody>
+          <a:bodyPr rtlCol="0" anchor="ctr"/>
+          <a:lstStyle/>
+          <a:p>
+            <a:pPr algn="ctr"/>
+            <a:endParaRPr lang="en-GB"/>
+          </a:p>
+        </p:txBody>
+      </p:sp>
+      <p:sp>
+        <p:nvSpPr>
+          <p:cNvPr id="8" name="TextBox 7"/>
+          <p:cNvSpPr txBox="1"/>
+          <p:nvPr/>
+        </p:nvSpPr>
+        <p:spPr>
+          <a:xfrm>
+            <a:off x="4034610" y="1813164"/>
+            <a:ext cx="4944929" cy="323165"/>
+          </a:xfrm>
+          <a:prstGeom prst="rect">
+            <a:avLst/>
+          </a:prstGeom>
+          <a:noFill/>
+        </p:spPr>
+        <p:txBody>
+          <a:bodyPr wrap="square" rtlCol="0">
+            <a:spAutoFit/>
+          </a:bodyPr>
+          <a:lstStyle/>
+          <a:p>
+            <a:r>
+              <a:rPr lang="en-GB" sz="1500" dirty="0" smtClean="0">
+                <a:solidFill>
+                  <a:srgbClr val="7030A0"/>
+                </a:solidFill>
+                <a:latin typeface="Latin Modern Math" panose="02000503000000000000" pitchFamily="50" charset="0"/>
+                <a:ea typeface="Latin Modern Math" panose="02000503000000000000" pitchFamily="50" charset="0"/>
+              </a:rPr>
+              <a:t>5’ AAGCAGTGGTATCAACGCAGAGTACATGGG</a:t>
+            </a:r>
+            <a:endParaRPr lang="en-GB" sz="1500" dirty="0">
+              <a:solidFill>
+                <a:srgbClr val="7030A0"/>
+              </a:solidFill>
+              <a:latin typeface="Latin Modern Math" panose="02000503000000000000" pitchFamily="50" charset="0"/>
+              <a:ea typeface="Latin Modern Math" panose="02000503000000000000" pitchFamily="50" charset="0"/>
+            </a:endParaRPr>
+          </a:p>
+        </p:txBody>
+      </p:sp>
+      <p:cxnSp>
+        <p:nvCxnSpPr>
+          <p:cNvPr id="11" name="Straight Connector 10"/>
+          <p:cNvCxnSpPr/>
+          <p:nvPr/>
+        </p:nvCxnSpPr>
+        <p:spPr>
+          <a:xfrm flipV="1">
+            <a:off x="1859376" y="2332049"/>
+            <a:ext cx="130628" cy="157839"/>
+          </a:xfrm>
+          <a:prstGeom prst="line">
+            <a:avLst/>
+          </a:prstGeom>
+          <a:solidFill>
+            <a:schemeClr val="accent2"/>
+          </a:solidFill>
+          <a:ln>
+            <a:solidFill>
+              <a:schemeClr val="accent6">
+                <a:lumMod val="60000"/>
+                <a:lumOff val="40000"/>
+              </a:schemeClr>
+            </a:solidFill>
+            <a:prstDash val="dash"/>
+          </a:ln>
+        </p:spPr>
+        <p:style>
+          <a:lnRef idx="1">
+            <a:schemeClr val="accent1"/>
+          </a:lnRef>
+          <a:fillRef idx="0">
+            <a:schemeClr val="accent1"/>
+          </a:fillRef>
+          <a:effectRef idx="0">
+            <a:schemeClr val="accent1"/>
+          </a:effectRef>
+          <a:fontRef idx="minor">
+            <a:schemeClr val="tx1"/>
+          </a:fontRef>
+        </p:style>
+      </p:cxnSp>
+      <p:cxnSp>
+        <p:nvCxnSpPr>
+          <p:cNvPr id="12" name="Straight Connector 11"/>
+          <p:cNvCxnSpPr/>
+          <p:nvPr/>
+        </p:nvCxnSpPr>
+        <p:spPr>
+          <a:xfrm flipV="1">
+            <a:off x="1981840" y="2333843"/>
+            <a:ext cx="2002971" cy="0"/>
+          </a:xfrm>
+          <a:prstGeom prst="line">
+            <a:avLst/>
+          </a:prstGeom>
+          <a:solidFill>
+            <a:schemeClr val="accent2"/>
+          </a:solidFill>
+          <a:ln>
+            <a:solidFill>
+              <a:schemeClr val="accent6">
+                <a:lumMod val="60000"/>
+                <a:lumOff val="40000"/>
+              </a:schemeClr>
+            </a:solidFill>
+            <a:prstDash val="dash"/>
+          </a:ln>
+        </p:spPr>
+        <p:style>
+          <a:lnRef idx="1">
+            <a:schemeClr val="accent1"/>
+          </a:lnRef>
+          <a:fillRef idx="0">
+            <a:schemeClr val="accent1"/>
+          </a:fillRef>
+          <a:effectRef idx="0">
+            <a:schemeClr val="accent1"/>
+          </a:effectRef>
+          <a:fontRef idx="minor">
+            <a:schemeClr val="tx1"/>
+          </a:fontRef>
+        </p:style>
+      </p:cxnSp>
+      <p:sp>
+        <p:nvSpPr>
+          <p:cNvPr id="13" name="Oval 12"/>
+          <p:cNvSpPr/>
+          <p:nvPr/>
+        </p:nvSpPr>
+        <p:spPr>
+          <a:xfrm flipV="1">
+            <a:off x="1861190" y="2333843"/>
+            <a:ext cx="128814" cy="118379"/>
+          </a:xfrm>
+          <a:prstGeom prst="ellipse">
+            <a:avLst/>
+          </a:prstGeom>
+          <a:solidFill>
+            <a:schemeClr val="accent2"/>
+          </a:solidFill>
+          <a:ln>
+            <a:noFill/>
+          </a:ln>
+        </p:spPr>
+        <p:style>
+          <a:lnRef idx="2">
+            <a:schemeClr val="accent1">
+              <a:shade val="50000"/>
+            </a:schemeClr>
+          </a:lnRef>
+          <a:fillRef idx="1">
+            <a:schemeClr val="accent1"/>
+          </a:fillRef>
+          <a:effectRef idx="0">
+            <a:schemeClr val="accent1"/>
+          </a:effectRef>
+          <a:fontRef idx="minor">
+            <a:schemeClr val="lt1"/>
+          </a:fontRef>
+        </p:style>
+        <p:txBody>
+          <a:bodyPr rtlCol="0" anchor="ctr"/>
+          <a:lstStyle/>
+          <a:p>
+            <a:pPr algn="ctr"/>
+            <a:endParaRPr lang="en-GB"/>
+          </a:p>
+        </p:txBody>
+      </p:sp>
+      <p:sp>
+        <p:nvSpPr>
+          <p:cNvPr id="14" name="TextBox 13"/>
+          <p:cNvSpPr txBox="1"/>
+          <p:nvPr/>
+        </p:nvSpPr>
+        <p:spPr>
+          <a:xfrm>
+            <a:off x="4034610" y="2198528"/>
+            <a:ext cx="4944929" cy="323165"/>
+          </a:xfrm>
+          <a:prstGeom prst="rect">
+            <a:avLst/>
+          </a:prstGeom>
+          <a:noFill/>
+        </p:spPr>
+        <p:txBody>
+          <a:bodyPr wrap="square" rtlCol="0">
+            <a:spAutoFit/>
+          </a:bodyPr>
+          <a:lstStyle/>
+          <a:p>
+            <a:r>
+              <a:rPr lang="en-GB" sz="1500" dirty="0" smtClean="0">
+                <a:solidFill>
+                  <a:schemeClr val="accent6">
+                    <a:lumMod val="50000"/>
+                  </a:schemeClr>
+                </a:solidFill>
+                <a:latin typeface="Latin Modern Math" panose="02000503000000000000" pitchFamily="50" charset="0"/>
+                <a:ea typeface="Latin Modern Math" panose="02000503000000000000" pitchFamily="50" charset="0"/>
+              </a:rPr>
+              <a:t>3’ TTCGTCACCATAGTTGCGTCTCATGTACCC</a:t>
+            </a:r>
+            <a:endParaRPr lang="en-GB" sz="1500" dirty="0">
+              <a:solidFill>
+                <a:schemeClr val="accent6">
+                  <a:lumMod val="50000"/>
+                </a:schemeClr>
+              </a:solidFill>
+              <a:latin typeface="Latin Modern Math" panose="02000503000000000000" pitchFamily="50" charset="0"/>
+              <a:ea typeface="Latin Modern Math" panose="02000503000000000000" pitchFamily="50" charset="0"/>
+            </a:endParaRPr>
+          </a:p>
+        </p:txBody>
+      </p:sp>
+      <p:sp>
+        <p:nvSpPr>
+          <p:cNvPr id="15" name="TextBox 14"/>
+          <p:cNvSpPr txBox="1"/>
+          <p:nvPr/>
+        </p:nvSpPr>
+        <p:spPr>
+          <a:xfrm>
+            <a:off x="248357" y="1628498"/>
+            <a:ext cx="1311693" cy="369332"/>
+          </a:xfrm>
+          <a:prstGeom prst="rect">
+            <a:avLst/>
+          </a:prstGeom>
+          <a:noFill/>
+        </p:spPr>
+        <p:txBody>
+          <a:bodyPr wrap="square" rtlCol="0">
+            <a:spAutoFit/>
+          </a:bodyPr>
+          <a:lstStyle/>
+          <a:p>
+            <a:r>
+              <a:rPr lang="en-GB" b="1" dirty="0" smtClean="0">
+                <a:solidFill>
+                  <a:srgbClr val="7030A0"/>
+                </a:solidFill>
+              </a:rPr>
+              <a:t>Plus strand</a:t>
+            </a:r>
+            <a:endParaRPr lang="en-GB" b="1" dirty="0">
+              <a:solidFill>
+                <a:srgbClr val="7030A0"/>
+              </a:solidFill>
+            </a:endParaRPr>
+          </a:p>
+        </p:txBody>
+      </p:sp>
+      <p:sp>
+        <p:nvSpPr>
+          <p:cNvPr id="16" name="TextBox 15"/>
+          <p:cNvSpPr txBox="1"/>
+          <p:nvPr/>
+        </p:nvSpPr>
+        <p:spPr>
+          <a:xfrm>
+            <a:off x="248356" y="2184285"/>
+            <a:ext cx="1515642" cy="369332"/>
+          </a:xfrm>
+          <a:prstGeom prst="rect">
+            <a:avLst/>
+          </a:prstGeom>
+          <a:noFill/>
+        </p:spPr>
+        <p:txBody>
+          <a:bodyPr wrap="square" rtlCol="0">
+            <a:spAutoFit/>
+          </a:bodyPr>
+          <a:lstStyle/>
+          <a:p>
+            <a:r>
+              <a:rPr lang="en-GB" b="1" dirty="0" smtClean="0">
+                <a:solidFill>
+                  <a:schemeClr val="accent6">
+                    <a:lumMod val="50000"/>
+                  </a:schemeClr>
+                </a:solidFill>
+              </a:rPr>
+              <a:t>Minus strand</a:t>
+            </a:r>
+            <a:endParaRPr lang="en-GB" b="1" dirty="0">
+              <a:solidFill>
+                <a:schemeClr val="accent6">
+                  <a:lumMod val="50000"/>
+                </a:schemeClr>
+              </a:solidFill>
+            </a:endParaRPr>
+          </a:p>
+        </p:txBody>
+      </p:sp>
+      <p:cxnSp>
+        <p:nvCxnSpPr>
+          <p:cNvPr id="18" name="Straight Connector 17"/>
+          <p:cNvCxnSpPr/>
+          <p:nvPr/>
+        </p:nvCxnSpPr>
+        <p:spPr>
+          <a:xfrm>
+            <a:off x="8662039" y="1938350"/>
+            <a:ext cx="2263776" cy="0"/>
+          </a:xfrm>
+          <a:prstGeom prst="line">
+            <a:avLst/>
+          </a:prstGeom>
+          <a:ln>
+            <a:solidFill>
+              <a:srgbClr val="CFAFE7"/>
+            </a:solidFill>
+            <a:prstDash val="dash"/>
+          </a:ln>
+        </p:spPr>
+        <p:style>
+          <a:lnRef idx="1">
+            <a:schemeClr val="accent1"/>
+          </a:lnRef>
+          <a:fillRef idx="0">
+            <a:schemeClr val="accent1"/>
+          </a:fillRef>
+          <a:effectRef idx="0">
+            <a:schemeClr val="accent1"/>
+          </a:effectRef>
+          <a:fontRef idx="minor">
+            <a:schemeClr val="tx1"/>
+          </a:fontRef>
+        </p:style>
+      </p:cxnSp>
+      <p:cxnSp>
+        <p:nvCxnSpPr>
+          <p:cNvPr id="19" name="Straight Connector 18"/>
+          <p:cNvCxnSpPr/>
+          <p:nvPr/>
+        </p:nvCxnSpPr>
+        <p:spPr>
+          <a:xfrm>
+            <a:off x="8662039" y="2331902"/>
+            <a:ext cx="2263776" cy="0"/>
+          </a:xfrm>
+          <a:prstGeom prst="line">
+            <a:avLst/>
+          </a:prstGeom>
+          <a:ln>
+            <a:solidFill>
+              <a:schemeClr val="accent6">
+                <a:lumMod val="60000"/>
+                <a:lumOff val="40000"/>
+              </a:schemeClr>
+            </a:solidFill>
+            <a:prstDash val="dash"/>
+          </a:ln>
+        </p:spPr>
+        <p:style>
+          <a:lnRef idx="1">
+            <a:schemeClr val="accent1"/>
+          </a:lnRef>
+          <a:fillRef idx="0">
+            <a:schemeClr val="accent1"/>
+          </a:fillRef>
+          <a:effectRef idx="0">
+            <a:schemeClr val="accent1"/>
+          </a:effectRef>
+          <a:fontRef idx="minor">
+            <a:schemeClr val="tx1"/>
+          </a:fontRef>
+        </p:style>
+      </p:cxnSp>
+      <p:cxnSp>
+        <p:nvCxnSpPr>
+          <p:cNvPr id="20" name="Straight Connector 19"/>
+          <p:cNvCxnSpPr/>
+          <p:nvPr/>
+        </p:nvCxnSpPr>
+        <p:spPr>
+          <a:xfrm flipV="1">
+            <a:off x="2197739" y="2734152"/>
+            <a:ext cx="8702676" cy="0"/>
+          </a:xfrm>
+          <a:prstGeom prst="line">
+            <a:avLst/>
+          </a:prstGeom>
+          <a:ln>
+            <a:solidFill>
+              <a:schemeClr val="accent6">
+                <a:lumMod val="60000"/>
+                <a:lumOff val="40000"/>
+              </a:schemeClr>
+            </a:solidFill>
+            <a:prstDash val="dash"/>
+          </a:ln>
+        </p:spPr>
+        <p:style>
+          <a:lnRef idx="1">
+            <a:schemeClr val="accent1"/>
+          </a:lnRef>
+          <a:fillRef idx="0">
+            <a:schemeClr val="accent1"/>
+          </a:fillRef>
+          <a:effectRef idx="0">
+            <a:schemeClr val="accent1"/>
+          </a:effectRef>
+          <a:fontRef idx="minor">
+            <a:schemeClr val="tx1"/>
+          </a:fontRef>
+        </p:style>
+      </p:cxnSp>
+      <p:cxnSp>
+        <p:nvCxnSpPr>
+          <p:cNvPr id="21" name="Straight Connector 20"/>
+          <p:cNvCxnSpPr/>
+          <p:nvPr/>
+        </p:nvCxnSpPr>
+        <p:spPr>
+          <a:xfrm flipV="1">
+            <a:off x="2040577" y="2922747"/>
+            <a:ext cx="8702676" cy="0"/>
+          </a:xfrm>
+          <a:prstGeom prst="line">
+            <a:avLst/>
+          </a:prstGeom>
+          <a:ln>
+            <a:solidFill>
+              <a:srgbClr val="CFAFE7"/>
+            </a:solidFill>
+            <a:prstDash val="dash"/>
+          </a:ln>
+        </p:spPr>
+        <p:style>
+          <a:lnRef idx="1">
+            <a:schemeClr val="accent1"/>
+          </a:lnRef>
+          <a:fillRef idx="0">
+            <a:schemeClr val="accent1"/>
+          </a:fillRef>
+          <a:effectRef idx="0">
+            <a:schemeClr val="accent1"/>
+          </a:effectRef>
+          <a:fontRef idx="minor">
+            <a:schemeClr val="tx1"/>
+          </a:fontRef>
+        </p:style>
+      </p:cxnSp>
+      <p:sp>
+        <p:nvSpPr>
+          <p:cNvPr id="22" name="Arc 21"/>
+          <p:cNvSpPr/>
+          <p:nvPr/>
+        </p:nvSpPr>
+        <p:spPr>
+          <a:xfrm>
+            <a:off x="10425753" y="2331902"/>
+            <a:ext cx="914400" cy="407525"/>
+          </a:xfrm>
+          <a:prstGeom prst="arc">
+            <a:avLst>
+              <a:gd name="adj1" fmla="val 16200000"/>
+              <a:gd name="adj2" fmla="val 5086025"/>
+            </a:avLst>
+          </a:prstGeom>
+          <a:ln>
+            <a:solidFill>
+              <a:schemeClr val="accent6">
+                <a:lumMod val="60000"/>
+                <a:lumOff val="40000"/>
+              </a:schemeClr>
+            </a:solidFill>
+            <a:prstDash val="dash"/>
+          </a:ln>
+        </p:spPr>
+        <p:style>
+          <a:lnRef idx="1">
+            <a:schemeClr val="accent1"/>
+          </a:lnRef>
+          <a:fillRef idx="0">
+            <a:schemeClr val="accent1"/>
+          </a:fillRef>
+          <a:effectRef idx="0">
+            <a:schemeClr val="accent1"/>
+          </a:effectRef>
+          <a:fontRef idx="minor">
+            <a:schemeClr val="tx1"/>
+          </a:fontRef>
+        </p:style>
+        <p:txBody>
+          <a:bodyPr rtlCol="0" anchor="ctr"/>
+          <a:lstStyle/>
+          <a:p>
+            <a:pPr algn="ctr"/>
+            <a:endParaRPr lang="en-GB"/>
+          </a:p>
+        </p:txBody>
+      </p:sp>
+      <p:sp>
+        <p:nvSpPr>
+          <p:cNvPr id="23" name="Arc 22"/>
+          <p:cNvSpPr/>
+          <p:nvPr/>
+        </p:nvSpPr>
+        <p:spPr>
+          <a:xfrm>
+            <a:off x="10386960" y="1919153"/>
+            <a:ext cx="1357311" cy="1077954"/>
+          </a:xfrm>
+          <a:prstGeom prst="arc">
+            <a:avLst>
+              <a:gd name="adj1" fmla="val 15200141"/>
+              <a:gd name="adj2" fmla="val 7634293"/>
+            </a:avLst>
+          </a:prstGeom>
+          <a:ln>
+            <a:solidFill>
+              <a:srgbClr val="CFAFE7"/>
+            </a:solidFill>
+            <a:prstDash val="dash"/>
+          </a:ln>
+        </p:spPr>
+        <p:style>
+          <a:lnRef idx="1">
+            <a:schemeClr val="accent1"/>
+          </a:lnRef>
+          <a:fillRef idx="0">
+            <a:schemeClr val="accent1"/>
+          </a:fillRef>
+          <a:effectRef idx="0">
+            <a:schemeClr val="accent1"/>
+          </a:effectRef>
+          <a:fontRef idx="minor">
+            <a:schemeClr val="tx1"/>
+          </a:fontRef>
+        </p:style>
+        <p:txBody>
+          <a:bodyPr rtlCol="0" anchor="ctr"/>
+          <a:lstStyle/>
+          <a:p>
+            <a:pPr algn="ctr"/>
+            <a:endParaRPr lang="en-GB"/>
+          </a:p>
+        </p:txBody>
+      </p:sp>
+      <p:sp>
+        <p:nvSpPr>
+          <p:cNvPr id="24" name="Arc 23"/>
+          <p:cNvSpPr/>
+          <p:nvPr/>
+        </p:nvSpPr>
+        <p:spPr>
+          <a:xfrm rot="10800000">
+            <a:off x="1641004" y="2918465"/>
+            <a:ext cx="914400" cy="407525"/>
+          </a:xfrm>
+          <a:prstGeom prst="arc">
+            <a:avLst>
+              <a:gd name="adj1" fmla="val 16200000"/>
+              <a:gd name="adj2" fmla="val 5086025"/>
+            </a:avLst>
+          </a:prstGeom>
+          <a:ln>
+            <a:solidFill>
+              <a:srgbClr val="CFAFE7"/>
+            </a:solidFill>
+            <a:prstDash val="dash"/>
+          </a:ln>
+        </p:spPr>
+        <p:style>
+          <a:lnRef idx="1">
+            <a:schemeClr val="accent1"/>
+          </a:lnRef>
+          <a:fillRef idx="0">
+            <a:schemeClr val="accent1"/>
+          </a:fillRef>
+          <a:effectRef idx="0">
+            <a:schemeClr val="accent1"/>
+          </a:effectRef>
+          <a:fontRef idx="minor">
+            <a:schemeClr val="tx1"/>
+          </a:fontRef>
+        </p:style>
+        <p:txBody>
+          <a:bodyPr rtlCol="0" anchor="ctr"/>
+          <a:lstStyle/>
+          <a:p>
+            <a:pPr algn="ctr"/>
+            <a:endParaRPr lang="en-GB"/>
+          </a:p>
+        </p:txBody>
+      </p:sp>
+      <p:sp>
+        <p:nvSpPr>
+          <p:cNvPr id="25" name="Arc 24"/>
+          <p:cNvSpPr/>
+          <p:nvPr/>
+        </p:nvSpPr>
+        <p:spPr>
+          <a:xfrm rot="10104896">
+            <a:off x="1373637" y="2743339"/>
+            <a:ext cx="1357311" cy="951434"/>
+          </a:xfrm>
+          <a:prstGeom prst="arc">
+            <a:avLst>
+              <a:gd name="adj1" fmla="val 16971959"/>
+              <a:gd name="adj2" fmla="val 7634293"/>
+            </a:avLst>
+          </a:prstGeom>
+          <a:ln>
+            <a:solidFill>
+              <a:schemeClr val="accent6">
+                <a:lumMod val="60000"/>
+                <a:lumOff val="40000"/>
+              </a:schemeClr>
+            </a:solidFill>
+            <a:prstDash val="dash"/>
+          </a:ln>
+        </p:spPr>
+        <p:style>
+          <a:lnRef idx="1">
+            <a:schemeClr val="accent1"/>
+          </a:lnRef>
+          <a:fillRef idx="0">
+            <a:schemeClr val="accent1"/>
+          </a:fillRef>
+          <a:effectRef idx="0">
+            <a:schemeClr val="accent1"/>
+          </a:effectRef>
+          <a:fontRef idx="minor">
+            <a:schemeClr val="tx1"/>
+          </a:fontRef>
+        </p:style>
+        <p:txBody>
+          <a:bodyPr rtlCol="0" anchor="ctr"/>
+          <a:lstStyle/>
+          <a:p>
+            <a:pPr algn="ctr"/>
+            <a:endParaRPr lang="en-GB"/>
+          </a:p>
+        </p:txBody>
+      </p:sp>
+      <p:cxnSp>
+        <p:nvCxnSpPr>
+          <p:cNvPr id="26" name="Straight Connector 25"/>
+          <p:cNvCxnSpPr/>
+          <p:nvPr/>
+        </p:nvCxnSpPr>
+        <p:spPr>
+          <a:xfrm>
+            <a:off x="2040577" y="3313516"/>
+            <a:ext cx="2016000" cy="0"/>
+          </a:xfrm>
+          <a:prstGeom prst="line">
+            <a:avLst/>
+          </a:prstGeom>
+          <a:ln>
+            <a:solidFill>
+              <a:srgbClr val="CFAFE7"/>
+            </a:solidFill>
+            <a:prstDash val="dash"/>
+          </a:ln>
+        </p:spPr>
+        <p:style>
+          <a:lnRef idx="1">
+            <a:schemeClr val="accent1"/>
+          </a:lnRef>
+          <a:fillRef idx="0">
+            <a:schemeClr val="accent1"/>
+          </a:fillRef>
+          <a:effectRef idx="0">
+            <a:schemeClr val="accent1"/>
+          </a:effectRef>
+          <a:fontRef idx="minor">
+            <a:schemeClr val="tx1"/>
+          </a:fontRef>
+        </p:style>
+      </p:cxnSp>
+      <p:cxnSp>
+        <p:nvCxnSpPr>
+          <p:cNvPr id="27" name="Straight Connector 26"/>
+          <p:cNvCxnSpPr/>
+          <p:nvPr/>
+        </p:nvCxnSpPr>
+        <p:spPr>
+          <a:xfrm>
+            <a:off x="2040577" y="3707068"/>
+            <a:ext cx="2016000" cy="0"/>
+          </a:xfrm>
+          <a:prstGeom prst="line">
+            <a:avLst/>
+          </a:prstGeom>
+          <a:ln>
+            <a:solidFill>
+              <a:schemeClr val="accent6">
+                <a:lumMod val="60000"/>
+                <a:lumOff val="40000"/>
+              </a:schemeClr>
+            </a:solidFill>
+            <a:prstDash val="dash"/>
+          </a:ln>
+        </p:spPr>
+        <p:style>
+          <a:lnRef idx="1">
+            <a:schemeClr val="accent1"/>
+          </a:lnRef>
+          <a:fillRef idx="0">
+            <a:schemeClr val="accent1"/>
+          </a:fillRef>
+          <a:effectRef idx="0">
+            <a:schemeClr val="accent1"/>
+          </a:effectRef>
+          <a:fontRef idx="minor">
+            <a:schemeClr val="tx1"/>
+          </a:fontRef>
+        </p:style>
+      </p:cxnSp>
+      <p:sp>
+        <p:nvSpPr>
+          <p:cNvPr id="28" name="TextBox 27"/>
+          <p:cNvSpPr txBox="1"/>
+          <p:nvPr/>
+        </p:nvSpPr>
+        <p:spPr>
+          <a:xfrm>
+            <a:off x="4029261" y="3625430"/>
+            <a:ext cx="4944929" cy="323165"/>
+          </a:xfrm>
+          <a:prstGeom prst="rect">
+            <a:avLst/>
+          </a:prstGeom>
+          <a:noFill/>
+        </p:spPr>
+        <p:txBody>
+          <a:bodyPr wrap="square" rtlCol="0">
+            <a:spAutoFit/>
+          </a:bodyPr>
+          <a:lstStyle/>
+          <a:p>
+            <a:r>
+              <a:rPr lang="en-GB" sz="1500" dirty="0" smtClean="0">
+                <a:solidFill>
+                  <a:srgbClr val="7030A0"/>
+                </a:solidFill>
+                <a:latin typeface="Latin Modern Math" panose="02000503000000000000" pitchFamily="50" charset="0"/>
+                <a:ea typeface="Latin Modern Math" panose="02000503000000000000" pitchFamily="50" charset="0"/>
+              </a:rPr>
+              <a:t>   T(30)CATGAGACGCAACTATGGTGACGAA5</a:t>
+            </a:r>
+            <a:r>
+              <a:rPr lang="en-GB" sz="1500" dirty="0">
+                <a:solidFill>
+                  <a:srgbClr val="7030A0"/>
+                </a:solidFill>
+                <a:latin typeface="Latin Modern Math" panose="02000503000000000000" pitchFamily="50" charset="0"/>
+                <a:ea typeface="Latin Modern Math" panose="02000503000000000000" pitchFamily="50" charset="0"/>
+              </a:rPr>
+              <a:t>’</a:t>
+            </a:r>
+          </a:p>
+        </p:txBody>
+      </p:sp>
+      <p:cxnSp>
+        <p:nvCxnSpPr>
+          <p:cNvPr id="29" name="Straight Connector 28"/>
+          <p:cNvCxnSpPr/>
+          <p:nvPr/>
+        </p:nvCxnSpPr>
+        <p:spPr>
+          <a:xfrm flipH="1">
+            <a:off x="11004916" y="3207409"/>
+            <a:ext cx="144144" cy="159658"/>
+          </a:xfrm>
+          <a:prstGeom prst="line">
+            <a:avLst/>
+          </a:prstGeom>
+          <a:ln>
+            <a:solidFill>
+              <a:srgbClr val="CFAFE7"/>
+            </a:solidFill>
+          </a:ln>
+        </p:spPr>
+        <p:style>
+          <a:lnRef idx="1">
+            <a:schemeClr val="accent1"/>
+          </a:lnRef>
+          <a:fillRef idx="0">
+            <a:schemeClr val="accent1"/>
+          </a:fillRef>
+          <a:effectRef idx="0">
+            <a:schemeClr val="accent1"/>
+          </a:effectRef>
+          <a:fontRef idx="minor">
+            <a:schemeClr val="tx1"/>
+          </a:fontRef>
+        </p:style>
+      </p:cxnSp>
+      <p:cxnSp>
+        <p:nvCxnSpPr>
+          <p:cNvPr id="30" name="Straight Connector 29"/>
+          <p:cNvCxnSpPr/>
+          <p:nvPr/>
+        </p:nvCxnSpPr>
+        <p:spPr>
+          <a:xfrm flipH="1">
+            <a:off x="8803709" y="3365252"/>
+            <a:ext cx="2210216" cy="0"/>
+          </a:xfrm>
+          <a:prstGeom prst="line">
+            <a:avLst/>
+          </a:prstGeom>
+          <a:ln>
+            <a:solidFill>
+              <a:srgbClr val="CFAFE7"/>
+            </a:solidFill>
+            <a:prstDash val="dash"/>
+          </a:ln>
+        </p:spPr>
+        <p:style>
+          <a:lnRef idx="1">
+            <a:schemeClr val="accent1"/>
+          </a:lnRef>
+          <a:fillRef idx="0">
+            <a:schemeClr val="accent1"/>
+          </a:fillRef>
+          <a:effectRef idx="0">
+            <a:schemeClr val="accent1"/>
+          </a:effectRef>
+          <a:fontRef idx="minor">
+            <a:schemeClr val="tx1"/>
+          </a:fontRef>
+        </p:style>
+      </p:cxnSp>
+      <p:sp>
+        <p:nvSpPr>
+          <p:cNvPr id="31" name="Oval 30"/>
+          <p:cNvSpPr/>
+          <p:nvPr/>
+        </p:nvSpPr>
+        <p:spPr>
+          <a:xfrm flipH="1">
+            <a:off x="11004916" y="3245509"/>
+            <a:ext cx="142142" cy="119743"/>
+          </a:xfrm>
+          <a:prstGeom prst="ellipse">
+            <a:avLst/>
+          </a:prstGeom>
+          <a:solidFill>
+            <a:schemeClr val="accent2"/>
+          </a:solidFill>
+          <a:ln>
+            <a:noFill/>
+            <a:prstDash val="dash"/>
+          </a:ln>
+        </p:spPr>
+        <p:style>
+          <a:lnRef idx="2">
+            <a:schemeClr val="accent1">
+              <a:shade val="50000"/>
+            </a:schemeClr>
+          </a:lnRef>
+          <a:fillRef idx="1">
+            <a:schemeClr val="accent1"/>
+          </a:fillRef>
+          <a:effectRef idx="0">
+            <a:schemeClr val="accent1"/>
+          </a:effectRef>
+          <a:fontRef idx="minor">
+            <a:schemeClr val="lt1"/>
+          </a:fontRef>
+        </p:style>
+        <p:txBody>
+          <a:bodyPr rtlCol="0" anchor="ctr"/>
+          <a:lstStyle/>
+          <a:p>
+            <a:pPr algn="ctr"/>
+            <a:endParaRPr lang="en-GB"/>
+          </a:p>
+        </p:txBody>
+      </p:sp>
+      <p:cxnSp>
+        <p:nvCxnSpPr>
+          <p:cNvPr id="33" name="Straight Connector 32"/>
+          <p:cNvCxnSpPr/>
+          <p:nvPr/>
+        </p:nvCxnSpPr>
+        <p:spPr>
+          <a:xfrm flipH="1" flipV="1">
+            <a:off x="11004916" y="3758951"/>
+            <a:ext cx="144144" cy="157839"/>
+          </a:xfrm>
+          <a:prstGeom prst="line">
+            <a:avLst/>
+          </a:prstGeom>
+          <a:ln>
+            <a:solidFill>
+              <a:schemeClr val="accent6">
+                <a:lumMod val="60000"/>
+                <a:lumOff val="40000"/>
+              </a:schemeClr>
+            </a:solidFill>
+            <a:prstDash val="dash"/>
+          </a:ln>
+        </p:spPr>
+        <p:style>
+          <a:lnRef idx="1">
+            <a:schemeClr val="accent1"/>
+          </a:lnRef>
+          <a:fillRef idx="0">
+            <a:schemeClr val="accent1"/>
+          </a:fillRef>
+          <a:effectRef idx="0">
+            <a:schemeClr val="accent1"/>
+          </a:effectRef>
+          <a:fontRef idx="minor">
+            <a:schemeClr val="tx1"/>
+          </a:fontRef>
+        </p:style>
+      </p:cxnSp>
+      <p:cxnSp>
+        <p:nvCxnSpPr>
+          <p:cNvPr id="34" name="Straight Connector 33"/>
+          <p:cNvCxnSpPr/>
+          <p:nvPr/>
+        </p:nvCxnSpPr>
+        <p:spPr>
+          <a:xfrm flipH="1" flipV="1">
+            <a:off x="8803709" y="3760745"/>
+            <a:ext cx="2210216" cy="0"/>
+          </a:xfrm>
+          <a:prstGeom prst="line">
+            <a:avLst/>
+          </a:prstGeom>
+          <a:ln>
+            <a:solidFill>
+              <a:schemeClr val="accent6">
+                <a:lumMod val="60000"/>
+                <a:lumOff val="40000"/>
+              </a:schemeClr>
+            </a:solidFill>
+            <a:prstDash val="dash"/>
+          </a:ln>
+        </p:spPr>
+        <p:style>
+          <a:lnRef idx="1">
+            <a:schemeClr val="accent1"/>
+          </a:lnRef>
+          <a:fillRef idx="0">
+            <a:schemeClr val="accent1"/>
+          </a:fillRef>
+          <a:effectRef idx="0">
+            <a:schemeClr val="accent1"/>
+          </a:effectRef>
+          <a:fontRef idx="minor">
+            <a:schemeClr val="tx1"/>
+          </a:fontRef>
+        </p:style>
+      </p:cxnSp>
+      <p:sp>
+        <p:nvSpPr>
+          <p:cNvPr id="35" name="Oval 34"/>
+          <p:cNvSpPr/>
+          <p:nvPr/>
+        </p:nvSpPr>
+        <p:spPr>
+          <a:xfrm flipH="1" flipV="1">
+            <a:off x="11004916" y="3760745"/>
+            <a:ext cx="142142" cy="118379"/>
+          </a:xfrm>
+          <a:prstGeom prst="ellipse">
+            <a:avLst/>
+          </a:prstGeom>
+          <a:solidFill>
+            <a:srgbClr val="8B4C07"/>
+          </a:solidFill>
+          <a:ln>
+            <a:noFill/>
+            <a:prstDash val="dash"/>
+          </a:ln>
+        </p:spPr>
+        <p:style>
+          <a:lnRef idx="2">
+            <a:schemeClr val="accent1">
+              <a:shade val="50000"/>
+            </a:schemeClr>
+          </a:lnRef>
+          <a:fillRef idx="1">
+            <a:schemeClr val="accent1"/>
+          </a:fillRef>
+          <a:effectRef idx="0">
+            <a:schemeClr val="accent1"/>
+          </a:effectRef>
+          <a:fontRef idx="minor">
+            <a:schemeClr val="lt1"/>
+          </a:fontRef>
+        </p:style>
+        <p:txBody>
+          <a:bodyPr rtlCol="0" anchor="ctr"/>
+          <a:lstStyle/>
+          <a:p>
+            <a:pPr algn="ctr"/>
+            <a:endParaRPr lang="en-GB">
+              <a:solidFill>
+                <a:srgbClr val="7030A0"/>
+              </a:solidFill>
+            </a:endParaRPr>
+          </a:p>
+        </p:txBody>
+      </p:sp>
+      <p:sp>
+        <p:nvSpPr>
+          <p:cNvPr id="74" name="Rectangle 73"/>
+          <p:cNvSpPr/>
+          <p:nvPr/>
+        </p:nvSpPr>
+        <p:spPr>
+          <a:xfrm>
+            <a:off x="8718211" y="3592187"/>
+            <a:ext cx="645091" cy="281567"/>
+          </a:xfrm>
+          <a:prstGeom prst="rect">
+            <a:avLst/>
+          </a:prstGeom>
+          <a:solidFill>
+            <a:schemeClr val="accent5">
+              <a:lumMod val="20000"/>
+              <a:lumOff val="80000"/>
+            </a:schemeClr>
+          </a:solidFill>
+          <a:ln>
+            <a:noFill/>
+          </a:ln>
+        </p:spPr>
+        <p:style>
+          <a:lnRef idx="2">
+            <a:schemeClr val="accent1">
+              <a:shade val="50000"/>
+            </a:schemeClr>
+          </a:lnRef>
+          <a:fillRef idx="1">
+            <a:schemeClr val="accent1"/>
+          </a:fillRef>
+          <a:effectRef idx="0">
+            <a:schemeClr val="accent1"/>
+          </a:effectRef>
+          <a:fontRef idx="minor">
+            <a:schemeClr val="lt1"/>
+          </a:fontRef>
+        </p:style>
+        <p:txBody>
+          <a:bodyPr rtlCol="0" anchor="ctr"/>
+          <a:lstStyle/>
+          <a:p>
+            <a:pPr algn="ctr"/>
+            <a:r>
+              <a:rPr lang="en-GB" dirty="0" smtClean="0">
+                <a:solidFill>
+                  <a:schemeClr val="accent6">
+                    <a:lumMod val="50000"/>
+                  </a:schemeClr>
+                </a:solidFill>
+              </a:rPr>
+              <a:t>ONT</a:t>
+            </a:r>
+            <a:endParaRPr lang="en-GB" dirty="0">
+              <a:solidFill>
+                <a:schemeClr val="accent6">
+                  <a:lumMod val="50000"/>
+                </a:schemeClr>
+              </a:solidFill>
+            </a:endParaRPr>
+          </a:p>
+        </p:txBody>
+      </p:sp>
+      <p:sp>
+        <p:nvSpPr>
+          <p:cNvPr id="75" name="Rectangle 74"/>
+          <p:cNvSpPr/>
+          <p:nvPr/>
+        </p:nvSpPr>
+        <p:spPr>
+          <a:xfrm>
+            <a:off x="3350776" y="1802562"/>
+            <a:ext cx="645091" cy="281567"/>
+          </a:xfrm>
+          <a:prstGeom prst="rect">
+            <a:avLst/>
+          </a:prstGeom>
+          <a:solidFill>
+            <a:schemeClr val="accent5">
+              <a:lumMod val="20000"/>
+              <a:lumOff val="80000"/>
+            </a:schemeClr>
+          </a:solidFill>
+          <a:ln>
+            <a:noFill/>
+          </a:ln>
+        </p:spPr>
+        <p:style>
+          <a:lnRef idx="2">
+            <a:schemeClr val="accent1">
+              <a:shade val="50000"/>
+            </a:schemeClr>
+          </a:lnRef>
+          <a:fillRef idx="1">
+            <a:schemeClr val="accent1"/>
+          </a:fillRef>
+          <a:effectRef idx="0">
+            <a:schemeClr val="accent1"/>
+          </a:effectRef>
+          <a:fontRef idx="minor">
+            <a:schemeClr val="lt1"/>
+          </a:fontRef>
+        </p:style>
+        <p:txBody>
+          <a:bodyPr rtlCol="0" anchor="ctr"/>
+          <a:lstStyle/>
+          <a:p>
+            <a:pPr algn="ctr"/>
+            <a:r>
+              <a:rPr lang="en-GB" dirty="0" smtClean="0">
+                <a:solidFill>
+                  <a:schemeClr val="accent6">
+                    <a:lumMod val="50000"/>
+                  </a:schemeClr>
+                </a:solidFill>
+              </a:rPr>
+              <a:t>ONT</a:t>
+            </a:r>
+            <a:endParaRPr lang="en-GB" dirty="0">
+              <a:solidFill>
+                <a:schemeClr val="accent6">
+                  <a:lumMod val="50000"/>
+                </a:schemeClr>
+              </a:solidFill>
+            </a:endParaRPr>
+          </a:p>
+        </p:txBody>
+      </p:sp>
+      <p:graphicFrame>
+        <p:nvGraphicFramePr>
+          <p:cNvPr id="77" name="Table 76"/>
+          <p:cNvGraphicFramePr>
+            <a:graphicFrameLocks noGrp="1"/>
+          </p:cNvGraphicFramePr>
+          <p:nvPr>
+            <p:extLst>
+              <p:ext uri="{D42A27DB-BD31-4B8C-83A1-F6EECF244321}">
+                <p14:modId xmlns:p14="http://schemas.microsoft.com/office/powerpoint/2010/main" val="209098887"/>
+              </p:ext>
+            </p:extLst>
+          </p:nvPr>
+        </p:nvGraphicFramePr>
+        <p:xfrm>
+          <a:off x="1006177" y="4917047"/>
+          <a:ext cx="10209509" cy="2103120"/>
+        </p:xfrm>
+        <a:graphic>
+          <a:graphicData uri="http://schemas.openxmlformats.org/drawingml/2006/table">
+            <a:tbl>
+              <a:tblPr firstRow="1" bandRow="1">
+                <a:tableStyleId>{5C22544A-7EE6-4342-B048-85BDC9FD1C3A}</a:tableStyleId>
+              </a:tblPr>
+              <a:tblGrid>
+                <a:gridCol w="1813228">
+                  <a:extLst>
+                    <a:ext uri="{9D8B030D-6E8A-4147-A177-3AD203B41FA5}">
+                      <a16:colId xmlns:a16="http://schemas.microsoft.com/office/drawing/2014/main" val="405414627"/>
+                    </a:ext>
+                  </a:extLst>
+                </a:gridCol>
+                <a:gridCol w="8396281">
+                  <a:extLst>
+                    <a:ext uri="{9D8B030D-6E8A-4147-A177-3AD203B41FA5}">
+                      <a16:colId xmlns:a16="http://schemas.microsoft.com/office/drawing/2014/main" val="1006311245"/>
+                    </a:ext>
+                  </a:extLst>
+                </a:gridCol>
+              </a:tblGrid>
+              <a:tr h="251390">
+                <a:tc>
+                  <a:txBody>
+                    <a:bodyPr/>
+                    <a:lstStyle/>
+                    <a:p>
+                      <a:pPr>
+                        <a:lnSpc>
+                          <a:spcPct val="150000"/>
+                        </a:lnSpc>
+                      </a:pPr>
+                      <a:r>
+                        <a:rPr lang="en-GB" sz="1600" dirty="0" smtClean="0">
+                          <a:solidFill>
+                            <a:schemeClr val="accent6">
+                              <a:lumMod val="50000"/>
+                            </a:schemeClr>
+                          </a:solidFill>
+                          <a:latin typeface="Latin Modern Math" panose="02000503000000000000" pitchFamily="50" charset="0"/>
+                          <a:ea typeface="Latin Modern Math" panose="02000503000000000000" pitchFamily="50" charset="0"/>
+                        </a:rPr>
+                        <a:t>Strand </a:t>
+                      </a:r>
+                      <a:endParaRPr lang="en-GB" sz="1600" dirty="0">
+                        <a:solidFill>
+                          <a:schemeClr val="accent6">
+                            <a:lumMod val="50000"/>
+                          </a:schemeClr>
+                        </a:solidFill>
+                        <a:latin typeface="Latin Modern Math" panose="02000503000000000000" pitchFamily="50" charset="0"/>
+                        <a:ea typeface="Latin Modern Math" panose="02000503000000000000" pitchFamily="50" charset="0"/>
+                      </a:endParaRPr>
+                    </a:p>
+                  </a:txBody>
+                  <a:tcPr>
+                    <a:lnL w="12700" cmpd="sng">
+                      <a:noFill/>
+                    </a:lnL>
+                    <a:lnR w="12700" cmpd="sng">
+                      <a:noFill/>
+                    </a:lnR>
+                    <a:lnT w="12700" cap="flat" cmpd="sng" algn="ctr">
+                      <a:solidFill>
+                        <a:schemeClr val="tx1"/>
+                      </a:solidFill>
+                      <a:prstDash val="solid"/>
+                      <a:round/>
+                      <a:headEnd type="none" w="med" len="med"/>
+                      <a:tailEnd type="none" w="med" len="med"/>
+                    </a:lnT>
+                    <a:lnB w="12700" cap="flat" cmpd="sng" algn="ctr">
+                      <a:solidFill>
+                        <a:schemeClr val="tx1"/>
+                      </a:solidFill>
+                      <a:prstDash val="solid"/>
+                      <a:round/>
+                      <a:headEnd type="none" w="med" len="med"/>
+                      <a:tailEnd type="none" w="med" len="med"/>
+                    </a:lnB>
+                    <a:lnTlToBr w="12700" cmpd="sng">
+                      <a:noFill/>
+                      <a:prstDash val="solid"/>
+                    </a:lnTlToBr>
+                    <a:lnBlToTr w="12700" cmpd="sng">
+                      <a:noFill/>
+                      <a:prstDash val="solid"/>
+                    </a:lnBlToTr>
+                    <a:solidFill>
+                      <a:schemeClr val="bg1"/>
+                    </a:solidFill>
+                  </a:tcPr>
+                </a:tc>
+                <a:tc>
+                  <a:txBody>
+                    <a:bodyPr/>
+                    <a:lstStyle/>
+                    <a:p>
+                      <a:pPr>
+                        <a:lnSpc>
+                          <a:spcPct val="150000"/>
+                        </a:lnSpc>
+                      </a:pPr>
+                      <a:r>
+                        <a:rPr lang="en-GB" sz="1600" dirty="0" smtClean="0">
+                          <a:solidFill>
+                            <a:schemeClr val="accent6">
+                              <a:lumMod val="50000"/>
+                            </a:schemeClr>
+                          </a:solidFill>
+                          <a:latin typeface="Latin Modern Math" panose="02000503000000000000" pitchFamily="50" charset="0"/>
+                          <a:ea typeface="Latin Modern Math" panose="02000503000000000000" pitchFamily="50" charset="0"/>
+                        </a:rPr>
+                        <a:t>Sequence</a:t>
+                      </a:r>
+                      <a:endParaRPr lang="en-GB" sz="1600" dirty="0">
+                        <a:solidFill>
+                          <a:schemeClr val="accent6">
+                            <a:lumMod val="50000"/>
+                          </a:schemeClr>
+                        </a:solidFill>
+                        <a:latin typeface="Latin Modern Math" panose="02000503000000000000" pitchFamily="50" charset="0"/>
+                        <a:ea typeface="Latin Modern Math" panose="02000503000000000000" pitchFamily="50" charset="0"/>
+                      </a:endParaRPr>
+                    </a:p>
+                  </a:txBody>
+                  <a:tcPr>
+                    <a:lnL w="12700" cmpd="sng">
+                      <a:noFill/>
+                    </a:lnL>
+                    <a:lnR w="12700" cmpd="sng">
+                      <a:noFill/>
+                    </a:lnR>
+                    <a:lnT w="12700" cap="flat" cmpd="sng" algn="ctr">
+                      <a:solidFill>
+                        <a:schemeClr val="tx1"/>
+                      </a:solidFill>
+                      <a:prstDash val="solid"/>
+                      <a:round/>
+                      <a:headEnd type="none" w="med" len="med"/>
+                      <a:tailEnd type="none" w="med" len="med"/>
+                    </a:lnT>
+                    <a:lnB w="12700" cap="flat" cmpd="sng" algn="ctr">
+                      <a:solidFill>
+                        <a:schemeClr val="tx1"/>
+                      </a:solidFill>
+                      <a:prstDash val="solid"/>
+                      <a:round/>
+                      <a:headEnd type="none" w="med" len="med"/>
+                      <a:tailEnd type="none" w="med" len="med"/>
+                    </a:lnB>
+                    <a:lnTlToBr w="12700" cmpd="sng">
+                      <a:noFill/>
+                      <a:prstDash val="solid"/>
+                    </a:lnTlToBr>
+                    <a:lnBlToTr w="12700" cmpd="sng">
+                      <a:noFill/>
+                      <a:prstDash val="solid"/>
+                    </a:lnBlToTr>
+                    <a:solidFill>
+                      <a:schemeClr val="bg1"/>
+                    </a:solidFill>
+                  </a:tcPr>
+                </a:tc>
+                <a:extLst>
+                  <a:ext uri="{0D108BD9-81ED-4DB2-BD59-A6C34878D82A}">
+                    <a16:rowId xmlns:a16="http://schemas.microsoft.com/office/drawing/2014/main" val="4050606864"/>
+                  </a:ext>
+                </a:extLst>
+              </a:tr>
+              <a:tr h="312178">
+                <a:tc>
+                  <a:txBody>
+                    <a:bodyPr/>
+                    <a:lstStyle/>
+                    <a:p>
+                      <a:pPr>
+                        <a:lnSpc>
+                          <a:spcPct val="150000"/>
+                        </a:lnSpc>
+                      </a:pPr>
+                      <a:r>
+                        <a:rPr lang="en-GB" sz="1400" dirty="0" smtClean="0">
+                          <a:solidFill>
+                            <a:schemeClr val="accent6">
+                              <a:lumMod val="50000"/>
+                            </a:schemeClr>
+                          </a:solidFill>
+                          <a:latin typeface="Latin Modern Math" panose="02000503000000000000" pitchFamily="50" charset="0"/>
+                          <a:ea typeface="Latin Modern Math" panose="02000503000000000000" pitchFamily="50" charset="0"/>
+                        </a:rPr>
+                        <a:t>Plus strand start</a:t>
+                      </a:r>
+                      <a:endParaRPr lang="en-GB" sz="1400" dirty="0">
+                        <a:solidFill>
+                          <a:schemeClr val="accent6">
+                            <a:lumMod val="50000"/>
+                          </a:schemeClr>
+                        </a:solidFill>
+                        <a:latin typeface="Latin Modern Math" panose="02000503000000000000" pitchFamily="50" charset="0"/>
+                        <a:ea typeface="Latin Modern Math" panose="02000503000000000000" pitchFamily="50" charset="0"/>
+                      </a:endParaRPr>
+                    </a:p>
+                  </a:txBody>
+                  <a:tcPr>
+                    <a:lnL w="12700" cmpd="sng">
+                      <a:noFill/>
+                    </a:lnL>
+                    <a:lnR w="12700" cmpd="sng">
+                      <a:noFill/>
+                    </a:lnR>
+                    <a:lnT w="12700" cap="flat" cmpd="sng" algn="ctr">
+                      <a:solidFill>
+                        <a:schemeClr val="tx1"/>
+                      </a:solidFill>
+                      <a:prstDash val="solid"/>
+                      <a:round/>
+                      <a:headEnd type="none" w="med" len="med"/>
+                      <a:tailEnd type="none" w="med" len="med"/>
+                    </a:lnT>
+                    <a:lnB w="12700" cmpd="sng">
+                      <a:noFill/>
+                    </a:lnB>
+                    <a:lnTlToBr w="12700" cmpd="sng">
+                      <a:noFill/>
+                      <a:prstDash val="solid"/>
+                    </a:lnTlToBr>
+                    <a:lnBlToTr w="12700" cmpd="sng">
+                      <a:noFill/>
+                      <a:prstDash val="solid"/>
+                    </a:lnBlToTr>
+                    <a:solidFill>
+                      <a:schemeClr val="bg1"/>
+                    </a:solidFill>
+                  </a:tcPr>
+                </a:tc>
+                <a:tc>
+                  <a:txBody>
+                    <a:bodyPr/>
+                    <a:lstStyle/>
+                    <a:p>
+                      <a:pPr marL="0" marR="0" lvl="0" indent="0" algn="l" defTabSz="1219170" rtl="0" eaLnBrk="1" fontAlgn="auto" latinLnBrk="0" hangingPunct="1">
+                        <a:lnSpc>
+                          <a:spcPct val="150000"/>
+                        </a:lnSpc>
+                        <a:spcBef>
+                          <a:spcPts val="0"/>
+                        </a:spcBef>
+                        <a:spcAft>
+                          <a:spcPts val="0"/>
+                        </a:spcAft>
+                        <a:buClrTx/>
+                        <a:buSzTx/>
+                        <a:buFontTx/>
+                        <a:buNone/>
+                        <a:tabLst/>
+                        <a:defRPr/>
+                      </a:pPr>
+                      <a:r>
+                        <a:rPr lang="en-GB" sz="1400" b="0" dirty="0" smtClean="0">
+                          <a:solidFill>
+                            <a:schemeClr val="accent1"/>
+                          </a:solidFill>
+                          <a:latin typeface="Latin Modern Math" panose="02000503000000000000" pitchFamily="50" charset="0"/>
+                          <a:ea typeface="Latin Modern Math" panose="02000503000000000000" pitchFamily="50" charset="0"/>
+                        </a:rPr>
+                        <a:t>AATGTACTTCGTTCAGTTACGTATTGCT</a:t>
+                      </a:r>
+                      <a:r>
+                        <a:rPr lang="en-GB" sz="1400" b="0" dirty="0" smtClean="0">
+                          <a:solidFill>
+                            <a:srgbClr val="7030A0"/>
+                          </a:solidFill>
+                          <a:latin typeface="Latin Modern Math" panose="02000503000000000000" pitchFamily="50" charset="0"/>
+                          <a:ea typeface="Latin Modern Math" panose="02000503000000000000" pitchFamily="50" charset="0"/>
+                        </a:rPr>
+                        <a:t>AAGCAGTGGTATCAACGCAGAGTACATGGG</a:t>
+                      </a:r>
+                      <a:endParaRPr lang="en-GB" sz="1400" b="0" dirty="0">
+                        <a:solidFill>
+                          <a:srgbClr val="7030A0"/>
+                        </a:solidFill>
+                        <a:latin typeface="Latin Modern Math" panose="02000503000000000000" pitchFamily="50" charset="0"/>
+                        <a:ea typeface="Latin Modern Math" panose="02000503000000000000" pitchFamily="50" charset="0"/>
+                      </a:endParaRPr>
+                    </a:p>
+                  </a:txBody>
+                  <a:tcPr>
+                    <a:lnL w="12700" cmpd="sng">
+                      <a:noFill/>
+                    </a:lnL>
+                    <a:lnR w="12700" cmpd="sng">
+                      <a:noFill/>
+                    </a:lnR>
+                    <a:lnT w="12700" cap="flat" cmpd="sng" algn="ctr">
+                      <a:solidFill>
+                        <a:schemeClr val="tx1"/>
+                      </a:solidFill>
+                      <a:prstDash val="solid"/>
+                      <a:round/>
+                      <a:headEnd type="none" w="med" len="med"/>
+                      <a:tailEnd type="none" w="med" len="med"/>
+                    </a:lnT>
+                    <a:lnB w="12700" cmpd="sng">
+                      <a:noFill/>
+                    </a:lnB>
+                    <a:lnTlToBr w="12700" cmpd="sng">
+                      <a:noFill/>
+                      <a:prstDash val="solid"/>
+                    </a:lnTlToBr>
+                    <a:lnBlToTr w="12700" cmpd="sng">
+                      <a:noFill/>
+                      <a:prstDash val="solid"/>
+                    </a:lnBlToTr>
+                    <a:solidFill>
+                      <a:schemeClr val="bg1"/>
+                    </a:solidFill>
+                  </a:tcPr>
+                </a:tc>
+                <a:extLst>
+                  <a:ext uri="{0D108BD9-81ED-4DB2-BD59-A6C34878D82A}">
+                    <a16:rowId xmlns:a16="http://schemas.microsoft.com/office/drawing/2014/main" val="1505017538"/>
+                  </a:ext>
+                </a:extLst>
+              </a:tr>
+              <a:tr h="272173">
+                <a:tc>
+                  <a:txBody>
+                    <a:bodyPr/>
+                    <a:lstStyle/>
+                    <a:p>
+                      <a:pPr>
+                        <a:lnSpc>
+                          <a:spcPct val="150000"/>
+                        </a:lnSpc>
+                      </a:pPr>
+                      <a:r>
+                        <a:rPr lang="en-GB" sz="1400" dirty="0" smtClean="0">
+                          <a:solidFill>
+                            <a:schemeClr val="accent6">
+                              <a:lumMod val="50000"/>
+                            </a:schemeClr>
+                          </a:solidFill>
+                          <a:latin typeface="Latin Modern Math" panose="02000503000000000000" pitchFamily="50" charset="0"/>
+                          <a:ea typeface="Latin Modern Math" panose="02000503000000000000" pitchFamily="50" charset="0"/>
+                        </a:rPr>
+                        <a:t>Plus strand end</a:t>
+                      </a:r>
+                      <a:endParaRPr lang="en-GB" sz="1400" dirty="0">
+                        <a:solidFill>
+                          <a:schemeClr val="accent6">
+                            <a:lumMod val="50000"/>
+                          </a:schemeClr>
+                        </a:solidFill>
+                        <a:latin typeface="Latin Modern Math" panose="02000503000000000000" pitchFamily="50" charset="0"/>
+                        <a:ea typeface="Latin Modern Math" panose="02000503000000000000" pitchFamily="50" charset="0"/>
+                      </a:endParaRPr>
+                    </a:p>
+                  </a:txBody>
+                  <a:tcPr>
+                    <a:lnL w="12700" cmpd="sng">
+                      <a:noFill/>
+                    </a:lnL>
+                    <a:lnR w="12700" cmpd="sng">
+                      <a:noFill/>
+                    </a:lnR>
+                    <a:lnT w="12700" cmpd="sng">
+                      <a:noFill/>
+                    </a:lnT>
+                    <a:lnB w="12700" cmpd="sng">
+                      <a:noFill/>
+                    </a:lnB>
+                    <a:lnTlToBr w="12700" cmpd="sng">
+                      <a:noFill/>
+                      <a:prstDash val="solid"/>
+                    </a:lnTlToBr>
+                    <a:lnBlToTr w="12700" cmpd="sng">
+                      <a:noFill/>
+                      <a:prstDash val="solid"/>
+                    </a:lnBlToTr>
+                    <a:solidFill>
+                      <a:schemeClr val="bg1"/>
+                    </a:solidFill>
+                  </a:tcPr>
+                </a:tc>
+                <a:tc>
+                  <a:txBody>
+                    <a:bodyPr/>
+                    <a:lstStyle/>
+                    <a:p>
+                      <a:pPr>
+                        <a:lnSpc>
+                          <a:spcPct val="150000"/>
+                        </a:lnSpc>
+                      </a:pPr>
+                      <a:r>
+                        <a:rPr lang="en-GB" sz="1400" b="0" dirty="0" smtClean="0">
+                          <a:solidFill>
+                            <a:schemeClr val="accent6">
+                              <a:lumMod val="50000"/>
+                            </a:schemeClr>
+                          </a:solidFill>
+                          <a:latin typeface="Latin Modern Math" panose="02000503000000000000" pitchFamily="50" charset="0"/>
+                          <a:ea typeface="Latin Modern Math" panose="02000503000000000000" pitchFamily="50" charset="0"/>
+                        </a:rPr>
+                        <a:t>AAAAAAAAGTACTCTGCGTTGATACCACTGCTT</a:t>
+                      </a:r>
+                      <a:endParaRPr lang="en-GB" sz="1400" b="0" dirty="0">
+                        <a:solidFill>
+                          <a:schemeClr val="accent6">
+                            <a:lumMod val="50000"/>
+                          </a:schemeClr>
+                        </a:solidFill>
+                        <a:latin typeface="Latin Modern Math" panose="02000503000000000000" pitchFamily="50" charset="0"/>
+                        <a:ea typeface="Latin Modern Math" panose="02000503000000000000" pitchFamily="50" charset="0"/>
+                      </a:endParaRPr>
+                    </a:p>
+                  </a:txBody>
+                  <a:tcPr>
+                    <a:lnL w="12700" cmpd="sng">
+                      <a:noFill/>
+                    </a:lnL>
+                    <a:lnR w="12700" cmpd="sng">
+                      <a:noFill/>
+                    </a:lnR>
+                    <a:lnT w="12700" cmpd="sng">
+                      <a:noFill/>
+                    </a:lnT>
+                    <a:lnB w="12700" cmpd="sng">
+                      <a:noFill/>
+                    </a:lnB>
+                    <a:lnTlToBr w="12700" cmpd="sng">
+                      <a:noFill/>
+                      <a:prstDash val="solid"/>
+                    </a:lnTlToBr>
+                    <a:lnBlToTr w="12700" cmpd="sng">
+                      <a:noFill/>
+                      <a:prstDash val="solid"/>
+                    </a:lnBlToTr>
+                    <a:solidFill>
+                      <a:schemeClr val="bg1"/>
+                    </a:solidFill>
+                  </a:tcPr>
+                </a:tc>
+                <a:extLst>
+                  <a:ext uri="{0D108BD9-81ED-4DB2-BD59-A6C34878D82A}">
+                    <a16:rowId xmlns:a16="http://schemas.microsoft.com/office/drawing/2014/main" val="2334673680"/>
+                  </a:ext>
+                </a:extLst>
+              </a:tr>
+              <a:tr h="387280">
+                <a:tc>
+                  <a:txBody>
+                    <a:bodyPr/>
+                    <a:lstStyle/>
+                    <a:p>
+                      <a:pPr>
+                        <a:lnSpc>
+                          <a:spcPct val="150000"/>
+                        </a:lnSpc>
+                      </a:pPr>
+                      <a:r>
+                        <a:rPr lang="en-GB" sz="1400" dirty="0" smtClean="0">
+                          <a:solidFill>
+                            <a:schemeClr val="accent6">
+                              <a:lumMod val="50000"/>
+                            </a:schemeClr>
+                          </a:solidFill>
+                          <a:latin typeface="Latin Modern Math" panose="02000503000000000000" pitchFamily="50" charset="0"/>
+                          <a:ea typeface="Latin Modern Math" panose="02000503000000000000" pitchFamily="50" charset="0"/>
+                        </a:rPr>
+                        <a:t>Minus</a:t>
+                      </a:r>
+                      <a:r>
+                        <a:rPr lang="en-GB" sz="1400" baseline="0" dirty="0" smtClean="0">
+                          <a:solidFill>
+                            <a:schemeClr val="accent6">
+                              <a:lumMod val="50000"/>
+                            </a:schemeClr>
+                          </a:solidFill>
+                          <a:latin typeface="Latin Modern Math" panose="02000503000000000000" pitchFamily="50" charset="0"/>
+                          <a:ea typeface="Latin Modern Math" panose="02000503000000000000" pitchFamily="50" charset="0"/>
+                        </a:rPr>
+                        <a:t> strand start</a:t>
+                      </a:r>
+                      <a:endParaRPr lang="en-GB" sz="1400" dirty="0">
+                        <a:solidFill>
+                          <a:schemeClr val="accent6">
+                            <a:lumMod val="50000"/>
+                          </a:schemeClr>
+                        </a:solidFill>
+                        <a:latin typeface="Latin Modern Math" panose="02000503000000000000" pitchFamily="50" charset="0"/>
+                        <a:ea typeface="Latin Modern Math" panose="02000503000000000000" pitchFamily="50" charset="0"/>
+                      </a:endParaRPr>
+                    </a:p>
+                  </a:txBody>
+                  <a:tcPr>
+                    <a:lnL w="12700" cmpd="sng">
+                      <a:noFill/>
+                    </a:lnL>
+                    <a:lnR w="12700" cmpd="sng">
+                      <a:noFill/>
+                    </a:lnR>
+                    <a:lnT w="12700" cmpd="sng">
+                      <a:noFill/>
+                    </a:lnT>
+                    <a:lnB w="12700" cmpd="sng">
+                      <a:noFill/>
+                    </a:lnB>
+                    <a:lnTlToBr w="12700" cmpd="sng">
+                      <a:noFill/>
+                      <a:prstDash val="solid"/>
+                    </a:lnTlToBr>
+                    <a:lnBlToTr w="12700" cmpd="sng">
+                      <a:noFill/>
+                      <a:prstDash val="solid"/>
+                    </a:lnBlToTr>
+                    <a:solidFill>
+                      <a:schemeClr val="bg1"/>
+                    </a:solidFill>
+                  </a:tcPr>
+                </a:tc>
+                <a:tc>
+                  <a:txBody>
+                    <a:bodyPr/>
+                    <a:lstStyle/>
+                    <a:p>
+                      <a:pPr>
+                        <a:lnSpc>
+                          <a:spcPct val="150000"/>
+                        </a:lnSpc>
+                      </a:pPr>
+                      <a:r>
+                        <a:rPr lang="en-GB" sz="1400" dirty="0" smtClean="0">
+                          <a:solidFill>
+                            <a:schemeClr val="accent1"/>
+                          </a:solidFill>
+                          <a:latin typeface="Latin Modern Math" panose="02000503000000000000" pitchFamily="50" charset="0"/>
+                          <a:ea typeface="Latin Modern Math" panose="02000503000000000000" pitchFamily="50" charset="0"/>
+                        </a:rPr>
+                        <a:t>AATGTACTTCGTTCAGTTACGTATTGCT</a:t>
+                      </a:r>
+                      <a:r>
+                        <a:rPr lang="en-GB" sz="1400" dirty="0" smtClean="0">
+                          <a:solidFill>
+                            <a:srgbClr val="7030A0"/>
+                          </a:solidFill>
+                          <a:latin typeface="Latin Modern Math" panose="02000503000000000000" pitchFamily="50" charset="0"/>
+                          <a:ea typeface="Latin Modern Math" panose="02000503000000000000" pitchFamily="50" charset="0"/>
+                        </a:rPr>
+                        <a:t>AAGCAGTGGTATCAACGCAGAGTACTTTTTTTT</a:t>
+                      </a:r>
+                      <a:endParaRPr lang="en-GB" sz="1400" dirty="0">
+                        <a:solidFill>
+                          <a:srgbClr val="7030A0"/>
+                        </a:solidFill>
+                        <a:latin typeface="Latin Modern Math" panose="02000503000000000000" pitchFamily="50" charset="0"/>
+                        <a:ea typeface="Latin Modern Math" panose="02000503000000000000" pitchFamily="50" charset="0"/>
+                      </a:endParaRPr>
+                    </a:p>
+                  </a:txBody>
+                  <a:tcPr>
+                    <a:lnL w="12700" cmpd="sng">
+                      <a:noFill/>
+                    </a:lnL>
+                    <a:lnR w="12700" cmpd="sng">
+                      <a:noFill/>
+                    </a:lnR>
+                    <a:lnT w="12700" cmpd="sng">
+                      <a:noFill/>
+                    </a:lnT>
+                    <a:lnB w="12700" cmpd="sng">
+                      <a:noFill/>
+                    </a:lnB>
+                    <a:lnTlToBr w="12700" cmpd="sng">
+                      <a:noFill/>
+                      <a:prstDash val="solid"/>
+                    </a:lnTlToBr>
+                    <a:lnBlToTr w="12700" cmpd="sng">
+                      <a:noFill/>
+                      <a:prstDash val="solid"/>
+                    </a:lnBlToTr>
+                    <a:solidFill>
+                      <a:schemeClr val="bg1"/>
+                    </a:solidFill>
+                  </a:tcPr>
+                </a:tc>
+                <a:extLst>
+                  <a:ext uri="{0D108BD9-81ED-4DB2-BD59-A6C34878D82A}">
+                    <a16:rowId xmlns:a16="http://schemas.microsoft.com/office/drawing/2014/main" val="3319146820"/>
+                  </a:ext>
+                </a:extLst>
+              </a:tr>
+              <a:tr h="370840">
+                <a:tc>
+                  <a:txBody>
+                    <a:bodyPr/>
+                    <a:lstStyle/>
+                    <a:p>
+                      <a:pPr>
+                        <a:lnSpc>
+                          <a:spcPct val="150000"/>
+                        </a:lnSpc>
+                      </a:pPr>
+                      <a:r>
+                        <a:rPr lang="en-GB" sz="1400" smtClean="0">
+                          <a:solidFill>
+                            <a:schemeClr val="accent6">
+                              <a:lumMod val="50000"/>
+                            </a:schemeClr>
+                          </a:solidFill>
+                          <a:latin typeface="Latin Modern Math" panose="02000503000000000000" pitchFamily="50" charset="0"/>
+                          <a:ea typeface="Latin Modern Math" panose="02000503000000000000" pitchFamily="50" charset="0"/>
+                        </a:rPr>
+                        <a:t>Minus</a:t>
+                      </a:r>
+                      <a:r>
+                        <a:rPr lang="en-GB" sz="1400" baseline="0" smtClean="0">
+                          <a:solidFill>
+                            <a:schemeClr val="accent6">
+                              <a:lumMod val="50000"/>
+                            </a:schemeClr>
+                          </a:solidFill>
+                          <a:latin typeface="Latin Modern Math" panose="02000503000000000000" pitchFamily="50" charset="0"/>
+                          <a:ea typeface="Latin Modern Math" panose="02000503000000000000" pitchFamily="50" charset="0"/>
+                        </a:rPr>
+                        <a:t> strand end</a:t>
+                      </a:r>
+                      <a:endParaRPr lang="en-GB" sz="1400" dirty="0">
+                        <a:solidFill>
+                          <a:schemeClr val="accent6">
+                            <a:lumMod val="50000"/>
+                          </a:schemeClr>
+                        </a:solidFill>
+                        <a:latin typeface="Latin Modern Math" panose="02000503000000000000" pitchFamily="50" charset="0"/>
+                        <a:ea typeface="Latin Modern Math" panose="02000503000000000000" pitchFamily="50" charset="0"/>
+                      </a:endParaRPr>
+                    </a:p>
+                  </a:txBody>
+                  <a:tcPr>
+                    <a:lnL w="12700" cmpd="sng">
+                      <a:noFill/>
+                    </a:lnL>
+                    <a:lnR w="12700" cmpd="sng">
+                      <a:noFill/>
+                    </a:lnR>
+                    <a:lnT w="12700" cmpd="sng">
+                      <a:noFill/>
+                    </a:lnT>
+                    <a:lnB w="12700" cmpd="sng">
+                      <a:noFill/>
+                    </a:lnB>
+                    <a:lnTlToBr w="12700" cmpd="sng">
+                      <a:noFill/>
+                      <a:prstDash val="solid"/>
+                    </a:lnTlToBr>
+                    <a:lnBlToTr w="12700" cmpd="sng">
+                      <a:noFill/>
+                      <a:prstDash val="solid"/>
+                    </a:lnBlToTr>
+                    <a:solidFill>
+                      <a:schemeClr val="bg1"/>
+                    </a:solidFill>
+                  </a:tcPr>
+                </a:tc>
+                <a:tc>
+                  <a:txBody>
+                    <a:bodyPr/>
+                    <a:lstStyle/>
+                    <a:p>
+                      <a:pPr>
+                        <a:lnSpc>
+                          <a:spcPct val="150000"/>
+                        </a:lnSpc>
+                      </a:pPr>
+                      <a:r>
+                        <a:rPr lang="en-GB" sz="1400" dirty="0" smtClean="0">
+                          <a:solidFill>
+                            <a:schemeClr val="accent6">
+                              <a:lumMod val="50000"/>
+                            </a:schemeClr>
+                          </a:solidFill>
+                          <a:latin typeface="Latin Modern Math" panose="02000503000000000000" pitchFamily="50" charset="0"/>
+                          <a:ea typeface="Latin Modern Math" panose="02000503000000000000" pitchFamily="50" charset="0"/>
+                        </a:rPr>
+                        <a:t>CCCATGTACTCTGCGTTGATACCACTGCTT</a:t>
+                      </a:r>
+                      <a:endParaRPr lang="en-GB" sz="1400" dirty="0">
+                        <a:solidFill>
+                          <a:schemeClr val="accent6">
+                            <a:lumMod val="50000"/>
+                          </a:schemeClr>
+                        </a:solidFill>
+                        <a:latin typeface="Latin Modern Math" panose="02000503000000000000" pitchFamily="50" charset="0"/>
+                        <a:ea typeface="Latin Modern Math" panose="02000503000000000000" pitchFamily="50" charset="0"/>
+                      </a:endParaRPr>
+                    </a:p>
+                  </a:txBody>
+                  <a:tcPr>
+                    <a:lnL w="12700" cmpd="sng">
+                      <a:noFill/>
+                    </a:lnL>
+                    <a:lnR w="12700" cmpd="sng">
+                      <a:noFill/>
+                    </a:lnR>
+                    <a:lnT w="12700" cmpd="sng">
+                      <a:noFill/>
+                    </a:lnT>
+                    <a:lnB w="12700" cmpd="sng">
+                      <a:noFill/>
+                    </a:lnB>
+                    <a:lnTlToBr w="12700" cmpd="sng">
+                      <a:noFill/>
+                      <a:prstDash val="solid"/>
+                    </a:lnTlToBr>
+                    <a:lnBlToTr w="12700" cmpd="sng">
+                      <a:noFill/>
+                      <a:prstDash val="solid"/>
+                    </a:lnBlToTr>
+                    <a:solidFill>
+                      <a:schemeClr val="bg1"/>
+                    </a:solidFill>
+                  </a:tcPr>
+                </a:tc>
+                <a:extLst>
+                  <a:ext uri="{0D108BD9-81ED-4DB2-BD59-A6C34878D82A}">
+                    <a16:rowId xmlns:a16="http://schemas.microsoft.com/office/drawing/2014/main" val="3447492046"/>
+                  </a:ext>
+                </a:extLst>
+              </a:tr>
+            </a:tbl>
+          </a:graphicData>
+        </a:graphic>
+      </p:graphicFrame>
+      <p:sp>
+        <p:nvSpPr>
+          <p:cNvPr id="36" name="Right Brace 35"/>
+          <p:cNvSpPr/>
+          <p:nvPr/>
+        </p:nvSpPr>
+        <p:spPr>
+          <a:xfrm rot="16200000">
+            <a:off x="4752560" y="3722839"/>
+            <a:ext cx="102674" cy="379242"/>
+          </a:xfrm>
+          <a:prstGeom prst="rightBrace">
+            <a:avLst/>
+          </a:prstGeom>
+          <a:ln>
+            <a:solidFill>
+              <a:schemeClr val="bg2">
+                <a:lumMod val="75000"/>
+              </a:schemeClr>
+            </a:solidFill>
+          </a:ln>
+        </p:spPr>
+        <p:style>
+          <a:lnRef idx="1">
+            <a:schemeClr val="accent1"/>
+          </a:lnRef>
+          <a:fillRef idx="0">
+            <a:schemeClr val="accent1"/>
+          </a:fillRef>
+          <a:effectRef idx="0">
+            <a:schemeClr val="accent1"/>
+          </a:effectRef>
+          <a:fontRef idx="minor">
+            <a:schemeClr val="tx1"/>
+          </a:fontRef>
+        </p:style>
+        <p:txBody>
+          <a:bodyPr rtlCol="0" anchor="ctr"/>
+          <a:lstStyle/>
+          <a:p>
+            <a:pPr algn="ctr"/>
+            <a:endParaRPr lang="en-GB"/>
+          </a:p>
+        </p:txBody>
+      </p:sp>
+      <p:sp>
+        <p:nvSpPr>
+          <p:cNvPr id="37" name="TextBox 36"/>
+          <p:cNvSpPr txBox="1"/>
+          <p:nvPr/>
+        </p:nvSpPr>
+        <p:spPr>
+          <a:xfrm>
+            <a:off x="4346697" y="3925160"/>
+            <a:ext cx="3632200" cy="307777"/>
+          </a:xfrm>
+          <a:prstGeom prst="rect">
+            <a:avLst/>
+          </a:prstGeom>
+          <a:noFill/>
+        </p:spPr>
+        <p:txBody>
+          <a:bodyPr wrap="square" rtlCol="0">
+            <a:spAutoFit/>
+          </a:bodyPr>
+          <a:lstStyle/>
+          <a:p>
+            <a:r>
+              <a:rPr lang="en-GB" sz="1400" i="1" dirty="0" smtClean="0">
+                <a:solidFill>
+                  <a:schemeClr val="bg1">
+                    <a:lumMod val="50000"/>
+                  </a:schemeClr>
+                </a:solidFill>
+              </a:rPr>
+              <a:t>16bp Barcode </a:t>
+            </a:r>
+            <a:endParaRPr lang="en-GB" sz="1400" i="1" dirty="0">
+              <a:solidFill>
+                <a:schemeClr val="bg1">
+                  <a:lumMod val="50000"/>
+                </a:schemeClr>
+              </a:solidFill>
+            </a:endParaRPr>
+          </a:p>
+        </p:txBody>
+      </p:sp>
+    </p:spTree>
+    <p:extLst>
+      <p:ext uri="{BB962C8B-B14F-4D97-AF65-F5344CB8AC3E}">
+        <p14:creationId xmlns:p14="http://schemas.microsoft.com/office/powerpoint/2010/main" val="3215474696"/>
+      </p:ext>
+    </p:extLst>
+  </p:cSld>
+  <p:clrMapOvr>
+    <a:masterClrMapping/>
+  </p:clrMapOvr>
+</p:sld>
+</file>
+
 <file path=ppt/theme/theme1.xml><?xml version="1.0" encoding="utf-8"?>
 <a:theme xmlns:a="http://schemas.openxmlformats.org/drawingml/2006/main" name="Office Theme">
   <a:themeElements>

--- a/Project_Development/Pictures/Pipeline.pptx
+++ b/Project_Development/Pictures/Pipeline.pptx
@@ -12,6 +12,7 @@
     <p:sldId id="283" r:id="rId6"/>
     <p:sldId id="284" r:id="rId7"/>
     <p:sldId id="285" r:id="rId8"/>
+    <p:sldId id="287" r:id="rId9"/>
   </p:sldIdLst>
   <p:sldSz cx="12192000" cy="18000663"/>
   <p:notesSz cx="6858000" cy="9144000"/>
@@ -249,7 +250,7 @@
           <a:p>
             <a:fld id="{B26E4EDF-85BF-4785-AF96-8A7947630A90}" type="datetimeFigureOut">
               <a:rPr lang="en-GB" smtClean="0"/>
-              <a:t>27/04/2021</a:t>
+              <a:t>05/08/2021</a:t>
             </a:fld>
             <a:endParaRPr lang="en-GB"/>
           </a:p>
@@ -419,7 +420,7 @@
           <a:p>
             <a:fld id="{B26E4EDF-85BF-4785-AF96-8A7947630A90}" type="datetimeFigureOut">
               <a:rPr lang="en-GB" smtClean="0"/>
-              <a:t>27/04/2021</a:t>
+              <a:t>05/08/2021</a:t>
             </a:fld>
             <a:endParaRPr lang="en-GB"/>
           </a:p>
@@ -599,7 +600,7 @@
           <a:p>
             <a:fld id="{B26E4EDF-85BF-4785-AF96-8A7947630A90}" type="datetimeFigureOut">
               <a:rPr lang="en-GB" smtClean="0"/>
-              <a:t>27/04/2021</a:t>
+              <a:t>05/08/2021</a:t>
             </a:fld>
             <a:endParaRPr lang="en-GB"/>
           </a:p>
@@ -769,7 +770,7 @@
           <a:p>
             <a:fld id="{B26E4EDF-85BF-4785-AF96-8A7947630A90}" type="datetimeFigureOut">
               <a:rPr lang="en-GB" smtClean="0"/>
-              <a:t>27/04/2021</a:t>
+              <a:t>05/08/2021</a:t>
             </a:fld>
             <a:endParaRPr lang="en-GB"/>
           </a:p>
@@ -1013,7 +1014,7 @@
           <a:p>
             <a:fld id="{B26E4EDF-85BF-4785-AF96-8A7947630A90}" type="datetimeFigureOut">
               <a:rPr lang="en-GB" smtClean="0"/>
-              <a:t>27/04/2021</a:t>
+              <a:t>05/08/2021</a:t>
             </a:fld>
             <a:endParaRPr lang="en-GB"/>
           </a:p>
@@ -1245,7 +1246,7 @@
           <a:p>
             <a:fld id="{B26E4EDF-85BF-4785-AF96-8A7947630A90}" type="datetimeFigureOut">
               <a:rPr lang="en-GB" smtClean="0"/>
-              <a:t>27/04/2021</a:t>
+              <a:t>05/08/2021</a:t>
             </a:fld>
             <a:endParaRPr lang="en-GB"/>
           </a:p>
@@ -1612,7 +1613,7 @@
           <a:p>
             <a:fld id="{B26E4EDF-85BF-4785-AF96-8A7947630A90}" type="datetimeFigureOut">
               <a:rPr lang="en-GB" smtClean="0"/>
-              <a:t>27/04/2021</a:t>
+              <a:t>05/08/2021</a:t>
             </a:fld>
             <a:endParaRPr lang="en-GB"/>
           </a:p>
@@ -1730,7 +1731,7 @@
           <a:p>
             <a:fld id="{B26E4EDF-85BF-4785-AF96-8A7947630A90}" type="datetimeFigureOut">
               <a:rPr lang="en-GB" smtClean="0"/>
-              <a:t>27/04/2021</a:t>
+              <a:t>05/08/2021</a:t>
             </a:fld>
             <a:endParaRPr lang="en-GB"/>
           </a:p>
@@ -1825,7 +1826,7 @@
           <a:p>
             <a:fld id="{B26E4EDF-85BF-4785-AF96-8A7947630A90}" type="datetimeFigureOut">
               <a:rPr lang="en-GB" smtClean="0"/>
-              <a:t>27/04/2021</a:t>
+              <a:t>05/08/2021</a:t>
             </a:fld>
             <a:endParaRPr lang="en-GB"/>
           </a:p>
@@ -2102,7 +2103,7 @@
           <a:p>
             <a:fld id="{B26E4EDF-85BF-4785-AF96-8A7947630A90}" type="datetimeFigureOut">
               <a:rPr lang="en-GB" smtClean="0"/>
-              <a:t>27/04/2021</a:t>
+              <a:t>05/08/2021</a:t>
             </a:fld>
             <a:endParaRPr lang="en-GB"/>
           </a:p>
@@ -2359,7 +2360,7 @@
           <a:p>
             <a:fld id="{B26E4EDF-85BF-4785-AF96-8A7947630A90}" type="datetimeFigureOut">
               <a:rPr lang="en-GB" smtClean="0"/>
-              <a:t>27/04/2021</a:t>
+              <a:t>05/08/2021</a:t>
             </a:fld>
             <a:endParaRPr lang="en-GB"/>
           </a:p>
@@ -2572,7 +2573,7 @@
           <a:p>
             <a:fld id="{B26E4EDF-85BF-4785-AF96-8A7947630A90}" type="datetimeFigureOut">
               <a:rPr lang="en-GB" smtClean="0"/>
-              <a:t>27/04/2021</a:t>
+              <a:t>05/08/2021</a:t>
             </a:fld>
             <a:endParaRPr lang="en-GB"/>
           </a:p>
@@ -10993,20 +10994,16 @@
           <a:p>
             <a:pPr algn="ctr"/>
             <a:r>
-              <a:rPr lang="en-GB" dirty="0" smtClean="0">
+              <a:rPr lang="en-GB" b="1" dirty="0" smtClean="0">
                 <a:solidFill>
-                  <a:schemeClr val="accent6">
-                    <a:lumMod val="50000"/>
-                  </a:schemeClr>
+                  <a:schemeClr val="accent5"/>
                 </a:solidFill>
               </a:rPr>
               <a:t>ONT</a:t>
             </a:r>
-            <a:endParaRPr lang="en-GB" dirty="0">
+            <a:endParaRPr lang="en-GB" b="1" dirty="0">
               <a:solidFill>
-                <a:schemeClr val="accent6">
-                  <a:lumMod val="50000"/>
-                </a:schemeClr>
+                <a:schemeClr val="accent5"/>
               </a:solidFill>
             </a:endParaRPr>
           </a:p>
@@ -11058,20 +11055,16 @@
           <a:p>
             <a:pPr algn="ctr"/>
             <a:r>
-              <a:rPr lang="en-GB" dirty="0" smtClean="0">
+              <a:rPr lang="en-GB" b="1" dirty="0" smtClean="0">
                 <a:solidFill>
-                  <a:schemeClr val="accent6">
-                    <a:lumMod val="50000"/>
-                  </a:schemeClr>
+                  <a:schemeClr val="accent5"/>
                 </a:solidFill>
               </a:rPr>
               <a:t>ONT</a:t>
             </a:r>
-            <a:endParaRPr lang="en-GB" dirty="0">
+            <a:endParaRPr lang="en-GB" b="1" dirty="0">
               <a:solidFill>
-                <a:schemeClr val="accent6">
-                  <a:lumMod val="50000"/>
-                </a:schemeClr>
+                <a:schemeClr val="accent5"/>
               </a:solidFill>
             </a:endParaRPr>
           </a:p>
@@ -11086,13 +11079,13 @@
           <p:nvPr>
             <p:extLst>
               <p:ext uri="{D42A27DB-BD31-4B8C-83A1-F6EECF244321}">
-                <p14:modId xmlns:p14="http://schemas.microsoft.com/office/powerpoint/2010/main" val="209098887"/>
+                <p14:modId xmlns:p14="http://schemas.microsoft.com/office/powerpoint/2010/main" val="2461942970"/>
               </p:ext>
             </p:extLst>
           </p:nvPr>
         </p:nvGraphicFramePr>
         <p:xfrm>
-          <a:off x="1006177" y="4917047"/>
+          <a:off x="911810" y="5667098"/>
           <a:ext cx="10209509" cy="2103120"/>
         </p:xfrm>
         <a:graphic>
@@ -11846,9 +11839,7 @@
           </a:prstGeom>
           <a:ln>
             <a:solidFill>
-              <a:schemeClr val="bg2">
-                <a:lumMod val="75000"/>
-              </a:schemeClr>
+              <a:srgbClr val="C00000"/>
             </a:solidFill>
           </a:ln>
         </p:spPr>
@@ -11871,7 +11862,11 @@
           <a:lstStyle/>
           <a:p>
             <a:pPr algn="ctr"/>
-            <a:endParaRPr lang="en-GB"/>
+            <a:endParaRPr lang="en-GB" b="1">
+              <a:solidFill>
+                <a:schemeClr val="accent2"/>
+              </a:solidFill>
+            </a:endParaRPr>
           </a:p>
         </p:txBody>
       </p:sp>
@@ -11883,8 +11878,8 @@
         </p:nvSpPr>
         <p:spPr>
           <a:xfrm>
-            <a:off x="4346697" y="3925160"/>
-            <a:ext cx="3632200" cy="307777"/>
+            <a:off x="4172525" y="3954796"/>
+            <a:ext cx="3632200" cy="369332"/>
           </a:xfrm>
           <a:prstGeom prst="rect">
             <a:avLst/>
@@ -11898,21 +11893,1192 @@
           <a:lstStyle/>
           <a:p>
             <a:r>
-              <a:rPr lang="en-GB" sz="1400" i="1" dirty="0" smtClean="0">
+              <a:rPr lang="en-GB" b="1" i="1" dirty="0" smtClean="0">
                 <a:solidFill>
-                  <a:schemeClr val="bg1">
-                    <a:lumMod val="50000"/>
-                  </a:schemeClr>
+                  <a:srgbClr val="C00000"/>
                 </a:solidFill>
               </a:rPr>
               <a:t>16bp Barcode </a:t>
             </a:r>
-            <a:endParaRPr lang="en-GB" sz="1400" i="1" dirty="0">
+            <a:endParaRPr lang="en-GB" b="1" i="1" dirty="0">
               <a:solidFill>
-                <a:schemeClr val="bg1">
-                  <a:lumMod val="50000"/>
-                </a:schemeClr>
+                <a:srgbClr val="C00000"/>
               </a:solidFill>
+            </a:endParaRPr>
+          </a:p>
+        </p:txBody>
+      </p:sp>
+      <p:graphicFrame>
+        <p:nvGraphicFramePr>
+          <p:cNvPr id="38" name="Table 37"/>
+          <p:cNvGraphicFramePr>
+            <a:graphicFrameLocks noGrp="1"/>
+          </p:cNvGraphicFramePr>
+          <p:nvPr>
+            <p:extLst>
+              <p:ext uri="{D42A27DB-BD31-4B8C-83A1-F6EECF244321}">
+                <p14:modId xmlns:p14="http://schemas.microsoft.com/office/powerpoint/2010/main" val="1357706565"/>
+              </p:ext>
+            </p:extLst>
+          </p:nvPr>
+        </p:nvGraphicFramePr>
+        <p:xfrm>
+          <a:off x="1022121" y="9179161"/>
+          <a:ext cx="10209509" cy="2423160"/>
+        </p:xfrm>
+        <a:graphic>
+          <a:graphicData uri="http://schemas.openxmlformats.org/drawingml/2006/table">
+            <a:tbl>
+              <a:tblPr firstRow="1" bandRow="1">
+                <a:tableStyleId>{5C22544A-7EE6-4342-B048-85BDC9FD1C3A}</a:tableStyleId>
+              </a:tblPr>
+              <a:tblGrid>
+                <a:gridCol w="1813228">
+                  <a:extLst>
+                    <a:ext uri="{9D8B030D-6E8A-4147-A177-3AD203B41FA5}">
+                      <a16:colId xmlns:a16="http://schemas.microsoft.com/office/drawing/2014/main" val="405414627"/>
+                    </a:ext>
+                  </a:extLst>
+                </a:gridCol>
+                <a:gridCol w="8396281">
+                  <a:extLst>
+                    <a:ext uri="{9D8B030D-6E8A-4147-A177-3AD203B41FA5}">
+                      <a16:colId xmlns:a16="http://schemas.microsoft.com/office/drawing/2014/main" val="1006311245"/>
+                    </a:ext>
+                  </a:extLst>
+                </a:gridCol>
+              </a:tblGrid>
+              <a:tr h="251390">
+                <a:tc>
+                  <a:txBody>
+                    <a:bodyPr/>
+                    <a:lstStyle/>
+                    <a:p>
+                      <a:pPr>
+                        <a:lnSpc>
+                          <a:spcPct val="150000"/>
+                        </a:lnSpc>
+                      </a:pPr>
+                      <a:r>
+                        <a:rPr lang="en-GB" sz="1600" dirty="0" smtClean="0">
+                          <a:solidFill>
+                            <a:schemeClr val="accent6">
+                              <a:lumMod val="50000"/>
+                            </a:schemeClr>
+                          </a:solidFill>
+                          <a:latin typeface="Latin Modern Math" panose="02000503000000000000" pitchFamily="50" charset="0"/>
+                          <a:ea typeface="Latin Modern Math" panose="02000503000000000000" pitchFamily="50" charset="0"/>
+                        </a:rPr>
+                        <a:t>Strand </a:t>
+                      </a:r>
+                      <a:endParaRPr lang="en-GB" sz="1600" dirty="0">
+                        <a:solidFill>
+                          <a:schemeClr val="accent6">
+                            <a:lumMod val="50000"/>
+                          </a:schemeClr>
+                        </a:solidFill>
+                        <a:latin typeface="Latin Modern Math" panose="02000503000000000000" pitchFamily="50" charset="0"/>
+                        <a:ea typeface="Latin Modern Math" panose="02000503000000000000" pitchFamily="50" charset="0"/>
+                      </a:endParaRPr>
+                    </a:p>
+                  </a:txBody>
+                  <a:tcPr>
+                    <a:lnL w="12700" cmpd="sng">
+                      <a:noFill/>
+                    </a:lnL>
+                    <a:lnR w="12700" cmpd="sng">
+                      <a:noFill/>
+                    </a:lnR>
+                    <a:lnT w="12700" cap="flat" cmpd="sng" algn="ctr">
+                      <a:solidFill>
+                        <a:schemeClr val="tx1"/>
+                      </a:solidFill>
+                      <a:prstDash val="solid"/>
+                      <a:round/>
+                      <a:headEnd type="none" w="med" len="med"/>
+                      <a:tailEnd type="none" w="med" len="med"/>
+                    </a:lnT>
+                    <a:lnB w="12700" cap="flat" cmpd="sng" algn="ctr">
+                      <a:solidFill>
+                        <a:schemeClr val="tx1"/>
+                      </a:solidFill>
+                      <a:prstDash val="solid"/>
+                      <a:round/>
+                      <a:headEnd type="none" w="med" len="med"/>
+                      <a:tailEnd type="none" w="med" len="med"/>
+                    </a:lnB>
+                    <a:lnTlToBr w="12700" cmpd="sng">
+                      <a:noFill/>
+                      <a:prstDash val="solid"/>
+                    </a:lnTlToBr>
+                    <a:lnBlToTr w="12700" cmpd="sng">
+                      <a:noFill/>
+                      <a:prstDash val="solid"/>
+                    </a:lnBlToTr>
+                    <a:solidFill>
+                      <a:schemeClr val="bg1"/>
+                    </a:solidFill>
+                  </a:tcPr>
+                </a:tc>
+                <a:tc>
+                  <a:txBody>
+                    <a:bodyPr/>
+                    <a:lstStyle/>
+                    <a:p>
+                      <a:pPr>
+                        <a:lnSpc>
+                          <a:spcPct val="150000"/>
+                        </a:lnSpc>
+                      </a:pPr>
+                      <a:r>
+                        <a:rPr lang="en-GB" sz="1600" dirty="0" smtClean="0">
+                          <a:solidFill>
+                            <a:schemeClr val="accent6">
+                              <a:lumMod val="50000"/>
+                            </a:schemeClr>
+                          </a:solidFill>
+                          <a:latin typeface="Latin Modern Math" panose="02000503000000000000" pitchFamily="50" charset="0"/>
+                          <a:ea typeface="Latin Modern Math" panose="02000503000000000000" pitchFamily="50" charset="0"/>
+                        </a:rPr>
+                        <a:t>Sequence</a:t>
+                      </a:r>
+                      <a:endParaRPr lang="en-GB" sz="1600" dirty="0">
+                        <a:solidFill>
+                          <a:schemeClr val="accent6">
+                            <a:lumMod val="50000"/>
+                          </a:schemeClr>
+                        </a:solidFill>
+                        <a:latin typeface="Latin Modern Math" panose="02000503000000000000" pitchFamily="50" charset="0"/>
+                        <a:ea typeface="Latin Modern Math" panose="02000503000000000000" pitchFamily="50" charset="0"/>
+                      </a:endParaRPr>
+                    </a:p>
+                  </a:txBody>
+                  <a:tcPr>
+                    <a:lnL w="12700" cmpd="sng">
+                      <a:noFill/>
+                    </a:lnL>
+                    <a:lnR w="12700" cmpd="sng">
+                      <a:noFill/>
+                    </a:lnR>
+                    <a:lnT w="12700" cap="flat" cmpd="sng" algn="ctr">
+                      <a:solidFill>
+                        <a:schemeClr val="tx1"/>
+                      </a:solidFill>
+                      <a:prstDash val="solid"/>
+                      <a:round/>
+                      <a:headEnd type="none" w="med" len="med"/>
+                      <a:tailEnd type="none" w="med" len="med"/>
+                    </a:lnT>
+                    <a:lnB w="12700" cap="flat" cmpd="sng" algn="ctr">
+                      <a:solidFill>
+                        <a:schemeClr val="tx1"/>
+                      </a:solidFill>
+                      <a:prstDash val="solid"/>
+                      <a:round/>
+                      <a:headEnd type="none" w="med" len="med"/>
+                      <a:tailEnd type="none" w="med" len="med"/>
+                    </a:lnB>
+                    <a:lnTlToBr w="12700" cmpd="sng">
+                      <a:noFill/>
+                      <a:prstDash val="solid"/>
+                    </a:lnTlToBr>
+                    <a:lnBlToTr w="12700" cmpd="sng">
+                      <a:noFill/>
+                      <a:prstDash val="solid"/>
+                    </a:lnBlToTr>
+                    <a:solidFill>
+                      <a:schemeClr val="bg1"/>
+                    </a:solidFill>
+                  </a:tcPr>
+                </a:tc>
+                <a:extLst>
+                  <a:ext uri="{0D108BD9-81ED-4DB2-BD59-A6C34878D82A}">
+                    <a16:rowId xmlns:a16="http://schemas.microsoft.com/office/drawing/2014/main" val="4050606864"/>
+                  </a:ext>
+                </a:extLst>
+              </a:tr>
+              <a:tr h="312178">
+                <a:tc>
+                  <a:txBody>
+                    <a:bodyPr/>
+                    <a:lstStyle/>
+                    <a:p>
+                      <a:pPr>
+                        <a:lnSpc>
+                          <a:spcPct val="150000"/>
+                        </a:lnSpc>
+                      </a:pPr>
+                      <a:r>
+                        <a:rPr lang="en-GB" sz="1400" dirty="0" smtClean="0">
+                          <a:solidFill>
+                            <a:schemeClr val="accent6">
+                              <a:lumMod val="50000"/>
+                            </a:schemeClr>
+                          </a:solidFill>
+                          <a:latin typeface="Latin Modern Math" panose="02000503000000000000" pitchFamily="50" charset="0"/>
+                          <a:ea typeface="Latin Modern Math" panose="02000503000000000000" pitchFamily="50" charset="0"/>
+                        </a:rPr>
+                        <a:t>Plus strand start</a:t>
+                      </a:r>
+                      <a:endParaRPr lang="en-GB" sz="1400" dirty="0">
+                        <a:solidFill>
+                          <a:schemeClr val="accent6">
+                            <a:lumMod val="50000"/>
+                          </a:schemeClr>
+                        </a:solidFill>
+                        <a:latin typeface="Latin Modern Math" panose="02000503000000000000" pitchFamily="50" charset="0"/>
+                        <a:ea typeface="Latin Modern Math" panose="02000503000000000000" pitchFamily="50" charset="0"/>
+                      </a:endParaRPr>
+                    </a:p>
+                  </a:txBody>
+                  <a:tcPr>
+                    <a:lnL w="12700" cmpd="sng">
+                      <a:noFill/>
+                    </a:lnL>
+                    <a:lnR w="12700" cmpd="sng">
+                      <a:noFill/>
+                    </a:lnR>
+                    <a:lnT w="12700" cap="flat" cmpd="sng" algn="ctr">
+                      <a:solidFill>
+                        <a:schemeClr val="tx1"/>
+                      </a:solidFill>
+                      <a:prstDash val="solid"/>
+                      <a:round/>
+                      <a:headEnd type="none" w="med" len="med"/>
+                      <a:tailEnd type="none" w="med" len="med"/>
+                    </a:lnT>
+                    <a:lnB w="12700" cmpd="sng">
+                      <a:noFill/>
+                    </a:lnB>
+                    <a:lnTlToBr w="12700" cmpd="sng">
+                      <a:noFill/>
+                      <a:prstDash val="solid"/>
+                    </a:lnTlToBr>
+                    <a:lnBlToTr w="12700" cmpd="sng">
+                      <a:noFill/>
+                      <a:prstDash val="solid"/>
+                    </a:lnBlToTr>
+                    <a:solidFill>
+                      <a:schemeClr val="bg1"/>
+                    </a:solidFill>
+                  </a:tcPr>
+                </a:tc>
+                <a:tc>
+                  <a:txBody>
+                    <a:bodyPr/>
+                    <a:lstStyle/>
+                    <a:p>
+                      <a:pPr marL="0" marR="0" lvl="0" indent="0" algn="l" defTabSz="1219170" rtl="0" eaLnBrk="1" fontAlgn="auto" latinLnBrk="0" hangingPunct="1">
+                        <a:lnSpc>
+                          <a:spcPct val="150000"/>
+                        </a:lnSpc>
+                        <a:spcBef>
+                          <a:spcPts val="0"/>
+                        </a:spcBef>
+                        <a:spcAft>
+                          <a:spcPts val="0"/>
+                        </a:spcAft>
+                        <a:buClrTx/>
+                        <a:buSzTx/>
+                        <a:buFontTx/>
+                        <a:buNone/>
+                        <a:tabLst/>
+                        <a:defRPr/>
+                      </a:pPr>
+                      <a:r>
+                        <a:rPr lang="en-GB" sz="1400" b="0" dirty="0" smtClean="0">
+                          <a:solidFill>
+                            <a:schemeClr val="accent1"/>
+                          </a:solidFill>
+                          <a:latin typeface="Latin Modern Math" panose="02000503000000000000" pitchFamily="50" charset="0"/>
+                          <a:ea typeface="Latin Modern Math" panose="02000503000000000000" pitchFamily="50" charset="0"/>
+                        </a:rPr>
+                        <a:t>AATGTACTTCGTTCAGTTACGTATTGCT</a:t>
+                      </a:r>
+                      <a:r>
+                        <a:rPr lang="en-GB" sz="1400" b="0" dirty="0" smtClean="0">
+                          <a:solidFill>
+                            <a:srgbClr val="7030A0"/>
+                          </a:solidFill>
+                          <a:latin typeface="Latin Modern Math" panose="02000503000000000000" pitchFamily="50" charset="0"/>
+                          <a:ea typeface="Latin Modern Math" panose="02000503000000000000" pitchFamily="50" charset="0"/>
+                        </a:rPr>
+                        <a:t>AAGCAGTGGTATCAACGCAGAGTACATGGG</a:t>
+                      </a:r>
+                      <a:endParaRPr lang="en-GB" sz="1400" b="0" dirty="0">
+                        <a:solidFill>
+                          <a:srgbClr val="7030A0"/>
+                        </a:solidFill>
+                        <a:latin typeface="Latin Modern Math" panose="02000503000000000000" pitchFamily="50" charset="0"/>
+                        <a:ea typeface="Latin Modern Math" panose="02000503000000000000" pitchFamily="50" charset="0"/>
+                      </a:endParaRPr>
+                    </a:p>
+                  </a:txBody>
+                  <a:tcPr>
+                    <a:lnL w="12700" cmpd="sng">
+                      <a:noFill/>
+                    </a:lnL>
+                    <a:lnR w="12700" cmpd="sng">
+                      <a:noFill/>
+                    </a:lnR>
+                    <a:lnT w="12700" cap="flat" cmpd="sng" algn="ctr">
+                      <a:solidFill>
+                        <a:schemeClr val="tx1"/>
+                      </a:solidFill>
+                      <a:prstDash val="solid"/>
+                      <a:round/>
+                      <a:headEnd type="none" w="med" len="med"/>
+                      <a:tailEnd type="none" w="med" len="med"/>
+                    </a:lnT>
+                    <a:lnB w="12700" cmpd="sng">
+                      <a:noFill/>
+                    </a:lnB>
+                    <a:lnTlToBr w="12700" cmpd="sng">
+                      <a:noFill/>
+                      <a:prstDash val="solid"/>
+                    </a:lnTlToBr>
+                    <a:lnBlToTr w="12700" cmpd="sng">
+                      <a:noFill/>
+                      <a:prstDash val="solid"/>
+                    </a:lnBlToTr>
+                    <a:solidFill>
+                      <a:schemeClr val="bg1"/>
+                    </a:solidFill>
+                  </a:tcPr>
+                </a:tc>
+                <a:extLst>
+                  <a:ext uri="{0D108BD9-81ED-4DB2-BD59-A6C34878D82A}">
+                    <a16:rowId xmlns:a16="http://schemas.microsoft.com/office/drawing/2014/main" val="1505017538"/>
+                  </a:ext>
+                </a:extLst>
+              </a:tr>
+              <a:tr h="272173">
+                <a:tc>
+                  <a:txBody>
+                    <a:bodyPr/>
+                    <a:lstStyle/>
+                    <a:p>
+                      <a:pPr>
+                        <a:lnSpc>
+                          <a:spcPct val="150000"/>
+                        </a:lnSpc>
+                      </a:pPr>
+                      <a:r>
+                        <a:rPr lang="en-GB" sz="1400" dirty="0" smtClean="0">
+                          <a:solidFill>
+                            <a:schemeClr val="accent6">
+                              <a:lumMod val="50000"/>
+                            </a:schemeClr>
+                          </a:solidFill>
+                          <a:latin typeface="Latin Modern Math" panose="02000503000000000000" pitchFamily="50" charset="0"/>
+                          <a:ea typeface="Latin Modern Math" panose="02000503000000000000" pitchFamily="50" charset="0"/>
+                        </a:rPr>
+                        <a:t>Plus strand end</a:t>
+                      </a:r>
+                      <a:endParaRPr lang="en-GB" sz="1400" dirty="0">
+                        <a:solidFill>
+                          <a:schemeClr val="accent6">
+                            <a:lumMod val="50000"/>
+                          </a:schemeClr>
+                        </a:solidFill>
+                        <a:latin typeface="Latin Modern Math" panose="02000503000000000000" pitchFamily="50" charset="0"/>
+                        <a:ea typeface="Latin Modern Math" panose="02000503000000000000" pitchFamily="50" charset="0"/>
+                      </a:endParaRPr>
+                    </a:p>
+                  </a:txBody>
+                  <a:tcPr>
+                    <a:lnL w="12700" cmpd="sng">
+                      <a:noFill/>
+                    </a:lnL>
+                    <a:lnR w="12700" cmpd="sng">
+                      <a:noFill/>
+                    </a:lnR>
+                    <a:lnT w="12700" cmpd="sng">
+                      <a:noFill/>
+                    </a:lnT>
+                    <a:lnB w="12700" cmpd="sng">
+                      <a:noFill/>
+                    </a:lnB>
+                    <a:lnTlToBr w="12700" cmpd="sng">
+                      <a:noFill/>
+                      <a:prstDash val="solid"/>
+                    </a:lnTlToBr>
+                    <a:lnBlToTr w="12700" cmpd="sng">
+                      <a:noFill/>
+                      <a:prstDash val="solid"/>
+                    </a:lnBlToTr>
+                    <a:solidFill>
+                      <a:schemeClr val="bg1"/>
+                    </a:solidFill>
+                  </a:tcPr>
+                </a:tc>
+                <a:tc>
+                  <a:txBody>
+                    <a:bodyPr/>
+                    <a:lstStyle/>
+                    <a:p>
+                      <a:pPr>
+                        <a:lnSpc>
+                          <a:spcPct val="150000"/>
+                        </a:lnSpc>
+                      </a:pPr>
+                      <a:r>
+                        <a:rPr lang="en-GB" sz="1400" b="0" dirty="0" smtClean="0">
+                          <a:solidFill>
+                            <a:schemeClr val="accent6">
+                              <a:lumMod val="50000"/>
+                            </a:schemeClr>
+                          </a:solidFill>
+                          <a:latin typeface="Latin Modern Math" panose="02000503000000000000" pitchFamily="50" charset="0"/>
+                          <a:ea typeface="Latin Modern Math" panose="02000503000000000000" pitchFamily="50" charset="0"/>
+                        </a:rPr>
+                        <a:t>AAAAAAAA</a:t>
+                      </a:r>
+                      <a:r>
+                        <a:rPr lang="en-GB" sz="1400" b="1" dirty="0" smtClean="0">
+                          <a:solidFill>
+                            <a:srgbClr val="C00000"/>
+                          </a:solidFill>
+                          <a:latin typeface="Latin Modern Math" panose="02000503000000000000" pitchFamily="50" charset="0"/>
+                          <a:ea typeface="Latin Modern Math" panose="02000503000000000000" pitchFamily="50" charset="0"/>
+                        </a:rPr>
+                        <a:t>&lt;Barcode&gt;</a:t>
+                      </a:r>
+                      <a:r>
+                        <a:rPr lang="en-GB" sz="1400" b="0" dirty="0" smtClean="0">
+                          <a:solidFill>
+                            <a:schemeClr val="accent6">
+                              <a:lumMod val="50000"/>
+                            </a:schemeClr>
+                          </a:solidFill>
+                          <a:latin typeface="Latin Modern Math" panose="02000503000000000000" pitchFamily="50" charset="0"/>
+                          <a:ea typeface="Latin Modern Math" panose="02000503000000000000" pitchFamily="50" charset="0"/>
+                        </a:rPr>
+                        <a:t>GTACTCTGCGTTGATACCACTGCTT</a:t>
+                      </a:r>
+                      <a:endParaRPr lang="en-GB" sz="1400" b="0" dirty="0">
+                        <a:solidFill>
+                          <a:schemeClr val="accent6">
+                            <a:lumMod val="50000"/>
+                          </a:schemeClr>
+                        </a:solidFill>
+                        <a:latin typeface="Latin Modern Math" panose="02000503000000000000" pitchFamily="50" charset="0"/>
+                        <a:ea typeface="Latin Modern Math" panose="02000503000000000000" pitchFamily="50" charset="0"/>
+                      </a:endParaRPr>
+                    </a:p>
+                  </a:txBody>
+                  <a:tcPr>
+                    <a:lnL w="12700" cmpd="sng">
+                      <a:noFill/>
+                    </a:lnL>
+                    <a:lnR w="12700" cmpd="sng">
+                      <a:noFill/>
+                    </a:lnR>
+                    <a:lnT w="12700" cmpd="sng">
+                      <a:noFill/>
+                    </a:lnT>
+                    <a:lnB w="12700" cmpd="sng">
+                      <a:noFill/>
+                    </a:lnB>
+                    <a:lnTlToBr w="12700" cmpd="sng">
+                      <a:noFill/>
+                      <a:prstDash val="solid"/>
+                    </a:lnTlToBr>
+                    <a:lnBlToTr w="12700" cmpd="sng">
+                      <a:noFill/>
+                      <a:prstDash val="solid"/>
+                    </a:lnBlToTr>
+                    <a:solidFill>
+                      <a:schemeClr val="bg1"/>
+                    </a:solidFill>
+                  </a:tcPr>
+                </a:tc>
+                <a:extLst>
+                  <a:ext uri="{0D108BD9-81ED-4DB2-BD59-A6C34878D82A}">
+                    <a16:rowId xmlns:a16="http://schemas.microsoft.com/office/drawing/2014/main" val="2334673680"/>
+                  </a:ext>
+                </a:extLst>
+              </a:tr>
+              <a:tr h="387280">
+                <a:tc>
+                  <a:txBody>
+                    <a:bodyPr/>
+                    <a:lstStyle/>
+                    <a:p>
+                      <a:pPr>
+                        <a:lnSpc>
+                          <a:spcPct val="150000"/>
+                        </a:lnSpc>
+                      </a:pPr>
+                      <a:r>
+                        <a:rPr lang="en-GB" sz="1400" dirty="0" smtClean="0">
+                          <a:solidFill>
+                            <a:schemeClr val="accent6">
+                              <a:lumMod val="50000"/>
+                            </a:schemeClr>
+                          </a:solidFill>
+                          <a:latin typeface="Latin Modern Math" panose="02000503000000000000" pitchFamily="50" charset="0"/>
+                          <a:ea typeface="Latin Modern Math" panose="02000503000000000000" pitchFamily="50" charset="0"/>
+                        </a:rPr>
+                        <a:t>Minus</a:t>
+                      </a:r>
+                      <a:r>
+                        <a:rPr lang="en-GB" sz="1400" baseline="0" dirty="0" smtClean="0">
+                          <a:solidFill>
+                            <a:schemeClr val="accent6">
+                              <a:lumMod val="50000"/>
+                            </a:schemeClr>
+                          </a:solidFill>
+                          <a:latin typeface="Latin Modern Math" panose="02000503000000000000" pitchFamily="50" charset="0"/>
+                          <a:ea typeface="Latin Modern Math" panose="02000503000000000000" pitchFamily="50" charset="0"/>
+                        </a:rPr>
+                        <a:t> strand start</a:t>
+                      </a:r>
+                      <a:endParaRPr lang="en-GB" sz="1400" dirty="0">
+                        <a:solidFill>
+                          <a:schemeClr val="accent6">
+                            <a:lumMod val="50000"/>
+                          </a:schemeClr>
+                        </a:solidFill>
+                        <a:latin typeface="Latin Modern Math" panose="02000503000000000000" pitchFamily="50" charset="0"/>
+                        <a:ea typeface="Latin Modern Math" panose="02000503000000000000" pitchFamily="50" charset="0"/>
+                      </a:endParaRPr>
+                    </a:p>
+                  </a:txBody>
+                  <a:tcPr>
+                    <a:lnL w="12700" cmpd="sng">
+                      <a:noFill/>
+                    </a:lnL>
+                    <a:lnR w="12700" cmpd="sng">
+                      <a:noFill/>
+                    </a:lnR>
+                    <a:lnT w="12700" cmpd="sng">
+                      <a:noFill/>
+                    </a:lnT>
+                    <a:lnB w="12700" cmpd="sng">
+                      <a:noFill/>
+                    </a:lnB>
+                    <a:lnTlToBr w="12700" cmpd="sng">
+                      <a:noFill/>
+                      <a:prstDash val="solid"/>
+                    </a:lnTlToBr>
+                    <a:lnBlToTr w="12700" cmpd="sng">
+                      <a:noFill/>
+                      <a:prstDash val="solid"/>
+                    </a:lnBlToTr>
+                    <a:solidFill>
+                      <a:schemeClr val="bg1"/>
+                    </a:solidFill>
+                  </a:tcPr>
+                </a:tc>
+                <a:tc>
+                  <a:txBody>
+                    <a:bodyPr/>
+                    <a:lstStyle/>
+                    <a:p>
+                      <a:pPr>
+                        <a:lnSpc>
+                          <a:spcPct val="150000"/>
+                        </a:lnSpc>
+                      </a:pPr>
+                      <a:r>
+                        <a:rPr lang="en-GB" sz="1400" dirty="0" smtClean="0">
+                          <a:solidFill>
+                            <a:schemeClr val="accent1"/>
+                          </a:solidFill>
+                          <a:latin typeface="Latin Modern Math" panose="02000503000000000000" pitchFamily="50" charset="0"/>
+                          <a:ea typeface="Latin Modern Math" panose="02000503000000000000" pitchFamily="50" charset="0"/>
+                        </a:rPr>
+                        <a:t>AATGTACTTCGTTCAGTTACGTATTGCT</a:t>
+                      </a:r>
+                      <a:r>
+                        <a:rPr lang="en-GB" sz="1400" b="1" dirty="0" smtClean="0">
+                          <a:solidFill>
+                            <a:srgbClr val="C00000"/>
+                          </a:solidFill>
+                          <a:latin typeface="Latin Modern Math" panose="02000503000000000000" pitchFamily="50" charset="0"/>
+                          <a:ea typeface="Latin Modern Math" panose="02000503000000000000" pitchFamily="50" charset="0"/>
+                        </a:rPr>
+                        <a:t>&lt;Barcode&gt;</a:t>
+                      </a:r>
+                      <a:r>
+                        <a:rPr lang="en-GB" sz="1400" dirty="0" smtClean="0">
+                          <a:solidFill>
+                            <a:srgbClr val="7030A0"/>
+                          </a:solidFill>
+                          <a:latin typeface="Latin Modern Math" panose="02000503000000000000" pitchFamily="50" charset="0"/>
+                          <a:ea typeface="Latin Modern Math" panose="02000503000000000000" pitchFamily="50" charset="0"/>
+                        </a:rPr>
+                        <a:t>AAGCAGTGGTATCAACGCAGAGTACTTTTTTTT</a:t>
+                      </a:r>
+                      <a:endParaRPr lang="en-GB" sz="1400" dirty="0">
+                        <a:solidFill>
+                          <a:srgbClr val="7030A0"/>
+                        </a:solidFill>
+                        <a:latin typeface="Latin Modern Math" panose="02000503000000000000" pitchFamily="50" charset="0"/>
+                        <a:ea typeface="Latin Modern Math" panose="02000503000000000000" pitchFamily="50" charset="0"/>
+                      </a:endParaRPr>
+                    </a:p>
+                  </a:txBody>
+                  <a:tcPr>
+                    <a:lnL w="12700" cmpd="sng">
+                      <a:noFill/>
+                    </a:lnL>
+                    <a:lnR w="12700" cmpd="sng">
+                      <a:noFill/>
+                    </a:lnR>
+                    <a:lnT w="12700" cmpd="sng">
+                      <a:noFill/>
+                    </a:lnT>
+                    <a:lnB w="12700" cmpd="sng">
+                      <a:noFill/>
+                    </a:lnB>
+                    <a:lnTlToBr w="12700" cmpd="sng">
+                      <a:noFill/>
+                      <a:prstDash val="solid"/>
+                    </a:lnTlToBr>
+                    <a:lnBlToTr w="12700" cmpd="sng">
+                      <a:noFill/>
+                      <a:prstDash val="solid"/>
+                    </a:lnBlToTr>
+                    <a:solidFill>
+                      <a:schemeClr val="bg1"/>
+                    </a:solidFill>
+                  </a:tcPr>
+                </a:tc>
+                <a:extLst>
+                  <a:ext uri="{0D108BD9-81ED-4DB2-BD59-A6C34878D82A}">
+                    <a16:rowId xmlns:a16="http://schemas.microsoft.com/office/drawing/2014/main" val="3319146820"/>
+                  </a:ext>
+                </a:extLst>
+              </a:tr>
+              <a:tr h="370840">
+                <a:tc>
+                  <a:txBody>
+                    <a:bodyPr/>
+                    <a:lstStyle/>
+                    <a:p>
+                      <a:pPr>
+                        <a:lnSpc>
+                          <a:spcPct val="150000"/>
+                        </a:lnSpc>
+                      </a:pPr>
+                      <a:r>
+                        <a:rPr lang="en-GB" sz="1400" smtClean="0">
+                          <a:solidFill>
+                            <a:schemeClr val="accent6">
+                              <a:lumMod val="50000"/>
+                            </a:schemeClr>
+                          </a:solidFill>
+                          <a:latin typeface="Latin Modern Math" panose="02000503000000000000" pitchFamily="50" charset="0"/>
+                          <a:ea typeface="Latin Modern Math" panose="02000503000000000000" pitchFamily="50" charset="0"/>
+                        </a:rPr>
+                        <a:t>Minus</a:t>
+                      </a:r>
+                      <a:r>
+                        <a:rPr lang="en-GB" sz="1400" baseline="0" smtClean="0">
+                          <a:solidFill>
+                            <a:schemeClr val="accent6">
+                              <a:lumMod val="50000"/>
+                            </a:schemeClr>
+                          </a:solidFill>
+                          <a:latin typeface="Latin Modern Math" panose="02000503000000000000" pitchFamily="50" charset="0"/>
+                          <a:ea typeface="Latin Modern Math" panose="02000503000000000000" pitchFamily="50" charset="0"/>
+                        </a:rPr>
+                        <a:t> strand end</a:t>
+                      </a:r>
+                      <a:endParaRPr lang="en-GB" sz="1400" dirty="0">
+                        <a:solidFill>
+                          <a:schemeClr val="accent6">
+                            <a:lumMod val="50000"/>
+                          </a:schemeClr>
+                        </a:solidFill>
+                        <a:latin typeface="Latin Modern Math" panose="02000503000000000000" pitchFamily="50" charset="0"/>
+                        <a:ea typeface="Latin Modern Math" panose="02000503000000000000" pitchFamily="50" charset="0"/>
+                      </a:endParaRPr>
+                    </a:p>
+                  </a:txBody>
+                  <a:tcPr>
+                    <a:lnL w="12700" cmpd="sng">
+                      <a:noFill/>
+                    </a:lnL>
+                    <a:lnR w="12700" cmpd="sng">
+                      <a:noFill/>
+                    </a:lnR>
+                    <a:lnT w="12700" cmpd="sng">
+                      <a:noFill/>
+                    </a:lnT>
+                    <a:lnB w="12700" cmpd="sng">
+                      <a:noFill/>
+                    </a:lnB>
+                    <a:lnTlToBr w="12700" cmpd="sng">
+                      <a:noFill/>
+                      <a:prstDash val="solid"/>
+                    </a:lnTlToBr>
+                    <a:lnBlToTr w="12700" cmpd="sng">
+                      <a:noFill/>
+                      <a:prstDash val="solid"/>
+                    </a:lnBlToTr>
+                    <a:solidFill>
+                      <a:schemeClr val="bg1"/>
+                    </a:solidFill>
+                  </a:tcPr>
+                </a:tc>
+                <a:tc>
+                  <a:txBody>
+                    <a:bodyPr/>
+                    <a:lstStyle/>
+                    <a:p>
+                      <a:pPr>
+                        <a:lnSpc>
+                          <a:spcPct val="150000"/>
+                        </a:lnSpc>
+                      </a:pPr>
+                      <a:r>
+                        <a:rPr lang="en-GB" sz="1400" dirty="0" smtClean="0">
+                          <a:solidFill>
+                            <a:schemeClr val="accent6">
+                              <a:lumMod val="50000"/>
+                            </a:schemeClr>
+                          </a:solidFill>
+                          <a:latin typeface="Latin Modern Math" panose="02000503000000000000" pitchFamily="50" charset="0"/>
+                          <a:ea typeface="Latin Modern Math" panose="02000503000000000000" pitchFamily="50" charset="0"/>
+                        </a:rPr>
+                        <a:t>CCCATGTACTCTGCGTTGATACCACTGCTT</a:t>
+                      </a:r>
+                      <a:endParaRPr lang="en-GB" sz="1400" dirty="0">
+                        <a:solidFill>
+                          <a:schemeClr val="accent6">
+                            <a:lumMod val="50000"/>
+                          </a:schemeClr>
+                        </a:solidFill>
+                        <a:latin typeface="Latin Modern Math" panose="02000503000000000000" pitchFamily="50" charset="0"/>
+                        <a:ea typeface="Latin Modern Math" panose="02000503000000000000" pitchFamily="50" charset="0"/>
+                      </a:endParaRPr>
+                    </a:p>
+                  </a:txBody>
+                  <a:tcPr>
+                    <a:lnL w="12700" cmpd="sng">
+                      <a:noFill/>
+                    </a:lnL>
+                    <a:lnR w="12700" cmpd="sng">
+                      <a:noFill/>
+                    </a:lnR>
+                    <a:lnT w="12700" cmpd="sng">
+                      <a:noFill/>
+                    </a:lnT>
+                    <a:lnB w="12700" cmpd="sng">
+                      <a:noFill/>
+                    </a:lnB>
+                    <a:lnTlToBr w="12700" cmpd="sng">
+                      <a:noFill/>
+                      <a:prstDash val="solid"/>
+                    </a:lnTlToBr>
+                    <a:lnBlToTr w="12700" cmpd="sng">
+                      <a:noFill/>
+                      <a:prstDash val="solid"/>
+                    </a:lnBlToTr>
+                    <a:solidFill>
+                      <a:schemeClr val="bg1"/>
+                    </a:solidFill>
+                  </a:tcPr>
+                </a:tc>
+                <a:extLst>
+                  <a:ext uri="{0D108BD9-81ED-4DB2-BD59-A6C34878D82A}">
+                    <a16:rowId xmlns:a16="http://schemas.microsoft.com/office/drawing/2014/main" val="3447492046"/>
+                  </a:ext>
+                </a:extLst>
+              </a:tr>
+            </a:tbl>
+          </a:graphicData>
+        </a:graphic>
+      </p:graphicFrame>
+      <p:sp>
+        <p:nvSpPr>
+          <p:cNvPr id="39" name="TextBox 7"/>
+          <p:cNvSpPr txBox="1"/>
+          <p:nvPr/>
+        </p:nvSpPr>
+        <p:spPr>
+          <a:xfrm>
+            <a:off x="1022121" y="843519"/>
+            <a:ext cx="3417369" cy="553998"/>
+          </a:xfrm>
+          <a:prstGeom prst="rect">
+            <a:avLst/>
+          </a:prstGeom>
+          <a:noFill/>
+        </p:spPr>
+        <p:txBody>
+          <a:bodyPr wrap="square" rtlCol="0">
+            <a:spAutoFit/>
+          </a:bodyPr>
+          <a:lstStyle>
+            <a:defPPr>
+              <a:defRPr lang="en-US"/>
+            </a:defPPr>
+            <a:lvl1pPr marL="0" algn="l" defTabSz="457120" rtl="0" eaLnBrk="1" latinLnBrk="0" hangingPunct="1">
+              <a:defRPr sz="1799" kern="1200">
+                <a:solidFill>
+                  <a:schemeClr val="tx1"/>
+                </a:solidFill>
+                <a:latin typeface="+mn-lt"/>
+                <a:ea typeface="+mn-ea"/>
+                <a:cs typeface="+mn-cs"/>
+              </a:defRPr>
+            </a:lvl1pPr>
+            <a:lvl2pPr marL="457120" algn="l" defTabSz="457120" rtl="0" eaLnBrk="1" latinLnBrk="0" hangingPunct="1">
+              <a:defRPr sz="1799" kern="1200">
+                <a:solidFill>
+                  <a:schemeClr val="tx1"/>
+                </a:solidFill>
+                <a:latin typeface="+mn-lt"/>
+                <a:ea typeface="+mn-ea"/>
+                <a:cs typeface="+mn-cs"/>
+              </a:defRPr>
+            </a:lvl2pPr>
+            <a:lvl3pPr marL="914241" algn="l" defTabSz="457120" rtl="0" eaLnBrk="1" latinLnBrk="0" hangingPunct="1">
+              <a:defRPr sz="1799" kern="1200">
+                <a:solidFill>
+                  <a:schemeClr val="tx1"/>
+                </a:solidFill>
+                <a:latin typeface="+mn-lt"/>
+                <a:ea typeface="+mn-ea"/>
+                <a:cs typeface="+mn-cs"/>
+              </a:defRPr>
+            </a:lvl3pPr>
+            <a:lvl4pPr marL="1371361" algn="l" defTabSz="457120" rtl="0" eaLnBrk="1" latinLnBrk="0" hangingPunct="1">
+              <a:defRPr sz="1799" kern="1200">
+                <a:solidFill>
+                  <a:schemeClr val="tx1"/>
+                </a:solidFill>
+                <a:latin typeface="+mn-lt"/>
+                <a:ea typeface="+mn-ea"/>
+                <a:cs typeface="+mn-cs"/>
+              </a:defRPr>
+            </a:lvl4pPr>
+            <a:lvl5pPr marL="1828481" algn="l" defTabSz="457120" rtl="0" eaLnBrk="1" latinLnBrk="0" hangingPunct="1">
+              <a:defRPr sz="1799" kern="1200">
+                <a:solidFill>
+                  <a:schemeClr val="tx1"/>
+                </a:solidFill>
+                <a:latin typeface="+mn-lt"/>
+                <a:ea typeface="+mn-ea"/>
+                <a:cs typeface="+mn-cs"/>
+              </a:defRPr>
+            </a:lvl5pPr>
+            <a:lvl6pPr marL="2285602" algn="l" defTabSz="457120" rtl="0" eaLnBrk="1" latinLnBrk="0" hangingPunct="1">
+              <a:defRPr sz="1799" kern="1200">
+                <a:solidFill>
+                  <a:schemeClr val="tx1"/>
+                </a:solidFill>
+                <a:latin typeface="+mn-lt"/>
+                <a:ea typeface="+mn-ea"/>
+                <a:cs typeface="+mn-cs"/>
+              </a:defRPr>
+            </a:lvl6pPr>
+            <a:lvl7pPr marL="2742722" algn="l" defTabSz="457120" rtl="0" eaLnBrk="1" latinLnBrk="0" hangingPunct="1">
+              <a:defRPr sz="1799" kern="1200">
+                <a:solidFill>
+                  <a:schemeClr val="tx1"/>
+                </a:solidFill>
+                <a:latin typeface="+mn-lt"/>
+                <a:ea typeface="+mn-ea"/>
+                <a:cs typeface="+mn-cs"/>
+              </a:defRPr>
+            </a:lvl7pPr>
+            <a:lvl8pPr marL="3199842" algn="l" defTabSz="457120" rtl="0" eaLnBrk="1" latinLnBrk="0" hangingPunct="1">
+              <a:defRPr sz="1799" kern="1200">
+                <a:solidFill>
+                  <a:schemeClr val="tx1"/>
+                </a:solidFill>
+                <a:latin typeface="+mn-lt"/>
+                <a:ea typeface="+mn-ea"/>
+                <a:cs typeface="+mn-cs"/>
+              </a:defRPr>
+            </a:lvl8pPr>
+            <a:lvl9pPr marL="3656962" algn="l" defTabSz="457120" rtl="0" eaLnBrk="1" latinLnBrk="0" hangingPunct="1">
+              <a:defRPr sz="1799" kern="1200">
+                <a:solidFill>
+                  <a:schemeClr val="tx1"/>
+                </a:solidFill>
+                <a:latin typeface="+mn-lt"/>
+                <a:ea typeface="+mn-ea"/>
+                <a:cs typeface="+mn-cs"/>
+              </a:defRPr>
+            </a:lvl9pPr>
+          </a:lstStyle>
+          <a:p>
+            <a:r>
+              <a:rPr lang="en-GB" sz="3000" dirty="0" smtClean="0">
+                <a:latin typeface="Latin Modern Math" panose="02000503000000000000" pitchFamily="50" charset="0"/>
+                <a:ea typeface="Latin Modern Math" panose="02000503000000000000" pitchFamily="50" charset="0"/>
+              </a:rPr>
+              <a:t>a)</a:t>
+            </a:r>
+            <a:endParaRPr lang="en-GB" sz="3000" dirty="0">
+              <a:latin typeface="Latin Modern Math" panose="02000503000000000000" pitchFamily="50" charset="0"/>
+              <a:ea typeface="Latin Modern Math" panose="02000503000000000000" pitchFamily="50" charset="0"/>
+            </a:endParaRPr>
+          </a:p>
+        </p:txBody>
+      </p:sp>
+      <p:sp>
+        <p:nvSpPr>
+          <p:cNvPr id="40" name="TextBox 7"/>
+          <p:cNvSpPr txBox="1"/>
+          <p:nvPr/>
+        </p:nvSpPr>
+        <p:spPr>
+          <a:xfrm>
+            <a:off x="927754" y="5087174"/>
+            <a:ext cx="5233536" cy="553998"/>
+          </a:xfrm>
+          <a:prstGeom prst="rect">
+            <a:avLst/>
+          </a:prstGeom>
+          <a:noFill/>
+        </p:spPr>
+        <p:txBody>
+          <a:bodyPr wrap="square" rtlCol="0">
+            <a:spAutoFit/>
+          </a:bodyPr>
+          <a:lstStyle>
+            <a:defPPr>
+              <a:defRPr lang="en-US"/>
+            </a:defPPr>
+            <a:lvl1pPr marL="0" algn="l" defTabSz="457120" rtl="0" eaLnBrk="1" latinLnBrk="0" hangingPunct="1">
+              <a:defRPr sz="1799" kern="1200">
+                <a:solidFill>
+                  <a:schemeClr val="tx1"/>
+                </a:solidFill>
+                <a:latin typeface="+mn-lt"/>
+                <a:ea typeface="+mn-ea"/>
+                <a:cs typeface="+mn-cs"/>
+              </a:defRPr>
+            </a:lvl1pPr>
+            <a:lvl2pPr marL="457120" algn="l" defTabSz="457120" rtl="0" eaLnBrk="1" latinLnBrk="0" hangingPunct="1">
+              <a:defRPr sz="1799" kern="1200">
+                <a:solidFill>
+                  <a:schemeClr val="tx1"/>
+                </a:solidFill>
+                <a:latin typeface="+mn-lt"/>
+                <a:ea typeface="+mn-ea"/>
+                <a:cs typeface="+mn-cs"/>
+              </a:defRPr>
+            </a:lvl2pPr>
+            <a:lvl3pPr marL="914241" algn="l" defTabSz="457120" rtl="0" eaLnBrk="1" latinLnBrk="0" hangingPunct="1">
+              <a:defRPr sz="1799" kern="1200">
+                <a:solidFill>
+                  <a:schemeClr val="tx1"/>
+                </a:solidFill>
+                <a:latin typeface="+mn-lt"/>
+                <a:ea typeface="+mn-ea"/>
+                <a:cs typeface="+mn-cs"/>
+              </a:defRPr>
+            </a:lvl3pPr>
+            <a:lvl4pPr marL="1371361" algn="l" defTabSz="457120" rtl="0" eaLnBrk="1" latinLnBrk="0" hangingPunct="1">
+              <a:defRPr sz="1799" kern="1200">
+                <a:solidFill>
+                  <a:schemeClr val="tx1"/>
+                </a:solidFill>
+                <a:latin typeface="+mn-lt"/>
+                <a:ea typeface="+mn-ea"/>
+                <a:cs typeface="+mn-cs"/>
+              </a:defRPr>
+            </a:lvl4pPr>
+            <a:lvl5pPr marL="1828481" algn="l" defTabSz="457120" rtl="0" eaLnBrk="1" latinLnBrk="0" hangingPunct="1">
+              <a:defRPr sz="1799" kern="1200">
+                <a:solidFill>
+                  <a:schemeClr val="tx1"/>
+                </a:solidFill>
+                <a:latin typeface="+mn-lt"/>
+                <a:ea typeface="+mn-ea"/>
+                <a:cs typeface="+mn-cs"/>
+              </a:defRPr>
+            </a:lvl5pPr>
+            <a:lvl6pPr marL="2285602" algn="l" defTabSz="457120" rtl="0" eaLnBrk="1" latinLnBrk="0" hangingPunct="1">
+              <a:defRPr sz="1799" kern="1200">
+                <a:solidFill>
+                  <a:schemeClr val="tx1"/>
+                </a:solidFill>
+                <a:latin typeface="+mn-lt"/>
+                <a:ea typeface="+mn-ea"/>
+                <a:cs typeface="+mn-cs"/>
+              </a:defRPr>
+            </a:lvl6pPr>
+            <a:lvl7pPr marL="2742722" algn="l" defTabSz="457120" rtl="0" eaLnBrk="1" latinLnBrk="0" hangingPunct="1">
+              <a:defRPr sz="1799" kern="1200">
+                <a:solidFill>
+                  <a:schemeClr val="tx1"/>
+                </a:solidFill>
+                <a:latin typeface="+mn-lt"/>
+                <a:ea typeface="+mn-ea"/>
+                <a:cs typeface="+mn-cs"/>
+              </a:defRPr>
+            </a:lvl7pPr>
+            <a:lvl8pPr marL="3199842" algn="l" defTabSz="457120" rtl="0" eaLnBrk="1" latinLnBrk="0" hangingPunct="1">
+              <a:defRPr sz="1799" kern="1200">
+                <a:solidFill>
+                  <a:schemeClr val="tx1"/>
+                </a:solidFill>
+                <a:latin typeface="+mn-lt"/>
+                <a:ea typeface="+mn-ea"/>
+                <a:cs typeface="+mn-cs"/>
+              </a:defRPr>
+            </a:lvl8pPr>
+            <a:lvl9pPr marL="3656962" algn="l" defTabSz="457120" rtl="0" eaLnBrk="1" latinLnBrk="0" hangingPunct="1">
+              <a:defRPr sz="1799" kern="1200">
+                <a:solidFill>
+                  <a:schemeClr val="tx1"/>
+                </a:solidFill>
+                <a:latin typeface="+mn-lt"/>
+                <a:ea typeface="+mn-ea"/>
+                <a:cs typeface="+mn-cs"/>
+              </a:defRPr>
+            </a:lvl9pPr>
+          </a:lstStyle>
+          <a:p>
+            <a:r>
+              <a:rPr lang="en-GB" sz="3000" dirty="0" smtClean="0">
+                <a:latin typeface="Latin Modern Math" panose="02000503000000000000" pitchFamily="50" charset="0"/>
+                <a:ea typeface="Latin Modern Math" panose="02000503000000000000" pitchFamily="50" charset="0"/>
+              </a:rPr>
+              <a:t>b)	Without Multiplexing</a:t>
+            </a:r>
+            <a:endParaRPr lang="en-GB" sz="3000" dirty="0">
+              <a:latin typeface="Latin Modern Math" panose="02000503000000000000" pitchFamily="50" charset="0"/>
+              <a:ea typeface="Latin Modern Math" panose="02000503000000000000" pitchFamily="50" charset="0"/>
+            </a:endParaRPr>
+          </a:p>
+        </p:txBody>
+      </p:sp>
+      <p:sp>
+        <p:nvSpPr>
+          <p:cNvPr id="41" name="TextBox 7"/>
+          <p:cNvSpPr txBox="1"/>
+          <p:nvPr/>
+        </p:nvSpPr>
+        <p:spPr>
+          <a:xfrm>
+            <a:off x="970256" y="8671942"/>
+            <a:ext cx="5895001" cy="553998"/>
+          </a:xfrm>
+          <a:prstGeom prst="rect">
+            <a:avLst/>
+          </a:prstGeom>
+          <a:noFill/>
+        </p:spPr>
+        <p:txBody>
+          <a:bodyPr wrap="square" rtlCol="0">
+            <a:spAutoFit/>
+          </a:bodyPr>
+          <a:lstStyle>
+            <a:defPPr>
+              <a:defRPr lang="en-US"/>
+            </a:defPPr>
+            <a:lvl1pPr marL="0" algn="l" defTabSz="457120" rtl="0" eaLnBrk="1" latinLnBrk="0" hangingPunct="1">
+              <a:defRPr sz="1799" kern="1200">
+                <a:solidFill>
+                  <a:schemeClr val="tx1"/>
+                </a:solidFill>
+                <a:latin typeface="+mn-lt"/>
+                <a:ea typeface="+mn-ea"/>
+                <a:cs typeface="+mn-cs"/>
+              </a:defRPr>
+            </a:lvl1pPr>
+            <a:lvl2pPr marL="457120" algn="l" defTabSz="457120" rtl="0" eaLnBrk="1" latinLnBrk="0" hangingPunct="1">
+              <a:defRPr sz="1799" kern="1200">
+                <a:solidFill>
+                  <a:schemeClr val="tx1"/>
+                </a:solidFill>
+                <a:latin typeface="+mn-lt"/>
+                <a:ea typeface="+mn-ea"/>
+                <a:cs typeface="+mn-cs"/>
+              </a:defRPr>
+            </a:lvl2pPr>
+            <a:lvl3pPr marL="914241" algn="l" defTabSz="457120" rtl="0" eaLnBrk="1" latinLnBrk="0" hangingPunct="1">
+              <a:defRPr sz="1799" kern="1200">
+                <a:solidFill>
+                  <a:schemeClr val="tx1"/>
+                </a:solidFill>
+                <a:latin typeface="+mn-lt"/>
+                <a:ea typeface="+mn-ea"/>
+                <a:cs typeface="+mn-cs"/>
+              </a:defRPr>
+            </a:lvl3pPr>
+            <a:lvl4pPr marL="1371361" algn="l" defTabSz="457120" rtl="0" eaLnBrk="1" latinLnBrk="0" hangingPunct="1">
+              <a:defRPr sz="1799" kern="1200">
+                <a:solidFill>
+                  <a:schemeClr val="tx1"/>
+                </a:solidFill>
+                <a:latin typeface="+mn-lt"/>
+                <a:ea typeface="+mn-ea"/>
+                <a:cs typeface="+mn-cs"/>
+              </a:defRPr>
+            </a:lvl4pPr>
+            <a:lvl5pPr marL="1828481" algn="l" defTabSz="457120" rtl="0" eaLnBrk="1" latinLnBrk="0" hangingPunct="1">
+              <a:defRPr sz="1799" kern="1200">
+                <a:solidFill>
+                  <a:schemeClr val="tx1"/>
+                </a:solidFill>
+                <a:latin typeface="+mn-lt"/>
+                <a:ea typeface="+mn-ea"/>
+                <a:cs typeface="+mn-cs"/>
+              </a:defRPr>
+            </a:lvl5pPr>
+            <a:lvl6pPr marL="2285602" algn="l" defTabSz="457120" rtl="0" eaLnBrk="1" latinLnBrk="0" hangingPunct="1">
+              <a:defRPr sz="1799" kern="1200">
+                <a:solidFill>
+                  <a:schemeClr val="tx1"/>
+                </a:solidFill>
+                <a:latin typeface="+mn-lt"/>
+                <a:ea typeface="+mn-ea"/>
+                <a:cs typeface="+mn-cs"/>
+              </a:defRPr>
+            </a:lvl6pPr>
+            <a:lvl7pPr marL="2742722" algn="l" defTabSz="457120" rtl="0" eaLnBrk="1" latinLnBrk="0" hangingPunct="1">
+              <a:defRPr sz="1799" kern="1200">
+                <a:solidFill>
+                  <a:schemeClr val="tx1"/>
+                </a:solidFill>
+                <a:latin typeface="+mn-lt"/>
+                <a:ea typeface="+mn-ea"/>
+                <a:cs typeface="+mn-cs"/>
+              </a:defRPr>
+            </a:lvl7pPr>
+            <a:lvl8pPr marL="3199842" algn="l" defTabSz="457120" rtl="0" eaLnBrk="1" latinLnBrk="0" hangingPunct="1">
+              <a:defRPr sz="1799" kern="1200">
+                <a:solidFill>
+                  <a:schemeClr val="tx1"/>
+                </a:solidFill>
+                <a:latin typeface="+mn-lt"/>
+                <a:ea typeface="+mn-ea"/>
+                <a:cs typeface="+mn-cs"/>
+              </a:defRPr>
+            </a:lvl8pPr>
+            <a:lvl9pPr marL="3656962" algn="l" defTabSz="457120" rtl="0" eaLnBrk="1" latinLnBrk="0" hangingPunct="1">
+              <a:defRPr sz="1799" kern="1200">
+                <a:solidFill>
+                  <a:schemeClr val="tx1"/>
+                </a:solidFill>
+                <a:latin typeface="+mn-lt"/>
+                <a:ea typeface="+mn-ea"/>
+                <a:cs typeface="+mn-cs"/>
+              </a:defRPr>
+            </a:lvl9pPr>
+          </a:lstStyle>
+          <a:p>
+            <a:r>
+              <a:rPr lang="en-GB" sz="3000" dirty="0" smtClean="0">
+                <a:latin typeface="Latin Modern Math" panose="02000503000000000000" pitchFamily="50" charset="0"/>
+                <a:ea typeface="Latin Modern Math" panose="02000503000000000000" pitchFamily="50" charset="0"/>
+              </a:rPr>
+              <a:t>c) With Multiplexing</a:t>
+            </a:r>
+            <a:endParaRPr lang="en-GB" sz="3000" dirty="0">
+              <a:latin typeface="Latin Modern Math" panose="02000503000000000000" pitchFamily="50" charset="0"/>
+              <a:ea typeface="Latin Modern Math" panose="02000503000000000000" pitchFamily="50" charset="0"/>
             </a:endParaRPr>
           </a:p>
         </p:txBody>
@@ -11921,6 +13087,6495 @@
     <p:extLst>
       <p:ext uri="{BB962C8B-B14F-4D97-AF65-F5344CB8AC3E}">
         <p14:creationId xmlns:p14="http://schemas.microsoft.com/office/powerpoint/2010/main" val="3215474696"/>
+      </p:ext>
+    </p:extLst>
+  </p:cSld>
+  <p:clrMapOvr>
+    <a:masterClrMapping/>
+  </p:clrMapOvr>
+</p:sld>
+</file>
+
+<file path=ppt/slides/slide8.xml><?xml version="1.0" encoding="utf-8"?>
+<p:sld xmlns:a="http://schemas.openxmlformats.org/drawingml/2006/main" xmlns:r="http://schemas.openxmlformats.org/officeDocument/2006/relationships" xmlns:p="http://schemas.openxmlformats.org/presentationml/2006/main">
+  <p:cSld>
+    <p:spTree>
+      <p:nvGrpSpPr>
+        <p:cNvPr id="1" name=""/>
+        <p:cNvGrpSpPr/>
+        <p:nvPr/>
+      </p:nvGrpSpPr>
+      <p:grpSpPr>
+        <a:xfrm>
+          <a:off x="0" y="0"/>
+          <a:ext cx="0" cy="0"/>
+          <a:chOff x="0" y="0"/>
+          <a:chExt cx="0" cy="0"/>
+        </a:xfrm>
+      </p:grpSpPr>
+      <p:graphicFrame>
+        <p:nvGraphicFramePr>
+          <p:cNvPr id="4" name="Table 3"/>
+          <p:cNvGraphicFramePr>
+            <a:graphicFrameLocks noGrp="1"/>
+          </p:cNvGraphicFramePr>
+          <p:nvPr>
+            <p:extLst>
+              <p:ext uri="{D42A27DB-BD31-4B8C-83A1-F6EECF244321}">
+                <p14:modId xmlns:p14="http://schemas.microsoft.com/office/powerpoint/2010/main" val="2879198903"/>
+              </p:ext>
+            </p:extLst>
+          </p:nvPr>
+        </p:nvGraphicFramePr>
+        <p:xfrm>
+          <a:off x="624469" y="1495973"/>
+          <a:ext cx="10861287" cy="4437963"/>
+        </p:xfrm>
+        <a:graphic>
+          <a:graphicData uri="http://schemas.openxmlformats.org/drawingml/2006/table">
+            <a:tbl>
+              <a:tblPr firstRow="1" bandRow="1">
+                <a:tableStyleId>{5C22544A-7EE6-4342-B048-85BDC9FD1C3A}</a:tableStyleId>
+              </a:tblPr>
+              <a:tblGrid>
+                <a:gridCol w="1338146">
+                  <a:extLst>
+                    <a:ext uri="{9D8B030D-6E8A-4147-A177-3AD203B41FA5}">
+                      <a16:colId xmlns:a16="http://schemas.microsoft.com/office/drawing/2014/main" val="3457970914"/>
+                    </a:ext>
+                  </a:extLst>
+                </a:gridCol>
+                <a:gridCol w="1628078">
+                  <a:extLst>
+                    <a:ext uri="{9D8B030D-6E8A-4147-A177-3AD203B41FA5}">
+                      <a16:colId xmlns:a16="http://schemas.microsoft.com/office/drawing/2014/main" val="2971619075"/>
+                    </a:ext>
+                  </a:extLst>
+                </a:gridCol>
+                <a:gridCol w="1672683">
+                  <a:extLst>
+                    <a:ext uri="{9D8B030D-6E8A-4147-A177-3AD203B41FA5}">
+                      <a16:colId xmlns:a16="http://schemas.microsoft.com/office/drawing/2014/main" val="3173681408"/>
+                    </a:ext>
+                  </a:extLst>
+                </a:gridCol>
+                <a:gridCol w="1676336">
+                  <a:extLst>
+                    <a:ext uri="{9D8B030D-6E8A-4147-A177-3AD203B41FA5}">
+                      <a16:colId xmlns:a16="http://schemas.microsoft.com/office/drawing/2014/main" val="1038546741"/>
+                    </a:ext>
+                  </a:extLst>
+                </a:gridCol>
+                <a:gridCol w="1244494">
+                  <a:extLst>
+                    <a:ext uri="{9D8B030D-6E8A-4147-A177-3AD203B41FA5}">
+                      <a16:colId xmlns:a16="http://schemas.microsoft.com/office/drawing/2014/main" val="3060090691"/>
+                    </a:ext>
+                  </a:extLst>
+                </a:gridCol>
+                <a:gridCol w="1650775">
+                  <a:extLst>
+                    <a:ext uri="{9D8B030D-6E8A-4147-A177-3AD203B41FA5}">
+                      <a16:colId xmlns:a16="http://schemas.microsoft.com/office/drawing/2014/main" val="2296121554"/>
+                    </a:ext>
+                  </a:extLst>
+                </a:gridCol>
+                <a:gridCol w="1650775">
+                  <a:extLst>
+                    <a:ext uri="{9D8B030D-6E8A-4147-A177-3AD203B41FA5}">
+                      <a16:colId xmlns:a16="http://schemas.microsoft.com/office/drawing/2014/main" val="1115344877"/>
+                    </a:ext>
+                  </a:extLst>
+                </a:gridCol>
+              </a:tblGrid>
+              <a:tr h="1024203">
+                <a:tc>
+                  <a:txBody>
+                    <a:bodyPr/>
+                    <a:lstStyle/>
+                    <a:p>
+                      <a:pPr algn="ctr"/>
+                      <a:r>
+                        <a:rPr lang="en-GB" sz="2200" b="0" dirty="0" smtClean="0">
+                          <a:solidFill>
+                            <a:sysClr val="windowText" lastClr="000000"/>
+                          </a:solidFill>
+                          <a:latin typeface="Arial" panose="020B0604020202020204" pitchFamily="34" charset="0"/>
+                          <a:ea typeface="Latin Modern Math" panose="02000503000000000000" pitchFamily="50" charset="0"/>
+                          <a:cs typeface="Arial" panose="020B0604020202020204" pitchFamily="34" charset="0"/>
+                        </a:rPr>
+                        <a:t>Isoform</a:t>
+                      </a:r>
+                      <a:endParaRPr lang="en-GB" sz="2200" b="0" dirty="0">
+                        <a:solidFill>
+                          <a:sysClr val="windowText" lastClr="000000"/>
+                        </a:solidFill>
+                        <a:latin typeface="Arial" panose="020B0604020202020204" pitchFamily="34" charset="0"/>
+                        <a:ea typeface="Latin Modern Math" panose="02000503000000000000" pitchFamily="50" charset="0"/>
+                        <a:cs typeface="Arial" panose="020B0604020202020204" pitchFamily="34" charset="0"/>
+                      </a:endParaRPr>
+                    </a:p>
+                  </a:txBody>
+                  <a:tcPr anchor="ctr">
+                    <a:lnL w="12700" cmpd="sng">
+                      <a:noFill/>
+                    </a:lnL>
+                    <a:lnR w="12700" cmpd="sng">
+                      <a:noFill/>
+                    </a:lnR>
+                    <a:lnT w="12700" cap="flat" cmpd="sng" algn="ctr">
+                      <a:solidFill>
+                        <a:schemeClr val="tx1"/>
+                      </a:solidFill>
+                      <a:prstDash val="solid"/>
+                      <a:round/>
+                      <a:headEnd type="none" w="med" len="med"/>
+                      <a:tailEnd type="none" w="med" len="med"/>
+                    </a:lnT>
+                    <a:lnB w="12700" cap="flat" cmpd="sng" algn="ctr">
+                      <a:solidFill>
+                        <a:schemeClr val="tx1"/>
+                      </a:solidFill>
+                      <a:prstDash val="solid"/>
+                      <a:round/>
+                      <a:headEnd type="none" w="med" len="med"/>
+                      <a:tailEnd type="none" w="med" len="med"/>
+                    </a:lnB>
+                    <a:lnTlToBr w="12700" cmpd="sng">
+                      <a:noFill/>
+                      <a:prstDash val="solid"/>
+                    </a:lnTlToBr>
+                    <a:lnBlToTr w="12700" cmpd="sng">
+                      <a:noFill/>
+                      <a:prstDash val="solid"/>
+                    </a:lnBlToTr>
+                    <a:noFill/>
+                  </a:tcPr>
+                </a:tc>
+                <a:tc>
+                  <a:txBody>
+                    <a:bodyPr/>
+                    <a:lstStyle/>
+                    <a:p>
+                      <a:pPr algn="ctr"/>
+                      <a:r>
+                        <a:rPr lang="en-GB" sz="2200" b="0" dirty="0" smtClean="0">
+                          <a:solidFill>
+                            <a:sysClr val="windowText" lastClr="000000"/>
+                          </a:solidFill>
+                          <a:latin typeface="Arial" panose="020B0604020202020204" pitchFamily="34" charset="0"/>
+                          <a:ea typeface="Latin Modern Math" panose="02000503000000000000" pitchFamily="50" charset="0"/>
+                          <a:cs typeface="Arial" panose="020B0604020202020204" pitchFamily="34" charset="0"/>
+                        </a:rPr>
+                        <a:t>Associated </a:t>
+                      </a:r>
+                    </a:p>
+                    <a:p>
+                      <a:pPr algn="ctr"/>
+                      <a:r>
+                        <a:rPr lang="en-GB" sz="2200" b="0" dirty="0" smtClean="0">
+                          <a:solidFill>
+                            <a:sysClr val="windowText" lastClr="000000"/>
+                          </a:solidFill>
+                          <a:latin typeface="Arial" panose="020B0604020202020204" pitchFamily="34" charset="0"/>
+                          <a:ea typeface="Latin Modern Math" panose="02000503000000000000" pitchFamily="50" charset="0"/>
+                          <a:cs typeface="Arial" panose="020B0604020202020204" pitchFamily="34" charset="0"/>
+                        </a:rPr>
+                        <a:t>Gene</a:t>
+                      </a:r>
+                      <a:endParaRPr lang="en-GB" sz="2200" b="0" dirty="0">
+                        <a:solidFill>
+                          <a:sysClr val="windowText" lastClr="000000"/>
+                        </a:solidFill>
+                        <a:latin typeface="Arial" panose="020B0604020202020204" pitchFamily="34" charset="0"/>
+                        <a:ea typeface="Latin Modern Math" panose="02000503000000000000" pitchFamily="50" charset="0"/>
+                        <a:cs typeface="Arial" panose="020B0604020202020204" pitchFamily="34" charset="0"/>
+                      </a:endParaRPr>
+                    </a:p>
+                  </a:txBody>
+                  <a:tcPr anchor="ctr">
+                    <a:lnL w="12700" cmpd="sng">
+                      <a:noFill/>
+                    </a:lnL>
+                    <a:lnR w="12700" cmpd="sng">
+                      <a:noFill/>
+                    </a:lnR>
+                    <a:lnT w="12700" cap="flat" cmpd="sng" algn="ctr">
+                      <a:solidFill>
+                        <a:schemeClr val="tx1"/>
+                      </a:solidFill>
+                      <a:prstDash val="solid"/>
+                      <a:round/>
+                      <a:headEnd type="none" w="med" len="med"/>
+                      <a:tailEnd type="none" w="med" len="med"/>
+                    </a:lnT>
+                    <a:lnB w="12700" cap="flat" cmpd="sng" algn="ctr">
+                      <a:solidFill>
+                        <a:schemeClr val="tx1"/>
+                      </a:solidFill>
+                      <a:prstDash val="solid"/>
+                      <a:round/>
+                      <a:headEnd type="none" w="med" len="med"/>
+                      <a:tailEnd type="none" w="med" len="med"/>
+                    </a:lnB>
+                    <a:lnTlToBr w="12700" cmpd="sng">
+                      <a:noFill/>
+                      <a:prstDash val="solid"/>
+                    </a:lnTlToBr>
+                    <a:lnBlToTr w="12700" cmpd="sng">
+                      <a:noFill/>
+                      <a:prstDash val="solid"/>
+                    </a:lnBlToTr>
+                    <a:noFill/>
+                  </a:tcPr>
+                </a:tc>
+                <a:tc>
+                  <a:txBody>
+                    <a:bodyPr/>
+                    <a:lstStyle/>
+                    <a:p>
+                      <a:pPr algn="ctr"/>
+                      <a:r>
+                        <a:rPr lang="en-GB" sz="2200" b="0" dirty="0" smtClean="0">
+                          <a:solidFill>
+                            <a:sysClr val="windowText" lastClr="000000"/>
+                          </a:solidFill>
+                          <a:latin typeface="Arial" panose="020B0604020202020204" pitchFamily="34" charset="0"/>
+                          <a:ea typeface="Latin Modern Math" panose="02000503000000000000" pitchFamily="50" charset="0"/>
+                          <a:cs typeface="Arial" panose="020B0604020202020204" pitchFamily="34" charset="0"/>
+                        </a:rPr>
+                        <a:t>Structural </a:t>
+                      </a:r>
+                    </a:p>
+                    <a:p>
+                      <a:pPr algn="ctr"/>
+                      <a:r>
+                        <a:rPr lang="en-GB" sz="2200" b="0" dirty="0" smtClean="0">
+                          <a:solidFill>
+                            <a:sysClr val="windowText" lastClr="000000"/>
+                          </a:solidFill>
+                          <a:latin typeface="Arial" panose="020B0604020202020204" pitchFamily="34" charset="0"/>
+                          <a:ea typeface="Latin Modern Math" panose="02000503000000000000" pitchFamily="50" charset="0"/>
+                          <a:cs typeface="Arial" panose="020B0604020202020204" pitchFamily="34" charset="0"/>
+                        </a:rPr>
+                        <a:t>Category</a:t>
+                      </a:r>
+                      <a:endParaRPr lang="en-GB" sz="2200" b="0" dirty="0">
+                        <a:solidFill>
+                          <a:sysClr val="windowText" lastClr="000000"/>
+                        </a:solidFill>
+                        <a:latin typeface="Arial" panose="020B0604020202020204" pitchFamily="34" charset="0"/>
+                        <a:ea typeface="Latin Modern Math" panose="02000503000000000000" pitchFamily="50" charset="0"/>
+                        <a:cs typeface="Arial" panose="020B0604020202020204" pitchFamily="34" charset="0"/>
+                      </a:endParaRPr>
+                    </a:p>
+                  </a:txBody>
+                  <a:tcPr anchor="ctr">
+                    <a:lnL w="12700" cmpd="sng">
+                      <a:noFill/>
+                    </a:lnL>
+                    <a:lnR w="12700" cmpd="sng">
+                      <a:noFill/>
+                    </a:lnR>
+                    <a:lnT w="12700" cap="flat" cmpd="sng" algn="ctr">
+                      <a:solidFill>
+                        <a:schemeClr val="tx1"/>
+                      </a:solidFill>
+                      <a:prstDash val="solid"/>
+                      <a:round/>
+                      <a:headEnd type="none" w="med" len="med"/>
+                      <a:tailEnd type="none" w="med" len="med"/>
+                    </a:lnT>
+                    <a:lnB w="12700" cap="flat" cmpd="sng" algn="ctr">
+                      <a:solidFill>
+                        <a:schemeClr val="tx1"/>
+                      </a:solidFill>
+                      <a:prstDash val="solid"/>
+                      <a:round/>
+                      <a:headEnd type="none" w="med" len="med"/>
+                      <a:tailEnd type="none" w="med" len="med"/>
+                    </a:lnB>
+                    <a:lnTlToBr w="12700" cmpd="sng">
+                      <a:noFill/>
+                      <a:prstDash val="solid"/>
+                    </a:lnTlToBr>
+                    <a:lnBlToTr w="12700" cmpd="sng">
+                      <a:noFill/>
+                      <a:prstDash val="solid"/>
+                    </a:lnBlToTr>
+                    <a:noFill/>
+                  </a:tcPr>
+                </a:tc>
+                <a:tc>
+                  <a:txBody>
+                    <a:bodyPr/>
+                    <a:lstStyle/>
+                    <a:p>
+                      <a:pPr algn="ctr"/>
+                      <a:r>
+                        <a:rPr lang="en-GB" sz="2200" b="0" dirty="0" smtClean="0">
+                          <a:solidFill>
+                            <a:sysClr val="windowText" lastClr="000000"/>
+                          </a:solidFill>
+                          <a:latin typeface="Arial" panose="020B0604020202020204" pitchFamily="34" charset="0"/>
+                          <a:ea typeface="Latin Modern Math" panose="02000503000000000000" pitchFamily="50" charset="0"/>
+                          <a:cs typeface="Arial" panose="020B0604020202020204" pitchFamily="34" charset="0"/>
+                        </a:rPr>
+                        <a:t>Associated</a:t>
+                      </a:r>
+                    </a:p>
+                    <a:p>
+                      <a:pPr algn="ctr"/>
+                      <a:r>
+                        <a:rPr lang="en-GB" sz="2200" b="0" baseline="0" dirty="0" smtClean="0">
+                          <a:solidFill>
+                            <a:sysClr val="windowText" lastClr="000000"/>
+                          </a:solidFill>
+                          <a:latin typeface="Arial" panose="020B0604020202020204" pitchFamily="34" charset="0"/>
+                          <a:ea typeface="Latin Modern Math" panose="02000503000000000000" pitchFamily="50" charset="0"/>
+                          <a:cs typeface="Arial" panose="020B0604020202020204" pitchFamily="34" charset="0"/>
+                        </a:rPr>
+                        <a:t> Transcript</a:t>
+                      </a:r>
+                      <a:endParaRPr lang="en-GB" sz="2200" b="0" dirty="0">
+                        <a:solidFill>
+                          <a:sysClr val="windowText" lastClr="000000"/>
+                        </a:solidFill>
+                        <a:latin typeface="Arial" panose="020B0604020202020204" pitchFamily="34" charset="0"/>
+                        <a:ea typeface="Latin Modern Math" panose="02000503000000000000" pitchFamily="50" charset="0"/>
+                        <a:cs typeface="Arial" panose="020B0604020202020204" pitchFamily="34" charset="0"/>
+                      </a:endParaRPr>
+                    </a:p>
+                  </a:txBody>
+                  <a:tcPr anchor="ctr">
+                    <a:lnL w="12700" cmpd="sng">
+                      <a:noFill/>
+                    </a:lnL>
+                    <a:lnR w="12700" cmpd="sng">
+                      <a:noFill/>
+                    </a:lnR>
+                    <a:lnT w="12700" cap="flat" cmpd="sng" algn="ctr">
+                      <a:solidFill>
+                        <a:schemeClr val="tx1"/>
+                      </a:solidFill>
+                      <a:prstDash val="solid"/>
+                      <a:round/>
+                      <a:headEnd type="none" w="med" len="med"/>
+                      <a:tailEnd type="none" w="med" len="med"/>
+                    </a:lnT>
+                    <a:lnB w="12700" cap="flat" cmpd="sng" algn="ctr">
+                      <a:solidFill>
+                        <a:schemeClr val="tx1"/>
+                      </a:solidFill>
+                      <a:prstDash val="solid"/>
+                      <a:round/>
+                      <a:headEnd type="none" w="med" len="med"/>
+                      <a:tailEnd type="none" w="med" len="med"/>
+                    </a:lnB>
+                    <a:lnTlToBr w="12700" cmpd="sng">
+                      <a:noFill/>
+                      <a:prstDash val="solid"/>
+                    </a:lnTlToBr>
+                    <a:lnBlToTr w="12700" cmpd="sng">
+                      <a:noFill/>
+                      <a:prstDash val="solid"/>
+                    </a:lnBlToTr>
+                    <a:noFill/>
+                  </a:tcPr>
+                </a:tc>
+                <a:tc>
+                  <a:txBody>
+                    <a:bodyPr/>
+                    <a:lstStyle/>
+                    <a:p>
+                      <a:pPr algn="ctr"/>
+                      <a:r>
+                        <a:rPr lang="en-GB" sz="2200" b="0" dirty="0" smtClean="0">
+                          <a:solidFill>
+                            <a:sysClr val="windowText" lastClr="000000"/>
+                          </a:solidFill>
+                          <a:latin typeface="Arial" panose="020B0604020202020204" pitchFamily="34" charset="0"/>
+                          <a:ea typeface="Latin Modern Math" panose="02000503000000000000" pitchFamily="50" charset="0"/>
+                          <a:cs typeface="Arial" panose="020B0604020202020204" pitchFamily="34" charset="0"/>
+                        </a:rPr>
+                        <a:t>Length</a:t>
+                      </a:r>
+                      <a:endParaRPr lang="en-GB" sz="2200" b="0" dirty="0">
+                        <a:solidFill>
+                          <a:sysClr val="windowText" lastClr="000000"/>
+                        </a:solidFill>
+                        <a:latin typeface="Arial" panose="020B0604020202020204" pitchFamily="34" charset="0"/>
+                        <a:ea typeface="Latin Modern Math" panose="02000503000000000000" pitchFamily="50" charset="0"/>
+                        <a:cs typeface="Arial" panose="020B0604020202020204" pitchFamily="34" charset="0"/>
+                      </a:endParaRPr>
+                    </a:p>
+                  </a:txBody>
+                  <a:tcPr anchor="ctr">
+                    <a:lnL w="12700" cmpd="sng">
+                      <a:noFill/>
+                    </a:lnL>
+                    <a:lnR w="12700" cmpd="sng">
+                      <a:noFill/>
+                    </a:lnR>
+                    <a:lnT w="12700" cap="flat" cmpd="sng" algn="ctr">
+                      <a:solidFill>
+                        <a:schemeClr val="tx1"/>
+                      </a:solidFill>
+                      <a:prstDash val="solid"/>
+                      <a:round/>
+                      <a:headEnd type="none" w="med" len="med"/>
+                      <a:tailEnd type="none" w="med" len="med"/>
+                    </a:lnT>
+                    <a:lnB w="12700" cap="flat" cmpd="sng" algn="ctr">
+                      <a:solidFill>
+                        <a:schemeClr val="tx1"/>
+                      </a:solidFill>
+                      <a:prstDash val="solid"/>
+                      <a:round/>
+                      <a:headEnd type="none" w="med" len="med"/>
+                      <a:tailEnd type="none" w="med" len="med"/>
+                    </a:lnB>
+                    <a:lnTlToBr w="12700" cmpd="sng">
+                      <a:noFill/>
+                      <a:prstDash val="solid"/>
+                    </a:lnTlToBr>
+                    <a:lnBlToTr w="12700" cmpd="sng">
+                      <a:noFill/>
+                      <a:prstDash val="solid"/>
+                    </a:lnBlToTr>
+                    <a:noFill/>
+                  </a:tcPr>
+                </a:tc>
+                <a:tc>
+                  <a:txBody>
+                    <a:bodyPr/>
+                    <a:lstStyle/>
+                    <a:p>
+                      <a:pPr algn="ctr"/>
+                      <a:r>
+                        <a:rPr lang="en-GB" sz="2200" b="0" dirty="0" smtClean="0">
+                          <a:solidFill>
+                            <a:sysClr val="windowText" lastClr="000000"/>
+                          </a:solidFill>
+                          <a:latin typeface="Arial" panose="020B0604020202020204" pitchFamily="34" charset="0"/>
+                          <a:ea typeface="Latin Modern Math" panose="02000503000000000000" pitchFamily="50" charset="0"/>
+                          <a:cs typeface="Arial" panose="020B0604020202020204" pitchFamily="34" charset="0"/>
+                        </a:rPr>
+                        <a:t>FL</a:t>
+                      </a:r>
+                      <a:r>
+                        <a:rPr lang="en-GB" sz="2200" b="0" baseline="0" dirty="0" smtClean="0">
+                          <a:solidFill>
+                            <a:sysClr val="windowText" lastClr="000000"/>
+                          </a:solidFill>
+                          <a:latin typeface="Arial" panose="020B0604020202020204" pitchFamily="34" charset="0"/>
+                          <a:ea typeface="Latin Modern Math" panose="02000503000000000000" pitchFamily="50" charset="0"/>
+                          <a:cs typeface="Arial" panose="020B0604020202020204" pitchFamily="34" charset="0"/>
+                        </a:rPr>
+                        <a:t> </a:t>
+                      </a:r>
+                    </a:p>
+                    <a:p>
+                      <a:pPr algn="ctr"/>
+                      <a:r>
+                        <a:rPr lang="en-GB" sz="2200" b="0" baseline="0" dirty="0" smtClean="0">
+                          <a:solidFill>
+                            <a:sysClr val="windowText" lastClr="000000"/>
+                          </a:solidFill>
+                          <a:latin typeface="Arial" panose="020B0604020202020204" pitchFamily="34" charset="0"/>
+                          <a:ea typeface="Latin Modern Math" panose="02000503000000000000" pitchFamily="50" charset="0"/>
+                          <a:cs typeface="Arial" panose="020B0604020202020204" pitchFamily="34" charset="0"/>
+                        </a:rPr>
+                        <a:t>Sample 1</a:t>
+                      </a:r>
+                      <a:endParaRPr lang="en-GB" sz="2200" b="0" dirty="0">
+                        <a:solidFill>
+                          <a:sysClr val="windowText" lastClr="000000"/>
+                        </a:solidFill>
+                        <a:latin typeface="Arial" panose="020B0604020202020204" pitchFamily="34" charset="0"/>
+                        <a:ea typeface="Latin Modern Math" panose="02000503000000000000" pitchFamily="50" charset="0"/>
+                        <a:cs typeface="Arial" panose="020B0604020202020204" pitchFamily="34" charset="0"/>
+                      </a:endParaRPr>
+                    </a:p>
+                  </a:txBody>
+                  <a:tcPr anchor="ctr">
+                    <a:lnL w="12700" cmpd="sng">
+                      <a:noFill/>
+                    </a:lnL>
+                    <a:lnR w="12700" cmpd="sng">
+                      <a:noFill/>
+                    </a:lnR>
+                    <a:lnT w="12700" cap="flat" cmpd="sng" algn="ctr">
+                      <a:solidFill>
+                        <a:schemeClr val="tx1"/>
+                      </a:solidFill>
+                      <a:prstDash val="solid"/>
+                      <a:round/>
+                      <a:headEnd type="none" w="med" len="med"/>
+                      <a:tailEnd type="none" w="med" len="med"/>
+                    </a:lnT>
+                    <a:lnB w="12700" cap="flat" cmpd="sng" algn="ctr">
+                      <a:solidFill>
+                        <a:schemeClr val="tx1"/>
+                      </a:solidFill>
+                      <a:prstDash val="solid"/>
+                      <a:round/>
+                      <a:headEnd type="none" w="med" len="med"/>
+                      <a:tailEnd type="none" w="med" len="med"/>
+                    </a:lnB>
+                    <a:lnTlToBr w="12700" cmpd="sng">
+                      <a:noFill/>
+                      <a:prstDash val="solid"/>
+                    </a:lnTlToBr>
+                    <a:lnBlToTr w="12700" cmpd="sng">
+                      <a:noFill/>
+                      <a:prstDash val="solid"/>
+                    </a:lnBlToTr>
+                    <a:noFill/>
+                  </a:tcPr>
+                </a:tc>
+                <a:tc>
+                  <a:txBody>
+                    <a:bodyPr/>
+                    <a:lstStyle/>
+                    <a:p>
+                      <a:pPr marL="0" marR="0" lvl="0" indent="0" algn="ctr" defTabSz="1219170" rtl="0" eaLnBrk="1" fontAlgn="auto" latinLnBrk="0" hangingPunct="1">
+                        <a:lnSpc>
+                          <a:spcPct val="100000"/>
+                        </a:lnSpc>
+                        <a:spcBef>
+                          <a:spcPts val="0"/>
+                        </a:spcBef>
+                        <a:spcAft>
+                          <a:spcPts val="0"/>
+                        </a:spcAft>
+                        <a:buClrTx/>
+                        <a:buSzTx/>
+                        <a:buFontTx/>
+                        <a:buNone/>
+                        <a:tabLst/>
+                        <a:defRPr/>
+                      </a:pPr>
+                      <a:r>
+                        <a:rPr lang="en-GB" sz="2200" b="0" dirty="0" smtClean="0">
+                          <a:solidFill>
+                            <a:sysClr val="windowText" lastClr="000000"/>
+                          </a:solidFill>
+                          <a:latin typeface="Arial" panose="020B0604020202020204" pitchFamily="34" charset="0"/>
+                          <a:ea typeface="Latin Modern Math" panose="02000503000000000000" pitchFamily="50" charset="0"/>
+                          <a:cs typeface="Arial" panose="020B0604020202020204" pitchFamily="34" charset="0"/>
+                        </a:rPr>
+                        <a:t>FL</a:t>
+                      </a:r>
+                      <a:r>
+                        <a:rPr lang="en-GB" sz="2200" b="0" baseline="0" dirty="0" smtClean="0">
+                          <a:solidFill>
+                            <a:sysClr val="windowText" lastClr="000000"/>
+                          </a:solidFill>
+                          <a:latin typeface="Arial" panose="020B0604020202020204" pitchFamily="34" charset="0"/>
+                          <a:ea typeface="Latin Modern Math" panose="02000503000000000000" pitchFamily="50" charset="0"/>
+                          <a:cs typeface="Arial" panose="020B0604020202020204" pitchFamily="34" charset="0"/>
+                        </a:rPr>
+                        <a:t> </a:t>
+                      </a:r>
+                    </a:p>
+                    <a:p>
+                      <a:pPr marL="0" marR="0" lvl="0" indent="0" algn="ctr" defTabSz="1219170" rtl="0" eaLnBrk="1" fontAlgn="auto" latinLnBrk="0" hangingPunct="1">
+                        <a:lnSpc>
+                          <a:spcPct val="100000"/>
+                        </a:lnSpc>
+                        <a:spcBef>
+                          <a:spcPts val="0"/>
+                        </a:spcBef>
+                        <a:spcAft>
+                          <a:spcPts val="0"/>
+                        </a:spcAft>
+                        <a:buClrTx/>
+                        <a:buSzTx/>
+                        <a:buFontTx/>
+                        <a:buNone/>
+                        <a:tabLst/>
+                        <a:defRPr/>
+                      </a:pPr>
+                      <a:r>
+                        <a:rPr lang="en-GB" sz="2200" b="0" baseline="0" dirty="0" smtClean="0">
+                          <a:solidFill>
+                            <a:sysClr val="windowText" lastClr="000000"/>
+                          </a:solidFill>
+                          <a:latin typeface="Arial" panose="020B0604020202020204" pitchFamily="34" charset="0"/>
+                          <a:ea typeface="Latin Modern Math" panose="02000503000000000000" pitchFamily="50" charset="0"/>
+                          <a:cs typeface="Arial" panose="020B0604020202020204" pitchFamily="34" charset="0"/>
+                        </a:rPr>
+                        <a:t>Sample 2</a:t>
+                      </a:r>
+                      <a:endParaRPr lang="en-GB" sz="2200" b="0" dirty="0" smtClean="0">
+                        <a:solidFill>
+                          <a:sysClr val="windowText" lastClr="000000"/>
+                        </a:solidFill>
+                        <a:latin typeface="Arial" panose="020B0604020202020204" pitchFamily="34" charset="0"/>
+                        <a:ea typeface="Latin Modern Math" panose="02000503000000000000" pitchFamily="50" charset="0"/>
+                        <a:cs typeface="Arial" panose="020B0604020202020204" pitchFamily="34" charset="0"/>
+                      </a:endParaRPr>
+                    </a:p>
+                  </a:txBody>
+                  <a:tcPr anchor="ctr">
+                    <a:lnL w="12700" cmpd="sng">
+                      <a:noFill/>
+                    </a:lnL>
+                    <a:lnR w="12700" cmpd="sng">
+                      <a:noFill/>
+                    </a:lnR>
+                    <a:lnT w="12700" cap="flat" cmpd="sng" algn="ctr">
+                      <a:solidFill>
+                        <a:schemeClr val="tx1"/>
+                      </a:solidFill>
+                      <a:prstDash val="solid"/>
+                      <a:round/>
+                      <a:headEnd type="none" w="med" len="med"/>
+                      <a:tailEnd type="none" w="med" len="med"/>
+                    </a:lnT>
+                    <a:lnB w="12700" cap="flat" cmpd="sng" algn="ctr">
+                      <a:solidFill>
+                        <a:schemeClr val="tx1"/>
+                      </a:solidFill>
+                      <a:prstDash val="solid"/>
+                      <a:round/>
+                      <a:headEnd type="none" w="med" len="med"/>
+                      <a:tailEnd type="none" w="med" len="med"/>
+                    </a:lnB>
+                    <a:lnTlToBr w="12700" cmpd="sng">
+                      <a:noFill/>
+                      <a:prstDash val="solid"/>
+                    </a:lnTlToBr>
+                    <a:lnBlToTr w="12700" cmpd="sng">
+                      <a:noFill/>
+                      <a:prstDash val="solid"/>
+                    </a:lnBlToTr>
+                    <a:noFill/>
+                  </a:tcPr>
+                </a:tc>
+                <a:extLst>
+                  <a:ext uri="{0D108BD9-81ED-4DB2-BD59-A6C34878D82A}">
+                    <a16:rowId xmlns:a16="http://schemas.microsoft.com/office/drawing/2014/main" val="2677914597"/>
+                  </a:ext>
+                </a:extLst>
+              </a:tr>
+              <a:tr h="312234">
+                <a:tc>
+                  <a:txBody>
+                    <a:bodyPr/>
+                    <a:lstStyle/>
+                    <a:p>
+                      <a:pPr algn="ctr"/>
+                      <a:r>
+                        <a:rPr lang="en-GB" sz="2200" b="0" dirty="0" smtClean="0">
+                          <a:solidFill>
+                            <a:sysClr val="windowText" lastClr="000000"/>
+                          </a:solidFill>
+                          <a:latin typeface="Arial" panose="020B0604020202020204" pitchFamily="34" charset="0"/>
+                          <a:ea typeface="Latin Modern Math" panose="02000503000000000000" pitchFamily="50" charset="0"/>
+                          <a:cs typeface="Arial" panose="020B0604020202020204" pitchFamily="34" charset="0"/>
+                        </a:rPr>
+                        <a:t>PB.1.1</a:t>
+                      </a:r>
+                    </a:p>
+                  </a:txBody>
+                  <a:tcPr anchor="ctr">
+                    <a:lnL w="12700" cmpd="sng">
+                      <a:noFill/>
+                    </a:lnL>
+                    <a:lnR w="12700" cmpd="sng">
+                      <a:noFill/>
+                    </a:lnR>
+                    <a:lnT w="12700" cap="flat" cmpd="sng" algn="ctr">
+                      <a:solidFill>
+                        <a:schemeClr val="tx1"/>
+                      </a:solidFill>
+                      <a:prstDash val="solid"/>
+                      <a:round/>
+                      <a:headEnd type="none" w="med" len="med"/>
+                      <a:tailEnd type="none" w="med" len="med"/>
+                    </a:lnT>
+                    <a:lnB w="12700" cmpd="sng">
+                      <a:noFill/>
+                    </a:lnB>
+                    <a:lnTlToBr w="12700" cmpd="sng">
+                      <a:noFill/>
+                      <a:prstDash val="solid"/>
+                    </a:lnTlToBr>
+                    <a:lnBlToTr w="12700" cmpd="sng">
+                      <a:noFill/>
+                      <a:prstDash val="solid"/>
+                    </a:lnBlToTr>
+                    <a:solidFill>
+                      <a:schemeClr val="accent6">
+                        <a:lumMod val="20000"/>
+                        <a:lumOff val="80000"/>
+                      </a:schemeClr>
+                    </a:solidFill>
+                  </a:tcPr>
+                </a:tc>
+                <a:tc>
+                  <a:txBody>
+                    <a:bodyPr/>
+                    <a:lstStyle/>
+                    <a:p>
+                      <a:pPr algn="ctr"/>
+                      <a:r>
+                        <a:rPr lang="en-GB" sz="2200" b="0" dirty="0" smtClean="0">
+                          <a:solidFill>
+                            <a:sysClr val="windowText" lastClr="000000"/>
+                          </a:solidFill>
+                          <a:latin typeface="Arial" panose="020B0604020202020204" pitchFamily="34" charset="0"/>
+                          <a:ea typeface="Latin Modern Math" panose="02000503000000000000" pitchFamily="50" charset="0"/>
+                          <a:cs typeface="Arial" panose="020B0604020202020204" pitchFamily="34" charset="0"/>
+                        </a:rPr>
+                        <a:t>Gene 1</a:t>
+                      </a:r>
+                    </a:p>
+                  </a:txBody>
+                  <a:tcPr anchor="ctr">
+                    <a:lnL w="12700" cmpd="sng">
+                      <a:noFill/>
+                    </a:lnL>
+                    <a:lnR w="12700" cmpd="sng">
+                      <a:noFill/>
+                    </a:lnR>
+                    <a:lnT w="12700" cap="flat" cmpd="sng" algn="ctr">
+                      <a:solidFill>
+                        <a:schemeClr val="tx1"/>
+                      </a:solidFill>
+                      <a:prstDash val="solid"/>
+                      <a:round/>
+                      <a:headEnd type="none" w="med" len="med"/>
+                      <a:tailEnd type="none" w="med" len="med"/>
+                    </a:lnT>
+                    <a:lnB w="12700" cmpd="sng">
+                      <a:noFill/>
+                    </a:lnB>
+                    <a:lnTlToBr w="12700" cmpd="sng">
+                      <a:noFill/>
+                      <a:prstDash val="solid"/>
+                    </a:lnTlToBr>
+                    <a:lnBlToTr w="12700" cmpd="sng">
+                      <a:noFill/>
+                      <a:prstDash val="solid"/>
+                    </a:lnBlToTr>
+                    <a:solidFill>
+                      <a:schemeClr val="accent6">
+                        <a:lumMod val="20000"/>
+                        <a:lumOff val="80000"/>
+                      </a:schemeClr>
+                    </a:solidFill>
+                  </a:tcPr>
+                </a:tc>
+                <a:tc>
+                  <a:txBody>
+                    <a:bodyPr/>
+                    <a:lstStyle/>
+                    <a:p>
+                      <a:pPr algn="ctr"/>
+                      <a:r>
+                        <a:rPr lang="en-GB" sz="2200" b="0" dirty="0" smtClean="0">
+                          <a:solidFill>
+                            <a:sysClr val="windowText" lastClr="000000"/>
+                          </a:solidFill>
+                          <a:latin typeface="Arial" panose="020B0604020202020204" pitchFamily="34" charset="0"/>
+                          <a:ea typeface="Latin Modern Math" panose="02000503000000000000" pitchFamily="50" charset="0"/>
+                          <a:cs typeface="Arial" panose="020B0604020202020204" pitchFamily="34" charset="0"/>
+                        </a:rPr>
+                        <a:t>FSM</a:t>
+                      </a:r>
+                      <a:endParaRPr lang="en-GB" sz="2200" b="0" dirty="0">
+                        <a:solidFill>
+                          <a:sysClr val="windowText" lastClr="000000"/>
+                        </a:solidFill>
+                        <a:latin typeface="Arial" panose="020B0604020202020204" pitchFamily="34" charset="0"/>
+                        <a:ea typeface="Latin Modern Math" panose="02000503000000000000" pitchFamily="50" charset="0"/>
+                        <a:cs typeface="Arial" panose="020B0604020202020204" pitchFamily="34" charset="0"/>
+                      </a:endParaRPr>
+                    </a:p>
+                  </a:txBody>
+                  <a:tcPr anchor="ctr">
+                    <a:lnL w="12700" cmpd="sng">
+                      <a:noFill/>
+                    </a:lnL>
+                    <a:lnR w="12700" cmpd="sng">
+                      <a:noFill/>
+                    </a:lnR>
+                    <a:lnT w="12700" cap="flat" cmpd="sng" algn="ctr">
+                      <a:solidFill>
+                        <a:schemeClr val="tx1"/>
+                      </a:solidFill>
+                      <a:prstDash val="solid"/>
+                      <a:round/>
+                      <a:headEnd type="none" w="med" len="med"/>
+                      <a:tailEnd type="none" w="med" len="med"/>
+                    </a:lnT>
+                    <a:lnB w="12700" cmpd="sng">
+                      <a:noFill/>
+                    </a:lnB>
+                    <a:lnTlToBr w="12700" cmpd="sng">
+                      <a:noFill/>
+                      <a:prstDash val="solid"/>
+                    </a:lnTlToBr>
+                    <a:lnBlToTr w="12700" cmpd="sng">
+                      <a:noFill/>
+                      <a:prstDash val="solid"/>
+                    </a:lnBlToTr>
+                    <a:solidFill>
+                      <a:schemeClr val="accent6">
+                        <a:lumMod val="20000"/>
+                        <a:lumOff val="80000"/>
+                      </a:schemeClr>
+                    </a:solidFill>
+                  </a:tcPr>
+                </a:tc>
+                <a:tc>
+                  <a:txBody>
+                    <a:bodyPr/>
+                    <a:lstStyle/>
+                    <a:p>
+                      <a:pPr algn="ctr"/>
+                      <a:r>
+                        <a:rPr lang="en-GB" sz="2200" b="0" dirty="0" smtClean="0">
+                          <a:solidFill>
+                            <a:sysClr val="windowText" lastClr="000000"/>
+                          </a:solidFill>
+                          <a:latin typeface="Arial" panose="020B0604020202020204" pitchFamily="34" charset="0"/>
+                          <a:ea typeface="Latin Modern Math" panose="02000503000000000000" pitchFamily="50" charset="0"/>
+                          <a:cs typeface="Arial" panose="020B0604020202020204" pitchFamily="34" charset="0"/>
+                        </a:rPr>
+                        <a:t>ENMUST1</a:t>
+                      </a:r>
+                      <a:endParaRPr lang="en-GB" sz="2200" b="0" dirty="0">
+                        <a:solidFill>
+                          <a:sysClr val="windowText" lastClr="000000"/>
+                        </a:solidFill>
+                        <a:latin typeface="Arial" panose="020B0604020202020204" pitchFamily="34" charset="0"/>
+                        <a:ea typeface="Latin Modern Math" panose="02000503000000000000" pitchFamily="50" charset="0"/>
+                        <a:cs typeface="Arial" panose="020B0604020202020204" pitchFamily="34" charset="0"/>
+                      </a:endParaRPr>
+                    </a:p>
+                  </a:txBody>
+                  <a:tcPr anchor="ctr">
+                    <a:lnL w="12700" cmpd="sng">
+                      <a:noFill/>
+                    </a:lnL>
+                    <a:lnR w="12700" cmpd="sng">
+                      <a:noFill/>
+                    </a:lnR>
+                    <a:lnT w="12700" cap="flat" cmpd="sng" algn="ctr">
+                      <a:solidFill>
+                        <a:schemeClr val="tx1"/>
+                      </a:solidFill>
+                      <a:prstDash val="solid"/>
+                      <a:round/>
+                      <a:headEnd type="none" w="med" len="med"/>
+                      <a:tailEnd type="none" w="med" len="med"/>
+                    </a:lnT>
+                    <a:lnB w="12700" cmpd="sng">
+                      <a:noFill/>
+                    </a:lnB>
+                    <a:lnTlToBr w="12700" cmpd="sng">
+                      <a:noFill/>
+                      <a:prstDash val="solid"/>
+                    </a:lnTlToBr>
+                    <a:lnBlToTr w="12700" cmpd="sng">
+                      <a:noFill/>
+                      <a:prstDash val="solid"/>
+                    </a:lnBlToTr>
+                    <a:solidFill>
+                      <a:schemeClr val="accent6">
+                        <a:lumMod val="20000"/>
+                        <a:lumOff val="80000"/>
+                      </a:schemeClr>
+                    </a:solidFill>
+                  </a:tcPr>
+                </a:tc>
+                <a:tc>
+                  <a:txBody>
+                    <a:bodyPr/>
+                    <a:lstStyle/>
+                    <a:p>
+                      <a:pPr algn="ctr"/>
+                      <a:r>
+                        <a:rPr lang="en-GB" sz="2200" b="0" dirty="0" smtClean="0">
+                          <a:solidFill>
+                            <a:sysClr val="windowText" lastClr="000000"/>
+                          </a:solidFill>
+                          <a:latin typeface="Arial" panose="020B0604020202020204" pitchFamily="34" charset="0"/>
+                          <a:ea typeface="Latin Modern Math" panose="02000503000000000000" pitchFamily="50" charset="0"/>
+                          <a:cs typeface="Arial" panose="020B0604020202020204" pitchFamily="34" charset="0"/>
+                        </a:rPr>
+                        <a:t>3000</a:t>
+                      </a:r>
+                      <a:endParaRPr lang="en-GB" sz="2200" b="0" dirty="0">
+                        <a:solidFill>
+                          <a:sysClr val="windowText" lastClr="000000"/>
+                        </a:solidFill>
+                        <a:latin typeface="Arial" panose="020B0604020202020204" pitchFamily="34" charset="0"/>
+                        <a:ea typeface="Latin Modern Math" panose="02000503000000000000" pitchFamily="50" charset="0"/>
+                        <a:cs typeface="Arial" panose="020B0604020202020204" pitchFamily="34" charset="0"/>
+                      </a:endParaRPr>
+                    </a:p>
+                  </a:txBody>
+                  <a:tcPr anchor="ctr">
+                    <a:lnL w="12700" cmpd="sng">
+                      <a:noFill/>
+                    </a:lnL>
+                    <a:lnR w="12700" cmpd="sng">
+                      <a:noFill/>
+                    </a:lnR>
+                    <a:lnT w="12700" cap="flat" cmpd="sng" algn="ctr">
+                      <a:solidFill>
+                        <a:schemeClr val="tx1"/>
+                      </a:solidFill>
+                      <a:prstDash val="solid"/>
+                      <a:round/>
+                      <a:headEnd type="none" w="med" len="med"/>
+                      <a:tailEnd type="none" w="med" len="med"/>
+                    </a:lnT>
+                    <a:lnB w="12700" cmpd="sng">
+                      <a:noFill/>
+                    </a:lnB>
+                    <a:lnTlToBr w="12700" cmpd="sng">
+                      <a:noFill/>
+                      <a:prstDash val="solid"/>
+                    </a:lnTlToBr>
+                    <a:lnBlToTr w="12700" cmpd="sng">
+                      <a:noFill/>
+                      <a:prstDash val="solid"/>
+                    </a:lnBlToTr>
+                    <a:solidFill>
+                      <a:schemeClr val="accent6">
+                        <a:lumMod val="20000"/>
+                        <a:lumOff val="80000"/>
+                      </a:schemeClr>
+                    </a:solidFill>
+                  </a:tcPr>
+                </a:tc>
+                <a:tc>
+                  <a:txBody>
+                    <a:bodyPr/>
+                    <a:lstStyle/>
+                    <a:p>
+                      <a:pPr algn="ctr"/>
+                      <a:r>
+                        <a:rPr lang="en-GB" sz="2200" b="0" dirty="0" smtClean="0">
+                          <a:solidFill>
+                            <a:sysClr val="windowText" lastClr="000000"/>
+                          </a:solidFill>
+                          <a:latin typeface="Arial" panose="020B0604020202020204" pitchFamily="34" charset="0"/>
+                          <a:ea typeface="Latin Modern Math" panose="02000503000000000000" pitchFamily="50" charset="0"/>
+                          <a:cs typeface="Arial" panose="020B0604020202020204" pitchFamily="34" charset="0"/>
+                        </a:rPr>
+                        <a:t>10</a:t>
+                      </a:r>
+                      <a:endParaRPr lang="en-GB" sz="2200" b="0" dirty="0">
+                        <a:solidFill>
+                          <a:sysClr val="windowText" lastClr="000000"/>
+                        </a:solidFill>
+                        <a:latin typeface="Arial" panose="020B0604020202020204" pitchFamily="34" charset="0"/>
+                        <a:ea typeface="Latin Modern Math" panose="02000503000000000000" pitchFamily="50" charset="0"/>
+                        <a:cs typeface="Arial" panose="020B0604020202020204" pitchFamily="34" charset="0"/>
+                      </a:endParaRPr>
+                    </a:p>
+                  </a:txBody>
+                  <a:tcPr anchor="ctr">
+                    <a:lnL w="12700" cmpd="sng">
+                      <a:noFill/>
+                    </a:lnL>
+                    <a:lnR w="12700" cmpd="sng">
+                      <a:noFill/>
+                    </a:lnR>
+                    <a:lnT w="12700" cap="flat" cmpd="sng" algn="ctr">
+                      <a:solidFill>
+                        <a:schemeClr val="tx1"/>
+                      </a:solidFill>
+                      <a:prstDash val="solid"/>
+                      <a:round/>
+                      <a:headEnd type="none" w="med" len="med"/>
+                      <a:tailEnd type="none" w="med" len="med"/>
+                    </a:lnT>
+                    <a:lnB w="12700" cmpd="sng">
+                      <a:noFill/>
+                    </a:lnB>
+                    <a:lnTlToBr w="12700" cmpd="sng">
+                      <a:noFill/>
+                      <a:prstDash val="solid"/>
+                    </a:lnTlToBr>
+                    <a:lnBlToTr w="12700" cmpd="sng">
+                      <a:noFill/>
+                      <a:prstDash val="solid"/>
+                    </a:lnBlToTr>
+                    <a:solidFill>
+                      <a:schemeClr val="accent6">
+                        <a:lumMod val="20000"/>
+                        <a:lumOff val="80000"/>
+                      </a:schemeClr>
+                    </a:solidFill>
+                  </a:tcPr>
+                </a:tc>
+                <a:tc>
+                  <a:txBody>
+                    <a:bodyPr/>
+                    <a:lstStyle/>
+                    <a:p>
+                      <a:pPr algn="ctr"/>
+                      <a:r>
+                        <a:rPr lang="en-GB" sz="2200" b="0" dirty="0" smtClean="0">
+                          <a:solidFill>
+                            <a:sysClr val="windowText" lastClr="000000"/>
+                          </a:solidFill>
+                          <a:latin typeface="Arial" panose="020B0604020202020204" pitchFamily="34" charset="0"/>
+                          <a:ea typeface="Latin Modern Math" panose="02000503000000000000" pitchFamily="50" charset="0"/>
+                          <a:cs typeface="Arial" panose="020B0604020202020204" pitchFamily="34" charset="0"/>
+                        </a:rPr>
+                        <a:t>10</a:t>
+                      </a:r>
+                      <a:endParaRPr lang="en-GB" sz="2200" b="0" dirty="0">
+                        <a:solidFill>
+                          <a:sysClr val="windowText" lastClr="000000"/>
+                        </a:solidFill>
+                        <a:latin typeface="Arial" panose="020B0604020202020204" pitchFamily="34" charset="0"/>
+                        <a:ea typeface="Latin Modern Math" panose="02000503000000000000" pitchFamily="50" charset="0"/>
+                        <a:cs typeface="Arial" panose="020B0604020202020204" pitchFamily="34" charset="0"/>
+                      </a:endParaRPr>
+                    </a:p>
+                  </a:txBody>
+                  <a:tcPr anchor="ctr">
+                    <a:lnL w="12700" cmpd="sng">
+                      <a:noFill/>
+                    </a:lnL>
+                    <a:lnR w="12700" cmpd="sng">
+                      <a:noFill/>
+                    </a:lnR>
+                    <a:lnT w="12700" cap="flat" cmpd="sng" algn="ctr">
+                      <a:solidFill>
+                        <a:schemeClr val="tx1"/>
+                      </a:solidFill>
+                      <a:prstDash val="solid"/>
+                      <a:round/>
+                      <a:headEnd type="none" w="med" len="med"/>
+                      <a:tailEnd type="none" w="med" len="med"/>
+                    </a:lnT>
+                    <a:lnB w="12700" cmpd="sng">
+                      <a:noFill/>
+                    </a:lnB>
+                    <a:lnTlToBr w="12700" cmpd="sng">
+                      <a:noFill/>
+                      <a:prstDash val="solid"/>
+                    </a:lnTlToBr>
+                    <a:lnBlToTr w="12700" cmpd="sng">
+                      <a:noFill/>
+                      <a:prstDash val="solid"/>
+                    </a:lnBlToTr>
+                    <a:solidFill>
+                      <a:schemeClr val="accent6">
+                        <a:lumMod val="20000"/>
+                        <a:lumOff val="80000"/>
+                      </a:schemeClr>
+                    </a:solidFill>
+                  </a:tcPr>
+                </a:tc>
+                <a:extLst>
+                  <a:ext uri="{0D108BD9-81ED-4DB2-BD59-A6C34878D82A}">
+                    <a16:rowId xmlns:a16="http://schemas.microsoft.com/office/drawing/2014/main" val="1994408094"/>
+                  </a:ext>
+                </a:extLst>
+              </a:tr>
+              <a:tr h="370840">
+                <a:tc>
+                  <a:txBody>
+                    <a:bodyPr/>
+                    <a:lstStyle/>
+                    <a:p>
+                      <a:pPr marL="0" marR="0" lvl="0" indent="0" algn="ctr" defTabSz="1219170" rtl="0" eaLnBrk="1" fontAlgn="auto" latinLnBrk="0" hangingPunct="1">
+                        <a:lnSpc>
+                          <a:spcPct val="100000"/>
+                        </a:lnSpc>
+                        <a:spcBef>
+                          <a:spcPts val="0"/>
+                        </a:spcBef>
+                        <a:spcAft>
+                          <a:spcPts val="0"/>
+                        </a:spcAft>
+                        <a:buClrTx/>
+                        <a:buSzTx/>
+                        <a:buFontTx/>
+                        <a:buNone/>
+                        <a:tabLst/>
+                        <a:defRPr/>
+                      </a:pPr>
+                      <a:r>
+                        <a:rPr lang="en-GB" sz="2200" b="0" dirty="0" smtClean="0">
+                          <a:solidFill>
+                            <a:sysClr val="windowText" lastClr="000000"/>
+                          </a:solidFill>
+                          <a:latin typeface="Arial" panose="020B0604020202020204" pitchFamily="34" charset="0"/>
+                          <a:ea typeface="Latin Modern Math" panose="02000503000000000000" pitchFamily="50" charset="0"/>
+                          <a:cs typeface="Arial" panose="020B0604020202020204" pitchFamily="34" charset="0"/>
+                        </a:rPr>
+                        <a:t>PB.1.2</a:t>
+                      </a:r>
+                    </a:p>
+                  </a:txBody>
+                  <a:tcPr anchor="ctr">
+                    <a:lnL w="12700" cmpd="sng">
+                      <a:noFill/>
+                    </a:lnL>
+                    <a:lnR w="12700" cmpd="sng">
+                      <a:noFill/>
+                    </a:lnR>
+                    <a:lnT w="12700" cmpd="sng">
+                      <a:noFill/>
+                    </a:lnT>
+                    <a:lnB w="12700" cmpd="sng">
+                      <a:noFill/>
+                    </a:lnB>
+                    <a:lnTlToBr w="12700" cmpd="sng">
+                      <a:noFill/>
+                      <a:prstDash val="solid"/>
+                    </a:lnTlToBr>
+                    <a:lnBlToTr w="12700" cmpd="sng">
+                      <a:noFill/>
+                      <a:prstDash val="solid"/>
+                    </a:lnBlToTr>
+                    <a:solidFill>
+                      <a:schemeClr val="accent6">
+                        <a:lumMod val="20000"/>
+                        <a:lumOff val="80000"/>
+                      </a:schemeClr>
+                    </a:solidFill>
+                  </a:tcPr>
+                </a:tc>
+                <a:tc>
+                  <a:txBody>
+                    <a:bodyPr/>
+                    <a:lstStyle/>
+                    <a:p>
+                      <a:pPr algn="ctr"/>
+                      <a:r>
+                        <a:rPr lang="en-GB" sz="2200" b="0" dirty="0" smtClean="0">
+                          <a:solidFill>
+                            <a:sysClr val="windowText" lastClr="000000"/>
+                          </a:solidFill>
+                          <a:latin typeface="Arial" panose="020B0604020202020204" pitchFamily="34" charset="0"/>
+                          <a:ea typeface="Latin Modern Math" panose="02000503000000000000" pitchFamily="50" charset="0"/>
+                          <a:cs typeface="Arial" panose="020B0604020202020204" pitchFamily="34" charset="0"/>
+                        </a:rPr>
+                        <a:t>Gene 1</a:t>
+                      </a:r>
+                    </a:p>
+                  </a:txBody>
+                  <a:tcPr anchor="ctr">
+                    <a:lnL w="12700" cmpd="sng">
+                      <a:noFill/>
+                    </a:lnL>
+                    <a:lnR w="12700" cmpd="sng">
+                      <a:noFill/>
+                    </a:lnR>
+                    <a:lnT w="12700" cmpd="sng">
+                      <a:noFill/>
+                    </a:lnT>
+                    <a:lnB w="12700" cmpd="sng">
+                      <a:noFill/>
+                    </a:lnB>
+                    <a:lnTlToBr w="12700" cmpd="sng">
+                      <a:noFill/>
+                      <a:prstDash val="solid"/>
+                    </a:lnTlToBr>
+                    <a:lnBlToTr w="12700" cmpd="sng">
+                      <a:noFill/>
+                      <a:prstDash val="solid"/>
+                    </a:lnBlToTr>
+                    <a:solidFill>
+                      <a:schemeClr val="accent6">
+                        <a:lumMod val="20000"/>
+                        <a:lumOff val="80000"/>
+                      </a:schemeClr>
+                    </a:solidFill>
+                  </a:tcPr>
+                </a:tc>
+                <a:tc>
+                  <a:txBody>
+                    <a:bodyPr/>
+                    <a:lstStyle/>
+                    <a:p>
+                      <a:pPr marL="0" marR="0" lvl="0" indent="0" algn="ctr" defTabSz="1219170" rtl="0" eaLnBrk="1" fontAlgn="auto" latinLnBrk="0" hangingPunct="1">
+                        <a:lnSpc>
+                          <a:spcPct val="100000"/>
+                        </a:lnSpc>
+                        <a:spcBef>
+                          <a:spcPts val="0"/>
+                        </a:spcBef>
+                        <a:spcAft>
+                          <a:spcPts val="0"/>
+                        </a:spcAft>
+                        <a:buClrTx/>
+                        <a:buSzTx/>
+                        <a:buFontTx/>
+                        <a:buNone/>
+                        <a:tabLst/>
+                        <a:defRPr/>
+                      </a:pPr>
+                      <a:r>
+                        <a:rPr lang="en-GB" sz="2200" b="0" dirty="0" smtClean="0">
+                          <a:solidFill>
+                            <a:sysClr val="windowText" lastClr="000000"/>
+                          </a:solidFill>
+                          <a:latin typeface="Arial" panose="020B0604020202020204" pitchFamily="34" charset="0"/>
+                          <a:ea typeface="Latin Modern Math" panose="02000503000000000000" pitchFamily="50" charset="0"/>
+                          <a:cs typeface="Arial" panose="020B0604020202020204" pitchFamily="34" charset="0"/>
+                        </a:rPr>
+                        <a:t>ISM</a:t>
+                      </a:r>
+                    </a:p>
+                  </a:txBody>
+                  <a:tcPr anchor="ctr">
+                    <a:lnL w="12700" cmpd="sng">
+                      <a:noFill/>
+                    </a:lnL>
+                    <a:lnR w="12700" cmpd="sng">
+                      <a:noFill/>
+                    </a:lnR>
+                    <a:lnT w="12700" cmpd="sng">
+                      <a:noFill/>
+                    </a:lnT>
+                    <a:lnB w="12700" cmpd="sng">
+                      <a:noFill/>
+                    </a:lnB>
+                    <a:lnTlToBr w="12700" cmpd="sng">
+                      <a:noFill/>
+                      <a:prstDash val="solid"/>
+                    </a:lnTlToBr>
+                    <a:lnBlToTr w="12700" cmpd="sng">
+                      <a:noFill/>
+                      <a:prstDash val="solid"/>
+                    </a:lnBlToTr>
+                    <a:solidFill>
+                      <a:schemeClr val="accent6">
+                        <a:lumMod val="20000"/>
+                        <a:lumOff val="80000"/>
+                      </a:schemeClr>
+                    </a:solidFill>
+                  </a:tcPr>
+                </a:tc>
+                <a:tc>
+                  <a:txBody>
+                    <a:bodyPr/>
+                    <a:lstStyle/>
+                    <a:p>
+                      <a:pPr marL="0" marR="0" lvl="0" indent="0" algn="ctr" defTabSz="1219170" rtl="0" eaLnBrk="1" fontAlgn="auto" latinLnBrk="0" hangingPunct="1">
+                        <a:lnSpc>
+                          <a:spcPct val="100000"/>
+                        </a:lnSpc>
+                        <a:spcBef>
+                          <a:spcPts val="0"/>
+                        </a:spcBef>
+                        <a:spcAft>
+                          <a:spcPts val="0"/>
+                        </a:spcAft>
+                        <a:buClrTx/>
+                        <a:buSzTx/>
+                        <a:buFontTx/>
+                        <a:buNone/>
+                        <a:tabLst/>
+                        <a:defRPr/>
+                      </a:pPr>
+                      <a:r>
+                        <a:rPr lang="en-GB" sz="2200" b="0" dirty="0" smtClean="0">
+                          <a:solidFill>
+                            <a:sysClr val="windowText" lastClr="000000"/>
+                          </a:solidFill>
+                          <a:latin typeface="Arial" panose="020B0604020202020204" pitchFamily="34" charset="0"/>
+                          <a:ea typeface="Latin Modern Math" panose="02000503000000000000" pitchFamily="50" charset="0"/>
+                          <a:cs typeface="Arial" panose="020B0604020202020204" pitchFamily="34" charset="0"/>
+                        </a:rPr>
+                        <a:t>ENMUST1</a:t>
+                      </a:r>
+                    </a:p>
+                  </a:txBody>
+                  <a:tcPr anchor="ctr">
+                    <a:lnL w="12700" cmpd="sng">
+                      <a:noFill/>
+                    </a:lnL>
+                    <a:lnR w="12700" cmpd="sng">
+                      <a:noFill/>
+                    </a:lnR>
+                    <a:lnT w="12700" cmpd="sng">
+                      <a:noFill/>
+                    </a:lnT>
+                    <a:lnB w="12700" cmpd="sng">
+                      <a:noFill/>
+                    </a:lnB>
+                    <a:lnTlToBr w="12700" cmpd="sng">
+                      <a:noFill/>
+                      <a:prstDash val="solid"/>
+                    </a:lnTlToBr>
+                    <a:lnBlToTr w="12700" cmpd="sng">
+                      <a:noFill/>
+                      <a:prstDash val="solid"/>
+                    </a:lnBlToTr>
+                    <a:solidFill>
+                      <a:schemeClr val="accent6">
+                        <a:lumMod val="20000"/>
+                        <a:lumOff val="80000"/>
+                      </a:schemeClr>
+                    </a:solidFill>
+                  </a:tcPr>
+                </a:tc>
+                <a:tc>
+                  <a:txBody>
+                    <a:bodyPr/>
+                    <a:lstStyle/>
+                    <a:p>
+                      <a:pPr marL="0" marR="0" lvl="0" indent="0" algn="ctr" defTabSz="1219170" rtl="0" eaLnBrk="1" fontAlgn="auto" latinLnBrk="0" hangingPunct="1">
+                        <a:lnSpc>
+                          <a:spcPct val="100000"/>
+                        </a:lnSpc>
+                        <a:spcBef>
+                          <a:spcPts val="0"/>
+                        </a:spcBef>
+                        <a:spcAft>
+                          <a:spcPts val="0"/>
+                        </a:spcAft>
+                        <a:buClrTx/>
+                        <a:buSzTx/>
+                        <a:buFontTx/>
+                        <a:buNone/>
+                        <a:tabLst/>
+                        <a:defRPr/>
+                      </a:pPr>
+                      <a:r>
+                        <a:rPr lang="en-GB" sz="2200" b="0" dirty="0" smtClean="0">
+                          <a:solidFill>
+                            <a:sysClr val="windowText" lastClr="000000"/>
+                          </a:solidFill>
+                          <a:latin typeface="Arial" panose="020B0604020202020204" pitchFamily="34" charset="0"/>
+                          <a:ea typeface="Latin Modern Math" panose="02000503000000000000" pitchFamily="50" charset="0"/>
+                          <a:cs typeface="Arial" panose="020B0604020202020204" pitchFamily="34" charset="0"/>
+                        </a:rPr>
+                        <a:t>1500</a:t>
+                      </a:r>
+                    </a:p>
+                  </a:txBody>
+                  <a:tcPr anchor="ctr">
+                    <a:lnL w="12700" cmpd="sng">
+                      <a:noFill/>
+                    </a:lnL>
+                    <a:lnR w="12700" cmpd="sng">
+                      <a:noFill/>
+                    </a:lnR>
+                    <a:lnT w="12700" cmpd="sng">
+                      <a:noFill/>
+                    </a:lnT>
+                    <a:lnB w="12700" cmpd="sng">
+                      <a:noFill/>
+                    </a:lnB>
+                    <a:lnTlToBr w="12700" cmpd="sng">
+                      <a:noFill/>
+                      <a:prstDash val="solid"/>
+                    </a:lnTlToBr>
+                    <a:lnBlToTr w="12700" cmpd="sng">
+                      <a:noFill/>
+                      <a:prstDash val="solid"/>
+                    </a:lnBlToTr>
+                    <a:solidFill>
+                      <a:schemeClr val="accent6">
+                        <a:lumMod val="20000"/>
+                        <a:lumOff val="80000"/>
+                      </a:schemeClr>
+                    </a:solidFill>
+                  </a:tcPr>
+                </a:tc>
+                <a:tc>
+                  <a:txBody>
+                    <a:bodyPr/>
+                    <a:lstStyle/>
+                    <a:p>
+                      <a:pPr marL="0" marR="0" lvl="0" indent="0" algn="ctr" defTabSz="1219170" rtl="0" eaLnBrk="1" fontAlgn="auto" latinLnBrk="0" hangingPunct="1">
+                        <a:lnSpc>
+                          <a:spcPct val="100000"/>
+                        </a:lnSpc>
+                        <a:spcBef>
+                          <a:spcPts val="0"/>
+                        </a:spcBef>
+                        <a:spcAft>
+                          <a:spcPts val="0"/>
+                        </a:spcAft>
+                        <a:buClrTx/>
+                        <a:buSzTx/>
+                        <a:buFontTx/>
+                        <a:buNone/>
+                        <a:tabLst/>
+                        <a:defRPr/>
+                      </a:pPr>
+                      <a:r>
+                        <a:rPr lang="en-GB" sz="2200" b="0" dirty="0" smtClean="0">
+                          <a:solidFill>
+                            <a:sysClr val="windowText" lastClr="000000"/>
+                          </a:solidFill>
+                          <a:latin typeface="Arial" panose="020B0604020202020204" pitchFamily="34" charset="0"/>
+                          <a:ea typeface="Latin Modern Math" panose="02000503000000000000" pitchFamily="50" charset="0"/>
+                          <a:cs typeface="Arial" panose="020B0604020202020204" pitchFamily="34" charset="0"/>
+                        </a:rPr>
+                        <a:t>100</a:t>
+                      </a:r>
+                    </a:p>
+                  </a:txBody>
+                  <a:tcPr anchor="ctr">
+                    <a:lnL w="12700" cmpd="sng">
+                      <a:noFill/>
+                    </a:lnL>
+                    <a:lnR w="12700" cmpd="sng">
+                      <a:noFill/>
+                    </a:lnR>
+                    <a:lnT w="12700" cmpd="sng">
+                      <a:noFill/>
+                    </a:lnT>
+                    <a:lnB w="12700" cmpd="sng">
+                      <a:noFill/>
+                    </a:lnB>
+                    <a:lnTlToBr w="12700" cmpd="sng">
+                      <a:noFill/>
+                      <a:prstDash val="solid"/>
+                    </a:lnTlToBr>
+                    <a:lnBlToTr w="12700" cmpd="sng">
+                      <a:noFill/>
+                      <a:prstDash val="solid"/>
+                    </a:lnBlToTr>
+                    <a:solidFill>
+                      <a:schemeClr val="accent6">
+                        <a:lumMod val="20000"/>
+                        <a:lumOff val="80000"/>
+                      </a:schemeClr>
+                    </a:solidFill>
+                  </a:tcPr>
+                </a:tc>
+                <a:tc>
+                  <a:txBody>
+                    <a:bodyPr/>
+                    <a:lstStyle/>
+                    <a:p>
+                      <a:pPr marL="0" marR="0" lvl="0" indent="0" algn="ctr" defTabSz="1219170" rtl="0" eaLnBrk="1" fontAlgn="auto" latinLnBrk="0" hangingPunct="1">
+                        <a:lnSpc>
+                          <a:spcPct val="100000"/>
+                        </a:lnSpc>
+                        <a:spcBef>
+                          <a:spcPts val="0"/>
+                        </a:spcBef>
+                        <a:spcAft>
+                          <a:spcPts val="0"/>
+                        </a:spcAft>
+                        <a:buClrTx/>
+                        <a:buSzTx/>
+                        <a:buFontTx/>
+                        <a:buNone/>
+                        <a:tabLst/>
+                        <a:defRPr/>
+                      </a:pPr>
+                      <a:r>
+                        <a:rPr lang="en-GB" sz="2200" b="0" dirty="0" smtClean="0">
+                          <a:solidFill>
+                            <a:sysClr val="windowText" lastClr="000000"/>
+                          </a:solidFill>
+                          <a:latin typeface="Arial" panose="020B0604020202020204" pitchFamily="34" charset="0"/>
+                          <a:ea typeface="Latin Modern Math" panose="02000503000000000000" pitchFamily="50" charset="0"/>
+                          <a:cs typeface="Arial" panose="020B0604020202020204" pitchFamily="34" charset="0"/>
+                        </a:rPr>
+                        <a:t>90</a:t>
+                      </a:r>
+                    </a:p>
+                  </a:txBody>
+                  <a:tcPr anchor="ctr">
+                    <a:lnL w="12700" cmpd="sng">
+                      <a:noFill/>
+                    </a:lnL>
+                    <a:lnR w="12700" cmpd="sng">
+                      <a:noFill/>
+                    </a:lnR>
+                    <a:lnT w="12700" cmpd="sng">
+                      <a:noFill/>
+                    </a:lnT>
+                    <a:lnB w="12700" cmpd="sng">
+                      <a:noFill/>
+                    </a:lnB>
+                    <a:lnTlToBr w="12700" cmpd="sng">
+                      <a:noFill/>
+                      <a:prstDash val="solid"/>
+                    </a:lnTlToBr>
+                    <a:lnBlToTr w="12700" cmpd="sng">
+                      <a:noFill/>
+                      <a:prstDash val="solid"/>
+                    </a:lnBlToTr>
+                    <a:solidFill>
+                      <a:schemeClr val="accent6">
+                        <a:lumMod val="20000"/>
+                        <a:lumOff val="80000"/>
+                      </a:schemeClr>
+                    </a:solidFill>
+                  </a:tcPr>
+                </a:tc>
+                <a:extLst>
+                  <a:ext uri="{0D108BD9-81ED-4DB2-BD59-A6C34878D82A}">
+                    <a16:rowId xmlns:a16="http://schemas.microsoft.com/office/drawing/2014/main" val="2026292833"/>
+                  </a:ext>
+                </a:extLst>
+              </a:tr>
+              <a:tr h="370840">
+                <a:tc>
+                  <a:txBody>
+                    <a:bodyPr/>
+                    <a:lstStyle/>
+                    <a:p>
+                      <a:pPr marL="0" marR="0" lvl="0" indent="0" algn="ctr" defTabSz="1219170" rtl="0" eaLnBrk="1" fontAlgn="auto" latinLnBrk="0" hangingPunct="1">
+                        <a:lnSpc>
+                          <a:spcPct val="100000"/>
+                        </a:lnSpc>
+                        <a:spcBef>
+                          <a:spcPts val="0"/>
+                        </a:spcBef>
+                        <a:spcAft>
+                          <a:spcPts val="0"/>
+                        </a:spcAft>
+                        <a:buClrTx/>
+                        <a:buSzTx/>
+                        <a:buFontTx/>
+                        <a:buNone/>
+                        <a:tabLst/>
+                        <a:defRPr/>
+                      </a:pPr>
+                      <a:r>
+                        <a:rPr lang="en-GB" sz="2200" b="0" dirty="0" smtClean="0">
+                          <a:solidFill>
+                            <a:sysClr val="windowText" lastClr="000000"/>
+                          </a:solidFill>
+                          <a:latin typeface="Arial" panose="020B0604020202020204" pitchFamily="34" charset="0"/>
+                          <a:ea typeface="Latin Modern Math" panose="02000503000000000000" pitchFamily="50" charset="0"/>
+                          <a:cs typeface="Arial" panose="020B0604020202020204" pitchFamily="34" charset="0"/>
+                        </a:rPr>
+                        <a:t>PB.1.3</a:t>
+                      </a:r>
+                    </a:p>
+                  </a:txBody>
+                  <a:tcPr anchor="ctr">
+                    <a:lnL w="12700" cmpd="sng">
+                      <a:noFill/>
+                    </a:lnL>
+                    <a:lnR w="12700" cmpd="sng">
+                      <a:noFill/>
+                    </a:lnR>
+                    <a:lnT w="12700" cmpd="sng">
+                      <a:noFill/>
+                    </a:lnT>
+                    <a:lnB w="12700" cmpd="sng">
+                      <a:noFill/>
+                    </a:lnB>
+                    <a:lnTlToBr w="12700" cmpd="sng">
+                      <a:noFill/>
+                      <a:prstDash val="solid"/>
+                    </a:lnTlToBr>
+                    <a:lnBlToTr w="12700" cmpd="sng">
+                      <a:noFill/>
+                      <a:prstDash val="solid"/>
+                    </a:lnBlToTr>
+                    <a:solidFill>
+                      <a:schemeClr val="accent1">
+                        <a:lumMod val="20000"/>
+                        <a:lumOff val="80000"/>
+                      </a:schemeClr>
+                    </a:solidFill>
+                  </a:tcPr>
+                </a:tc>
+                <a:tc>
+                  <a:txBody>
+                    <a:bodyPr/>
+                    <a:lstStyle/>
+                    <a:p>
+                      <a:pPr algn="ctr"/>
+                      <a:r>
+                        <a:rPr lang="en-GB" sz="2200" b="0" dirty="0" smtClean="0">
+                          <a:solidFill>
+                            <a:sysClr val="windowText" lastClr="000000"/>
+                          </a:solidFill>
+                          <a:latin typeface="Arial" panose="020B0604020202020204" pitchFamily="34" charset="0"/>
+                          <a:ea typeface="Latin Modern Math" panose="02000503000000000000" pitchFamily="50" charset="0"/>
+                          <a:cs typeface="Arial" panose="020B0604020202020204" pitchFamily="34" charset="0"/>
+                        </a:rPr>
+                        <a:t>Gene 1</a:t>
+                      </a:r>
+                    </a:p>
+                  </a:txBody>
+                  <a:tcPr anchor="ctr">
+                    <a:lnL w="12700" cmpd="sng">
+                      <a:noFill/>
+                    </a:lnL>
+                    <a:lnR w="12700" cmpd="sng">
+                      <a:noFill/>
+                    </a:lnR>
+                    <a:lnT w="12700" cmpd="sng">
+                      <a:noFill/>
+                    </a:lnT>
+                    <a:lnB w="12700" cmpd="sng">
+                      <a:noFill/>
+                    </a:lnB>
+                    <a:lnTlToBr w="12700" cmpd="sng">
+                      <a:noFill/>
+                      <a:prstDash val="solid"/>
+                    </a:lnTlToBr>
+                    <a:lnBlToTr w="12700" cmpd="sng">
+                      <a:noFill/>
+                      <a:prstDash val="solid"/>
+                    </a:lnBlToTr>
+                    <a:solidFill>
+                      <a:schemeClr val="accent1">
+                        <a:lumMod val="20000"/>
+                        <a:lumOff val="80000"/>
+                      </a:schemeClr>
+                    </a:solidFill>
+                  </a:tcPr>
+                </a:tc>
+                <a:tc>
+                  <a:txBody>
+                    <a:bodyPr/>
+                    <a:lstStyle/>
+                    <a:p>
+                      <a:pPr algn="ctr"/>
+                      <a:r>
+                        <a:rPr lang="en-GB" sz="2200" b="0" dirty="0" smtClean="0">
+                          <a:solidFill>
+                            <a:sysClr val="windowText" lastClr="000000"/>
+                          </a:solidFill>
+                          <a:latin typeface="Arial" panose="020B0604020202020204" pitchFamily="34" charset="0"/>
+                          <a:ea typeface="Latin Modern Math" panose="02000503000000000000" pitchFamily="50" charset="0"/>
+                          <a:cs typeface="Arial" panose="020B0604020202020204" pitchFamily="34" charset="0"/>
+                        </a:rPr>
+                        <a:t>ISM</a:t>
+                      </a:r>
+                      <a:endParaRPr lang="en-GB" sz="2200" b="0" dirty="0">
+                        <a:solidFill>
+                          <a:sysClr val="windowText" lastClr="000000"/>
+                        </a:solidFill>
+                        <a:latin typeface="Arial" panose="020B0604020202020204" pitchFamily="34" charset="0"/>
+                        <a:ea typeface="Latin Modern Math" panose="02000503000000000000" pitchFamily="50" charset="0"/>
+                        <a:cs typeface="Arial" panose="020B0604020202020204" pitchFamily="34" charset="0"/>
+                      </a:endParaRPr>
+                    </a:p>
+                  </a:txBody>
+                  <a:tcPr anchor="ctr">
+                    <a:lnL w="12700" cmpd="sng">
+                      <a:noFill/>
+                    </a:lnL>
+                    <a:lnR w="12700" cmpd="sng">
+                      <a:noFill/>
+                    </a:lnR>
+                    <a:lnT w="12700" cmpd="sng">
+                      <a:noFill/>
+                    </a:lnT>
+                    <a:lnB w="12700" cmpd="sng">
+                      <a:noFill/>
+                    </a:lnB>
+                    <a:lnTlToBr w="12700" cmpd="sng">
+                      <a:noFill/>
+                      <a:prstDash val="solid"/>
+                    </a:lnTlToBr>
+                    <a:lnBlToTr w="12700" cmpd="sng">
+                      <a:noFill/>
+                      <a:prstDash val="solid"/>
+                    </a:lnBlToTr>
+                    <a:solidFill>
+                      <a:schemeClr val="accent1">
+                        <a:lumMod val="20000"/>
+                        <a:lumOff val="80000"/>
+                      </a:schemeClr>
+                    </a:solidFill>
+                  </a:tcPr>
+                </a:tc>
+                <a:tc>
+                  <a:txBody>
+                    <a:bodyPr/>
+                    <a:lstStyle/>
+                    <a:p>
+                      <a:pPr marL="0" marR="0" lvl="0" indent="0" algn="ctr" defTabSz="1219170" rtl="0" eaLnBrk="1" fontAlgn="auto" latinLnBrk="0" hangingPunct="1">
+                        <a:lnSpc>
+                          <a:spcPct val="100000"/>
+                        </a:lnSpc>
+                        <a:spcBef>
+                          <a:spcPts val="0"/>
+                        </a:spcBef>
+                        <a:spcAft>
+                          <a:spcPts val="0"/>
+                        </a:spcAft>
+                        <a:buClrTx/>
+                        <a:buSzTx/>
+                        <a:buFontTx/>
+                        <a:buNone/>
+                        <a:tabLst/>
+                        <a:defRPr/>
+                      </a:pPr>
+                      <a:r>
+                        <a:rPr lang="en-GB" sz="2200" b="0" dirty="0" smtClean="0">
+                          <a:solidFill>
+                            <a:sysClr val="windowText" lastClr="000000"/>
+                          </a:solidFill>
+                          <a:latin typeface="Arial" panose="020B0604020202020204" pitchFamily="34" charset="0"/>
+                          <a:ea typeface="Latin Modern Math" panose="02000503000000000000" pitchFamily="50" charset="0"/>
+                          <a:cs typeface="Arial" panose="020B0604020202020204" pitchFamily="34" charset="0"/>
+                        </a:rPr>
+                        <a:t>ENMUST2</a:t>
+                      </a:r>
+                    </a:p>
+                  </a:txBody>
+                  <a:tcPr anchor="ctr">
+                    <a:lnL w="12700" cmpd="sng">
+                      <a:noFill/>
+                    </a:lnL>
+                    <a:lnR w="12700" cmpd="sng">
+                      <a:noFill/>
+                    </a:lnR>
+                    <a:lnT w="12700" cmpd="sng">
+                      <a:noFill/>
+                    </a:lnT>
+                    <a:lnB w="12700" cmpd="sng">
+                      <a:noFill/>
+                    </a:lnB>
+                    <a:lnTlToBr w="12700" cmpd="sng">
+                      <a:noFill/>
+                      <a:prstDash val="solid"/>
+                    </a:lnTlToBr>
+                    <a:lnBlToTr w="12700" cmpd="sng">
+                      <a:noFill/>
+                      <a:prstDash val="solid"/>
+                    </a:lnBlToTr>
+                    <a:solidFill>
+                      <a:schemeClr val="accent1">
+                        <a:lumMod val="20000"/>
+                        <a:lumOff val="80000"/>
+                      </a:schemeClr>
+                    </a:solidFill>
+                  </a:tcPr>
+                </a:tc>
+                <a:tc>
+                  <a:txBody>
+                    <a:bodyPr/>
+                    <a:lstStyle/>
+                    <a:p>
+                      <a:pPr marL="0" marR="0" lvl="0" indent="0" algn="ctr" defTabSz="1219170" rtl="0" eaLnBrk="1" fontAlgn="auto" latinLnBrk="0" hangingPunct="1">
+                        <a:lnSpc>
+                          <a:spcPct val="100000"/>
+                        </a:lnSpc>
+                        <a:spcBef>
+                          <a:spcPts val="0"/>
+                        </a:spcBef>
+                        <a:spcAft>
+                          <a:spcPts val="0"/>
+                        </a:spcAft>
+                        <a:buClrTx/>
+                        <a:buSzTx/>
+                        <a:buFontTx/>
+                        <a:buNone/>
+                        <a:tabLst/>
+                        <a:defRPr/>
+                      </a:pPr>
+                      <a:r>
+                        <a:rPr lang="en-GB" sz="2200" b="0" dirty="0" smtClean="0">
+                          <a:solidFill>
+                            <a:sysClr val="windowText" lastClr="000000"/>
+                          </a:solidFill>
+                          <a:latin typeface="Arial" panose="020B0604020202020204" pitchFamily="34" charset="0"/>
+                          <a:ea typeface="Latin Modern Math" panose="02000503000000000000" pitchFamily="50" charset="0"/>
+                          <a:cs typeface="Arial" panose="020B0604020202020204" pitchFamily="34" charset="0"/>
+                        </a:rPr>
+                        <a:t>2400</a:t>
+                      </a:r>
+                    </a:p>
+                  </a:txBody>
+                  <a:tcPr anchor="ctr">
+                    <a:lnL w="12700" cmpd="sng">
+                      <a:noFill/>
+                    </a:lnL>
+                    <a:lnR w="12700" cmpd="sng">
+                      <a:noFill/>
+                    </a:lnR>
+                    <a:lnT w="12700" cmpd="sng">
+                      <a:noFill/>
+                    </a:lnT>
+                    <a:lnB w="12700" cmpd="sng">
+                      <a:noFill/>
+                    </a:lnB>
+                    <a:lnTlToBr w="12700" cmpd="sng">
+                      <a:noFill/>
+                      <a:prstDash val="solid"/>
+                    </a:lnTlToBr>
+                    <a:lnBlToTr w="12700" cmpd="sng">
+                      <a:noFill/>
+                      <a:prstDash val="solid"/>
+                    </a:lnBlToTr>
+                    <a:solidFill>
+                      <a:schemeClr val="accent1">
+                        <a:lumMod val="20000"/>
+                        <a:lumOff val="80000"/>
+                      </a:schemeClr>
+                    </a:solidFill>
+                  </a:tcPr>
+                </a:tc>
+                <a:tc>
+                  <a:txBody>
+                    <a:bodyPr/>
+                    <a:lstStyle/>
+                    <a:p>
+                      <a:pPr marL="0" marR="0" lvl="0" indent="0" algn="ctr" defTabSz="1219170" rtl="0" eaLnBrk="1" fontAlgn="auto" latinLnBrk="0" hangingPunct="1">
+                        <a:lnSpc>
+                          <a:spcPct val="100000"/>
+                        </a:lnSpc>
+                        <a:spcBef>
+                          <a:spcPts val="0"/>
+                        </a:spcBef>
+                        <a:spcAft>
+                          <a:spcPts val="0"/>
+                        </a:spcAft>
+                        <a:buClrTx/>
+                        <a:buSzTx/>
+                        <a:buFontTx/>
+                        <a:buNone/>
+                        <a:tabLst/>
+                        <a:defRPr/>
+                      </a:pPr>
+                      <a:r>
+                        <a:rPr lang="en-GB" sz="2200" b="0" dirty="0" smtClean="0">
+                          <a:solidFill>
+                            <a:sysClr val="windowText" lastClr="000000"/>
+                          </a:solidFill>
+                          <a:latin typeface="Arial" panose="020B0604020202020204" pitchFamily="34" charset="0"/>
+                          <a:ea typeface="Latin Modern Math" panose="02000503000000000000" pitchFamily="50" charset="0"/>
+                          <a:cs typeface="Arial" panose="020B0604020202020204" pitchFamily="34" charset="0"/>
+                        </a:rPr>
+                        <a:t>20</a:t>
+                      </a:r>
+                    </a:p>
+                  </a:txBody>
+                  <a:tcPr anchor="ctr">
+                    <a:lnL w="12700" cmpd="sng">
+                      <a:noFill/>
+                    </a:lnL>
+                    <a:lnR w="12700" cmpd="sng">
+                      <a:noFill/>
+                    </a:lnR>
+                    <a:lnT w="12700" cmpd="sng">
+                      <a:noFill/>
+                    </a:lnT>
+                    <a:lnB w="12700" cmpd="sng">
+                      <a:noFill/>
+                    </a:lnB>
+                    <a:lnTlToBr w="12700" cmpd="sng">
+                      <a:noFill/>
+                      <a:prstDash val="solid"/>
+                    </a:lnTlToBr>
+                    <a:lnBlToTr w="12700" cmpd="sng">
+                      <a:noFill/>
+                      <a:prstDash val="solid"/>
+                    </a:lnBlToTr>
+                    <a:solidFill>
+                      <a:schemeClr val="accent1">
+                        <a:lumMod val="20000"/>
+                        <a:lumOff val="80000"/>
+                      </a:schemeClr>
+                    </a:solidFill>
+                  </a:tcPr>
+                </a:tc>
+                <a:tc>
+                  <a:txBody>
+                    <a:bodyPr/>
+                    <a:lstStyle/>
+                    <a:p>
+                      <a:pPr marL="0" marR="0" lvl="0" indent="0" algn="ctr" defTabSz="1219170" rtl="0" eaLnBrk="1" fontAlgn="auto" latinLnBrk="0" hangingPunct="1">
+                        <a:lnSpc>
+                          <a:spcPct val="100000"/>
+                        </a:lnSpc>
+                        <a:spcBef>
+                          <a:spcPts val="0"/>
+                        </a:spcBef>
+                        <a:spcAft>
+                          <a:spcPts val="0"/>
+                        </a:spcAft>
+                        <a:buClrTx/>
+                        <a:buSzTx/>
+                        <a:buFontTx/>
+                        <a:buNone/>
+                        <a:tabLst/>
+                        <a:defRPr/>
+                      </a:pPr>
+                      <a:r>
+                        <a:rPr lang="en-GB" sz="2200" b="0" dirty="0" smtClean="0">
+                          <a:solidFill>
+                            <a:sysClr val="windowText" lastClr="000000"/>
+                          </a:solidFill>
+                          <a:latin typeface="Arial" panose="020B0604020202020204" pitchFamily="34" charset="0"/>
+                          <a:ea typeface="Latin Modern Math" panose="02000503000000000000" pitchFamily="50" charset="0"/>
+                          <a:cs typeface="Arial" panose="020B0604020202020204" pitchFamily="34" charset="0"/>
+                        </a:rPr>
+                        <a:t>20</a:t>
+                      </a:r>
+                    </a:p>
+                  </a:txBody>
+                  <a:tcPr anchor="ctr">
+                    <a:lnL w="12700" cmpd="sng">
+                      <a:noFill/>
+                    </a:lnL>
+                    <a:lnR w="12700" cmpd="sng">
+                      <a:noFill/>
+                    </a:lnR>
+                    <a:lnT w="12700" cmpd="sng">
+                      <a:noFill/>
+                    </a:lnT>
+                    <a:lnB w="12700" cmpd="sng">
+                      <a:noFill/>
+                    </a:lnB>
+                    <a:lnTlToBr w="12700" cmpd="sng">
+                      <a:noFill/>
+                      <a:prstDash val="solid"/>
+                    </a:lnTlToBr>
+                    <a:lnBlToTr w="12700" cmpd="sng">
+                      <a:noFill/>
+                      <a:prstDash val="solid"/>
+                    </a:lnBlToTr>
+                    <a:solidFill>
+                      <a:schemeClr val="accent1">
+                        <a:lumMod val="20000"/>
+                        <a:lumOff val="80000"/>
+                      </a:schemeClr>
+                    </a:solidFill>
+                  </a:tcPr>
+                </a:tc>
+                <a:extLst>
+                  <a:ext uri="{0D108BD9-81ED-4DB2-BD59-A6C34878D82A}">
+                    <a16:rowId xmlns:a16="http://schemas.microsoft.com/office/drawing/2014/main" val="2511702840"/>
+                  </a:ext>
+                </a:extLst>
+              </a:tr>
+              <a:tr h="370840">
+                <a:tc>
+                  <a:txBody>
+                    <a:bodyPr/>
+                    <a:lstStyle/>
+                    <a:p>
+                      <a:pPr marL="0" marR="0" lvl="0" indent="0" algn="ctr" defTabSz="1219170" rtl="0" eaLnBrk="1" fontAlgn="auto" latinLnBrk="0" hangingPunct="1">
+                        <a:lnSpc>
+                          <a:spcPct val="100000"/>
+                        </a:lnSpc>
+                        <a:spcBef>
+                          <a:spcPts val="0"/>
+                        </a:spcBef>
+                        <a:spcAft>
+                          <a:spcPts val="0"/>
+                        </a:spcAft>
+                        <a:buClrTx/>
+                        <a:buSzTx/>
+                        <a:buFontTx/>
+                        <a:buNone/>
+                        <a:tabLst/>
+                        <a:defRPr/>
+                      </a:pPr>
+                      <a:r>
+                        <a:rPr lang="en-GB" sz="2200" b="0" dirty="0" smtClean="0">
+                          <a:solidFill>
+                            <a:sysClr val="windowText" lastClr="000000"/>
+                          </a:solidFill>
+                          <a:latin typeface="Arial" panose="020B0604020202020204" pitchFamily="34" charset="0"/>
+                          <a:ea typeface="Latin Modern Math" panose="02000503000000000000" pitchFamily="50" charset="0"/>
+                          <a:cs typeface="Arial" panose="020B0604020202020204" pitchFamily="34" charset="0"/>
+                        </a:rPr>
+                        <a:t>PB.1.4</a:t>
+                      </a:r>
+                    </a:p>
+                  </a:txBody>
+                  <a:tcPr anchor="ctr">
+                    <a:lnL w="12700" cmpd="sng">
+                      <a:noFill/>
+                    </a:lnL>
+                    <a:lnR w="12700" cmpd="sng">
+                      <a:noFill/>
+                    </a:lnR>
+                    <a:lnT w="12700" cmpd="sng">
+                      <a:noFill/>
+                    </a:lnT>
+                    <a:lnB w="12700" cmpd="sng">
+                      <a:noFill/>
+                    </a:lnB>
+                    <a:lnTlToBr w="12700" cmpd="sng">
+                      <a:noFill/>
+                      <a:prstDash val="solid"/>
+                    </a:lnTlToBr>
+                    <a:lnBlToTr w="12700" cmpd="sng">
+                      <a:noFill/>
+                      <a:prstDash val="solid"/>
+                    </a:lnBlToTr>
+                    <a:solidFill>
+                      <a:schemeClr val="accent2">
+                        <a:lumMod val="20000"/>
+                        <a:lumOff val="80000"/>
+                      </a:schemeClr>
+                    </a:solidFill>
+                  </a:tcPr>
+                </a:tc>
+                <a:tc>
+                  <a:txBody>
+                    <a:bodyPr/>
+                    <a:lstStyle/>
+                    <a:p>
+                      <a:pPr algn="ctr"/>
+                      <a:r>
+                        <a:rPr lang="en-GB" sz="2200" b="0" dirty="0" smtClean="0">
+                          <a:solidFill>
+                            <a:sysClr val="windowText" lastClr="000000"/>
+                          </a:solidFill>
+                          <a:latin typeface="Arial" panose="020B0604020202020204" pitchFamily="34" charset="0"/>
+                          <a:ea typeface="Latin Modern Math" panose="02000503000000000000" pitchFamily="50" charset="0"/>
+                          <a:cs typeface="Arial" panose="020B0604020202020204" pitchFamily="34" charset="0"/>
+                        </a:rPr>
+                        <a:t>Gene 1</a:t>
+                      </a:r>
+                    </a:p>
+                  </a:txBody>
+                  <a:tcPr anchor="ctr">
+                    <a:lnL w="12700" cmpd="sng">
+                      <a:noFill/>
+                    </a:lnL>
+                    <a:lnR w="12700" cmpd="sng">
+                      <a:noFill/>
+                    </a:lnR>
+                    <a:lnT w="12700" cmpd="sng">
+                      <a:noFill/>
+                    </a:lnT>
+                    <a:lnB w="12700" cmpd="sng">
+                      <a:noFill/>
+                    </a:lnB>
+                    <a:lnTlToBr w="12700" cmpd="sng">
+                      <a:noFill/>
+                      <a:prstDash val="solid"/>
+                    </a:lnTlToBr>
+                    <a:lnBlToTr w="12700" cmpd="sng">
+                      <a:noFill/>
+                      <a:prstDash val="solid"/>
+                    </a:lnBlToTr>
+                    <a:solidFill>
+                      <a:schemeClr val="accent2">
+                        <a:lumMod val="20000"/>
+                        <a:lumOff val="80000"/>
+                      </a:schemeClr>
+                    </a:solidFill>
+                  </a:tcPr>
+                </a:tc>
+                <a:tc>
+                  <a:txBody>
+                    <a:bodyPr/>
+                    <a:lstStyle/>
+                    <a:p>
+                      <a:pPr algn="ctr"/>
+                      <a:r>
+                        <a:rPr lang="en-GB" sz="2200" b="0" dirty="0" smtClean="0">
+                          <a:solidFill>
+                            <a:sysClr val="windowText" lastClr="000000"/>
+                          </a:solidFill>
+                          <a:latin typeface="Arial" panose="020B0604020202020204" pitchFamily="34" charset="0"/>
+                          <a:ea typeface="Latin Modern Math" panose="02000503000000000000" pitchFamily="50" charset="0"/>
+                          <a:cs typeface="Arial" panose="020B0604020202020204" pitchFamily="34" charset="0"/>
+                        </a:rPr>
+                        <a:t>ISM</a:t>
+                      </a:r>
+                      <a:endParaRPr lang="en-GB" sz="2200" b="0" dirty="0">
+                        <a:solidFill>
+                          <a:sysClr val="windowText" lastClr="000000"/>
+                        </a:solidFill>
+                        <a:latin typeface="Arial" panose="020B0604020202020204" pitchFamily="34" charset="0"/>
+                        <a:ea typeface="Latin Modern Math" panose="02000503000000000000" pitchFamily="50" charset="0"/>
+                        <a:cs typeface="Arial" panose="020B0604020202020204" pitchFamily="34" charset="0"/>
+                      </a:endParaRPr>
+                    </a:p>
+                  </a:txBody>
+                  <a:tcPr anchor="ctr">
+                    <a:lnL w="12700" cmpd="sng">
+                      <a:noFill/>
+                    </a:lnL>
+                    <a:lnR w="12700" cmpd="sng">
+                      <a:noFill/>
+                    </a:lnR>
+                    <a:lnT w="12700" cmpd="sng">
+                      <a:noFill/>
+                    </a:lnT>
+                    <a:lnB w="12700" cmpd="sng">
+                      <a:noFill/>
+                    </a:lnB>
+                    <a:lnTlToBr w="12700" cmpd="sng">
+                      <a:noFill/>
+                      <a:prstDash val="solid"/>
+                    </a:lnTlToBr>
+                    <a:lnBlToTr w="12700" cmpd="sng">
+                      <a:noFill/>
+                      <a:prstDash val="solid"/>
+                    </a:lnBlToTr>
+                    <a:solidFill>
+                      <a:schemeClr val="accent2">
+                        <a:lumMod val="20000"/>
+                        <a:lumOff val="80000"/>
+                      </a:schemeClr>
+                    </a:solidFill>
+                  </a:tcPr>
+                </a:tc>
+                <a:tc>
+                  <a:txBody>
+                    <a:bodyPr/>
+                    <a:lstStyle/>
+                    <a:p>
+                      <a:pPr marL="0" marR="0" lvl="0" indent="0" algn="ctr" defTabSz="1219170" rtl="0" eaLnBrk="1" fontAlgn="auto" latinLnBrk="0" hangingPunct="1">
+                        <a:lnSpc>
+                          <a:spcPct val="100000"/>
+                        </a:lnSpc>
+                        <a:spcBef>
+                          <a:spcPts val="0"/>
+                        </a:spcBef>
+                        <a:spcAft>
+                          <a:spcPts val="0"/>
+                        </a:spcAft>
+                        <a:buClrTx/>
+                        <a:buSzTx/>
+                        <a:buFontTx/>
+                        <a:buNone/>
+                        <a:tabLst/>
+                        <a:defRPr/>
+                      </a:pPr>
+                      <a:r>
+                        <a:rPr lang="en-GB" sz="2200" b="0" dirty="0" smtClean="0">
+                          <a:solidFill>
+                            <a:sysClr val="windowText" lastClr="000000"/>
+                          </a:solidFill>
+                          <a:latin typeface="Arial" panose="020B0604020202020204" pitchFamily="34" charset="0"/>
+                          <a:ea typeface="Latin Modern Math" panose="02000503000000000000" pitchFamily="50" charset="0"/>
+                          <a:cs typeface="Arial" panose="020B0604020202020204" pitchFamily="34" charset="0"/>
+                        </a:rPr>
+                        <a:t>ENMUST3</a:t>
+                      </a:r>
+                    </a:p>
+                  </a:txBody>
+                  <a:tcPr anchor="ctr">
+                    <a:lnL w="12700" cmpd="sng">
+                      <a:noFill/>
+                    </a:lnL>
+                    <a:lnR w="12700" cmpd="sng">
+                      <a:noFill/>
+                    </a:lnR>
+                    <a:lnT w="12700" cmpd="sng">
+                      <a:noFill/>
+                    </a:lnT>
+                    <a:lnB w="12700" cmpd="sng">
+                      <a:noFill/>
+                    </a:lnB>
+                    <a:lnTlToBr w="12700" cmpd="sng">
+                      <a:noFill/>
+                      <a:prstDash val="solid"/>
+                    </a:lnTlToBr>
+                    <a:lnBlToTr w="12700" cmpd="sng">
+                      <a:noFill/>
+                      <a:prstDash val="solid"/>
+                    </a:lnBlToTr>
+                    <a:solidFill>
+                      <a:schemeClr val="accent2">
+                        <a:lumMod val="20000"/>
+                        <a:lumOff val="80000"/>
+                      </a:schemeClr>
+                    </a:solidFill>
+                  </a:tcPr>
+                </a:tc>
+                <a:tc>
+                  <a:txBody>
+                    <a:bodyPr/>
+                    <a:lstStyle/>
+                    <a:p>
+                      <a:pPr marL="0" marR="0" lvl="0" indent="0" algn="ctr" defTabSz="1219170" rtl="0" eaLnBrk="1" fontAlgn="auto" latinLnBrk="0" hangingPunct="1">
+                        <a:lnSpc>
+                          <a:spcPct val="100000"/>
+                        </a:lnSpc>
+                        <a:spcBef>
+                          <a:spcPts val="0"/>
+                        </a:spcBef>
+                        <a:spcAft>
+                          <a:spcPts val="0"/>
+                        </a:spcAft>
+                        <a:buClrTx/>
+                        <a:buSzTx/>
+                        <a:buFontTx/>
+                        <a:buNone/>
+                        <a:tabLst/>
+                        <a:defRPr/>
+                      </a:pPr>
+                      <a:r>
+                        <a:rPr lang="en-GB" sz="2200" b="0" dirty="0" smtClean="0">
+                          <a:solidFill>
+                            <a:sysClr val="windowText" lastClr="000000"/>
+                          </a:solidFill>
+                          <a:latin typeface="Arial" panose="020B0604020202020204" pitchFamily="34" charset="0"/>
+                          <a:ea typeface="Latin Modern Math" panose="02000503000000000000" pitchFamily="50" charset="0"/>
+                          <a:cs typeface="Arial" panose="020B0604020202020204" pitchFamily="34" charset="0"/>
+                        </a:rPr>
+                        <a:t>2900</a:t>
+                      </a:r>
+                    </a:p>
+                  </a:txBody>
+                  <a:tcPr anchor="ctr">
+                    <a:lnL w="12700" cmpd="sng">
+                      <a:noFill/>
+                    </a:lnL>
+                    <a:lnR w="12700" cmpd="sng">
+                      <a:noFill/>
+                    </a:lnR>
+                    <a:lnT w="12700" cmpd="sng">
+                      <a:noFill/>
+                    </a:lnT>
+                    <a:lnB w="12700" cmpd="sng">
+                      <a:noFill/>
+                    </a:lnB>
+                    <a:lnTlToBr w="12700" cmpd="sng">
+                      <a:noFill/>
+                      <a:prstDash val="solid"/>
+                    </a:lnTlToBr>
+                    <a:lnBlToTr w="12700" cmpd="sng">
+                      <a:noFill/>
+                      <a:prstDash val="solid"/>
+                    </a:lnBlToTr>
+                    <a:solidFill>
+                      <a:schemeClr val="accent2">
+                        <a:lumMod val="20000"/>
+                        <a:lumOff val="80000"/>
+                      </a:schemeClr>
+                    </a:solidFill>
+                  </a:tcPr>
+                </a:tc>
+                <a:tc>
+                  <a:txBody>
+                    <a:bodyPr/>
+                    <a:lstStyle/>
+                    <a:p>
+                      <a:pPr marL="0" marR="0" lvl="0" indent="0" algn="ctr" defTabSz="1219170" rtl="0" eaLnBrk="1" fontAlgn="auto" latinLnBrk="0" hangingPunct="1">
+                        <a:lnSpc>
+                          <a:spcPct val="100000"/>
+                        </a:lnSpc>
+                        <a:spcBef>
+                          <a:spcPts val="0"/>
+                        </a:spcBef>
+                        <a:spcAft>
+                          <a:spcPts val="0"/>
+                        </a:spcAft>
+                        <a:buClrTx/>
+                        <a:buSzTx/>
+                        <a:buFontTx/>
+                        <a:buNone/>
+                        <a:tabLst/>
+                        <a:defRPr/>
+                      </a:pPr>
+                      <a:r>
+                        <a:rPr lang="en-GB" sz="2200" b="0" dirty="0" smtClean="0">
+                          <a:solidFill>
+                            <a:sysClr val="windowText" lastClr="000000"/>
+                          </a:solidFill>
+                          <a:latin typeface="Arial" panose="020B0604020202020204" pitchFamily="34" charset="0"/>
+                          <a:ea typeface="Latin Modern Math" panose="02000503000000000000" pitchFamily="50" charset="0"/>
+                          <a:cs typeface="Arial" panose="020B0604020202020204" pitchFamily="34" charset="0"/>
+                        </a:rPr>
+                        <a:t>5</a:t>
+                      </a:r>
+                    </a:p>
+                  </a:txBody>
+                  <a:tcPr anchor="ctr">
+                    <a:lnL w="12700" cmpd="sng">
+                      <a:noFill/>
+                    </a:lnL>
+                    <a:lnR w="12700" cmpd="sng">
+                      <a:noFill/>
+                    </a:lnR>
+                    <a:lnT w="12700" cmpd="sng">
+                      <a:noFill/>
+                    </a:lnT>
+                    <a:lnB w="12700" cmpd="sng">
+                      <a:noFill/>
+                    </a:lnB>
+                    <a:lnTlToBr w="12700" cmpd="sng">
+                      <a:noFill/>
+                      <a:prstDash val="solid"/>
+                    </a:lnTlToBr>
+                    <a:lnBlToTr w="12700" cmpd="sng">
+                      <a:noFill/>
+                      <a:prstDash val="solid"/>
+                    </a:lnBlToTr>
+                    <a:solidFill>
+                      <a:schemeClr val="accent2">
+                        <a:lumMod val="20000"/>
+                        <a:lumOff val="80000"/>
+                      </a:schemeClr>
+                    </a:solidFill>
+                  </a:tcPr>
+                </a:tc>
+                <a:tc>
+                  <a:txBody>
+                    <a:bodyPr/>
+                    <a:lstStyle/>
+                    <a:p>
+                      <a:pPr marL="0" marR="0" lvl="0" indent="0" algn="ctr" defTabSz="1219170" rtl="0" eaLnBrk="1" fontAlgn="auto" latinLnBrk="0" hangingPunct="1">
+                        <a:lnSpc>
+                          <a:spcPct val="100000"/>
+                        </a:lnSpc>
+                        <a:spcBef>
+                          <a:spcPts val="0"/>
+                        </a:spcBef>
+                        <a:spcAft>
+                          <a:spcPts val="0"/>
+                        </a:spcAft>
+                        <a:buClrTx/>
+                        <a:buSzTx/>
+                        <a:buFontTx/>
+                        <a:buNone/>
+                        <a:tabLst/>
+                        <a:defRPr/>
+                      </a:pPr>
+                      <a:r>
+                        <a:rPr lang="en-GB" sz="2200" b="0" dirty="0" smtClean="0">
+                          <a:solidFill>
+                            <a:sysClr val="windowText" lastClr="000000"/>
+                          </a:solidFill>
+                          <a:latin typeface="Arial" panose="020B0604020202020204" pitchFamily="34" charset="0"/>
+                          <a:ea typeface="Latin Modern Math" panose="02000503000000000000" pitchFamily="50" charset="0"/>
+                          <a:cs typeface="Arial" panose="020B0604020202020204" pitchFamily="34" charset="0"/>
+                        </a:rPr>
+                        <a:t>4</a:t>
+                      </a:r>
+                    </a:p>
+                  </a:txBody>
+                  <a:tcPr anchor="ctr">
+                    <a:lnL w="12700" cmpd="sng">
+                      <a:noFill/>
+                    </a:lnL>
+                    <a:lnR w="12700" cmpd="sng">
+                      <a:noFill/>
+                    </a:lnR>
+                    <a:lnT w="12700" cmpd="sng">
+                      <a:noFill/>
+                    </a:lnT>
+                    <a:lnB w="12700" cmpd="sng">
+                      <a:noFill/>
+                    </a:lnB>
+                    <a:lnTlToBr w="12700" cmpd="sng">
+                      <a:noFill/>
+                      <a:prstDash val="solid"/>
+                    </a:lnTlToBr>
+                    <a:lnBlToTr w="12700" cmpd="sng">
+                      <a:noFill/>
+                      <a:prstDash val="solid"/>
+                    </a:lnBlToTr>
+                    <a:solidFill>
+                      <a:schemeClr val="accent2">
+                        <a:lumMod val="20000"/>
+                        <a:lumOff val="80000"/>
+                      </a:schemeClr>
+                    </a:solidFill>
+                  </a:tcPr>
+                </a:tc>
+                <a:extLst>
+                  <a:ext uri="{0D108BD9-81ED-4DB2-BD59-A6C34878D82A}">
+                    <a16:rowId xmlns:a16="http://schemas.microsoft.com/office/drawing/2014/main" val="663019160"/>
+                  </a:ext>
+                </a:extLst>
+              </a:tr>
+              <a:tr h="370840">
+                <a:tc>
+                  <a:txBody>
+                    <a:bodyPr/>
+                    <a:lstStyle/>
+                    <a:p>
+                      <a:pPr marL="0" marR="0" lvl="0" indent="0" algn="ctr" defTabSz="1219170" rtl="0" eaLnBrk="1" fontAlgn="auto" latinLnBrk="0" hangingPunct="1">
+                        <a:lnSpc>
+                          <a:spcPct val="100000"/>
+                        </a:lnSpc>
+                        <a:spcBef>
+                          <a:spcPts val="0"/>
+                        </a:spcBef>
+                        <a:spcAft>
+                          <a:spcPts val="0"/>
+                        </a:spcAft>
+                        <a:buClrTx/>
+                        <a:buSzTx/>
+                        <a:buFontTx/>
+                        <a:buNone/>
+                        <a:tabLst/>
+                        <a:defRPr/>
+                      </a:pPr>
+                      <a:r>
+                        <a:rPr lang="en-GB" sz="2200" b="0" dirty="0" smtClean="0">
+                          <a:solidFill>
+                            <a:sysClr val="windowText" lastClr="000000"/>
+                          </a:solidFill>
+                          <a:latin typeface="Arial" panose="020B0604020202020204" pitchFamily="34" charset="0"/>
+                          <a:ea typeface="Latin Modern Math" panose="02000503000000000000" pitchFamily="50" charset="0"/>
+                          <a:cs typeface="Arial" panose="020B0604020202020204" pitchFamily="34" charset="0"/>
+                        </a:rPr>
+                        <a:t>PB.1.5</a:t>
+                      </a:r>
+                    </a:p>
+                  </a:txBody>
+                  <a:tcPr anchor="ctr">
+                    <a:lnL w="12700" cmpd="sng">
+                      <a:noFill/>
+                    </a:lnL>
+                    <a:lnR w="12700" cmpd="sng">
+                      <a:noFill/>
+                    </a:lnR>
+                    <a:lnT w="12700" cmpd="sng">
+                      <a:noFill/>
+                    </a:lnT>
+                    <a:lnB w="12700" cmpd="sng">
+                      <a:noFill/>
+                    </a:lnB>
+                    <a:lnTlToBr w="12700" cmpd="sng">
+                      <a:noFill/>
+                      <a:prstDash val="solid"/>
+                    </a:lnTlToBr>
+                    <a:lnBlToTr w="12700" cmpd="sng">
+                      <a:noFill/>
+                      <a:prstDash val="solid"/>
+                    </a:lnBlToTr>
+                    <a:solidFill>
+                      <a:schemeClr val="accent2">
+                        <a:lumMod val="20000"/>
+                        <a:lumOff val="80000"/>
+                      </a:schemeClr>
+                    </a:solidFill>
+                  </a:tcPr>
+                </a:tc>
+                <a:tc>
+                  <a:txBody>
+                    <a:bodyPr/>
+                    <a:lstStyle/>
+                    <a:p>
+                      <a:pPr algn="ctr"/>
+                      <a:r>
+                        <a:rPr lang="en-GB" sz="2200" b="0" dirty="0" smtClean="0">
+                          <a:solidFill>
+                            <a:sysClr val="windowText" lastClr="000000"/>
+                          </a:solidFill>
+                          <a:latin typeface="Arial" panose="020B0604020202020204" pitchFamily="34" charset="0"/>
+                          <a:ea typeface="Latin Modern Math" panose="02000503000000000000" pitchFamily="50" charset="0"/>
+                          <a:cs typeface="Arial" panose="020B0604020202020204" pitchFamily="34" charset="0"/>
+                        </a:rPr>
+                        <a:t>Gene 1</a:t>
+                      </a:r>
+                    </a:p>
+                  </a:txBody>
+                  <a:tcPr anchor="ctr">
+                    <a:lnL w="12700" cmpd="sng">
+                      <a:noFill/>
+                    </a:lnL>
+                    <a:lnR w="12700" cmpd="sng">
+                      <a:noFill/>
+                    </a:lnR>
+                    <a:lnT w="12700" cmpd="sng">
+                      <a:noFill/>
+                    </a:lnT>
+                    <a:lnB w="12700" cmpd="sng">
+                      <a:noFill/>
+                    </a:lnB>
+                    <a:lnTlToBr w="12700" cmpd="sng">
+                      <a:noFill/>
+                      <a:prstDash val="solid"/>
+                    </a:lnTlToBr>
+                    <a:lnBlToTr w="12700" cmpd="sng">
+                      <a:noFill/>
+                      <a:prstDash val="solid"/>
+                    </a:lnBlToTr>
+                    <a:solidFill>
+                      <a:schemeClr val="accent2">
+                        <a:lumMod val="20000"/>
+                        <a:lumOff val="80000"/>
+                      </a:schemeClr>
+                    </a:solidFill>
+                  </a:tcPr>
+                </a:tc>
+                <a:tc>
+                  <a:txBody>
+                    <a:bodyPr/>
+                    <a:lstStyle/>
+                    <a:p>
+                      <a:pPr algn="ctr"/>
+                      <a:r>
+                        <a:rPr lang="en-GB" sz="2200" b="0" dirty="0" smtClean="0">
+                          <a:solidFill>
+                            <a:sysClr val="windowText" lastClr="000000"/>
+                          </a:solidFill>
+                          <a:latin typeface="Arial" panose="020B0604020202020204" pitchFamily="34" charset="0"/>
+                          <a:ea typeface="Latin Modern Math" panose="02000503000000000000" pitchFamily="50" charset="0"/>
+                          <a:cs typeface="Arial" panose="020B0604020202020204" pitchFamily="34" charset="0"/>
+                        </a:rPr>
+                        <a:t>ISM</a:t>
+                      </a:r>
+                      <a:endParaRPr lang="en-GB" sz="2200" b="0" dirty="0">
+                        <a:solidFill>
+                          <a:sysClr val="windowText" lastClr="000000"/>
+                        </a:solidFill>
+                        <a:latin typeface="Arial" panose="020B0604020202020204" pitchFamily="34" charset="0"/>
+                        <a:ea typeface="Latin Modern Math" panose="02000503000000000000" pitchFamily="50" charset="0"/>
+                        <a:cs typeface="Arial" panose="020B0604020202020204" pitchFamily="34" charset="0"/>
+                      </a:endParaRPr>
+                    </a:p>
+                  </a:txBody>
+                  <a:tcPr anchor="ctr">
+                    <a:lnL w="12700" cmpd="sng">
+                      <a:noFill/>
+                    </a:lnL>
+                    <a:lnR w="12700" cmpd="sng">
+                      <a:noFill/>
+                    </a:lnR>
+                    <a:lnT w="12700" cmpd="sng">
+                      <a:noFill/>
+                    </a:lnT>
+                    <a:lnB w="12700" cmpd="sng">
+                      <a:noFill/>
+                    </a:lnB>
+                    <a:lnTlToBr w="12700" cmpd="sng">
+                      <a:noFill/>
+                      <a:prstDash val="solid"/>
+                    </a:lnTlToBr>
+                    <a:lnBlToTr w="12700" cmpd="sng">
+                      <a:noFill/>
+                      <a:prstDash val="solid"/>
+                    </a:lnBlToTr>
+                    <a:solidFill>
+                      <a:schemeClr val="accent2">
+                        <a:lumMod val="20000"/>
+                        <a:lumOff val="80000"/>
+                      </a:schemeClr>
+                    </a:solidFill>
+                  </a:tcPr>
+                </a:tc>
+                <a:tc>
+                  <a:txBody>
+                    <a:bodyPr/>
+                    <a:lstStyle/>
+                    <a:p>
+                      <a:pPr marL="0" marR="0" lvl="0" indent="0" algn="ctr" defTabSz="1219170" rtl="0" eaLnBrk="1" fontAlgn="auto" latinLnBrk="0" hangingPunct="1">
+                        <a:lnSpc>
+                          <a:spcPct val="100000"/>
+                        </a:lnSpc>
+                        <a:spcBef>
+                          <a:spcPts val="0"/>
+                        </a:spcBef>
+                        <a:spcAft>
+                          <a:spcPts val="0"/>
+                        </a:spcAft>
+                        <a:buClrTx/>
+                        <a:buSzTx/>
+                        <a:buFontTx/>
+                        <a:buNone/>
+                        <a:tabLst/>
+                        <a:defRPr/>
+                      </a:pPr>
+                      <a:r>
+                        <a:rPr lang="en-GB" sz="2200" b="0" dirty="0" smtClean="0">
+                          <a:solidFill>
+                            <a:sysClr val="windowText" lastClr="000000"/>
+                          </a:solidFill>
+                          <a:latin typeface="Arial" panose="020B0604020202020204" pitchFamily="34" charset="0"/>
+                          <a:ea typeface="Latin Modern Math" panose="02000503000000000000" pitchFamily="50" charset="0"/>
+                          <a:cs typeface="Arial" panose="020B0604020202020204" pitchFamily="34" charset="0"/>
+                        </a:rPr>
+                        <a:t>ENMUST3</a:t>
+                      </a:r>
+                    </a:p>
+                  </a:txBody>
+                  <a:tcPr anchor="ctr">
+                    <a:lnL w="12700" cmpd="sng">
+                      <a:noFill/>
+                    </a:lnL>
+                    <a:lnR w="12700" cmpd="sng">
+                      <a:noFill/>
+                    </a:lnR>
+                    <a:lnT w="12700" cmpd="sng">
+                      <a:noFill/>
+                    </a:lnT>
+                    <a:lnB w="12700" cmpd="sng">
+                      <a:noFill/>
+                    </a:lnB>
+                    <a:lnTlToBr w="12700" cmpd="sng">
+                      <a:noFill/>
+                      <a:prstDash val="solid"/>
+                    </a:lnTlToBr>
+                    <a:lnBlToTr w="12700" cmpd="sng">
+                      <a:noFill/>
+                      <a:prstDash val="solid"/>
+                    </a:lnBlToTr>
+                    <a:solidFill>
+                      <a:schemeClr val="accent2">
+                        <a:lumMod val="20000"/>
+                        <a:lumOff val="80000"/>
+                      </a:schemeClr>
+                    </a:solidFill>
+                  </a:tcPr>
+                </a:tc>
+                <a:tc>
+                  <a:txBody>
+                    <a:bodyPr/>
+                    <a:lstStyle/>
+                    <a:p>
+                      <a:pPr marL="0" marR="0" lvl="0" indent="0" algn="ctr" defTabSz="1219170" rtl="0" eaLnBrk="1" fontAlgn="auto" latinLnBrk="0" hangingPunct="1">
+                        <a:lnSpc>
+                          <a:spcPct val="100000"/>
+                        </a:lnSpc>
+                        <a:spcBef>
+                          <a:spcPts val="0"/>
+                        </a:spcBef>
+                        <a:spcAft>
+                          <a:spcPts val="0"/>
+                        </a:spcAft>
+                        <a:buClrTx/>
+                        <a:buSzTx/>
+                        <a:buFontTx/>
+                        <a:buNone/>
+                        <a:tabLst/>
+                        <a:defRPr/>
+                      </a:pPr>
+                      <a:r>
+                        <a:rPr lang="en-GB" sz="2200" b="0" dirty="0" smtClean="0">
+                          <a:solidFill>
+                            <a:sysClr val="windowText" lastClr="000000"/>
+                          </a:solidFill>
+                          <a:latin typeface="Arial" panose="020B0604020202020204" pitchFamily="34" charset="0"/>
+                          <a:ea typeface="Latin Modern Math" panose="02000503000000000000" pitchFamily="50" charset="0"/>
+                          <a:cs typeface="Arial" panose="020B0604020202020204" pitchFamily="34" charset="0"/>
+                        </a:rPr>
+                        <a:t>2190</a:t>
+                      </a:r>
+                    </a:p>
+                  </a:txBody>
+                  <a:tcPr anchor="ctr">
+                    <a:lnL w="12700" cmpd="sng">
+                      <a:noFill/>
+                    </a:lnL>
+                    <a:lnR w="12700" cmpd="sng">
+                      <a:noFill/>
+                    </a:lnR>
+                    <a:lnT w="12700" cmpd="sng">
+                      <a:noFill/>
+                    </a:lnT>
+                    <a:lnB w="12700" cmpd="sng">
+                      <a:noFill/>
+                    </a:lnB>
+                    <a:lnTlToBr w="12700" cmpd="sng">
+                      <a:noFill/>
+                      <a:prstDash val="solid"/>
+                    </a:lnTlToBr>
+                    <a:lnBlToTr w="12700" cmpd="sng">
+                      <a:noFill/>
+                      <a:prstDash val="solid"/>
+                    </a:lnBlToTr>
+                    <a:solidFill>
+                      <a:schemeClr val="accent2">
+                        <a:lumMod val="20000"/>
+                        <a:lumOff val="80000"/>
+                      </a:schemeClr>
+                    </a:solidFill>
+                  </a:tcPr>
+                </a:tc>
+                <a:tc>
+                  <a:txBody>
+                    <a:bodyPr/>
+                    <a:lstStyle/>
+                    <a:p>
+                      <a:pPr marL="0" marR="0" lvl="0" indent="0" algn="ctr" defTabSz="1219170" rtl="0" eaLnBrk="1" fontAlgn="auto" latinLnBrk="0" hangingPunct="1">
+                        <a:lnSpc>
+                          <a:spcPct val="100000"/>
+                        </a:lnSpc>
+                        <a:spcBef>
+                          <a:spcPts val="0"/>
+                        </a:spcBef>
+                        <a:spcAft>
+                          <a:spcPts val="0"/>
+                        </a:spcAft>
+                        <a:buClrTx/>
+                        <a:buSzTx/>
+                        <a:buFontTx/>
+                        <a:buNone/>
+                        <a:tabLst/>
+                        <a:defRPr/>
+                      </a:pPr>
+                      <a:r>
+                        <a:rPr lang="en-GB" sz="2200" b="0" dirty="0" smtClean="0">
+                          <a:solidFill>
+                            <a:sysClr val="windowText" lastClr="000000"/>
+                          </a:solidFill>
+                          <a:latin typeface="Arial" panose="020B0604020202020204" pitchFamily="34" charset="0"/>
+                          <a:ea typeface="Latin Modern Math" panose="02000503000000000000" pitchFamily="50" charset="0"/>
+                          <a:cs typeface="Arial" panose="020B0604020202020204" pitchFamily="34" charset="0"/>
+                        </a:rPr>
+                        <a:t>5</a:t>
+                      </a:r>
+                    </a:p>
+                  </a:txBody>
+                  <a:tcPr anchor="ctr">
+                    <a:lnL w="12700" cmpd="sng">
+                      <a:noFill/>
+                    </a:lnL>
+                    <a:lnR w="12700" cmpd="sng">
+                      <a:noFill/>
+                    </a:lnR>
+                    <a:lnT w="12700" cmpd="sng">
+                      <a:noFill/>
+                    </a:lnT>
+                    <a:lnB w="12700" cmpd="sng">
+                      <a:noFill/>
+                    </a:lnB>
+                    <a:lnTlToBr w="12700" cmpd="sng">
+                      <a:noFill/>
+                      <a:prstDash val="solid"/>
+                    </a:lnTlToBr>
+                    <a:lnBlToTr w="12700" cmpd="sng">
+                      <a:noFill/>
+                      <a:prstDash val="solid"/>
+                    </a:lnBlToTr>
+                    <a:solidFill>
+                      <a:schemeClr val="accent2">
+                        <a:lumMod val="20000"/>
+                        <a:lumOff val="80000"/>
+                      </a:schemeClr>
+                    </a:solidFill>
+                  </a:tcPr>
+                </a:tc>
+                <a:tc>
+                  <a:txBody>
+                    <a:bodyPr/>
+                    <a:lstStyle/>
+                    <a:p>
+                      <a:pPr marL="0" marR="0" lvl="0" indent="0" algn="ctr" defTabSz="1219170" rtl="0" eaLnBrk="1" fontAlgn="auto" latinLnBrk="0" hangingPunct="1">
+                        <a:lnSpc>
+                          <a:spcPct val="100000"/>
+                        </a:lnSpc>
+                        <a:spcBef>
+                          <a:spcPts val="0"/>
+                        </a:spcBef>
+                        <a:spcAft>
+                          <a:spcPts val="0"/>
+                        </a:spcAft>
+                        <a:buClrTx/>
+                        <a:buSzTx/>
+                        <a:buFontTx/>
+                        <a:buNone/>
+                        <a:tabLst/>
+                        <a:defRPr/>
+                      </a:pPr>
+                      <a:r>
+                        <a:rPr lang="en-GB" sz="2200" b="0" dirty="0" smtClean="0">
+                          <a:solidFill>
+                            <a:sysClr val="windowText" lastClr="000000"/>
+                          </a:solidFill>
+                          <a:latin typeface="Arial" panose="020B0604020202020204" pitchFamily="34" charset="0"/>
+                          <a:ea typeface="Latin Modern Math" panose="02000503000000000000" pitchFamily="50" charset="0"/>
+                          <a:cs typeface="Arial" panose="020B0604020202020204" pitchFamily="34" charset="0"/>
+                        </a:rPr>
+                        <a:t>2</a:t>
+                      </a:r>
+                    </a:p>
+                  </a:txBody>
+                  <a:tcPr anchor="ctr">
+                    <a:lnL w="12700" cmpd="sng">
+                      <a:noFill/>
+                    </a:lnL>
+                    <a:lnR w="12700" cmpd="sng">
+                      <a:noFill/>
+                    </a:lnR>
+                    <a:lnT w="12700" cmpd="sng">
+                      <a:noFill/>
+                    </a:lnT>
+                    <a:lnB w="12700" cmpd="sng">
+                      <a:noFill/>
+                    </a:lnB>
+                    <a:lnTlToBr w="12700" cmpd="sng">
+                      <a:noFill/>
+                      <a:prstDash val="solid"/>
+                    </a:lnTlToBr>
+                    <a:lnBlToTr w="12700" cmpd="sng">
+                      <a:noFill/>
+                      <a:prstDash val="solid"/>
+                    </a:lnBlToTr>
+                    <a:solidFill>
+                      <a:schemeClr val="accent2">
+                        <a:lumMod val="20000"/>
+                        <a:lumOff val="80000"/>
+                      </a:schemeClr>
+                    </a:solidFill>
+                  </a:tcPr>
+                </a:tc>
+                <a:extLst>
+                  <a:ext uri="{0D108BD9-81ED-4DB2-BD59-A6C34878D82A}">
+                    <a16:rowId xmlns:a16="http://schemas.microsoft.com/office/drawing/2014/main" val="1362811592"/>
+                  </a:ext>
+                </a:extLst>
+              </a:tr>
+              <a:tr h="370840">
+                <a:tc>
+                  <a:txBody>
+                    <a:bodyPr/>
+                    <a:lstStyle/>
+                    <a:p>
+                      <a:pPr marL="0" marR="0" lvl="0" indent="0" algn="ctr" defTabSz="1219170" rtl="0" eaLnBrk="1" fontAlgn="auto" latinLnBrk="0" hangingPunct="1">
+                        <a:lnSpc>
+                          <a:spcPct val="100000"/>
+                        </a:lnSpc>
+                        <a:spcBef>
+                          <a:spcPts val="0"/>
+                        </a:spcBef>
+                        <a:spcAft>
+                          <a:spcPts val="0"/>
+                        </a:spcAft>
+                        <a:buClrTx/>
+                        <a:buSzTx/>
+                        <a:buFontTx/>
+                        <a:buNone/>
+                        <a:tabLst/>
+                        <a:defRPr/>
+                      </a:pPr>
+                      <a:r>
+                        <a:rPr lang="en-GB" sz="2200" b="0" dirty="0" smtClean="0">
+                          <a:solidFill>
+                            <a:sysClr val="windowText" lastClr="000000"/>
+                          </a:solidFill>
+                          <a:latin typeface="Arial" panose="020B0604020202020204" pitchFamily="34" charset="0"/>
+                          <a:ea typeface="Latin Modern Math" panose="02000503000000000000" pitchFamily="50" charset="0"/>
+                          <a:cs typeface="Arial" panose="020B0604020202020204" pitchFamily="34" charset="0"/>
+                        </a:rPr>
+                        <a:t>PB.1.6</a:t>
+                      </a:r>
+                    </a:p>
+                  </a:txBody>
+                  <a:tcPr anchor="ctr">
+                    <a:lnL w="12700" cmpd="sng">
+                      <a:noFill/>
+                    </a:lnL>
+                    <a:lnR w="12700" cmpd="sng">
+                      <a:noFill/>
+                    </a:lnR>
+                    <a:lnT w="12700" cmpd="sng">
+                      <a:noFill/>
+                    </a:lnT>
+                    <a:lnB w="12700" cmpd="sng">
+                      <a:noFill/>
+                    </a:lnB>
+                    <a:lnTlToBr w="12700" cmpd="sng">
+                      <a:noFill/>
+                      <a:prstDash val="solid"/>
+                    </a:lnTlToBr>
+                    <a:lnBlToTr w="12700" cmpd="sng">
+                      <a:noFill/>
+                      <a:prstDash val="solid"/>
+                    </a:lnBlToTr>
+                    <a:solidFill>
+                      <a:srgbClr val="E8D9F3"/>
+                    </a:solidFill>
+                  </a:tcPr>
+                </a:tc>
+                <a:tc>
+                  <a:txBody>
+                    <a:bodyPr/>
+                    <a:lstStyle/>
+                    <a:p>
+                      <a:pPr algn="ctr"/>
+                      <a:r>
+                        <a:rPr lang="en-GB" sz="2200" b="0" dirty="0" smtClean="0">
+                          <a:solidFill>
+                            <a:sysClr val="windowText" lastClr="000000"/>
+                          </a:solidFill>
+                          <a:latin typeface="Arial" panose="020B0604020202020204" pitchFamily="34" charset="0"/>
+                          <a:ea typeface="Latin Modern Math" panose="02000503000000000000" pitchFamily="50" charset="0"/>
+                          <a:cs typeface="Arial" panose="020B0604020202020204" pitchFamily="34" charset="0"/>
+                        </a:rPr>
+                        <a:t>Gene 1</a:t>
+                      </a:r>
+                    </a:p>
+                  </a:txBody>
+                  <a:tcPr anchor="ctr">
+                    <a:lnL w="12700" cmpd="sng">
+                      <a:noFill/>
+                    </a:lnL>
+                    <a:lnR w="12700" cmpd="sng">
+                      <a:noFill/>
+                    </a:lnR>
+                    <a:lnT w="12700" cmpd="sng">
+                      <a:noFill/>
+                    </a:lnT>
+                    <a:lnB w="12700" cmpd="sng">
+                      <a:noFill/>
+                    </a:lnB>
+                    <a:lnTlToBr w="12700" cmpd="sng">
+                      <a:noFill/>
+                      <a:prstDash val="solid"/>
+                    </a:lnTlToBr>
+                    <a:lnBlToTr w="12700" cmpd="sng">
+                      <a:noFill/>
+                      <a:prstDash val="solid"/>
+                    </a:lnBlToTr>
+                    <a:solidFill>
+                      <a:srgbClr val="E8D9F3"/>
+                    </a:solidFill>
+                  </a:tcPr>
+                </a:tc>
+                <a:tc>
+                  <a:txBody>
+                    <a:bodyPr/>
+                    <a:lstStyle/>
+                    <a:p>
+                      <a:pPr algn="ctr"/>
+                      <a:r>
+                        <a:rPr lang="en-GB" sz="2200" b="0" dirty="0" smtClean="0">
+                          <a:solidFill>
+                            <a:sysClr val="windowText" lastClr="000000"/>
+                          </a:solidFill>
+                          <a:latin typeface="Arial" panose="020B0604020202020204" pitchFamily="34" charset="0"/>
+                          <a:ea typeface="Latin Modern Math" panose="02000503000000000000" pitchFamily="50" charset="0"/>
+                          <a:cs typeface="Arial" panose="020B0604020202020204" pitchFamily="34" charset="0"/>
+                        </a:rPr>
+                        <a:t>FSM</a:t>
+                      </a:r>
+                      <a:endParaRPr lang="en-GB" sz="2200" b="0" dirty="0">
+                        <a:solidFill>
+                          <a:sysClr val="windowText" lastClr="000000"/>
+                        </a:solidFill>
+                        <a:latin typeface="Arial" panose="020B0604020202020204" pitchFamily="34" charset="0"/>
+                        <a:ea typeface="Latin Modern Math" panose="02000503000000000000" pitchFamily="50" charset="0"/>
+                        <a:cs typeface="Arial" panose="020B0604020202020204" pitchFamily="34" charset="0"/>
+                      </a:endParaRPr>
+                    </a:p>
+                  </a:txBody>
+                  <a:tcPr anchor="ctr">
+                    <a:lnL w="12700" cmpd="sng">
+                      <a:noFill/>
+                    </a:lnL>
+                    <a:lnR w="12700" cmpd="sng">
+                      <a:noFill/>
+                    </a:lnR>
+                    <a:lnT w="12700" cmpd="sng">
+                      <a:noFill/>
+                    </a:lnT>
+                    <a:lnB w="12700" cmpd="sng">
+                      <a:noFill/>
+                    </a:lnB>
+                    <a:lnTlToBr w="12700" cmpd="sng">
+                      <a:noFill/>
+                      <a:prstDash val="solid"/>
+                    </a:lnTlToBr>
+                    <a:lnBlToTr w="12700" cmpd="sng">
+                      <a:noFill/>
+                      <a:prstDash val="solid"/>
+                    </a:lnBlToTr>
+                    <a:solidFill>
+                      <a:srgbClr val="E8D9F3"/>
+                    </a:solidFill>
+                  </a:tcPr>
+                </a:tc>
+                <a:tc>
+                  <a:txBody>
+                    <a:bodyPr/>
+                    <a:lstStyle/>
+                    <a:p>
+                      <a:pPr marL="0" marR="0" lvl="0" indent="0" algn="ctr" defTabSz="1219170" rtl="0" eaLnBrk="1" fontAlgn="auto" latinLnBrk="0" hangingPunct="1">
+                        <a:lnSpc>
+                          <a:spcPct val="100000"/>
+                        </a:lnSpc>
+                        <a:spcBef>
+                          <a:spcPts val="0"/>
+                        </a:spcBef>
+                        <a:spcAft>
+                          <a:spcPts val="0"/>
+                        </a:spcAft>
+                        <a:buClrTx/>
+                        <a:buSzTx/>
+                        <a:buFontTx/>
+                        <a:buNone/>
+                        <a:tabLst/>
+                        <a:defRPr/>
+                      </a:pPr>
+                      <a:r>
+                        <a:rPr lang="en-GB" sz="2200" b="0" dirty="0" smtClean="0">
+                          <a:solidFill>
+                            <a:sysClr val="windowText" lastClr="000000"/>
+                          </a:solidFill>
+                          <a:latin typeface="Arial" panose="020B0604020202020204" pitchFamily="34" charset="0"/>
+                          <a:ea typeface="Latin Modern Math" panose="02000503000000000000" pitchFamily="50" charset="0"/>
+                          <a:cs typeface="Arial" panose="020B0604020202020204" pitchFamily="34" charset="0"/>
+                        </a:rPr>
+                        <a:t>ENMUST4</a:t>
+                      </a:r>
+                    </a:p>
+                  </a:txBody>
+                  <a:tcPr anchor="ctr">
+                    <a:lnL w="12700" cmpd="sng">
+                      <a:noFill/>
+                    </a:lnL>
+                    <a:lnR w="12700" cmpd="sng">
+                      <a:noFill/>
+                    </a:lnR>
+                    <a:lnT w="12700" cmpd="sng">
+                      <a:noFill/>
+                    </a:lnT>
+                    <a:lnB w="12700" cmpd="sng">
+                      <a:noFill/>
+                    </a:lnB>
+                    <a:lnTlToBr w="12700" cmpd="sng">
+                      <a:noFill/>
+                      <a:prstDash val="solid"/>
+                    </a:lnTlToBr>
+                    <a:lnBlToTr w="12700" cmpd="sng">
+                      <a:noFill/>
+                      <a:prstDash val="solid"/>
+                    </a:lnBlToTr>
+                    <a:solidFill>
+                      <a:srgbClr val="E8D9F3"/>
+                    </a:solidFill>
+                  </a:tcPr>
+                </a:tc>
+                <a:tc>
+                  <a:txBody>
+                    <a:bodyPr/>
+                    <a:lstStyle/>
+                    <a:p>
+                      <a:pPr marL="0" marR="0" lvl="0" indent="0" algn="ctr" defTabSz="1219170" rtl="0" eaLnBrk="1" fontAlgn="auto" latinLnBrk="0" hangingPunct="1">
+                        <a:lnSpc>
+                          <a:spcPct val="100000"/>
+                        </a:lnSpc>
+                        <a:spcBef>
+                          <a:spcPts val="0"/>
+                        </a:spcBef>
+                        <a:spcAft>
+                          <a:spcPts val="0"/>
+                        </a:spcAft>
+                        <a:buClrTx/>
+                        <a:buSzTx/>
+                        <a:buFontTx/>
+                        <a:buNone/>
+                        <a:tabLst/>
+                        <a:defRPr/>
+                      </a:pPr>
+                      <a:r>
+                        <a:rPr lang="en-GB" sz="2200" b="0" dirty="0" smtClean="0">
+                          <a:solidFill>
+                            <a:sysClr val="windowText" lastClr="000000"/>
+                          </a:solidFill>
+                          <a:latin typeface="Arial" panose="020B0604020202020204" pitchFamily="34" charset="0"/>
+                          <a:ea typeface="Latin Modern Math" panose="02000503000000000000" pitchFamily="50" charset="0"/>
+                          <a:cs typeface="Arial" panose="020B0604020202020204" pitchFamily="34" charset="0"/>
+                        </a:rPr>
+                        <a:t>2420</a:t>
+                      </a:r>
+                      <a:endParaRPr lang="en-GB" sz="2200" b="0" dirty="0" smtClean="0">
+                        <a:solidFill>
+                          <a:sysClr val="windowText" lastClr="000000"/>
+                        </a:solidFill>
+                        <a:latin typeface="Arial" panose="020B0604020202020204" pitchFamily="34" charset="0"/>
+                        <a:ea typeface="Latin Modern Math" panose="02000503000000000000" pitchFamily="50" charset="0"/>
+                        <a:cs typeface="Arial" panose="020B0604020202020204" pitchFamily="34" charset="0"/>
+                      </a:endParaRPr>
+                    </a:p>
+                  </a:txBody>
+                  <a:tcPr anchor="ctr">
+                    <a:lnL w="12700" cmpd="sng">
+                      <a:noFill/>
+                    </a:lnL>
+                    <a:lnR w="12700" cmpd="sng">
+                      <a:noFill/>
+                    </a:lnR>
+                    <a:lnT w="12700" cmpd="sng">
+                      <a:noFill/>
+                    </a:lnT>
+                    <a:lnB w="12700" cmpd="sng">
+                      <a:noFill/>
+                    </a:lnB>
+                    <a:lnTlToBr w="12700" cmpd="sng">
+                      <a:noFill/>
+                      <a:prstDash val="solid"/>
+                    </a:lnTlToBr>
+                    <a:lnBlToTr w="12700" cmpd="sng">
+                      <a:noFill/>
+                      <a:prstDash val="solid"/>
+                    </a:lnBlToTr>
+                    <a:solidFill>
+                      <a:srgbClr val="E8D9F3"/>
+                    </a:solidFill>
+                  </a:tcPr>
+                </a:tc>
+                <a:tc>
+                  <a:txBody>
+                    <a:bodyPr/>
+                    <a:lstStyle/>
+                    <a:p>
+                      <a:pPr marL="0" marR="0" lvl="0" indent="0" algn="ctr" defTabSz="1219170" rtl="0" eaLnBrk="1" fontAlgn="auto" latinLnBrk="0" hangingPunct="1">
+                        <a:lnSpc>
+                          <a:spcPct val="100000"/>
+                        </a:lnSpc>
+                        <a:spcBef>
+                          <a:spcPts val="0"/>
+                        </a:spcBef>
+                        <a:spcAft>
+                          <a:spcPts val="0"/>
+                        </a:spcAft>
+                        <a:buClrTx/>
+                        <a:buSzTx/>
+                        <a:buFontTx/>
+                        <a:buNone/>
+                        <a:tabLst/>
+                        <a:defRPr/>
+                      </a:pPr>
+                      <a:r>
+                        <a:rPr lang="en-GB" sz="2200" b="0" dirty="0" smtClean="0">
+                          <a:solidFill>
+                            <a:sysClr val="windowText" lastClr="000000"/>
+                          </a:solidFill>
+                          <a:latin typeface="Arial" panose="020B0604020202020204" pitchFamily="34" charset="0"/>
+                          <a:ea typeface="Latin Modern Math" panose="02000503000000000000" pitchFamily="50" charset="0"/>
+                          <a:cs typeface="Arial" panose="020B0604020202020204" pitchFamily="34" charset="0"/>
+                        </a:rPr>
+                        <a:t>1000</a:t>
+                      </a:r>
+                      <a:endParaRPr lang="en-GB" sz="2200" b="0" dirty="0" smtClean="0">
+                        <a:solidFill>
+                          <a:sysClr val="windowText" lastClr="000000"/>
+                        </a:solidFill>
+                        <a:latin typeface="Arial" panose="020B0604020202020204" pitchFamily="34" charset="0"/>
+                        <a:ea typeface="Latin Modern Math" panose="02000503000000000000" pitchFamily="50" charset="0"/>
+                        <a:cs typeface="Arial" panose="020B0604020202020204" pitchFamily="34" charset="0"/>
+                      </a:endParaRPr>
+                    </a:p>
+                  </a:txBody>
+                  <a:tcPr anchor="ctr">
+                    <a:lnL w="12700" cmpd="sng">
+                      <a:noFill/>
+                    </a:lnL>
+                    <a:lnR w="12700" cmpd="sng">
+                      <a:noFill/>
+                    </a:lnR>
+                    <a:lnT w="12700" cmpd="sng">
+                      <a:noFill/>
+                    </a:lnT>
+                    <a:lnB w="12700" cmpd="sng">
+                      <a:noFill/>
+                    </a:lnB>
+                    <a:lnTlToBr w="12700" cmpd="sng">
+                      <a:noFill/>
+                      <a:prstDash val="solid"/>
+                    </a:lnTlToBr>
+                    <a:lnBlToTr w="12700" cmpd="sng">
+                      <a:noFill/>
+                      <a:prstDash val="solid"/>
+                    </a:lnBlToTr>
+                    <a:solidFill>
+                      <a:srgbClr val="E8D9F3"/>
+                    </a:solidFill>
+                  </a:tcPr>
+                </a:tc>
+                <a:tc>
+                  <a:txBody>
+                    <a:bodyPr/>
+                    <a:lstStyle/>
+                    <a:p>
+                      <a:pPr marL="0" marR="0" lvl="0" indent="0" algn="ctr" defTabSz="1219170" rtl="0" eaLnBrk="1" fontAlgn="auto" latinLnBrk="0" hangingPunct="1">
+                        <a:lnSpc>
+                          <a:spcPct val="100000"/>
+                        </a:lnSpc>
+                        <a:spcBef>
+                          <a:spcPts val="0"/>
+                        </a:spcBef>
+                        <a:spcAft>
+                          <a:spcPts val="0"/>
+                        </a:spcAft>
+                        <a:buClrTx/>
+                        <a:buSzTx/>
+                        <a:buFontTx/>
+                        <a:buNone/>
+                        <a:tabLst/>
+                        <a:defRPr/>
+                      </a:pPr>
+                      <a:r>
+                        <a:rPr lang="en-GB" sz="2200" b="0" dirty="0" smtClean="0">
+                          <a:solidFill>
+                            <a:sysClr val="windowText" lastClr="000000"/>
+                          </a:solidFill>
+                          <a:latin typeface="Arial" panose="020B0604020202020204" pitchFamily="34" charset="0"/>
+                          <a:ea typeface="Latin Modern Math" panose="02000503000000000000" pitchFamily="50" charset="0"/>
+                          <a:cs typeface="Arial" panose="020B0604020202020204" pitchFamily="34" charset="0"/>
+                        </a:rPr>
+                        <a:t>1250</a:t>
+                      </a:r>
+                      <a:endParaRPr lang="en-GB" sz="2200" b="0" dirty="0" smtClean="0">
+                        <a:solidFill>
+                          <a:sysClr val="windowText" lastClr="000000"/>
+                        </a:solidFill>
+                        <a:latin typeface="Arial" panose="020B0604020202020204" pitchFamily="34" charset="0"/>
+                        <a:ea typeface="Latin Modern Math" panose="02000503000000000000" pitchFamily="50" charset="0"/>
+                        <a:cs typeface="Arial" panose="020B0604020202020204" pitchFamily="34" charset="0"/>
+                      </a:endParaRPr>
+                    </a:p>
+                  </a:txBody>
+                  <a:tcPr anchor="ctr">
+                    <a:lnL w="12700" cmpd="sng">
+                      <a:noFill/>
+                    </a:lnL>
+                    <a:lnR w="12700" cmpd="sng">
+                      <a:noFill/>
+                    </a:lnR>
+                    <a:lnT w="12700" cmpd="sng">
+                      <a:noFill/>
+                    </a:lnT>
+                    <a:lnB w="12700" cmpd="sng">
+                      <a:noFill/>
+                    </a:lnB>
+                    <a:lnTlToBr w="12700" cmpd="sng">
+                      <a:noFill/>
+                      <a:prstDash val="solid"/>
+                    </a:lnTlToBr>
+                    <a:lnBlToTr w="12700" cmpd="sng">
+                      <a:noFill/>
+                      <a:prstDash val="solid"/>
+                    </a:lnBlToTr>
+                    <a:solidFill>
+                      <a:srgbClr val="E8D9F3"/>
+                    </a:solidFill>
+                  </a:tcPr>
+                </a:tc>
+                <a:extLst>
+                  <a:ext uri="{0D108BD9-81ED-4DB2-BD59-A6C34878D82A}">
+                    <a16:rowId xmlns:a16="http://schemas.microsoft.com/office/drawing/2014/main" val="4008205310"/>
+                  </a:ext>
+                </a:extLst>
+              </a:tr>
+              <a:tr h="370840">
+                <a:tc>
+                  <a:txBody>
+                    <a:bodyPr/>
+                    <a:lstStyle/>
+                    <a:p>
+                      <a:pPr marL="0" marR="0" lvl="0" indent="0" algn="ctr" defTabSz="1219170" rtl="0" eaLnBrk="1" fontAlgn="auto" latinLnBrk="0" hangingPunct="1">
+                        <a:lnSpc>
+                          <a:spcPct val="100000"/>
+                        </a:lnSpc>
+                        <a:spcBef>
+                          <a:spcPts val="0"/>
+                        </a:spcBef>
+                        <a:spcAft>
+                          <a:spcPts val="0"/>
+                        </a:spcAft>
+                        <a:buClrTx/>
+                        <a:buSzTx/>
+                        <a:buFontTx/>
+                        <a:buNone/>
+                        <a:tabLst/>
+                        <a:defRPr/>
+                      </a:pPr>
+                      <a:r>
+                        <a:rPr lang="en-GB" sz="2200" b="0" dirty="0" smtClean="0">
+                          <a:solidFill>
+                            <a:sysClr val="windowText" lastClr="000000"/>
+                          </a:solidFill>
+                          <a:latin typeface="Arial" panose="020B0604020202020204" pitchFamily="34" charset="0"/>
+                          <a:ea typeface="Latin Modern Math" panose="02000503000000000000" pitchFamily="50" charset="0"/>
+                          <a:cs typeface="Arial" panose="020B0604020202020204" pitchFamily="34" charset="0"/>
+                        </a:rPr>
+                        <a:t>PB.1.7</a:t>
+                      </a:r>
+                      <a:endParaRPr lang="en-GB" sz="2200" b="0" dirty="0" smtClean="0">
+                        <a:solidFill>
+                          <a:sysClr val="windowText" lastClr="000000"/>
+                        </a:solidFill>
+                        <a:latin typeface="Arial" panose="020B0604020202020204" pitchFamily="34" charset="0"/>
+                        <a:ea typeface="Latin Modern Math" panose="02000503000000000000" pitchFamily="50" charset="0"/>
+                        <a:cs typeface="Arial" panose="020B0604020202020204" pitchFamily="34" charset="0"/>
+                      </a:endParaRPr>
+                    </a:p>
+                  </a:txBody>
+                  <a:tcPr anchor="ctr">
+                    <a:lnL w="12700" cmpd="sng">
+                      <a:noFill/>
+                    </a:lnL>
+                    <a:lnR w="12700" cmpd="sng">
+                      <a:noFill/>
+                    </a:lnR>
+                    <a:lnT w="12700" cmpd="sng">
+                      <a:noFill/>
+                    </a:lnT>
+                    <a:lnB w="12700" cmpd="sng">
+                      <a:noFill/>
+                    </a:lnB>
+                    <a:lnTlToBr w="12700" cmpd="sng">
+                      <a:noFill/>
+                      <a:prstDash val="solid"/>
+                    </a:lnTlToBr>
+                    <a:lnBlToTr w="12700" cmpd="sng">
+                      <a:noFill/>
+                      <a:prstDash val="solid"/>
+                    </a:lnBlToTr>
+                    <a:solidFill>
+                      <a:srgbClr val="E8D9F3"/>
+                    </a:solidFill>
+                  </a:tcPr>
+                </a:tc>
+                <a:tc>
+                  <a:txBody>
+                    <a:bodyPr/>
+                    <a:lstStyle/>
+                    <a:p>
+                      <a:pPr marL="0" marR="0" lvl="0" indent="0" algn="ctr" defTabSz="1219170" rtl="0" eaLnBrk="1" fontAlgn="auto" latinLnBrk="0" hangingPunct="1">
+                        <a:lnSpc>
+                          <a:spcPct val="100000"/>
+                        </a:lnSpc>
+                        <a:spcBef>
+                          <a:spcPts val="0"/>
+                        </a:spcBef>
+                        <a:spcAft>
+                          <a:spcPts val="0"/>
+                        </a:spcAft>
+                        <a:buClrTx/>
+                        <a:buSzTx/>
+                        <a:buFontTx/>
+                        <a:buNone/>
+                        <a:tabLst/>
+                        <a:defRPr/>
+                      </a:pPr>
+                      <a:r>
+                        <a:rPr lang="en-GB" sz="2200" b="0" dirty="0" smtClean="0">
+                          <a:solidFill>
+                            <a:sysClr val="windowText" lastClr="000000"/>
+                          </a:solidFill>
+                          <a:latin typeface="Arial" panose="020B0604020202020204" pitchFamily="34" charset="0"/>
+                          <a:ea typeface="Latin Modern Math" panose="02000503000000000000" pitchFamily="50" charset="0"/>
+                          <a:cs typeface="Arial" panose="020B0604020202020204" pitchFamily="34" charset="0"/>
+                        </a:rPr>
+                        <a:t>Gene 1</a:t>
+                      </a:r>
+                    </a:p>
+                  </a:txBody>
+                  <a:tcPr anchor="ctr">
+                    <a:lnL w="12700" cmpd="sng">
+                      <a:noFill/>
+                    </a:lnL>
+                    <a:lnR w="12700" cmpd="sng">
+                      <a:noFill/>
+                    </a:lnR>
+                    <a:lnT w="12700" cmpd="sng">
+                      <a:noFill/>
+                    </a:lnT>
+                    <a:lnB w="12700" cmpd="sng">
+                      <a:noFill/>
+                    </a:lnB>
+                    <a:lnTlToBr w="12700" cmpd="sng">
+                      <a:noFill/>
+                      <a:prstDash val="solid"/>
+                    </a:lnTlToBr>
+                    <a:lnBlToTr w="12700" cmpd="sng">
+                      <a:noFill/>
+                      <a:prstDash val="solid"/>
+                    </a:lnBlToTr>
+                    <a:solidFill>
+                      <a:srgbClr val="E8D9F3"/>
+                    </a:solidFill>
+                  </a:tcPr>
+                </a:tc>
+                <a:tc>
+                  <a:txBody>
+                    <a:bodyPr/>
+                    <a:lstStyle/>
+                    <a:p>
+                      <a:pPr algn="ctr"/>
+                      <a:r>
+                        <a:rPr lang="en-GB" sz="2200" b="0" dirty="0" smtClean="0">
+                          <a:solidFill>
+                            <a:sysClr val="windowText" lastClr="000000"/>
+                          </a:solidFill>
+                          <a:latin typeface="Arial" panose="020B0604020202020204" pitchFamily="34" charset="0"/>
+                          <a:ea typeface="Latin Modern Math" panose="02000503000000000000" pitchFamily="50" charset="0"/>
+                          <a:cs typeface="Arial" panose="020B0604020202020204" pitchFamily="34" charset="0"/>
+                        </a:rPr>
+                        <a:t>FSM</a:t>
+                      </a:r>
+                      <a:endParaRPr lang="en-GB" sz="2200" b="0" dirty="0">
+                        <a:solidFill>
+                          <a:sysClr val="windowText" lastClr="000000"/>
+                        </a:solidFill>
+                        <a:latin typeface="Arial" panose="020B0604020202020204" pitchFamily="34" charset="0"/>
+                        <a:ea typeface="Latin Modern Math" panose="02000503000000000000" pitchFamily="50" charset="0"/>
+                        <a:cs typeface="Arial" panose="020B0604020202020204" pitchFamily="34" charset="0"/>
+                      </a:endParaRPr>
+                    </a:p>
+                  </a:txBody>
+                  <a:tcPr anchor="ctr">
+                    <a:lnL w="12700" cmpd="sng">
+                      <a:noFill/>
+                    </a:lnL>
+                    <a:lnR w="12700" cmpd="sng">
+                      <a:noFill/>
+                    </a:lnR>
+                    <a:lnT w="12700" cmpd="sng">
+                      <a:noFill/>
+                    </a:lnT>
+                    <a:lnB w="12700" cmpd="sng">
+                      <a:noFill/>
+                    </a:lnB>
+                    <a:lnTlToBr w="12700" cmpd="sng">
+                      <a:noFill/>
+                      <a:prstDash val="solid"/>
+                    </a:lnTlToBr>
+                    <a:lnBlToTr w="12700" cmpd="sng">
+                      <a:noFill/>
+                      <a:prstDash val="solid"/>
+                    </a:lnBlToTr>
+                    <a:solidFill>
+                      <a:srgbClr val="E8D9F3"/>
+                    </a:solidFill>
+                  </a:tcPr>
+                </a:tc>
+                <a:tc>
+                  <a:txBody>
+                    <a:bodyPr/>
+                    <a:lstStyle/>
+                    <a:p>
+                      <a:pPr marL="0" marR="0" lvl="0" indent="0" algn="ctr" defTabSz="1219170" rtl="0" eaLnBrk="1" fontAlgn="auto" latinLnBrk="0" hangingPunct="1">
+                        <a:lnSpc>
+                          <a:spcPct val="100000"/>
+                        </a:lnSpc>
+                        <a:spcBef>
+                          <a:spcPts val="0"/>
+                        </a:spcBef>
+                        <a:spcAft>
+                          <a:spcPts val="0"/>
+                        </a:spcAft>
+                        <a:buClrTx/>
+                        <a:buSzTx/>
+                        <a:buFontTx/>
+                        <a:buNone/>
+                        <a:tabLst/>
+                        <a:defRPr/>
+                      </a:pPr>
+                      <a:r>
+                        <a:rPr lang="en-GB" sz="2200" b="0" dirty="0" smtClean="0">
+                          <a:solidFill>
+                            <a:sysClr val="windowText" lastClr="000000"/>
+                          </a:solidFill>
+                          <a:latin typeface="Arial" panose="020B0604020202020204" pitchFamily="34" charset="0"/>
+                          <a:ea typeface="Latin Modern Math" panose="02000503000000000000" pitchFamily="50" charset="0"/>
+                          <a:cs typeface="Arial" panose="020B0604020202020204" pitchFamily="34" charset="0"/>
+                        </a:rPr>
+                        <a:t>ENMUST4</a:t>
+                      </a:r>
+                    </a:p>
+                  </a:txBody>
+                  <a:tcPr anchor="ctr">
+                    <a:lnL w="12700" cmpd="sng">
+                      <a:noFill/>
+                    </a:lnL>
+                    <a:lnR w="12700" cmpd="sng">
+                      <a:noFill/>
+                    </a:lnR>
+                    <a:lnT w="12700" cmpd="sng">
+                      <a:noFill/>
+                    </a:lnT>
+                    <a:lnB w="12700" cmpd="sng">
+                      <a:noFill/>
+                    </a:lnB>
+                    <a:lnTlToBr w="12700" cmpd="sng">
+                      <a:noFill/>
+                      <a:prstDash val="solid"/>
+                    </a:lnTlToBr>
+                    <a:lnBlToTr w="12700" cmpd="sng">
+                      <a:noFill/>
+                      <a:prstDash val="solid"/>
+                    </a:lnBlToTr>
+                    <a:solidFill>
+                      <a:srgbClr val="E8D9F3"/>
+                    </a:solidFill>
+                  </a:tcPr>
+                </a:tc>
+                <a:tc>
+                  <a:txBody>
+                    <a:bodyPr/>
+                    <a:lstStyle/>
+                    <a:p>
+                      <a:pPr marL="0" marR="0" lvl="0" indent="0" algn="ctr" defTabSz="1219170" rtl="0" eaLnBrk="1" fontAlgn="auto" latinLnBrk="0" hangingPunct="1">
+                        <a:lnSpc>
+                          <a:spcPct val="100000"/>
+                        </a:lnSpc>
+                        <a:spcBef>
+                          <a:spcPts val="0"/>
+                        </a:spcBef>
+                        <a:spcAft>
+                          <a:spcPts val="0"/>
+                        </a:spcAft>
+                        <a:buClrTx/>
+                        <a:buSzTx/>
+                        <a:buFontTx/>
+                        <a:buNone/>
+                        <a:tabLst/>
+                        <a:defRPr/>
+                      </a:pPr>
+                      <a:r>
+                        <a:rPr lang="en-GB" sz="2200" b="0" dirty="0" smtClean="0">
+                          <a:solidFill>
+                            <a:sysClr val="windowText" lastClr="000000"/>
+                          </a:solidFill>
+                          <a:latin typeface="Arial" panose="020B0604020202020204" pitchFamily="34" charset="0"/>
+                          <a:ea typeface="Latin Modern Math" panose="02000503000000000000" pitchFamily="50" charset="0"/>
+                          <a:cs typeface="Arial" panose="020B0604020202020204" pitchFamily="34" charset="0"/>
+                        </a:rPr>
+                        <a:t>2560</a:t>
+                      </a:r>
+                      <a:endParaRPr lang="en-GB" sz="2200" b="0" dirty="0" smtClean="0">
+                        <a:solidFill>
+                          <a:sysClr val="windowText" lastClr="000000"/>
+                        </a:solidFill>
+                        <a:latin typeface="Arial" panose="020B0604020202020204" pitchFamily="34" charset="0"/>
+                        <a:ea typeface="Latin Modern Math" panose="02000503000000000000" pitchFamily="50" charset="0"/>
+                        <a:cs typeface="Arial" panose="020B0604020202020204" pitchFamily="34" charset="0"/>
+                      </a:endParaRPr>
+                    </a:p>
+                  </a:txBody>
+                  <a:tcPr anchor="ctr">
+                    <a:lnL w="12700" cmpd="sng">
+                      <a:noFill/>
+                    </a:lnL>
+                    <a:lnR w="12700" cmpd="sng">
+                      <a:noFill/>
+                    </a:lnR>
+                    <a:lnT w="12700" cmpd="sng">
+                      <a:noFill/>
+                    </a:lnT>
+                    <a:lnB w="12700" cmpd="sng">
+                      <a:noFill/>
+                    </a:lnB>
+                    <a:lnTlToBr w="12700" cmpd="sng">
+                      <a:noFill/>
+                      <a:prstDash val="solid"/>
+                    </a:lnTlToBr>
+                    <a:lnBlToTr w="12700" cmpd="sng">
+                      <a:noFill/>
+                      <a:prstDash val="solid"/>
+                    </a:lnBlToTr>
+                    <a:solidFill>
+                      <a:srgbClr val="E8D9F3"/>
+                    </a:solidFill>
+                  </a:tcPr>
+                </a:tc>
+                <a:tc>
+                  <a:txBody>
+                    <a:bodyPr/>
+                    <a:lstStyle/>
+                    <a:p>
+                      <a:pPr marL="0" marR="0" lvl="0" indent="0" algn="ctr" defTabSz="1219170" rtl="0" eaLnBrk="1" fontAlgn="auto" latinLnBrk="0" hangingPunct="1">
+                        <a:lnSpc>
+                          <a:spcPct val="100000"/>
+                        </a:lnSpc>
+                        <a:spcBef>
+                          <a:spcPts val="0"/>
+                        </a:spcBef>
+                        <a:spcAft>
+                          <a:spcPts val="0"/>
+                        </a:spcAft>
+                        <a:buClrTx/>
+                        <a:buSzTx/>
+                        <a:buFontTx/>
+                        <a:buNone/>
+                        <a:tabLst/>
+                        <a:defRPr/>
+                      </a:pPr>
+                      <a:r>
+                        <a:rPr lang="en-GB" sz="2200" b="0" dirty="0" smtClean="0">
+                          <a:solidFill>
+                            <a:sysClr val="windowText" lastClr="000000"/>
+                          </a:solidFill>
+                          <a:latin typeface="Arial" panose="020B0604020202020204" pitchFamily="34" charset="0"/>
+                          <a:ea typeface="Latin Modern Math" panose="02000503000000000000" pitchFamily="50" charset="0"/>
+                          <a:cs typeface="Arial" panose="020B0604020202020204" pitchFamily="34" charset="0"/>
+                        </a:rPr>
+                        <a:t>1</a:t>
+                      </a:r>
+                      <a:endParaRPr lang="en-GB" sz="2200" b="0" dirty="0" smtClean="0">
+                        <a:solidFill>
+                          <a:sysClr val="windowText" lastClr="000000"/>
+                        </a:solidFill>
+                        <a:latin typeface="Arial" panose="020B0604020202020204" pitchFamily="34" charset="0"/>
+                        <a:ea typeface="Latin Modern Math" panose="02000503000000000000" pitchFamily="50" charset="0"/>
+                        <a:cs typeface="Arial" panose="020B0604020202020204" pitchFamily="34" charset="0"/>
+                      </a:endParaRPr>
+                    </a:p>
+                  </a:txBody>
+                  <a:tcPr anchor="ctr">
+                    <a:lnL w="12700" cmpd="sng">
+                      <a:noFill/>
+                    </a:lnL>
+                    <a:lnR w="12700" cmpd="sng">
+                      <a:noFill/>
+                    </a:lnR>
+                    <a:lnT w="12700" cmpd="sng">
+                      <a:noFill/>
+                    </a:lnT>
+                    <a:lnB w="12700" cmpd="sng">
+                      <a:noFill/>
+                    </a:lnB>
+                    <a:lnTlToBr w="12700" cmpd="sng">
+                      <a:noFill/>
+                      <a:prstDash val="solid"/>
+                    </a:lnTlToBr>
+                    <a:lnBlToTr w="12700" cmpd="sng">
+                      <a:noFill/>
+                      <a:prstDash val="solid"/>
+                    </a:lnBlToTr>
+                    <a:solidFill>
+                      <a:srgbClr val="E8D9F3"/>
+                    </a:solidFill>
+                  </a:tcPr>
+                </a:tc>
+                <a:tc>
+                  <a:txBody>
+                    <a:bodyPr/>
+                    <a:lstStyle/>
+                    <a:p>
+                      <a:pPr marL="0" marR="0" lvl="0" indent="0" algn="ctr" defTabSz="1219170" rtl="0" eaLnBrk="1" fontAlgn="auto" latinLnBrk="0" hangingPunct="1">
+                        <a:lnSpc>
+                          <a:spcPct val="100000"/>
+                        </a:lnSpc>
+                        <a:spcBef>
+                          <a:spcPts val="0"/>
+                        </a:spcBef>
+                        <a:spcAft>
+                          <a:spcPts val="0"/>
+                        </a:spcAft>
+                        <a:buClrTx/>
+                        <a:buSzTx/>
+                        <a:buFontTx/>
+                        <a:buNone/>
+                        <a:tabLst/>
+                        <a:defRPr/>
+                      </a:pPr>
+                      <a:r>
+                        <a:rPr lang="en-GB" sz="2200" b="0" dirty="0" smtClean="0">
+                          <a:solidFill>
+                            <a:sysClr val="windowText" lastClr="000000"/>
+                          </a:solidFill>
+                          <a:latin typeface="Arial" panose="020B0604020202020204" pitchFamily="34" charset="0"/>
+                          <a:ea typeface="Latin Modern Math" panose="02000503000000000000" pitchFamily="50" charset="0"/>
+                          <a:cs typeface="Arial" panose="020B0604020202020204" pitchFamily="34" charset="0"/>
+                        </a:rPr>
+                        <a:t>4</a:t>
+                      </a:r>
+                      <a:endParaRPr lang="en-GB" sz="2200" b="0" dirty="0" smtClean="0">
+                        <a:solidFill>
+                          <a:sysClr val="windowText" lastClr="000000"/>
+                        </a:solidFill>
+                        <a:latin typeface="Arial" panose="020B0604020202020204" pitchFamily="34" charset="0"/>
+                        <a:ea typeface="Latin Modern Math" panose="02000503000000000000" pitchFamily="50" charset="0"/>
+                        <a:cs typeface="Arial" panose="020B0604020202020204" pitchFamily="34" charset="0"/>
+                      </a:endParaRPr>
+                    </a:p>
+                  </a:txBody>
+                  <a:tcPr anchor="ctr">
+                    <a:lnL w="12700" cmpd="sng">
+                      <a:noFill/>
+                    </a:lnL>
+                    <a:lnR w="12700" cmpd="sng">
+                      <a:noFill/>
+                    </a:lnR>
+                    <a:lnT w="12700" cmpd="sng">
+                      <a:noFill/>
+                    </a:lnT>
+                    <a:lnB w="12700" cmpd="sng">
+                      <a:noFill/>
+                    </a:lnB>
+                    <a:lnTlToBr w="12700" cmpd="sng">
+                      <a:noFill/>
+                      <a:prstDash val="solid"/>
+                    </a:lnTlToBr>
+                    <a:lnBlToTr w="12700" cmpd="sng">
+                      <a:noFill/>
+                      <a:prstDash val="solid"/>
+                    </a:lnBlToTr>
+                    <a:solidFill>
+                      <a:srgbClr val="E8D9F3"/>
+                    </a:solidFill>
+                  </a:tcPr>
+                </a:tc>
+                <a:extLst>
+                  <a:ext uri="{0D108BD9-81ED-4DB2-BD59-A6C34878D82A}">
+                    <a16:rowId xmlns:a16="http://schemas.microsoft.com/office/drawing/2014/main" val="2890872713"/>
+                  </a:ext>
+                </a:extLst>
+              </a:tr>
+              <a:tr h="370840">
+                <a:tc>
+                  <a:txBody>
+                    <a:bodyPr/>
+                    <a:lstStyle/>
+                    <a:p>
+                      <a:pPr marL="0" marR="0" lvl="0" indent="0" algn="ctr" defTabSz="1219170" rtl="0" eaLnBrk="1" fontAlgn="auto" latinLnBrk="0" hangingPunct="1">
+                        <a:lnSpc>
+                          <a:spcPct val="100000"/>
+                        </a:lnSpc>
+                        <a:spcBef>
+                          <a:spcPts val="0"/>
+                        </a:spcBef>
+                        <a:spcAft>
+                          <a:spcPts val="0"/>
+                        </a:spcAft>
+                        <a:buClrTx/>
+                        <a:buSzTx/>
+                        <a:buFontTx/>
+                        <a:buNone/>
+                        <a:tabLst/>
+                        <a:defRPr/>
+                      </a:pPr>
+                      <a:endParaRPr lang="en-GB" sz="2200" b="0" dirty="0" smtClean="0">
+                        <a:solidFill>
+                          <a:sysClr val="windowText" lastClr="000000"/>
+                        </a:solidFill>
+                        <a:latin typeface="Arial" panose="020B0604020202020204" pitchFamily="34" charset="0"/>
+                        <a:ea typeface="Latin Modern Math" panose="02000503000000000000" pitchFamily="50" charset="0"/>
+                        <a:cs typeface="Arial" panose="020B0604020202020204" pitchFamily="34" charset="0"/>
+                      </a:endParaRPr>
+                    </a:p>
+                  </a:txBody>
+                  <a:tcPr anchor="ctr">
+                    <a:lnL w="12700" cmpd="sng">
+                      <a:noFill/>
+                    </a:lnL>
+                    <a:lnR w="12700" cmpd="sng">
+                      <a:noFill/>
+                    </a:lnR>
+                    <a:lnT w="12700" cmpd="sng">
+                      <a:noFill/>
+                    </a:lnT>
+                    <a:lnB w="12700" cmpd="sng">
+                      <a:noFill/>
+                    </a:lnB>
+                    <a:lnTlToBr w="12700" cmpd="sng">
+                      <a:noFill/>
+                      <a:prstDash val="solid"/>
+                    </a:lnTlToBr>
+                    <a:lnBlToTr w="12700" cmpd="sng">
+                      <a:noFill/>
+                      <a:prstDash val="solid"/>
+                    </a:lnBlToTr>
+                    <a:noFill/>
+                  </a:tcPr>
+                </a:tc>
+                <a:tc>
+                  <a:txBody>
+                    <a:bodyPr/>
+                    <a:lstStyle/>
+                    <a:p>
+                      <a:pPr algn="ctr"/>
+                      <a:endParaRPr lang="en-GB" sz="2200" b="0" dirty="0" smtClean="0">
+                        <a:solidFill>
+                          <a:sysClr val="windowText" lastClr="000000"/>
+                        </a:solidFill>
+                        <a:latin typeface="Arial" panose="020B0604020202020204" pitchFamily="34" charset="0"/>
+                        <a:ea typeface="Latin Modern Math" panose="02000503000000000000" pitchFamily="50" charset="0"/>
+                        <a:cs typeface="Arial" panose="020B0604020202020204" pitchFamily="34" charset="0"/>
+                      </a:endParaRPr>
+                    </a:p>
+                  </a:txBody>
+                  <a:tcPr anchor="ctr">
+                    <a:lnL w="12700" cmpd="sng">
+                      <a:noFill/>
+                    </a:lnL>
+                    <a:lnR w="12700" cmpd="sng">
+                      <a:noFill/>
+                    </a:lnR>
+                    <a:lnT w="12700" cmpd="sng">
+                      <a:noFill/>
+                    </a:lnT>
+                    <a:lnB w="12700" cmpd="sng">
+                      <a:noFill/>
+                    </a:lnB>
+                    <a:lnTlToBr w="12700" cmpd="sng">
+                      <a:noFill/>
+                      <a:prstDash val="solid"/>
+                    </a:lnTlToBr>
+                    <a:lnBlToTr w="12700" cmpd="sng">
+                      <a:noFill/>
+                      <a:prstDash val="solid"/>
+                    </a:lnBlToTr>
+                    <a:noFill/>
+                  </a:tcPr>
+                </a:tc>
+                <a:tc>
+                  <a:txBody>
+                    <a:bodyPr/>
+                    <a:lstStyle/>
+                    <a:p>
+                      <a:pPr algn="ctr"/>
+                      <a:endParaRPr lang="en-GB" sz="2200" b="0" dirty="0">
+                        <a:solidFill>
+                          <a:sysClr val="windowText" lastClr="000000"/>
+                        </a:solidFill>
+                        <a:latin typeface="Arial" panose="020B0604020202020204" pitchFamily="34" charset="0"/>
+                        <a:ea typeface="Latin Modern Math" panose="02000503000000000000" pitchFamily="50" charset="0"/>
+                        <a:cs typeface="Arial" panose="020B0604020202020204" pitchFamily="34" charset="0"/>
+                      </a:endParaRPr>
+                    </a:p>
+                  </a:txBody>
+                  <a:tcPr anchor="ctr">
+                    <a:lnL w="12700" cmpd="sng">
+                      <a:noFill/>
+                    </a:lnL>
+                    <a:lnR w="12700" cmpd="sng">
+                      <a:noFill/>
+                    </a:lnR>
+                    <a:lnT w="12700" cmpd="sng">
+                      <a:noFill/>
+                    </a:lnT>
+                    <a:lnB w="12700" cmpd="sng">
+                      <a:noFill/>
+                    </a:lnB>
+                    <a:lnTlToBr w="12700" cmpd="sng">
+                      <a:noFill/>
+                      <a:prstDash val="solid"/>
+                    </a:lnTlToBr>
+                    <a:lnBlToTr w="12700" cmpd="sng">
+                      <a:noFill/>
+                      <a:prstDash val="solid"/>
+                    </a:lnBlToTr>
+                    <a:noFill/>
+                  </a:tcPr>
+                </a:tc>
+                <a:tc>
+                  <a:txBody>
+                    <a:bodyPr/>
+                    <a:lstStyle/>
+                    <a:p>
+                      <a:pPr marL="0" marR="0" lvl="0" indent="0" algn="ctr" defTabSz="1219170" rtl="0" eaLnBrk="1" fontAlgn="auto" latinLnBrk="0" hangingPunct="1">
+                        <a:lnSpc>
+                          <a:spcPct val="100000"/>
+                        </a:lnSpc>
+                        <a:spcBef>
+                          <a:spcPts val="0"/>
+                        </a:spcBef>
+                        <a:spcAft>
+                          <a:spcPts val="0"/>
+                        </a:spcAft>
+                        <a:buClrTx/>
+                        <a:buSzTx/>
+                        <a:buFontTx/>
+                        <a:buNone/>
+                        <a:tabLst/>
+                        <a:defRPr/>
+                      </a:pPr>
+                      <a:endParaRPr lang="en-GB" sz="2200" b="0" dirty="0" smtClean="0">
+                        <a:solidFill>
+                          <a:sysClr val="windowText" lastClr="000000"/>
+                        </a:solidFill>
+                        <a:latin typeface="Arial" panose="020B0604020202020204" pitchFamily="34" charset="0"/>
+                        <a:ea typeface="Latin Modern Math" panose="02000503000000000000" pitchFamily="50" charset="0"/>
+                        <a:cs typeface="Arial" panose="020B0604020202020204" pitchFamily="34" charset="0"/>
+                      </a:endParaRPr>
+                    </a:p>
+                  </a:txBody>
+                  <a:tcPr anchor="ctr">
+                    <a:lnL w="12700" cmpd="sng">
+                      <a:noFill/>
+                    </a:lnL>
+                    <a:lnR w="12700" cmpd="sng">
+                      <a:noFill/>
+                    </a:lnR>
+                    <a:lnT w="12700" cmpd="sng">
+                      <a:noFill/>
+                    </a:lnT>
+                    <a:lnB w="12700" cmpd="sng">
+                      <a:noFill/>
+                    </a:lnB>
+                    <a:lnTlToBr w="12700" cmpd="sng">
+                      <a:noFill/>
+                      <a:prstDash val="solid"/>
+                    </a:lnTlToBr>
+                    <a:lnBlToTr w="12700" cmpd="sng">
+                      <a:noFill/>
+                      <a:prstDash val="solid"/>
+                    </a:lnBlToTr>
+                    <a:noFill/>
+                  </a:tcPr>
+                </a:tc>
+                <a:tc>
+                  <a:txBody>
+                    <a:bodyPr/>
+                    <a:lstStyle/>
+                    <a:p>
+                      <a:pPr marL="0" marR="0" lvl="0" indent="0" algn="ctr" defTabSz="1219170" rtl="0" eaLnBrk="1" fontAlgn="auto" latinLnBrk="0" hangingPunct="1">
+                        <a:lnSpc>
+                          <a:spcPct val="100000"/>
+                        </a:lnSpc>
+                        <a:spcBef>
+                          <a:spcPts val="0"/>
+                        </a:spcBef>
+                        <a:spcAft>
+                          <a:spcPts val="0"/>
+                        </a:spcAft>
+                        <a:buClrTx/>
+                        <a:buSzTx/>
+                        <a:buFontTx/>
+                        <a:buNone/>
+                        <a:tabLst/>
+                        <a:defRPr/>
+                      </a:pPr>
+                      <a:endParaRPr lang="en-GB" sz="2200" b="0" dirty="0" smtClean="0">
+                        <a:solidFill>
+                          <a:sysClr val="windowText" lastClr="000000"/>
+                        </a:solidFill>
+                        <a:latin typeface="Arial" panose="020B0604020202020204" pitchFamily="34" charset="0"/>
+                        <a:ea typeface="Latin Modern Math" panose="02000503000000000000" pitchFamily="50" charset="0"/>
+                        <a:cs typeface="Arial" panose="020B0604020202020204" pitchFamily="34" charset="0"/>
+                      </a:endParaRPr>
+                    </a:p>
+                  </a:txBody>
+                  <a:tcPr anchor="ctr">
+                    <a:lnL w="12700" cmpd="sng">
+                      <a:noFill/>
+                    </a:lnL>
+                    <a:lnR w="12700" cmpd="sng">
+                      <a:noFill/>
+                    </a:lnR>
+                    <a:lnT w="12700" cmpd="sng">
+                      <a:noFill/>
+                    </a:lnT>
+                    <a:lnB w="12700" cmpd="sng">
+                      <a:noFill/>
+                    </a:lnB>
+                    <a:lnTlToBr w="12700" cmpd="sng">
+                      <a:noFill/>
+                      <a:prstDash val="solid"/>
+                    </a:lnTlToBr>
+                    <a:lnBlToTr w="12700" cmpd="sng">
+                      <a:noFill/>
+                      <a:prstDash val="solid"/>
+                    </a:lnBlToTr>
+                    <a:noFill/>
+                  </a:tcPr>
+                </a:tc>
+                <a:tc>
+                  <a:txBody>
+                    <a:bodyPr/>
+                    <a:lstStyle/>
+                    <a:p>
+                      <a:pPr marL="0" marR="0" lvl="0" indent="0" algn="ctr" defTabSz="1219170" rtl="0" eaLnBrk="1" fontAlgn="auto" latinLnBrk="0" hangingPunct="1">
+                        <a:lnSpc>
+                          <a:spcPct val="100000"/>
+                        </a:lnSpc>
+                        <a:spcBef>
+                          <a:spcPts val="0"/>
+                        </a:spcBef>
+                        <a:spcAft>
+                          <a:spcPts val="0"/>
+                        </a:spcAft>
+                        <a:buClrTx/>
+                        <a:buSzTx/>
+                        <a:buFontTx/>
+                        <a:buNone/>
+                        <a:tabLst/>
+                        <a:defRPr/>
+                      </a:pPr>
+                      <a:endParaRPr lang="en-GB" sz="2200" b="0" dirty="0" smtClean="0">
+                        <a:solidFill>
+                          <a:sysClr val="windowText" lastClr="000000"/>
+                        </a:solidFill>
+                        <a:latin typeface="Arial" panose="020B0604020202020204" pitchFamily="34" charset="0"/>
+                        <a:ea typeface="Latin Modern Math" panose="02000503000000000000" pitchFamily="50" charset="0"/>
+                        <a:cs typeface="Arial" panose="020B0604020202020204" pitchFamily="34" charset="0"/>
+                      </a:endParaRPr>
+                    </a:p>
+                  </a:txBody>
+                  <a:tcPr anchor="ctr">
+                    <a:lnL w="12700" cmpd="sng">
+                      <a:noFill/>
+                    </a:lnL>
+                    <a:lnR w="12700" cmpd="sng">
+                      <a:noFill/>
+                    </a:lnR>
+                    <a:lnT w="12700" cmpd="sng">
+                      <a:noFill/>
+                    </a:lnT>
+                    <a:lnB w="12700" cmpd="sng">
+                      <a:noFill/>
+                    </a:lnB>
+                    <a:lnTlToBr w="12700" cmpd="sng">
+                      <a:noFill/>
+                      <a:prstDash val="solid"/>
+                    </a:lnTlToBr>
+                    <a:lnBlToTr w="12700" cmpd="sng">
+                      <a:noFill/>
+                      <a:prstDash val="solid"/>
+                    </a:lnBlToTr>
+                    <a:noFill/>
+                  </a:tcPr>
+                </a:tc>
+                <a:tc>
+                  <a:txBody>
+                    <a:bodyPr/>
+                    <a:lstStyle/>
+                    <a:p>
+                      <a:pPr marL="0" marR="0" lvl="0" indent="0" algn="ctr" defTabSz="1219170" rtl="0" eaLnBrk="1" fontAlgn="auto" latinLnBrk="0" hangingPunct="1">
+                        <a:lnSpc>
+                          <a:spcPct val="100000"/>
+                        </a:lnSpc>
+                        <a:spcBef>
+                          <a:spcPts val="0"/>
+                        </a:spcBef>
+                        <a:spcAft>
+                          <a:spcPts val="0"/>
+                        </a:spcAft>
+                        <a:buClrTx/>
+                        <a:buSzTx/>
+                        <a:buFontTx/>
+                        <a:buNone/>
+                        <a:tabLst/>
+                        <a:defRPr/>
+                      </a:pPr>
+                      <a:endParaRPr lang="en-GB" sz="2200" b="0" dirty="0" smtClean="0">
+                        <a:solidFill>
+                          <a:sysClr val="windowText" lastClr="000000"/>
+                        </a:solidFill>
+                        <a:latin typeface="Arial" panose="020B0604020202020204" pitchFamily="34" charset="0"/>
+                        <a:ea typeface="Latin Modern Math" panose="02000503000000000000" pitchFamily="50" charset="0"/>
+                        <a:cs typeface="Arial" panose="020B0604020202020204" pitchFamily="34" charset="0"/>
+                      </a:endParaRPr>
+                    </a:p>
+                  </a:txBody>
+                  <a:tcPr anchor="ctr">
+                    <a:lnL w="12700" cmpd="sng">
+                      <a:noFill/>
+                    </a:lnL>
+                    <a:lnR w="12700" cmpd="sng">
+                      <a:noFill/>
+                    </a:lnR>
+                    <a:lnT w="12700" cmpd="sng">
+                      <a:noFill/>
+                    </a:lnT>
+                    <a:lnB w="12700" cmpd="sng">
+                      <a:noFill/>
+                    </a:lnB>
+                    <a:lnTlToBr w="12700" cmpd="sng">
+                      <a:noFill/>
+                      <a:prstDash val="solid"/>
+                    </a:lnTlToBr>
+                    <a:lnBlToTr w="12700" cmpd="sng">
+                      <a:noFill/>
+                      <a:prstDash val="solid"/>
+                    </a:lnBlToTr>
+                    <a:noFill/>
+                  </a:tcPr>
+                </a:tc>
+                <a:extLst>
+                  <a:ext uri="{0D108BD9-81ED-4DB2-BD59-A6C34878D82A}">
+                    <a16:rowId xmlns:a16="http://schemas.microsoft.com/office/drawing/2014/main" val="1058359957"/>
+                  </a:ext>
+                </a:extLst>
+              </a:tr>
+            </a:tbl>
+          </a:graphicData>
+        </a:graphic>
+      </p:graphicFrame>
+      <p:graphicFrame>
+        <p:nvGraphicFramePr>
+          <p:cNvPr id="6" name="Table 5"/>
+          <p:cNvGraphicFramePr>
+            <a:graphicFrameLocks noGrp="1"/>
+          </p:cNvGraphicFramePr>
+          <p:nvPr>
+            <p:extLst>
+              <p:ext uri="{D42A27DB-BD31-4B8C-83A1-F6EECF244321}">
+                <p14:modId xmlns:p14="http://schemas.microsoft.com/office/powerpoint/2010/main" val="410120667"/>
+              </p:ext>
+            </p:extLst>
+          </p:nvPr>
+        </p:nvGraphicFramePr>
+        <p:xfrm>
+          <a:off x="624469" y="7303900"/>
+          <a:ext cx="10861287" cy="2699487"/>
+        </p:xfrm>
+        <a:graphic>
+          <a:graphicData uri="http://schemas.openxmlformats.org/drawingml/2006/table">
+            <a:tbl>
+              <a:tblPr firstRow="1" bandRow="1">
+                <a:tableStyleId>{5C22544A-7EE6-4342-B048-85BDC9FD1C3A}</a:tableStyleId>
+              </a:tblPr>
+              <a:tblGrid>
+                <a:gridCol w="1338146">
+                  <a:extLst>
+                    <a:ext uri="{9D8B030D-6E8A-4147-A177-3AD203B41FA5}">
+                      <a16:colId xmlns:a16="http://schemas.microsoft.com/office/drawing/2014/main" val="3457970914"/>
+                    </a:ext>
+                  </a:extLst>
+                </a:gridCol>
+                <a:gridCol w="1694986">
+                  <a:extLst>
+                    <a:ext uri="{9D8B030D-6E8A-4147-A177-3AD203B41FA5}">
+                      <a16:colId xmlns:a16="http://schemas.microsoft.com/office/drawing/2014/main" val="2971619075"/>
+                    </a:ext>
+                  </a:extLst>
+                </a:gridCol>
+                <a:gridCol w="1561171">
+                  <a:extLst>
+                    <a:ext uri="{9D8B030D-6E8A-4147-A177-3AD203B41FA5}">
+                      <a16:colId xmlns:a16="http://schemas.microsoft.com/office/drawing/2014/main" val="3173681408"/>
+                    </a:ext>
+                  </a:extLst>
+                </a:gridCol>
+                <a:gridCol w="1720940">
+                  <a:extLst>
+                    <a:ext uri="{9D8B030D-6E8A-4147-A177-3AD203B41FA5}">
+                      <a16:colId xmlns:a16="http://schemas.microsoft.com/office/drawing/2014/main" val="1038546741"/>
+                    </a:ext>
+                  </a:extLst>
+                </a:gridCol>
+                <a:gridCol w="1244494">
+                  <a:extLst>
+                    <a:ext uri="{9D8B030D-6E8A-4147-A177-3AD203B41FA5}">
+                      <a16:colId xmlns:a16="http://schemas.microsoft.com/office/drawing/2014/main" val="3060090691"/>
+                    </a:ext>
+                  </a:extLst>
+                </a:gridCol>
+                <a:gridCol w="1650775">
+                  <a:extLst>
+                    <a:ext uri="{9D8B030D-6E8A-4147-A177-3AD203B41FA5}">
+                      <a16:colId xmlns:a16="http://schemas.microsoft.com/office/drawing/2014/main" val="2296121554"/>
+                    </a:ext>
+                  </a:extLst>
+                </a:gridCol>
+                <a:gridCol w="1650775">
+                  <a:extLst>
+                    <a:ext uri="{9D8B030D-6E8A-4147-A177-3AD203B41FA5}">
+                      <a16:colId xmlns:a16="http://schemas.microsoft.com/office/drawing/2014/main" val="1115344877"/>
+                    </a:ext>
+                  </a:extLst>
+                </a:gridCol>
+              </a:tblGrid>
+              <a:tr h="992607">
+                <a:tc>
+                  <a:txBody>
+                    <a:bodyPr/>
+                    <a:lstStyle/>
+                    <a:p>
+                      <a:pPr algn="ctr"/>
+                      <a:r>
+                        <a:rPr lang="en-GB" sz="2200" b="0" dirty="0" smtClean="0">
+                          <a:solidFill>
+                            <a:sysClr val="windowText" lastClr="000000"/>
+                          </a:solidFill>
+                          <a:latin typeface="Arial" panose="020B0604020202020204" pitchFamily="34" charset="0"/>
+                          <a:cs typeface="Arial" panose="020B0604020202020204" pitchFamily="34" charset="0"/>
+                        </a:rPr>
+                        <a:t>Isoform</a:t>
+                      </a:r>
+                      <a:endParaRPr lang="en-GB" sz="2200" b="0" dirty="0">
+                        <a:solidFill>
+                          <a:sysClr val="windowText" lastClr="000000"/>
+                        </a:solidFill>
+                        <a:latin typeface="Arial" panose="020B0604020202020204" pitchFamily="34" charset="0"/>
+                        <a:cs typeface="Arial" panose="020B0604020202020204" pitchFamily="34" charset="0"/>
+                      </a:endParaRPr>
+                    </a:p>
+                  </a:txBody>
+                  <a:tcPr anchor="ctr">
+                    <a:lnL w="12700" cmpd="sng">
+                      <a:noFill/>
+                    </a:lnL>
+                    <a:lnR w="12700" cmpd="sng">
+                      <a:noFill/>
+                    </a:lnR>
+                    <a:lnT w="12700" cap="flat" cmpd="sng" algn="ctr">
+                      <a:solidFill>
+                        <a:schemeClr val="tx1"/>
+                      </a:solidFill>
+                      <a:prstDash val="solid"/>
+                      <a:round/>
+                      <a:headEnd type="none" w="med" len="med"/>
+                      <a:tailEnd type="none" w="med" len="med"/>
+                    </a:lnT>
+                    <a:lnB w="12700" cap="flat" cmpd="sng" algn="ctr">
+                      <a:solidFill>
+                        <a:schemeClr val="tx1"/>
+                      </a:solidFill>
+                      <a:prstDash val="solid"/>
+                      <a:round/>
+                      <a:headEnd type="none" w="med" len="med"/>
+                      <a:tailEnd type="none" w="med" len="med"/>
+                    </a:lnB>
+                    <a:lnTlToBr w="12700" cmpd="sng">
+                      <a:noFill/>
+                      <a:prstDash val="solid"/>
+                    </a:lnTlToBr>
+                    <a:lnBlToTr w="12700" cmpd="sng">
+                      <a:noFill/>
+                      <a:prstDash val="solid"/>
+                    </a:lnBlToTr>
+                    <a:noFill/>
+                  </a:tcPr>
+                </a:tc>
+                <a:tc>
+                  <a:txBody>
+                    <a:bodyPr/>
+                    <a:lstStyle/>
+                    <a:p>
+                      <a:pPr algn="ctr"/>
+                      <a:r>
+                        <a:rPr lang="en-GB" sz="2200" b="0" dirty="0" smtClean="0">
+                          <a:solidFill>
+                            <a:sysClr val="windowText" lastClr="000000"/>
+                          </a:solidFill>
+                          <a:latin typeface="Arial" panose="020B0604020202020204" pitchFamily="34" charset="0"/>
+                          <a:cs typeface="Arial" panose="020B0604020202020204" pitchFamily="34" charset="0"/>
+                        </a:rPr>
+                        <a:t>Associated </a:t>
+                      </a:r>
+                    </a:p>
+                    <a:p>
+                      <a:pPr algn="ctr"/>
+                      <a:r>
+                        <a:rPr lang="en-GB" sz="2200" b="0" dirty="0" smtClean="0">
+                          <a:solidFill>
+                            <a:sysClr val="windowText" lastClr="000000"/>
+                          </a:solidFill>
+                          <a:latin typeface="Arial" panose="020B0604020202020204" pitchFamily="34" charset="0"/>
+                          <a:cs typeface="Arial" panose="020B0604020202020204" pitchFamily="34" charset="0"/>
+                        </a:rPr>
+                        <a:t>Gene</a:t>
+                      </a:r>
+                      <a:endParaRPr lang="en-GB" sz="2200" b="0" dirty="0">
+                        <a:solidFill>
+                          <a:sysClr val="windowText" lastClr="000000"/>
+                        </a:solidFill>
+                        <a:latin typeface="Arial" panose="020B0604020202020204" pitchFamily="34" charset="0"/>
+                        <a:cs typeface="Arial" panose="020B0604020202020204" pitchFamily="34" charset="0"/>
+                      </a:endParaRPr>
+                    </a:p>
+                  </a:txBody>
+                  <a:tcPr anchor="ctr">
+                    <a:lnL w="12700" cmpd="sng">
+                      <a:noFill/>
+                    </a:lnL>
+                    <a:lnR w="12700" cmpd="sng">
+                      <a:noFill/>
+                    </a:lnR>
+                    <a:lnT w="12700" cap="flat" cmpd="sng" algn="ctr">
+                      <a:solidFill>
+                        <a:schemeClr val="tx1"/>
+                      </a:solidFill>
+                      <a:prstDash val="solid"/>
+                      <a:round/>
+                      <a:headEnd type="none" w="med" len="med"/>
+                      <a:tailEnd type="none" w="med" len="med"/>
+                    </a:lnT>
+                    <a:lnB w="12700" cap="flat" cmpd="sng" algn="ctr">
+                      <a:solidFill>
+                        <a:schemeClr val="tx1"/>
+                      </a:solidFill>
+                      <a:prstDash val="solid"/>
+                      <a:round/>
+                      <a:headEnd type="none" w="med" len="med"/>
+                      <a:tailEnd type="none" w="med" len="med"/>
+                    </a:lnB>
+                    <a:lnTlToBr w="12700" cmpd="sng">
+                      <a:noFill/>
+                      <a:prstDash val="solid"/>
+                    </a:lnTlToBr>
+                    <a:lnBlToTr w="12700" cmpd="sng">
+                      <a:noFill/>
+                      <a:prstDash val="solid"/>
+                    </a:lnBlToTr>
+                    <a:noFill/>
+                  </a:tcPr>
+                </a:tc>
+                <a:tc>
+                  <a:txBody>
+                    <a:bodyPr/>
+                    <a:lstStyle/>
+                    <a:p>
+                      <a:pPr algn="ctr"/>
+                      <a:r>
+                        <a:rPr lang="en-GB" sz="2200" b="0" dirty="0" smtClean="0">
+                          <a:solidFill>
+                            <a:sysClr val="windowText" lastClr="000000"/>
+                          </a:solidFill>
+                          <a:latin typeface="Arial" panose="020B0604020202020204" pitchFamily="34" charset="0"/>
+                          <a:cs typeface="Arial" panose="020B0604020202020204" pitchFamily="34" charset="0"/>
+                        </a:rPr>
+                        <a:t>Structural </a:t>
+                      </a:r>
+                    </a:p>
+                    <a:p>
+                      <a:pPr algn="ctr"/>
+                      <a:r>
+                        <a:rPr lang="en-GB" sz="2200" b="0" dirty="0" smtClean="0">
+                          <a:solidFill>
+                            <a:sysClr val="windowText" lastClr="000000"/>
+                          </a:solidFill>
+                          <a:latin typeface="Arial" panose="020B0604020202020204" pitchFamily="34" charset="0"/>
+                          <a:cs typeface="Arial" panose="020B0604020202020204" pitchFamily="34" charset="0"/>
+                        </a:rPr>
+                        <a:t>Category</a:t>
+                      </a:r>
+                      <a:endParaRPr lang="en-GB" sz="2200" b="0" dirty="0">
+                        <a:solidFill>
+                          <a:sysClr val="windowText" lastClr="000000"/>
+                        </a:solidFill>
+                        <a:latin typeface="Arial" panose="020B0604020202020204" pitchFamily="34" charset="0"/>
+                        <a:cs typeface="Arial" panose="020B0604020202020204" pitchFamily="34" charset="0"/>
+                      </a:endParaRPr>
+                    </a:p>
+                  </a:txBody>
+                  <a:tcPr anchor="ctr">
+                    <a:lnL w="12700" cmpd="sng">
+                      <a:noFill/>
+                    </a:lnL>
+                    <a:lnR w="12700" cmpd="sng">
+                      <a:noFill/>
+                    </a:lnR>
+                    <a:lnT w="12700" cap="flat" cmpd="sng" algn="ctr">
+                      <a:solidFill>
+                        <a:schemeClr val="tx1"/>
+                      </a:solidFill>
+                      <a:prstDash val="solid"/>
+                      <a:round/>
+                      <a:headEnd type="none" w="med" len="med"/>
+                      <a:tailEnd type="none" w="med" len="med"/>
+                    </a:lnT>
+                    <a:lnB w="12700" cap="flat" cmpd="sng" algn="ctr">
+                      <a:solidFill>
+                        <a:schemeClr val="tx1"/>
+                      </a:solidFill>
+                      <a:prstDash val="solid"/>
+                      <a:round/>
+                      <a:headEnd type="none" w="med" len="med"/>
+                      <a:tailEnd type="none" w="med" len="med"/>
+                    </a:lnB>
+                    <a:lnTlToBr w="12700" cmpd="sng">
+                      <a:noFill/>
+                      <a:prstDash val="solid"/>
+                    </a:lnTlToBr>
+                    <a:lnBlToTr w="12700" cmpd="sng">
+                      <a:noFill/>
+                      <a:prstDash val="solid"/>
+                    </a:lnBlToTr>
+                    <a:noFill/>
+                  </a:tcPr>
+                </a:tc>
+                <a:tc>
+                  <a:txBody>
+                    <a:bodyPr/>
+                    <a:lstStyle/>
+                    <a:p>
+                      <a:pPr algn="ctr"/>
+                      <a:r>
+                        <a:rPr lang="en-GB" sz="2200" b="0" dirty="0" smtClean="0">
+                          <a:solidFill>
+                            <a:sysClr val="windowText" lastClr="000000"/>
+                          </a:solidFill>
+                          <a:latin typeface="Arial" panose="020B0604020202020204" pitchFamily="34" charset="0"/>
+                          <a:cs typeface="Arial" panose="020B0604020202020204" pitchFamily="34" charset="0"/>
+                        </a:rPr>
+                        <a:t>Associated</a:t>
+                      </a:r>
+                    </a:p>
+                    <a:p>
+                      <a:pPr algn="ctr"/>
+                      <a:r>
+                        <a:rPr lang="en-GB" sz="2200" b="0" baseline="0" dirty="0" smtClean="0">
+                          <a:solidFill>
+                            <a:sysClr val="windowText" lastClr="000000"/>
+                          </a:solidFill>
+                          <a:latin typeface="Arial" panose="020B0604020202020204" pitchFamily="34" charset="0"/>
+                          <a:cs typeface="Arial" panose="020B0604020202020204" pitchFamily="34" charset="0"/>
+                        </a:rPr>
+                        <a:t> Transcript</a:t>
+                      </a:r>
+                      <a:endParaRPr lang="en-GB" sz="2200" b="0" dirty="0">
+                        <a:solidFill>
+                          <a:sysClr val="windowText" lastClr="000000"/>
+                        </a:solidFill>
+                        <a:latin typeface="Arial" panose="020B0604020202020204" pitchFamily="34" charset="0"/>
+                        <a:cs typeface="Arial" panose="020B0604020202020204" pitchFamily="34" charset="0"/>
+                      </a:endParaRPr>
+                    </a:p>
+                  </a:txBody>
+                  <a:tcPr anchor="ctr">
+                    <a:lnL w="12700" cmpd="sng">
+                      <a:noFill/>
+                    </a:lnL>
+                    <a:lnR w="12700" cmpd="sng">
+                      <a:noFill/>
+                    </a:lnR>
+                    <a:lnT w="12700" cap="flat" cmpd="sng" algn="ctr">
+                      <a:solidFill>
+                        <a:schemeClr val="tx1"/>
+                      </a:solidFill>
+                      <a:prstDash val="solid"/>
+                      <a:round/>
+                      <a:headEnd type="none" w="med" len="med"/>
+                      <a:tailEnd type="none" w="med" len="med"/>
+                    </a:lnT>
+                    <a:lnB w="12700" cap="flat" cmpd="sng" algn="ctr">
+                      <a:solidFill>
+                        <a:schemeClr val="tx1"/>
+                      </a:solidFill>
+                      <a:prstDash val="solid"/>
+                      <a:round/>
+                      <a:headEnd type="none" w="med" len="med"/>
+                      <a:tailEnd type="none" w="med" len="med"/>
+                    </a:lnB>
+                    <a:lnTlToBr w="12700" cmpd="sng">
+                      <a:noFill/>
+                      <a:prstDash val="solid"/>
+                    </a:lnTlToBr>
+                    <a:lnBlToTr w="12700" cmpd="sng">
+                      <a:noFill/>
+                      <a:prstDash val="solid"/>
+                    </a:lnBlToTr>
+                    <a:noFill/>
+                  </a:tcPr>
+                </a:tc>
+                <a:tc>
+                  <a:txBody>
+                    <a:bodyPr/>
+                    <a:lstStyle/>
+                    <a:p>
+                      <a:pPr algn="ctr"/>
+                      <a:r>
+                        <a:rPr lang="en-GB" sz="2200" b="0" dirty="0" smtClean="0">
+                          <a:solidFill>
+                            <a:sysClr val="windowText" lastClr="000000"/>
+                          </a:solidFill>
+                          <a:latin typeface="Arial" panose="020B0604020202020204" pitchFamily="34" charset="0"/>
+                          <a:cs typeface="Arial" panose="020B0604020202020204" pitchFamily="34" charset="0"/>
+                        </a:rPr>
+                        <a:t>Length</a:t>
+                      </a:r>
+                      <a:endParaRPr lang="en-GB" sz="2200" b="0" dirty="0">
+                        <a:solidFill>
+                          <a:sysClr val="windowText" lastClr="000000"/>
+                        </a:solidFill>
+                        <a:latin typeface="Arial" panose="020B0604020202020204" pitchFamily="34" charset="0"/>
+                        <a:cs typeface="Arial" panose="020B0604020202020204" pitchFamily="34" charset="0"/>
+                      </a:endParaRPr>
+                    </a:p>
+                  </a:txBody>
+                  <a:tcPr anchor="ctr">
+                    <a:lnL w="12700" cmpd="sng">
+                      <a:noFill/>
+                    </a:lnL>
+                    <a:lnR w="12700" cmpd="sng">
+                      <a:noFill/>
+                    </a:lnR>
+                    <a:lnT w="12700" cap="flat" cmpd="sng" algn="ctr">
+                      <a:solidFill>
+                        <a:schemeClr val="tx1"/>
+                      </a:solidFill>
+                      <a:prstDash val="solid"/>
+                      <a:round/>
+                      <a:headEnd type="none" w="med" len="med"/>
+                      <a:tailEnd type="none" w="med" len="med"/>
+                    </a:lnT>
+                    <a:lnB w="12700" cap="flat" cmpd="sng" algn="ctr">
+                      <a:solidFill>
+                        <a:schemeClr val="tx1"/>
+                      </a:solidFill>
+                      <a:prstDash val="solid"/>
+                      <a:round/>
+                      <a:headEnd type="none" w="med" len="med"/>
+                      <a:tailEnd type="none" w="med" len="med"/>
+                    </a:lnB>
+                    <a:lnTlToBr w="12700" cmpd="sng">
+                      <a:noFill/>
+                      <a:prstDash val="solid"/>
+                    </a:lnTlToBr>
+                    <a:lnBlToTr w="12700" cmpd="sng">
+                      <a:noFill/>
+                      <a:prstDash val="solid"/>
+                    </a:lnBlToTr>
+                    <a:noFill/>
+                  </a:tcPr>
+                </a:tc>
+                <a:tc>
+                  <a:txBody>
+                    <a:bodyPr/>
+                    <a:lstStyle/>
+                    <a:p>
+                      <a:pPr algn="ctr"/>
+                      <a:r>
+                        <a:rPr lang="en-GB" sz="2200" b="0" dirty="0" smtClean="0">
+                          <a:solidFill>
+                            <a:sysClr val="windowText" lastClr="000000"/>
+                          </a:solidFill>
+                          <a:latin typeface="Arial" panose="020B0604020202020204" pitchFamily="34" charset="0"/>
+                          <a:cs typeface="Arial" panose="020B0604020202020204" pitchFamily="34" charset="0"/>
+                        </a:rPr>
+                        <a:t>FL</a:t>
+                      </a:r>
+                      <a:r>
+                        <a:rPr lang="en-GB" sz="2200" b="0" baseline="0" dirty="0" smtClean="0">
+                          <a:solidFill>
+                            <a:sysClr val="windowText" lastClr="000000"/>
+                          </a:solidFill>
+                          <a:latin typeface="Arial" panose="020B0604020202020204" pitchFamily="34" charset="0"/>
+                          <a:cs typeface="Arial" panose="020B0604020202020204" pitchFamily="34" charset="0"/>
+                        </a:rPr>
+                        <a:t> </a:t>
+                      </a:r>
+                    </a:p>
+                    <a:p>
+                      <a:pPr algn="ctr"/>
+                      <a:r>
+                        <a:rPr lang="en-GB" sz="2200" b="0" baseline="0" dirty="0" smtClean="0">
+                          <a:solidFill>
+                            <a:sysClr val="windowText" lastClr="000000"/>
+                          </a:solidFill>
+                          <a:latin typeface="Arial" panose="020B0604020202020204" pitchFamily="34" charset="0"/>
+                          <a:cs typeface="Arial" panose="020B0604020202020204" pitchFamily="34" charset="0"/>
+                        </a:rPr>
+                        <a:t>Sample 1</a:t>
+                      </a:r>
+                      <a:endParaRPr lang="en-GB" sz="2200" b="0" dirty="0">
+                        <a:solidFill>
+                          <a:sysClr val="windowText" lastClr="000000"/>
+                        </a:solidFill>
+                        <a:latin typeface="Arial" panose="020B0604020202020204" pitchFamily="34" charset="0"/>
+                        <a:cs typeface="Arial" panose="020B0604020202020204" pitchFamily="34" charset="0"/>
+                      </a:endParaRPr>
+                    </a:p>
+                  </a:txBody>
+                  <a:tcPr anchor="ctr">
+                    <a:lnL w="12700" cmpd="sng">
+                      <a:noFill/>
+                    </a:lnL>
+                    <a:lnR w="12700" cmpd="sng">
+                      <a:noFill/>
+                    </a:lnR>
+                    <a:lnT w="12700" cap="flat" cmpd="sng" algn="ctr">
+                      <a:solidFill>
+                        <a:schemeClr val="tx1"/>
+                      </a:solidFill>
+                      <a:prstDash val="solid"/>
+                      <a:round/>
+                      <a:headEnd type="none" w="med" len="med"/>
+                      <a:tailEnd type="none" w="med" len="med"/>
+                    </a:lnT>
+                    <a:lnB w="12700" cap="flat" cmpd="sng" algn="ctr">
+                      <a:solidFill>
+                        <a:schemeClr val="tx1"/>
+                      </a:solidFill>
+                      <a:prstDash val="solid"/>
+                      <a:round/>
+                      <a:headEnd type="none" w="med" len="med"/>
+                      <a:tailEnd type="none" w="med" len="med"/>
+                    </a:lnB>
+                    <a:lnTlToBr w="12700" cmpd="sng">
+                      <a:noFill/>
+                      <a:prstDash val="solid"/>
+                    </a:lnTlToBr>
+                    <a:lnBlToTr w="12700" cmpd="sng">
+                      <a:noFill/>
+                      <a:prstDash val="solid"/>
+                    </a:lnBlToTr>
+                    <a:noFill/>
+                  </a:tcPr>
+                </a:tc>
+                <a:tc>
+                  <a:txBody>
+                    <a:bodyPr/>
+                    <a:lstStyle/>
+                    <a:p>
+                      <a:pPr marL="0" marR="0" lvl="0" indent="0" algn="ctr" defTabSz="1219170" rtl="0" eaLnBrk="1" fontAlgn="auto" latinLnBrk="0" hangingPunct="1">
+                        <a:lnSpc>
+                          <a:spcPct val="100000"/>
+                        </a:lnSpc>
+                        <a:spcBef>
+                          <a:spcPts val="0"/>
+                        </a:spcBef>
+                        <a:spcAft>
+                          <a:spcPts val="0"/>
+                        </a:spcAft>
+                        <a:buClrTx/>
+                        <a:buSzTx/>
+                        <a:buFontTx/>
+                        <a:buNone/>
+                        <a:tabLst/>
+                        <a:defRPr/>
+                      </a:pPr>
+                      <a:r>
+                        <a:rPr lang="en-GB" sz="2200" b="0" dirty="0" smtClean="0">
+                          <a:solidFill>
+                            <a:sysClr val="windowText" lastClr="000000"/>
+                          </a:solidFill>
+                          <a:latin typeface="Arial" panose="020B0604020202020204" pitchFamily="34" charset="0"/>
+                          <a:cs typeface="Arial" panose="020B0604020202020204" pitchFamily="34" charset="0"/>
+                        </a:rPr>
+                        <a:t>FL</a:t>
+                      </a:r>
+                      <a:r>
+                        <a:rPr lang="en-GB" sz="2200" b="0" baseline="0" dirty="0" smtClean="0">
+                          <a:solidFill>
+                            <a:sysClr val="windowText" lastClr="000000"/>
+                          </a:solidFill>
+                          <a:latin typeface="Arial" panose="020B0604020202020204" pitchFamily="34" charset="0"/>
+                          <a:cs typeface="Arial" panose="020B0604020202020204" pitchFamily="34" charset="0"/>
+                        </a:rPr>
+                        <a:t> </a:t>
+                      </a:r>
+                    </a:p>
+                    <a:p>
+                      <a:pPr marL="0" marR="0" lvl="0" indent="0" algn="ctr" defTabSz="1219170" rtl="0" eaLnBrk="1" fontAlgn="auto" latinLnBrk="0" hangingPunct="1">
+                        <a:lnSpc>
+                          <a:spcPct val="100000"/>
+                        </a:lnSpc>
+                        <a:spcBef>
+                          <a:spcPts val="0"/>
+                        </a:spcBef>
+                        <a:spcAft>
+                          <a:spcPts val="0"/>
+                        </a:spcAft>
+                        <a:buClrTx/>
+                        <a:buSzTx/>
+                        <a:buFontTx/>
+                        <a:buNone/>
+                        <a:tabLst/>
+                        <a:defRPr/>
+                      </a:pPr>
+                      <a:r>
+                        <a:rPr lang="en-GB" sz="2200" b="0" baseline="0" dirty="0" smtClean="0">
+                          <a:solidFill>
+                            <a:sysClr val="windowText" lastClr="000000"/>
+                          </a:solidFill>
+                          <a:latin typeface="Arial" panose="020B0604020202020204" pitchFamily="34" charset="0"/>
+                          <a:cs typeface="Arial" panose="020B0604020202020204" pitchFamily="34" charset="0"/>
+                        </a:rPr>
+                        <a:t>Sample 2</a:t>
+                      </a:r>
+                      <a:endParaRPr lang="en-GB" sz="2200" b="0" dirty="0" smtClean="0">
+                        <a:solidFill>
+                          <a:sysClr val="windowText" lastClr="000000"/>
+                        </a:solidFill>
+                        <a:latin typeface="Arial" panose="020B0604020202020204" pitchFamily="34" charset="0"/>
+                        <a:cs typeface="Arial" panose="020B0604020202020204" pitchFamily="34" charset="0"/>
+                      </a:endParaRPr>
+                    </a:p>
+                  </a:txBody>
+                  <a:tcPr anchor="ctr">
+                    <a:lnL w="12700" cmpd="sng">
+                      <a:noFill/>
+                    </a:lnL>
+                    <a:lnR w="12700" cmpd="sng">
+                      <a:noFill/>
+                    </a:lnR>
+                    <a:lnT w="12700" cap="flat" cmpd="sng" algn="ctr">
+                      <a:solidFill>
+                        <a:schemeClr val="tx1"/>
+                      </a:solidFill>
+                      <a:prstDash val="solid"/>
+                      <a:round/>
+                      <a:headEnd type="none" w="med" len="med"/>
+                      <a:tailEnd type="none" w="med" len="med"/>
+                    </a:lnT>
+                    <a:lnB w="12700" cap="flat" cmpd="sng" algn="ctr">
+                      <a:solidFill>
+                        <a:schemeClr val="tx1"/>
+                      </a:solidFill>
+                      <a:prstDash val="solid"/>
+                      <a:round/>
+                      <a:headEnd type="none" w="med" len="med"/>
+                      <a:tailEnd type="none" w="med" len="med"/>
+                    </a:lnB>
+                    <a:lnTlToBr w="12700" cmpd="sng">
+                      <a:noFill/>
+                      <a:prstDash val="solid"/>
+                    </a:lnTlToBr>
+                    <a:lnBlToTr w="12700" cmpd="sng">
+                      <a:noFill/>
+                      <a:prstDash val="solid"/>
+                    </a:lnBlToTr>
+                    <a:noFill/>
+                  </a:tcPr>
+                </a:tc>
+                <a:extLst>
+                  <a:ext uri="{0D108BD9-81ED-4DB2-BD59-A6C34878D82A}">
+                    <a16:rowId xmlns:a16="http://schemas.microsoft.com/office/drawing/2014/main" val="2677914597"/>
+                  </a:ext>
+                </a:extLst>
+              </a:tr>
+              <a:tr h="370840">
+                <a:tc>
+                  <a:txBody>
+                    <a:bodyPr/>
+                    <a:lstStyle/>
+                    <a:p>
+                      <a:pPr algn="ctr"/>
+                      <a:r>
+                        <a:rPr lang="en-GB" sz="2200" dirty="0" smtClean="0">
+                          <a:solidFill>
+                            <a:sysClr val="windowText" lastClr="000000"/>
+                          </a:solidFill>
+                          <a:latin typeface="Arial" panose="020B0604020202020204" pitchFamily="34" charset="0"/>
+                          <a:cs typeface="Arial" panose="020B0604020202020204" pitchFamily="34" charset="0"/>
+                        </a:rPr>
+                        <a:t>PB.1.1</a:t>
+                      </a:r>
+                    </a:p>
+                  </a:txBody>
+                  <a:tcPr>
+                    <a:lnL w="12700" cmpd="sng">
+                      <a:noFill/>
+                    </a:lnL>
+                    <a:lnR w="12700" cmpd="sng">
+                      <a:noFill/>
+                    </a:lnR>
+                    <a:lnT w="12700" cap="flat" cmpd="sng" algn="ctr">
+                      <a:solidFill>
+                        <a:schemeClr val="tx1"/>
+                      </a:solidFill>
+                      <a:prstDash val="solid"/>
+                      <a:round/>
+                      <a:headEnd type="none" w="med" len="med"/>
+                      <a:tailEnd type="none" w="med" len="med"/>
+                    </a:lnT>
+                    <a:lnB w="12700" cmpd="sng">
+                      <a:noFill/>
+                    </a:lnB>
+                    <a:lnTlToBr w="12700" cmpd="sng">
+                      <a:noFill/>
+                      <a:prstDash val="solid"/>
+                    </a:lnTlToBr>
+                    <a:lnBlToTr w="12700" cmpd="sng">
+                      <a:noFill/>
+                      <a:prstDash val="solid"/>
+                    </a:lnBlToTr>
+                    <a:solidFill>
+                      <a:schemeClr val="accent6">
+                        <a:lumMod val="20000"/>
+                        <a:lumOff val="80000"/>
+                      </a:schemeClr>
+                    </a:solidFill>
+                  </a:tcPr>
+                </a:tc>
+                <a:tc>
+                  <a:txBody>
+                    <a:bodyPr/>
+                    <a:lstStyle/>
+                    <a:p>
+                      <a:pPr algn="ctr"/>
+                      <a:r>
+                        <a:rPr lang="en-GB" sz="2200" dirty="0" smtClean="0">
+                          <a:solidFill>
+                            <a:sysClr val="windowText" lastClr="000000"/>
+                          </a:solidFill>
+                          <a:latin typeface="Arial" panose="020B0604020202020204" pitchFamily="34" charset="0"/>
+                          <a:cs typeface="Arial" panose="020B0604020202020204" pitchFamily="34" charset="0"/>
+                        </a:rPr>
+                        <a:t>Gene 1</a:t>
+                      </a:r>
+                    </a:p>
+                  </a:txBody>
+                  <a:tcPr>
+                    <a:lnL w="12700" cmpd="sng">
+                      <a:noFill/>
+                    </a:lnL>
+                    <a:lnR w="12700" cmpd="sng">
+                      <a:noFill/>
+                    </a:lnR>
+                    <a:lnT w="12700" cap="flat" cmpd="sng" algn="ctr">
+                      <a:solidFill>
+                        <a:schemeClr val="tx1"/>
+                      </a:solidFill>
+                      <a:prstDash val="solid"/>
+                      <a:round/>
+                      <a:headEnd type="none" w="med" len="med"/>
+                      <a:tailEnd type="none" w="med" len="med"/>
+                    </a:lnT>
+                    <a:lnB w="12700" cmpd="sng">
+                      <a:noFill/>
+                    </a:lnB>
+                    <a:lnTlToBr w="12700" cmpd="sng">
+                      <a:noFill/>
+                      <a:prstDash val="solid"/>
+                    </a:lnTlToBr>
+                    <a:lnBlToTr w="12700" cmpd="sng">
+                      <a:noFill/>
+                      <a:prstDash val="solid"/>
+                    </a:lnBlToTr>
+                    <a:solidFill>
+                      <a:schemeClr val="accent6">
+                        <a:lumMod val="20000"/>
+                        <a:lumOff val="80000"/>
+                      </a:schemeClr>
+                    </a:solidFill>
+                  </a:tcPr>
+                </a:tc>
+                <a:tc>
+                  <a:txBody>
+                    <a:bodyPr/>
+                    <a:lstStyle/>
+                    <a:p>
+                      <a:pPr algn="ctr"/>
+                      <a:r>
+                        <a:rPr lang="en-GB" sz="2200" dirty="0" smtClean="0">
+                          <a:solidFill>
+                            <a:sysClr val="windowText" lastClr="000000"/>
+                          </a:solidFill>
+                          <a:latin typeface="Arial" panose="020B0604020202020204" pitchFamily="34" charset="0"/>
+                          <a:cs typeface="Arial" panose="020B0604020202020204" pitchFamily="34" charset="0"/>
+                        </a:rPr>
+                        <a:t>FSM</a:t>
+                      </a:r>
+                      <a:endParaRPr lang="en-GB" sz="2200" dirty="0">
+                        <a:solidFill>
+                          <a:sysClr val="windowText" lastClr="000000"/>
+                        </a:solidFill>
+                        <a:latin typeface="Arial" panose="020B0604020202020204" pitchFamily="34" charset="0"/>
+                        <a:cs typeface="Arial" panose="020B0604020202020204" pitchFamily="34" charset="0"/>
+                      </a:endParaRPr>
+                    </a:p>
+                  </a:txBody>
+                  <a:tcPr>
+                    <a:lnL w="12700" cmpd="sng">
+                      <a:noFill/>
+                    </a:lnL>
+                    <a:lnR w="12700" cmpd="sng">
+                      <a:noFill/>
+                    </a:lnR>
+                    <a:lnT w="12700" cap="flat" cmpd="sng" algn="ctr">
+                      <a:solidFill>
+                        <a:schemeClr val="tx1"/>
+                      </a:solidFill>
+                      <a:prstDash val="solid"/>
+                      <a:round/>
+                      <a:headEnd type="none" w="med" len="med"/>
+                      <a:tailEnd type="none" w="med" len="med"/>
+                    </a:lnT>
+                    <a:lnB w="12700" cmpd="sng">
+                      <a:noFill/>
+                    </a:lnB>
+                    <a:lnTlToBr w="12700" cmpd="sng">
+                      <a:noFill/>
+                      <a:prstDash val="solid"/>
+                    </a:lnTlToBr>
+                    <a:lnBlToTr w="12700" cmpd="sng">
+                      <a:noFill/>
+                      <a:prstDash val="solid"/>
+                    </a:lnBlToTr>
+                    <a:solidFill>
+                      <a:schemeClr val="accent6">
+                        <a:lumMod val="20000"/>
+                        <a:lumOff val="80000"/>
+                      </a:schemeClr>
+                    </a:solidFill>
+                  </a:tcPr>
+                </a:tc>
+                <a:tc>
+                  <a:txBody>
+                    <a:bodyPr/>
+                    <a:lstStyle/>
+                    <a:p>
+                      <a:pPr algn="ctr"/>
+                      <a:r>
+                        <a:rPr lang="en-GB" sz="2200" dirty="0" smtClean="0">
+                          <a:solidFill>
+                            <a:sysClr val="windowText" lastClr="000000"/>
+                          </a:solidFill>
+                          <a:latin typeface="Arial" panose="020B0604020202020204" pitchFamily="34" charset="0"/>
+                          <a:cs typeface="Arial" panose="020B0604020202020204" pitchFamily="34" charset="0"/>
+                        </a:rPr>
+                        <a:t>ENMUST1</a:t>
+                      </a:r>
+                      <a:endParaRPr lang="en-GB" sz="2200" dirty="0">
+                        <a:solidFill>
+                          <a:sysClr val="windowText" lastClr="000000"/>
+                        </a:solidFill>
+                        <a:latin typeface="Arial" panose="020B0604020202020204" pitchFamily="34" charset="0"/>
+                        <a:cs typeface="Arial" panose="020B0604020202020204" pitchFamily="34" charset="0"/>
+                      </a:endParaRPr>
+                    </a:p>
+                  </a:txBody>
+                  <a:tcPr>
+                    <a:lnL w="12700" cmpd="sng">
+                      <a:noFill/>
+                    </a:lnL>
+                    <a:lnR w="12700" cmpd="sng">
+                      <a:noFill/>
+                    </a:lnR>
+                    <a:lnT w="12700" cap="flat" cmpd="sng" algn="ctr">
+                      <a:solidFill>
+                        <a:schemeClr val="tx1"/>
+                      </a:solidFill>
+                      <a:prstDash val="solid"/>
+                      <a:round/>
+                      <a:headEnd type="none" w="med" len="med"/>
+                      <a:tailEnd type="none" w="med" len="med"/>
+                    </a:lnT>
+                    <a:lnB w="12700" cmpd="sng">
+                      <a:noFill/>
+                    </a:lnB>
+                    <a:lnTlToBr w="12700" cmpd="sng">
+                      <a:noFill/>
+                      <a:prstDash val="solid"/>
+                    </a:lnTlToBr>
+                    <a:lnBlToTr w="12700" cmpd="sng">
+                      <a:noFill/>
+                      <a:prstDash val="solid"/>
+                    </a:lnBlToTr>
+                    <a:solidFill>
+                      <a:schemeClr val="accent6">
+                        <a:lumMod val="20000"/>
+                        <a:lumOff val="80000"/>
+                      </a:schemeClr>
+                    </a:solidFill>
+                  </a:tcPr>
+                </a:tc>
+                <a:tc>
+                  <a:txBody>
+                    <a:bodyPr/>
+                    <a:lstStyle/>
+                    <a:p>
+                      <a:pPr algn="ctr"/>
+                      <a:r>
+                        <a:rPr lang="en-GB" sz="2200" dirty="0" smtClean="0">
+                          <a:solidFill>
+                            <a:sysClr val="windowText" lastClr="000000"/>
+                          </a:solidFill>
+                          <a:latin typeface="Arial" panose="020B0604020202020204" pitchFamily="34" charset="0"/>
+                          <a:cs typeface="Arial" panose="020B0604020202020204" pitchFamily="34" charset="0"/>
+                        </a:rPr>
+                        <a:t>3000</a:t>
+                      </a:r>
+                      <a:endParaRPr lang="en-GB" sz="2200" dirty="0">
+                        <a:solidFill>
+                          <a:sysClr val="windowText" lastClr="000000"/>
+                        </a:solidFill>
+                        <a:latin typeface="Arial" panose="020B0604020202020204" pitchFamily="34" charset="0"/>
+                        <a:cs typeface="Arial" panose="020B0604020202020204" pitchFamily="34" charset="0"/>
+                      </a:endParaRPr>
+                    </a:p>
+                  </a:txBody>
+                  <a:tcPr>
+                    <a:lnL w="12700" cmpd="sng">
+                      <a:noFill/>
+                    </a:lnL>
+                    <a:lnR w="12700" cmpd="sng">
+                      <a:noFill/>
+                    </a:lnR>
+                    <a:lnT w="12700" cap="flat" cmpd="sng" algn="ctr">
+                      <a:solidFill>
+                        <a:schemeClr val="tx1"/>
+                      </a:solidFill>
+                      <a:prstDash val="solid"/>
+                      <a:round/>
+                      <a:headEnd type="none" w="med" len="med"/>
+                      <a:tailEnd type="none" w="med" len="med"/>
+                    </a:lnT>
+                    <a:lnB w="12700" cmpd="sng">
+                      <a:noFill/>
+                    </a:lnB>
+                    <a:lnTlToBr w="12700" cmpd="sng">
+                      <a:noFill/>
+                      <a:prstDash val="solid"/>
+                    </a:lnTlToBr>
+                    <a:lnBlToTr w="12700" cmpd="sng">
+                      <a:noFill/>
+                      <a:prstDash val="solid"/>
+                    </a:lnBlToTr>
+                    <a:solidFill>
+                      <a:schemeClr val="accent6">
+                        <a:lumMod val="20000"/>
+                        <a:lumOff val="80000"/>
+                      </a:schemeClr>
+                    </a:solidFill>
+                  </a:tcPr>
+                </a:tc>
+                <a:tc>
+                  <a:txBody>
+                    <a:bodyPr/>
+                    <a:lstStyle/>
+                    <a:p>
+                      <a:pPr algn="ctr"/>
+                      <a:r>
+                        <a:rPr lang="en-GB" sz="2200" dirty="0" smtClean="0">
+                          <a:solidFill>
+                            <a:sysClr val="windowText" lastClr="000000"/>
+                          </a:solidFill>
+                          <a:latin typeface="Arial" panose="020B0604020202020204" pitchFamily="34" charset="0"/>
+                          <a:cs typeface="Arial" panose="020B0604020202020204" pitchFamily="34" charset="0"/>
+                        </a:rPr>
+                        <a:t>110</a:t>
+                      </a:r>
+                      <a:endParaRPr lang="en-GB" sz="2200" dirty="0">
+                        <a:solidFill>
+                          <a:sysClr val="windowText" lastClr="000000"/>
+                        </a:solidFill>
+                        <a:latin typeface="Arial" panose="020B0604020202020204" pitchFamily="34" charset="0"/>
+                        <a:cs typeface="Arial" panose="020B0604020202020204" pitchFamily="34" charset="0"/>
+                      </a:endParaRPr>
+                    </a:p>
+                  </a:txBody>
+                  <a:tcPr>
+                    <a:lnL w="12700" cmpd="sng">
+                      <a:noFill/>
+                    </a:lnL>
+                    <a:lnR w="12700" cmpd="sng">
+                      <a:noFill/>
+                    </a:lnR>
+                    <a:lnT w="12700" cap="flat" cmpd="sng" algn="ctr">
+                      <a:solidFill>
+                        <a:schemeClr val="tx1"/>
+                      </a:solidFill>
+                      <a:prstDash val="solid"/>
+                      <a:round/>
+                      <a:headEnd type="none" w="med" len="med"/>
+                      <a:tailEnd type="none" w="med" len="med"/>
+                    </a:lnT>
+                    <a:lnB w="12700" cmpd="sng">
+                      <a:noFill/>
+                    </a:lnB>
+                    <a:lnTlToBr w="12700" cmpd="sng">
+                      <a:noFill/>
+                      <a:prstDash val="solid"/>
+                    </a:lnTlToBr>
+                    <a:lnBlToTr w="12700" cmpd="sng">
+                      <a:noFill/>
+                      <a:prstDash val="solid"/>
+                    </a:lnBlToTr>
+                    <a:solidFill>
+                      <a:schemeClr val="accent6">
+                        <a:lumMod val="20000"/>
+                        <a:lumOff val="80000"/>
+                      </a:schemeClr>
+                    </a:solidFill>
+                  </a:tcPr>
+                </a:tc>
+                <a:tc>
+                  <a:txBody>
+                    <a:bodyPr/>
+                    <a:lstStyle/>
+                    <a:p>
+                      <a:pPr algn="ctr"/>
+                      <a:r>
+                        <a:rPr lang="en-GB" sz="2200" dirty="0" smtClean="0">
+                          <a:solidFill>
+                            <a:sysClr val="windowText" lastClr="000000"/>
+                          </a:solidFill>
+                          <a:latin typeface="Arial" panose="020B0604020202020204" pitchFamily="34" charset="0"/>
+                          <a:cs typeface="Arial" panose="020B0604020202020204" pitchFamily="34" charset="0"/>
+                        </a:rPr>
+                        <a:t>100</a:t>
+                      </a:r>
+                      <a:endParaRPr lang="en-GB" sz="2200" dirty="0">
+                        <a:solidFill>
+                          <a:sysClr val="windowText" lastClr="000000"/>
+                        </a:solidFill>
+                        <a:latin typeface="Arial" panose="020B0604020202020204" pitchFamily="34" charset="0"/>
+                        <a:cs typeface="Arial" panose="020B0604020202020204" pitchFamily="34" charset="0"/>
+                      </a:endParaRPr>
+                    </a:p>
+                  </a:txBody>
+                  <a:tcPr>
+                    <a:lnL w="12700" cmpd="sng">
+                      <a:noFill/>
+                    </a:lnL>
+                    <a:lnR w="12700" cmpd="sng">
+                      <a:noFill/>
+                    </a:lnR>
+                    <a:lnT w="12700" cap="flat" cmpd="sng" algn="ctr">
+                      <a:solidFill>
+                        <a:schemeClr val="tx1"/>
+                      </a:solidFill>
+                      <a:prstDash val="solid"/>
+                      <a:round/>
+                      <a:headEnd type="none" w="med" len="med"/>
+                      <a:tailEnd type="none" w="med" len="med"/>
+                    </a:lnT>
+                    <a:lnB w="12700" cmpd="sng">
+                      <a:noFill/>
+                    </a:lnB>
+                    <a:lnTlToBr w="12700" cmpd="sng">
+                      <a:noFill/>
+                      <a:prstDash val="solid"/>
+                    </a:lnTlToBr>
+                    <a:lnBlToTr w="12700" cmpd="sng">
+                      <a:noFill/>
+                      <a:prstDash val="solid"/>
+                    </a:lnBlToTr>
+                    <a:solidFill>
+                      <a:schemeClr val="accent6">
+                        <a:lumMod val="20000"/>
+                        <a:lumOff val="80000"/>
+                      </a:schemeClr>
+                    </a:solidFill>
+                  </a:tcPr>
+                </a:tc>
+                <a:extLst>
+                  <a:ext uri="{0D108BD9-81ED-4DB2-BD59-A6C34878D82A}">
+                    <a16:rowId xmlns:a16="http://schemas.microsoft.com/office/drawing/2014/main" val="1994408094"/>
+                  </a:ext>
+                </a:extLst>
+              </a:tr>
+              <a:tr h="370840">
+                <a:tc>
+                  <a:txBody>
+                    <a:bodyPr/>
+                    <a:lstStyle/>
+                    <a:p>
+                      <a:pPr marL="0" marR="0" lvl="0" indent="0" algn="ctr" defTabSz="1219170" rtl="0" eaLnBrk="1" fontAlgn="auto" latinLnBrk="0" hangingPunct="1">
+                        <a:lnSpc>
+                          <a:spcPct val="100000"/>
+                        </a:lnSpc>
+                        <a:spcBef>
+                          <a:spcPts val="0"/>
+                        </a:spcBef>
+                        <a:spcAft>
+                          <a:spcPts val="0"/>
+                        </a:spcAft>
+                        <a:buClrTx/>
+                        <a:buSzTx/>
+                        <a:buFontTx/>
+                        <a:buNone/>
+                        <a:tabLst/>
+                        <a:defRPr/>
+                      </a:pPr>
+                      <a:r>
+                        <a:rPr lang="en-GB" sz="2200" dirty="0" smtClean="0">
+                          <a:solidFill>
+                            <a:sysClr val="windowText" lastClr="000000"/>
+                          </a:solidFill>
+                          <a:latin typeface="Arial" panose="020B0604020202020204" pitchFamily="34" charset="0"/>
+                          <a:cs typeface="Arial" panose="020B0604020202020204" pitchFamily="34" charset="0"/>
+                        </a:rPr>
+                        <a:t>PB.1.3</a:t>
+                      </a:r>
+                    </a:p>
+                  </a:txBody>
+                  <a:tcPr>
+                    <a:lnL w="12700" cmpd="sng">
+                      <a:noFill/>
+                    </a:lnL>
+                    <a:lnR w="12700" cmpd="sng">
+                      <a:noFill/>
+                    </a:lnR>
+                    <a:lnT w="12700" cmpd="sng">
+                      <a:noFill/>
+                    </a:lnT>
+                    <a:lnB w="12700" cmpd="sng">
+                      <a:noFill/>
+                    </a:lnB>
+                    <a:lnTlToBr w="12700" cmpd="sng">
+                      <a:noFill/>
+                      <a:prstDash val="solid"/>
+                    </a:lnTlToBr>
+                    <a:lnBlToTr w="12700" cmpd="sng">
+                      <a:noFill/>
+                      <a:prstDash val="solid"/>
+                    </a:lnBlToTr>
+                    <a:solidFill>
+                      <a:schemeClr val="accent1">
+                        <a:lumMod val="20000"/>
+                        <a:lumOff val="80000"/>
+                      </a:schemeClr>
+                    </a:solidFill>
+                  </a:tcPr>
+                </a:tc>
+                <a:tc>
+                  <a:txBody>
+                    <a:bodyPr/>
+                    <a:lstStyle/>
+                    <a:p>
+                      <a:pPr algn="ctr"/>
+                      <a:r>
+                        <a:rPr lang="en-GB" sz="2200" dirty="0" smtClean="0">
+                          <a:solidFill>
+                            <a:sysClr val="windowText" lastClr="000000"/>
+                          </a:solidFill>
+                          <a:latin typeface="Arial" panose="020B0604020202020204" pitchFamily="34" charset="0"/>
+                          <a:cs typeface="Arial" panose="020B0604020202020204" pitchFamily="34" charset="0"/>
+                        </a:rPr>
+                        <a:t>Gene 1</a:t>
+                      </a:r>
+                    </a:p>
+                  </a:txBody>
+                  <a:tcPr>
+                    <a:lnL w="12700" cmpd="sng">
+                      <a:noFill/>
+                    </a:lnL>
+                    <a:lnR w="12700" cmpd="sng">
+                      <a:noFill/>
+                    </a:lnR>
+                    <a:lnT w="12700" cmpd="sng">
+                      <a:noFill/>
+                    </a:lnT>
+                    <a:lnB w="12700" cmpd="sng">
+                      <a:noFill/>
+                    </a:lnB>
+                    <a:lnTlToBr w="12700" cmpd="sng">
+                      <a:noFill/>
+                      <a:prstDash val="solid"/>
+                    </a:lnTlToBr>
+                    <a:lnBlToTr w="12700" cmpd="sng">
+                      <a:noFill/>
+                      <a:prstDash val="solid"/>
+                    </a:lnBlToTr>
+                    <a:solidFill>
+                      <a:schemeClr val="accent1">
+                        <a:lumMod val="20000"/>
+                        <a:lumOff val="80000"/>
+                      </a:schemeClr>
+                    </a:solidFill>
+                  </a:tcPr>
+                </a:tc>
+                <a:tc>
+                  <a:txBody>
+                    <a:bodyPr/>
+                    <a:lstStyle/>
+                    <a:p>
+                      <a:pPr marL="0" marR="0" lvl="0" indent="0" algn="ctr" defTabSz="1219170" rtl="0" eaLnBrk="1" fontAlgn="auto" latinLnBrk="0" hangingPunct="1">
+                        <a:lnSpc>
+                          <a:spcPct val="100000"/>
+                        </a:lnSpc>
+                        <a:spcBef>
+                          <a:spcPts val="0"/>
+                        </a:spcBef>
+                        <a:spcAft>
+                          <a:spcPts val="0"/>
+                        </a:spcAft>
+                        <a:buClrTx/>
+                        <a:buSzTx/>
+                        <a:buFontTx/>
+                        <a:buNone/>
+                        <a:tabLst/>
+                        <a:defRPr/>
+                      </a:pPr>
+                      <a:r>
+                        <a:rPr lang="en-GB" sz="2200" dirty="0" smtClean="0">
+                          <a:solidFill>
+                            <a:sysClr val="windowText" lastClr="000000"/>
+                          </a:solidFill>
+                          <a:latin typeface="Arial" panose="020B0604020202020204" pitchFamily="34" charset="0"/>
+                          <a:cs typeface="Arial" panose="020B0604020202020204" pitchFamily="34" charset="0"/>
+                        </a:rPr>
+                        <a:t>ISM</a:t>
+                      </a:r>
+                    </a:p>
+                  </a:txBody>
+                  <a:tcPr>
+                    <a:lnL w="12700" cmpd="sng">
+                      <a:noFill/>
+                    </a:lnL>
+                    <a:lnR w="12700" cmpd="sng">
+                      <a:noFill/>
+                    </a:lnR>
+                    <a:lnT w="12700" cmpd="sng">
+                      <a:noFill/>
+                    </a:lnT>
+                    <a:lnB w="12700" cmpd="sng">
+                      <a:noFill/>
+                    </a:lnB>
+                    <a:lnTlToBr w="12700" cmpd="sng">
+                      <a:noFill/>
+                      <a:prstDash val="solid"/>
+                    </a:lnTlToBr>
+                    <a:lnBlToTr w="12700" cmpd="sng">
+                      <a:noFill/>
+                      <a:prstDash val="solid"/>
+                    </a:lnBlToTr>
+                    <a:solidFill>
+                      <a:schemeClr val="accent1">
+                        <a:lumMod val="20000"/>
+                        <a:lumOff val="80000"/>
+                      </a:schemeClr>
+                    </a:solidFill>
+                  </a:tcPr>
+                </a:tc>
+                <a:tc>
+                  <a:txBody>
+                    <a:bodyPr/>
+                    <a:lstStyle/>
+                    <a:p>
+                      <a:pPr marL="0" marR="0" lvl="0" indent="0" algn="ctr" defTabSz="1219170" rtl="0" eaLnBrk="1" fontAlgn="auto" latinLnBrk="0" hangingPunct="1">
+                        <a:lnSpc>
+                          <a:spcPct val="100000"/>
+                        </a:lnSpc>
+                        <a:spcBef>
+                          <a:spcPts val="0"/>
+                        </a:spcBef>
+                        <a:spcAft>
+                          <a:spcPts val="0"/>
+                        </a:spcAft>
+                        <a:buClrTx/>
+                        <a:buSzTx/>
+                        <a:buFontTx/>
+                        <a:buNone/>
+                        <a:tabLst/>
+                        <a:defRPr/>
+                      </a:pPr>
+                      <a:r>
+                        <a:rPr lang="en-GB" sz="2200" dirty="0" smtClean="0">
+                          <a:solidFill>
+                            <a:sysClr val="windowText" lastClr="000000"/>
+                          </a:solidFill>
+                          <a:latin typeface="Arial" panose="020B0604020202020204" pitchFamily="34" charset="0"/>
+                          <a:cs typeface="Arial" panose="020B0604020202020204" pitchFamily="34" charset="0"/>
+                        </a:rPr>
+                        <a:t>ENMUST2</a:t>
+                      </a:r>
+                    </a:p>
+                  </a:txBody>
+                  <a:tcPr>
+                    <a:lnL w="12700" cmpd="sng">
+                      <a:noFill/>
+                    </a:lnL>
+                    <a:lnR w="12700" cmpd="sng">
+                      <a:noFill/>
+                    </a:lnR>
+                    <a:lnT w="12700" cmpd="sng">
+                      <a:noFill/>
+                    </a:lnT>
+                    <a:lnB w="12700" cmpd="sng">
+                      <a:noFill/>
+                    </a:lnB>
+                    <a:lnTlToBr w="12700" cmpd="sng">
+                      <a:noFill/>
+                      <a:prstDash val="solid"/>
+                    </a:lnTlToBr>
+                    <a:lnBlToTr w="12700" cmpd="sng">
+                      <a:noFill/>
+                      <a:prstDash val="solid"/>
+                    </a:lnBlToTr>
+                    <a:solidFill>
+                      <a:schemeClr val="accent1">
+                        <a:lumMod val="20000"/>
+                        <a:lumOff val="80000"/>
+                      </a:schemeClr>
+                    </a:solidFill>
+                  </a:tcPr>
+                </a:tc>
+                <a:tc>
+                  <a:txBody>
+                    <a:bodyPr/>
+                    <a:lstStyle/>
+                    <a:p>
+                      <a:pPr marL="0" marR="0" lvl="0" indent="0" algn="ctr" defTabSz="1219170" rtl="0" eaLnBrk="1" fontAlgn="auto" latinLnBrk="0" hangingPunct="1">
+                        <a:lnSpc>
+                          <a:spcPct val="100000"/>
+                        </a:lnSpc>
+                        <a:spcBef>
+                          <a:spcPts val="0"/>
+                        </a:spcBef>
+                        <a:spcAft>
+                          <a:spcPts val="0"/>
+                        </a:spcAft>
+                        <a:buClrTx/>
+                        <a:buSzTx/>
+                        <a:buFontTx/>
+                        <a:buNone/>
+                        <a:tabLst/>
+                        <a:defRPr/>
+                      </a:pPr>
+                      <a:r>
+                        <a:rPr lang="en-GB" sz="2200" dirty="0" smtClean="0">
+                          <a:solidFill>
+                            <a:sysClr val="windowText" lastClr="000000"/>
+                          </a:solidFill>
+                          <a:latin typeface="Arial" panose="020B0604020202020204" pitchFamily="34" charset="0"/>
+                          <a:cs typeface="Arial" panose="020B0604020202020204" pitchFamily="34" charset="0"/>
+                        </a:rPr>
+                        <a:t>2400</a:t>
+                      </a:r>
+                    </a:p>
+                  </a:txBody>
+                  <a:tcPr>
+                    <a:lnL w="12700" cmpd="sng">
+                      <a:noFill/>
+                    </a:lnL>
+                    <a:lnR w="12700" cmpd="sng">
+                      <a:noFill/>
+                    </a:lnR>
+                    <a:lnT w="12700" cmpd="sng">
+                      <a:noFill/>
+                    </a:lnT>
+                    <a:lnB w="12700" cmpd="sng">
+                      <a:noFill/>
+                    </a:lnB>
+                    <a:lnTlToBr w="12700" cmpd="sng">
+                      <a:noFill/>
+                      <a:prstDash val="solid"/>
+                    </a:lnTlToBr>
+                    <a:lnBlToTr w="12700" cmpd="sng">
+                      <a:noFill/>
+                      <a:prstDash val="solid"/>
+                    </a:lnBlToTr>
+                    <a:solidFill>
+                      <a:schemeClr val="accent1">
+                        <a:lumMod val="20000"/>
+                        <a:lumOff val="80000"/>
+                      </a:schemeClr>
+                    </a:solidFill>
+                  </a:tcPr>
+                </a:tc>
+                <a:tc>
+                  <a:txBody>
+                    <a:bodyPr/>
+                    <a:lstStyle/>
+                    <a:p>
+                      <a:pPr marL="0" marR="0" lvl="0" indent="0" algn="ctr" defTabSz="1219170" rtl="0" eaLnBrk="1" fontAlgn="auto" latinLnBrk="0" hangingPunct="1">
+                        <a:lnSpc>
+                          <a:spcPct val="100000"/>
+                        </a:lnSpc>
+                        <a:spcBef>
+                          <a:spcPts val="0"/>
+                        </a:spcBef>
+                        <a:spcAft>
+                          <a:spcPts val="0"/>
+                        </a:spcAft>
+                        <a:buClrTx/>
+                        <a:buSzTx/>
+                        <a:buFontTx/>
+                        <a:buNone/>
+                        <a:tabLst/>
+                        <a:defRPr/>
+                      </a:pPr>
+                      <a:r>
+                        <a:rPr lang="en-GB" sz="2200" dirty="0" smtClean="0">
+                          <a:solidFill>
+                            <a:sysClr val="windowText" lastClr="000000"/>
+                          </a:solidFill>
+                          <a:latin typeface="Arial" panose="020B0604020202020204" pitchFamily="34" charset="0"/>
+                          <a:cs typeface="Arial" panose="020B0604020202020204" pitchFamily="34" charset="0"/>
+                        </a:rPr>
+                        <a:t>20</a:t>
+                      </a:r>
+                    </a:p>
+                  </a:txBody>
+                  <a:tcPr>
+                    <a:lnL w="12700" cmpd="sng">
+                      <a:noFill/>
+                    </a:lnL>
+                    <a:lnR w="12700" cmpd="sng">
+                      <a:noFill/>
+                    </a:lnR>
+                    <a:lnT w="12700" cmpd="sng">
+                      <a:noFill/>
+                    </a:lnT>
+                    <a:lnB w="12700" cmpd="sng">
+                      <a:noFill/>
+                    </a:lnB>
+                    <a:lnTlToBr w="12700" cmpd="sng">
+                      <a:noFill/>
+                      <a:prstDash val="solid"/>
+                    </a:lnTlToBr>
+                    <a:lnBlToTr w="12700" cmpd="sng">
+                      <a:noFill/>
+                      <a:prstDash val="solid"/>
+                    </a:lnBlToTr>
+                    <a:solidFill>
+                      <a:schemeClr val="accent1">
+                        <a:lumMod val="20000"/>
+                        <a:lumOff val="80000"/>
+                      </a:schemeClr>
+                    </a:solidFill>
+                  </a:tcPr>
+                </a:tc>
+                <a:tc>
+                  <a:txBody>
+                    <a:bodyPr/>
+                    <a:lstStyle/>
+                    <a:p>
+                      <a:pPr marL="0" marR="0" lvl="0" indent="0" algn="ctr" defTabSz="1219170" rtl="0" eaLnBrk="1" fontAlgn="auto" latinLnBrk="0" hangingPunct="1">
+                        <a:lnSpc>
+                          <a:spcPct val="100000"/>
+                        </a:lnSpc>
+                        <a:spcBef>
+                          <a:spcPts val="0"/>
+                        </a:spcBef>
+                        <a:spcAft>
+                          <a:spcPts val="0"/>
+                        </a:spcAft>
+                        <a:buClrTx/>
+                        <a:buSzTx/>
+                        <a:buFontTx/>
+                        <a:buNone/>
+                        <a:tabLst/>
+                        <a:defRPr/>
+                      </a:pPr>
+                      <a:r>
+                        <a:rPr lang="en-GB" sz="2200" dirty="0" smtClean="0">
+                          <a:solidFill>
+                            <a:sysClr val="windowText" lastClr="000000"/>
+                          </a:solidFill>
+                          <a:latin typeface="Arial" panose="020B0604020202020204" pitchFamily="34" charset="0"/>
+                          <a:cs typeface="Arial" panose="020B0604020202020204" pitchFamily="34" charset="0"/>
+                        </a:rPr>
+                        <a:t>20</a:t>
+                      </a:r>
+                    </a:p>
+                  </a:txBody>
+                  <a:tcPr>
+                    <a:lnL w="12700" cmpd="sng">
+                      <a:noFill/>
+                    </a:lnL>
+                    <a:lnR w="12700" cmpd="sng">
+                      <a:noFill/>
+                    </a:lnR>
+                    <a:lnT w="12700" cmpd="sng">
+                      <a:noFill/>
+                    </a:lnT>
+                    <a:lnB w="12700" cmpd="sng">
+                      <a:noFill/>
+                    </a:lnB>
+                    <a:lnTlToBr w="12700" cmpd="sng">
+                      <a:noFill/>
+                      <a:prstDash val="solid"/>
+                    </a:lnTlToBr>
+                    <a:lnBlToTr w="12700" cmpd="sng">
+                      <a:noFill/>
+                      <a:prstDash val="solid"/>
+                    </a:lnBlToTr>
+                    <a:solidFill>
+                      <a:schemeClr val="accent1">
+                        <a:lumMod val="20000"/>
+                        <a:lumOff val="80000"/>
+                      </a:schemeClr>
+                    </a:solidFill>
+                  </a:tcPr>
+                </a:tc>
+                <a:extLst>
+                  <a:ext uri="{0D108BD9-81ED-4DB2-BD59-A6C34878D82A}">
+                    <a16:rowId xmlns:a16="http://schemas.microsoft.com/office/drawing/2014/main" val="2026292833"/>
+                  </a:ext>
+                </a:extLst>
+              </a:tr>
+              <a:tr h="370840">
+                <a:tc>
+                  <a:txBody>
+                    <a:bodyPr/>
+                    <a:lstStyle/>
+                    <a:p>
+                      <a:pPr marL="0" marR="0" lvl="0" indent="0" algn="ctr" defTabSz="1219170" rtl="0" eaLnBrk="1" fontAlgn="auto" latinLnBrk="0" hangingPunct="1">
+                        <a:lnSpc>
+                          <a:spcPct val="100000"/>
+                        </a:lnSpc>
+                        <a:spcBef>
+                          <a:spcPts val="0"/>
+                        </a:spcBef>
+                        <a:spcAft>
+                          <a:spcPts val="0"/>
+                        </a:spcAft>
+                        <a:buClrTx/>
+                        <a:buSzTx/>
+                        <a:buFontTx/>
+                        <a:buNone/>
+                        <a:tabLst/>
+                        <a:defRPr/>
+                      </a:pPr>
+                      <a:r>
+                        <a:rPr lang="en-GB" sz="2200" dirty="0" smtClean="0">
+                          <a:solidFill>
+                            <a:sysClr val="windowText" lastClr="000000"/>
+                          </a:solidFill>
+                          <a:latin typeface="Arial" panose="020B0604020202020204" pitchFamily="34" charset="0"/>
+                          <a:cs typeface="Arial" panose="020B0604020202020204" pitchFamily="34" charset="0"/>
+                        </a:rPr>
+                        <a:t>PB.1.4</a:t>
+                      </a:r>
+                    </a:p>
+                  </a:txBody>
+                  <a:tcPr>
+                    <a:lnL w="12700" cmpd="sng">
+                      <a:noFill/>
+                    </a:lnL>
+                    <a:lnR w="12700" cmpd="sng">
+                      <a:noFill/>
+                    </a:lnR>
+                    <a:lnT w="12700" cmpd="sng">
+                      <a:noFill/>
+                    </a:lnT>
+                    <a:lnB w="12700" cmpd="sng">
+                      <a:noFill/>
+                    </a:lnB>
+                    <a:lnTlToBr w="12700" cmpd="sng">
+                      <a:noFill/>
+                      <a:prstDash val="solid"/>
+                    </a:lnTlToBr>
+                    <a:lnBlToTr w="12700" cmpd="sng">
+                      <a:noFill/>
+                      <a:prstDash val="solid"/>
+                    </a:lnBlToTr>
+                    <a:solidFill>
+                      <a:schemeClr val="accent2">
+                        <a:lumMod val="20000"/>
+                        <a:lumOff val="80000"/>
+                      </a:schemeClr>
+                    </a:solidFill>
+                  </a:tcPr>
+                </a:tc>
+                <a:tc>
+                  <a:txBody>
+                    <a:bodyPr/>
+                    <a:lstStyle/>
+                    <a:p>
+                      <a:pPr algn="ctr"/>
+                      <a:r>
+                        <a:rPr lang="en-GB" sz="2200" dirty="0" smtClean="0">
+                          <a:solidFill>
+                            <a:sysClr val="windowText" lastClr="000000"/>
+                          </a:solidFill>
+                          <a:latin typeface="Arial" panose="020B0604020202020204" pitchFamily="34" charset="0"/>
+                          <a:cs typeface="Arial" panose="020B0604020202020204" pitchFamily="34" charset="0"/>
+                        </a:rPr>
+                        <a:t>Gene 1</a:t>
+                      </a:r>
+                    </a:p>
+                  </a:txBody>
+                  <a:tcPr>
+                    <a:lnL w="12700" cmpd="sng">
+                      <a:noFill/>
+                    </a:lnL>
+                    <a:lnR w="12700" cmpd="sng">
+                      <a:noFill/>
+                    </a:lnR>
+                    <a:lnT w="12700" cmpd="sng">
+                      <a:noFill/>
+                    </a:lnT>
+                    <a:lnB w="12700" cmpd="sng">
+                      <a:noFill/>
+                    </a:lnB>
+                    <a:lnTlToBr w="12700" cmpd="sng">
+                      <a:noFill/>
+                      <a:prstDash val="solid"/>
+                    </a:lnTlToBr>
+                    <a:lnBlToTr w="12700" cmpd="sng">
+                      <a:noFill/>
+                      <a:prstDash val="solid"/>
+                    </a:lnBlToTr>
+                    <a:solidFill>
+                      <a:schemeClr val="accent2">
+                        <a:lumMod val="20000"/>
+                        <a:lumOff val="80000"/>
+                      </a:schemeClr>
+                    </a:solidFill>
+                  </a:tcPr>
+                </a:tc>
+                <a:tc>
+                  <a:txBody>
+                    <a:bodyPr/>
+                    <a:lstStyle/>
+                    <a:p>
+                      <a:pPr algn="ctr"/>
+                      <a:r>
+                        <a:rPr lang="en-GB" sz="2200" dirty="0" smtClean="0">
+                          <a:solidFill>
+                            <a:sysClr val="windowText" lastClr="000000"/>
+                          </a:solidFill>
+                          <a:latin typeface="Arial" panose="020B0604020202020204" pitchFamily="34" charset="0"/>
+                          <a:cs typeface="Arial" panose="020B0604020202020204" pitchFamily="34" charset="0"/>
+                        </a:rPr>
+                        <a:t>ISM</a:t>
+                      </a:r>
+                      <a:endParaRPr lang="en-GB" sz="2200" dirty="0">
+                        <a:solidFill>
+                          <a:sysClr val="windowText" lastClr="000000"/>
+                        </a:solidFill>
+                        <a:latin typeface="Arial" panose="020B0604020202020204" pitchFamily="34" charset="0"/>
+                        <a:cs typeface="Arial" panose="020B0604020202020204" pitchFamily="34" charset="0"/>
+                      </a:endParaRPr>
+                    </a:p>
+                  </a:txBody>
+                  <a:tcPr>
+                    <a:lnL w="12700" cmpd="sng">
+                      <a:noFill/>
+                    </a:lnL>
+                    <a:lnR w="12700" cmpd="sng">
+                      <a:noFill/>
+                    </a:lnR>
+                    <a:lnT w="12700" cmpd="sng">
+                      <a:noFill/>
+                    </a:lnT>
+                    <a:lnB w="12700" cmpd="sng">
+                      <a:noFill/>
+                    </a:lnB>
+                    <a:lnTlToBr w="12700" cmpd="sng">
+                      <a:noFill/>
+                      <a:prstDash val="solid"/>
+                    </a:lnTlToBr>
+                    <a:lnBlToTr w="12700" cmpd="sng">
+                      <a:noFill/>
+                      <a:prstDash val="solid"/>
+                    </a:lnBlToTr>
+                    <a:solidFill>
+                      <a:schemeClr val="accent2">
+                        <a:lumMod val="20000"/>
+                        <a:lumOff val="80000"/>
+                      </a:schemeClr>
+                    </a:solidFill>
+                  </a:tcPr>
+                </a:tc>
+                <a:tc>
+                  <a:txBody>
+                    <a:bodyPr/>
+                    <a:lstStyle/>
+                    <a:p>
+                      <a:pPr marL="0" marR="0" lvl="0" indent="0" algn="ctr" defTabSz="1219170" rtl="0" eaLnBrk="1" fontAlgn="auto" latinLnBrk="0" hangingPunct="1">
+                        <a:lnSpc>
+                          <a:spcPct val="100000"/>
+                        </a:lnSpc>
+                        <a:spcBef>
+                          <a:spcPts val="0"/>
+                        </a:spcBef>
+                        <a:spcAft>
+                          <a:spcPts val="0"/>
+                        </a:spcAft>
+                        <a:buClrTx/>
+                        <a:buSzTx/>
+                        <a:buFontTx/>
+                        <a:buNone/>
+                        <a:tabLst/>
+                        <a:defRPr/>
+                      </a:pPr>
+                      <a:r>
+                        <a:rPr lang="en-GB" sz="2200" dirty="0" smtClean="0">
+                          <a:solidFill>
+                            <a:sysClr val="windowText" lastClr="000000"/>
+                          </a:solidFill>
+                          <a:latin typeface="Arial" panose="020B0604020202020204" pitchFamily="34" charset="0"/>
+                          <a:cs typeface="Arial" panose="020B0604020202020204" pitchFamily="34" charset="0"/>
+                        </a:rPr>
+                        <a:t>ENMUST3</a:t>
+                      </a:r>
+                    </a:p>
+                  </a:txBody>
+                  <a:tcPr>
+                    <a:lnL w="12700" cmpd="sng">
+                      <a:noFill/>
+                    </a:lnL>
+                    <a:lnR w="12700" cmpd="sng">
+                      <a:noFill/>
+                    </a:lnR>
+                    <a:lnT w="12700" cmpd="sng">
+                      <a:noFill/>
+                    </a:lnT>
+                    <a:lnB w="12700" cmpd="sng">
+                      <a:noFill/>
+                    </a:lnB>
+                    <a:lnTlToBr w="12700" cmpd="sng">
+                      <a:noFill/>
+                      <a:prstDash val="solid"/>
+                    </a:lnTlToBr>
+                    <a:lnBlToTr w="12700" cmpd="sng">
+                      <a:noFill/>
+                      <a:prstDash val="solid"/>
+                    </a:lnBlToTr>
+                    <a:solidFill>
+                      <a:schemeClr val="accent2">
+                        <a:lumMod val="20000"/>
+                        <a:lumOff val="80000"/>
+                      </a:schemeClr>
+                    </a:solidFill>
+                  </a:tcPr>
+                </a:tc>
+                <a:tc>
+                  <a:txBody>
+                    <a:bodyPr/>
+                    <a:lstStyle/>
+                    <a:p>
+                      <a:pPr marL="0" marR="0" lvl="0" indent="0" algn="ctr" defTabSz="1219170" rtl="0" eaLnBrk="1" fontAlgn="auto" latinLnBrk="0" hangingPunct="1">
+                        <a:lnSpc>
+                          <a:spcPct val="100000"/>
+                        </a:lnSpc>
+                        <a:spcBef>
+                          <a:spcPts val="0"/>
+                        </a:spcBef>
+                        <a:spcAft>
+                          <a:spcPts val="0"/>
+                        </a:spcAft>
+                        <a:buClrTx/>
+                        <a:buSzTx/>
+                        <a:buFontTx/>
+                        <a:buNone/>
+                        <a:tabLst/>
+                        <a:defRPr/>
+                      </a:pPr>
+                      <a:r>
+                        <a:rPr lang="en-GB" sz="2200" dirty="0" smtClean="0">
+                          <a:solidFill>
+                            <a:sysClr val="windowText" lastClr="000000"/>
+                          </a:solidFill>
+                          <a:latin typeface="Arial" panose="020B0604020202020204" pitchFamily="34" charset="0"/>
+                          <a:cs typeface="Arial" panose="020B0604020202020204" pitchFamily="34" charset="0"/>
+                        </a:rPr>
+                        <a:t>2900</a:t>
+                      </a:r>
+                    </a:p>
+                  </a:txBody>
+                  <a:tcPr>
+                    <a:lnL w="12700" cmpd="sng">
+                      <a:noFill/>
+                    </a:lnL>
+                    <a:lnR w="12700" cmpd="sng">
+                      <a:noFill/>
+                    </a:lnR>
+                    <a:lnT w="12700" cmpd="sng">
+                      <a:noFill/>
+                    </a:lnT>
+                    <a:lnB w="12700" cmpd="sng">
+                      <a:noFill/>
+                    </a:lnB>
+                    <a:lnTlToBr w="12700" cmpd="sng">
+                      <a:noFill/>
+                      <a:prstDash val="solid"/>
+                    </a:lnTlToBr>
+                    <a:lnBlToTr w="12700" cmpd="sng">
+                      <a:noFill/>
+                      <a:prstDash val="solid"/>
+                    </a:lnBlToTr>
+                    <a:solidFill>
+                      <a:schemeClr val="accent2">
+                        <a:lumMod val="20000"/>
+                        <a:lumOff val="80000"/>
+                      </a:schemeClr>
+                    </a:solidFill>
+                  </a:tcPr>
+                </a:tc>
+                <a:tc>
+                  <a:txBody>
+                    <a:bodyPr/>
+                    <a:lstStyle/>
+                    <a:p>
+                      <a:pPr marL="0" marR="0" lvl="0" indent="0" algn="ctr" defTabSz="1219170" rtl="0" eaLnBrk="1" fontAlgn="auto" latinLnBrk="0" hangingPunct="1">
+                        <a:lnSpc>
+                          <a:spcPct val="100000"/>
+                        </a:lnSpc>
+                        <a:spcBef>
+                          <a:spcPts val="0"/>
+                        </a:spcBef>
+                        <a:spcAft>
+                          <a:spcPts val="0"/>
+                        </a:spcAft>
+                        <a:buClrTx/>
+                        <a:buSzTx/>
+                        <a:buFontTx/>
+                        <a:buNone/>
+                        <a:tabLst/>
+                        <a:defRPr/>
+                      </a:pPr>
+                      <a:r>
+                        <a:rPr lang="en-GB" sz="2200" dirty="0" smtClean="0">
+                          <a:solidFill>
+                            <a:sysClr val="windowText" lastClr="000000"/>
+                          </a:solidFill>
+                          <a:latin typeface="Arial" panose="020B0604020202020204" pitchFamily="34" charset="0"/>
+                          <a:cs typeface="Arial" panose="020B0604020202020204" pitchFamily="34" charset="0"/>
+                        </a:rPr>
+                        <a:t>10</a:t>
+                      </a:r>
+                    </a:p>
+                  </a:txBody>
+                  <a:tcPr>
+                    <a:lnL w="12700" cmpd="sng">
+                      <a:noFill/>
+                    </a:lnL>
+                    <a:lnR w="12700" cmpd="sng">
+                      <a:noFill/>
+                    </a:lnR>
+                    <a:lnT w="12700" cmpd="sng">
+                      <a:noFill/>
+                    </a:lnT>
+                    <a:lnB w="12700" cmpd="sng">
+                      <a:noFill/>
+                    </a:lnB>
+                    <a:lnTlToBr w="12700" cmpd="sng">
+                      <a:noFill/>
+                      <a:prstDash val="solid"/>
+                    </a:lnTlToBr>
+                    <a:lnBlToTr w="12700" cmpd="sng">
+                      <a:noFill/>
+                      <a:prstDash val="solid"/>
+                    </a:lnBlToTr>
+                    <a:solidFill>
+                      <a:schemeClr val="accent2">
+                        <a:lumMod val="20000"/>
+                        <a:lumOff val="80000"/>
+                      </a:schemeClr>
+                    </a:solidFill>
+                  </a:tcPr>
+                </a:tc>
+                <a:tc>
+                  <a:txBody>
+                    <a:bodyPr/>
+                    <a:lstStyle/>
+                    <a:p>
+                      <a:pPr marL="0" marR="0" lvl="0" indent="0" algn="ctr" defTabSz="1219170" rtl="0" eaLnBrk="1" fontAlgn="auto" latinLnBrk="0" hangingPunct="1">
+                        <a:lnSpc>
+                          <a:spcPct val="100000"/>
+                        </a:lnSpc>
+                        <a:spcBef>
+                          <a:spcPts val="0"/>
+                        </a:spcBef>
+                        <a:spcAft>
+                          <a:spcPts val="0"/>
+                        </a:spcAft>
+                        <a:buClrTx/>
+                        <a:buSzTx/>
+                        <a:buFontTx/>
+                        <a:buNone/>
+                        <a:tabLst/>
+                        <a:defRPr/>
+                      </a:pPr>
+                      <a:r>
+                        <a:rPr lang="en-GB" sz="2200" dirty="0" smtClean="0">
+                          <a:solidFill>
+                            <a:sysClr val="windowText" lastClr="000000"/>
+                          </a:solidFill>
+                          <a:latin typeface="Arial" panose="020B0604020202020204" pitchFamily="34" charset="0"/>
+                          <a:cs typeface="Arial" panose="020B0604020202020204" pitchFamily="34" charset="0"/>
+                        </a:rPr>
+                        <a:t>6</a:t>
+                      </a:r>
+                    </a:p>
+                  </a:txBody>
+                  <a:tcPr>
+                    <a:lnL w="12700" cmpd="sng">
+                      <a:noFill/>
+                    </a:lnL>
+                    <a:lnR w="12700" cmpd="sng">
+                      <a:noFill/>
+                    </a:lnR>
+                    <a:lnT w="12700" cmpd="sng">
+                      <a:noFill/>
+                    </a:lnT>
+                    <a:lnB w="12700" cmpd="sng">
+                      <a:noFill/>
+                    </a:lnB>
+                    <a:lnTlToBr w="12700" cmpd="sng">
+                      <a:noFill/>
+                      <a:prstDash val="solid"/>
+                    </a:lnTlToBr>
+                    <a:lnBlToTr w="12700" cmpd="sng">
+                      <a:noFill/>
+                      <a:prstDash val="solid"/>
+                    </a:lnBlToTr>
+                    <a:solidFill>
+                      <a:schemeClr val="accent2">
+                        <a:lumMod val="20000"/>
+                        <a:lumOff val="80000"/>
+                      </a:schemeClr>
+                    </a:solidFill>
+                  </a:tcPr>
+                </a:tc>
+                <a:extLst>
+                  <a:ext uri="{0D108BD9-81ED-4DB2-BD59-A6C34878D82A}">
+                    <a16:rowId xmlns:a16="http://schemas.microsoft.com/office/drawing/2014/main" val="2511702840"/>
+                  </a:ext>
+                </a:extLst>
+              </a:tr>
+              <a:tr h="370840">
+                <a:tc>
+                  <a:txBody>
+                    <a:bodyPr/>
+                    <a:lstStyle/>
+                    <a:p>
+                      <a:pPr marL="0" marR="0" lvl="0" indent="0" algn="ctr" defTabSz="1219170" rtl="0" eaLnBrk="1" fontAlgn="auto" latinLnBrk="0" hangingPunct="1">
+                        <a:lnSpc>
+                          <a:spcPct val="100000"/>
+                        </a:lnSpc>
+                        <a:spcBef>
+                          <a:spcPts val="0"/>
+                        </a:spcBef>
+                        <a:spcAft>
+                          <a:spcPts val="0"/>
+                        </a:spcAft>
+                        <a:buClrTx/>
+                        <a:buSzTx/>
+                        <a:buFontTx/>
+                        <a:buNone/>
+                        <a:tabLst/>
+                        <a:defRPr/>
+                      </a:pPr>
+                      <a:r>
+                        <a:rPr lang="en-GB" sz="2200" b="0" dirty="0" smtClean="0">
+                          <a:solidFill>
+                            <a:sysClr val="windowText" lastClr="000000"/>
+                          </a:solidFill>
+                          <a:latin typeface="Arial" panose="020B0604020202020204" pitchFamily="34" charset="0"/>
+                          <a:ea typeface="Latin Modern Math" panose="02000503000000000000" pitchFamily="50" charset="0"/>
+                          <a:cs typeface="Arial" panose="020B0604020202020204" pitchFamily="34" charset="0"/>
+                        </a:rPr>
+                        <a:t>PB.1.7</a:t>
+                      </a:r>
+                    </a:p>
+                  </a:txBody>
+                  <a:tcPr anchor="ctr">
+                    <a:lnL w="12700" cmpd="sng">
+                      <a:noFill/>
+                    </a:lnL>
+                    <a:lnR w="12700" cmpd="sng">
+                      <a:noFill/>
+                    </a:lnR>
+                    <a:lnT w="12700" cmpd="sng">
+                      <a:noFill/>
+                    </a:lnT>
+                    <a:lnB w="12700" cmpd="sng">
+                      <a:noFill/>
+                    </a:lnB>
+                    <a:lnTlToBr w="12700" cmpd="sng">
+                      <a:noFill/>
+                      <a:prstDash val="solid"/>
+                    </a:lnTlToBr>
+                    <a:lnBlToTr w="12700" cmpd="sng">
+                      <a:noFill/>
+                      <a:prstDash val="solid"/>
+                    </a:lnBlToTr>
+                    <a:solidFill>
+                      <a:srgbClr val="E8D9F3"/>
+                    </a:solidFill>
+                  </a:tcPr>
+                </a:tc>
+                <a:tc>
+                  <a:txBody>
+                    <a:bodyPr/>
+                    <a:lstStyle/>
+                    <a:p>
+                      <a:pPr marL="0" marR="0" lvl="0" indent="0" algn="ctr" defTabSz="1219170" rtl="0" eaLnBrk="1" fontAlgn="auto" latinLnBrk="0" hangingPunct="1">
+                        <a:lnSpc>
+                          <a:spcPct val="100000"/>
+                        </a:lnSpc>
+                        <a:spcBef>
+                          <a:spcPts val="0"/>
+                        </a:spcBef>
+                        <a:spcAft>
+                          <a:spcPts val="0"/>
+                        </a:spcAft>
+                        <a:buClrTx/>
+                        <a:buSzTx/>
+                        <a:buFontTx/>
+                        <a:buNone/>
+                        <a:tabLst/>
+                        <a:defRPr/>
+                      </a:pPr>
+                      <a:r>
+                        <a:rPr lang="en-GB" sz="2200" b="0" dirty="0" smtClean="0">
+                          <a:solidFill>
+                            <a:sysClr val="windowText" lastClr="000000"/>
+                          </a:solidFill>
+                          <a:latin typeface="Arial" panose="020B0604020202020204" pitchFamily="34" charset="0"/>
+                          <a:ea typeface="Latin Modern Math" panose="02000503000000000000" pitchFamily="50" charset="0"/>
+                          <a:cs typeface="Arial" panose="020B0604020202020204" pitchFamily="34" charset="0"/>
+                        </a:rPr>
+                        <a:t>Gene 1</a:t>
+                      </a:r>
+                    </a:p>
+                  </a:txBody>
+                  <a:tcPr anchor="ctr">
+                    <a:lnL w="12700" cmpd="sng">
+                      <a:noFill/>
+                    </a:lnL>
+                    <a:lnR w="12700" cmpd="sng">
+                      <a:noFill/>
+                    </a:lnR>
+                    <a:lnT w="12700" cmpd="sng">
+                      <a:noFill/>
+                    </a:lnT>
+                    <a:lnB w="12700" cmpd="sng">
+                      <a:noFill/>
+                    </a:lnB>
+                    <a:lnTlToBr w="12700" cmpd="sng">
+                      <a:noFill/>
+                      <a:prstDash val="solid"/>
+                    </a:lnTlToBr>
+                    <a:lnBlToTr w="12700" cmpd="sng">
+                      <a:noFill/>
+                      <a:prstDash val="solid"/>
+                    </a:lnBlToTr>
+                    <a:solidFill>
+                      <a:srgbClr val="E8D9F3"/>
+                    </a:solidFill>
+                  </a:tcPr>
+                </a:tc>
+                <a:tc>
+                  <a:txBody>
+                    <a:bodyPr/>
+                    <a:lstStyle/>
+                    <a:p>
+                      <a:pPr algn="ctr"/>
+                      <a:r>
+                        <a:rPr lang="en-GB" sz="2200" b="0" dirty="0" smtClean="0">
+                          <a:solidFill>
+                            <a:sysClr val="windowText" lastClr="000000"/>
+                          </a:solidFill>
+                          <a:latin typeface="Arial" panose="020B0604020202020204" pitchFamily="34" charset="0"/>
+                          <a:ea typeface="Latin Modern Math" panose="02000503000000000000" pitchFamily="50" charset="0"/>
+                          <a:cs typeface="Arial" panose="020B0604020202020204" pitchFamily="34" charset="0"/>
+                        </a:rPr>
+                        <a:t>FSM</a:t>
+                      </a:r>
+                      <a:endParaRPr lang="en-GB" sz="2200" b="0" dirty="0">
+                        <a:solidFill>
+                          <a:sysClr val="windowText" lastClr="000000"/>
+                        </a:solidFill>
+                        <a:latin typeface="Arial" panose="020B0604020202020204" pitchFamily="34" charset="0"/>
+                        <a:ea typeface="Latin Modern Math" panose="02000503000000000000" pitchFamily="50" charset="0"/>
+                        <a:cs typeface="Arial" panose="020B0604020202020204" pitchFamily="34" charset="0"/>
+                      </a:endParaRPr>
+                    </a:p>
+                  </a:txBody>
+                  <a:tcPr anchor="ctr">
+                    <a:lnL w="12700" cmpd="sng">
+                      <a:noFill/>
+                    </a:lnL>
+                    <a:lnR w="12700" cmpd="sng">
+                      <a:noFill/>
+                    </a:lnR>
+                    <a:lnT w="12700" cmpd="sng">
+                      <a:noFill/>
+                    </a:lnT>
+                    <a:lnB w="12700" cmpd="sng">
+                      <a:noFill/>
+                    </a:lnB>
+                    <a:lnTlToBr w="12700" cmpd="sng">
+                      <a:noFill/>
+                      <a:prstDash val="solid"/>
+                    </a:lnTlToBr>
+                    <a:lnBlToTr w="12700" cmpd="sng">
+                      <a:noFill/>
+                      <a:prstDash val="solid"/>
+                    </a:lnBlToTr>
+                    <a:solidFill>
+                      <a:srgbClr val="E8D9F3"/>
+                    </a:solidFill>
+                  </a:tcPr>
+                </a:tc>
+                <a:tc>
+                  <a:txBody>
+                    <a:bodyPr/>
+                    <a:lstStyle/>
+                    <a:p>
+                      <a:pPr marL="0" marR="0" lvl="0" indent="0" algn="ctr" defTabSz="1219170" rtl="0" eaLnBrk="1" fontAlgn="auto" latinLnBrk="0" hangingPunct="1">
+                        <a:lnSpc>
+                          <a:spcPct val="100000"/>
+                        </a:lnSpc>
+                        <a:spcBef>
+                          <a:spcPts val="0"/>
+                        </a:spcBef>
+                        <a:spcAft>
+                          <a:spcPts val="0"/>
+                        </a:spcAft>
+                        <a:buClrTx/>
+                        <a:buSzTx/>
+                        <a:buFontTx/>
+                        <a:buNone/>
+                        <a:tabLst/>
+                        <a:defRPr/>
+                      </a:pPr>
+                      <a:r>
+                        <a:rPr lang="en-GB" sz="2200" b="0" dirty="0" smtClean="0">
+                          <a:solidFill>
+                            <a:sysClr val="windowText" lastClr="000000"/>
+                          </a:solidFill>
+                          <a:latin typeface="Arial" panose="020B0604020202020204" pitchFamily="34" charset="0"/>
+                          <a:ea typeface="Latin Modern Math" panose="02000503000000000000" pitchFamily="50" charset="0"/>
+                          <a:cs typeface="Arial" panose="020B0604020202020204" pitchFamily="34" charset="0"/>
+                        </a:rPr>
+                        <a:t>ENMUST4</a:t>
+                      </a:r>
+                    </a:p>
+                  </a:txBody>
+                  <a:tcPr anchor="ctr">
+                    <a:lnL w="12700" cmpd="sng">
+                      <a:noFill/>
+                    </a:lnL>
+                    <a:lnR w="12700" cmpd="sng">
+                      <a:noFill/>
+                    </a:lnR>
+                    <a:lnT w="12700" cmpd="sng">
+                      <a:noFill/>
+                    </a:lnT>
+                    <a:lnB w="12700" cmpd="sng">
+                      <a:noFill/>
+                    </a:lnB>
+                    <a:lnTlToBr w="12700" cmpd="sng">
+                      <a:noFill/>
+                      <a:prstDash val="solid"/>
+                    </a:lnTlToBr>
+                    <a:lnBlToTr w="12700" cmpd="sng">
+                      <a:noFill/>
+                      <a:prstDash val="solid"/>
+                    </a:lnBlToTr>
+                    <a:solidFill>
+                      <a:srgbClr val="E8D9F3"/>
+                    </a:solidFill>
+                  </a:tcPr>
+                </a:tc>
+                <a:tc>
+                  <a:txBody>
+                    <a:bodyPr/>
+                    <a:lstStyle/>
+                    <a:p>
+                      <a:pPr marL="0" marR="0" lvl="0" indent="0" algn="ctr" defTabSz="1219170" rtl="0" eaLnBrk="1" fontAlgn="auto" latinLnBrk="0" hangingPunct="1">
+                        <a:lnSpc>
+                          <a:spcPct val="100000"/>
+                        </a:lnSpc>
+                        <a:spcBef>
+                          <a:spcPts val="0"/>
+                        </a:spcBef>
+                        <a:spcAft>
+                          <a:spcPts val="0"/>
+                        </a:spcAft>
+                        <a:buClrTx/>
+                        <a:buSzTx/>
+                        <a:buFontTx/>
+                        <a:buNone/>
+                        <a:tabLst/>
+                        <a:defRPr/>
+                      </a:pPr>
+                      <a:r>
+                        <a:rPr lang="en-GB" sz="2200" b="0" dirty="0" smtClean="0">
+                          <a:solidFill>
+                            <a:sysClr val="windowText" lastClr="000000"/>
+                          </a:solidFill>
+                          <a:latin typeface="Arial" panose="020B0604020202020204" pitchFamily="34" charset="0"/>
+                          <a:ea typeface="Latin Modern Math" panose="02000503000000000000" pitchFamily="50" charset="0"/>
+                          <a:cs typeface="Arial" panose="020B0604020202020204" pitchFamily="34" charset="0"/>
+                        </a:rPr>
+                        <a:t>2560</a:t>
+                      </a:r>
+                    </a:p>
+                  </a:txBody>
+                  <a:tcPr anchor="ctr">
+                    <a:lnL w="12700" cmpd="sng">
+                      <a:noFill/>
+                    </a:lnL>
+                    <a:lnR w="12700" cmpd="sng">
+                      <a:noFill/>
+                    </a:lnR>
+                    <a:lnT w="12700" cmpd="sng">
+                      <a:noFill/>
+                    </a:lnT>
+                    <a:lnB w="12700" cmpd="sng">
+                      <a:noFill/>
+                    </a:lnB>
+                    <a:lnTlToBr w="12700" cmpd="sng">
+                      <a:noFill/>
+                      <a:prstDash val="solid"/>
+                    </a:lnTlToBr>
+                    <a:lnBlToTr w="12700" cmpd="sng">
+                      <a:noFill/>
+                      <a:prstDash val="solid"/>
+                    </a:lnBlToTr>
+                    <a:solidFill>
+                      <a:srgbClr val="E8D9F3"/>
+                    </a:solidFill>
+                  </a:tcPr>
+                </a:tc>
+                <a:tc>
+                  <a:txBody>
+                    <a:bodyPr/>
+                    <a:lstStyle/>
+                    <a:p>
+                      <a:pPr marL="0" marR="0" lvl="0" indent="0" algn="ctr" defTabSz="1219170" rtl="0" eaLnBrk="1" fontAlgn="auto" latinLnBrk="0" hangingPunct="1">
+                        <a:lnSpc>
+                          <a:spcPct val="100000"/>
+                        </a:lnSpc>
+                        <a:spcBef>
+                          <a:spcPts val="0"/>
+                        </a:spcBef>
+                        <a:spcAft>
+                          <a:spcPts val="0"/>
+                        </a:spcAft>
+                        <a:buClrTx/>
+                        <a:buSzTx/>
+                        <a:buFontTx/>
+                        <a:buNone/>
+                        <a:tabLst/>
+                        <a:defRPr/>
+                      </a:pPr>
+                      <a:r>
+                        <a:rPr lang="en-GB" sz="2200" b="0" dirty="0" smtClean="0">
+                          <a:solidFill>
+                            <a:sysClr val="windowText" lastClr="000000"/>
+                          </a:solidFill>
+                          <a:latin typeface="Arial" panose="020B0604020202020204" pitchFamily="34" charset="0"/>
+                          <a:ea typeface="Latin Modern Math" panose="02000503000000000000" pitchFamily="50" charset="0"/>
+                          <a:cs typeface="Arial" panose="020B0604020202020204" pitchFamily="34" charset="0"/>
+                        </a:rPr>
+                        <a:t>1001</a:t>
+                      </a:r>
+                      <a:endParaRPr lang="en-GB" sz="2200" b="0" dirty="0" smtClean="0">
+                        <a:solidFill>
+                          <a:sysClr val="windowText" lastClr="000000"/>
+                        </a:solidFill>
+                        <a:latin typeface="Arial" panose="020B0604020202020204" pitchFamily="34" charset="0"/>
+                        <a:ea typeface="Latin Modern Math" panose="02000503000000000000" pitchFamily="50" charset="0"/>
+                        <a:cs typeface="Arial" panose="020B0604020202020204" pitchFamily="34" charset="0"/>
+                      </a:endParaRPr>
+                    </a:p>
+                  </a:txBody>
+                  <a:tcPr anchor="ctr">
+                    <a:lnL w="12700" cmpd="sng">
+                      <a:noFill/>
+                    </a:lnL>
+                    <a:lnR w="12700" cmpd="sng">
+                      <a:noFill/>
+                    </a:lnR>
+                    <a:lnT w="12700" cmpd="sng">
+                      <a:noFill/>
+                    </a:lnT>
+                    <a:lnB w="12700" cmpd="sng">
+                      <a:noFill/>
+                    </a:lnB>
+                    <a:lnTlToBr w="12700" cmpd="sng">
+                      <a:noFill/>
+                      <a:prstDash val="solid"/>
+                    </a:lnTlToBr>
+                    <a:lnBlToTr w="12700" cmpd="sng">
+                      <a:noFill/>
+                      <a:prstDash val="solid"/>
+                    </a:lnBlToTr>
+                    <a:solidFill>
+                      <a:srgbClr val="E8D9F3"/>
+                    </a:solidFill>
+                  </a:tcPr>
+                </a:tc>
+                <a:tc>
+                  <a:txBody>
+                    <a:bodyPr/>
+                    <a:lstStyle/>
+                    <a:p>
+                      <a:pPr marL="0" marR="0" lvl="0" indent="0" algn="ctr" defTabSz="1219170" rtl="0" eaLnBrk="1" fontAlgn="auto" latinLnBrk="0" hangingPunct="1">
+                        <a:lnSpc>
+                          <a:spcPct val="100000"/>
+                        </a:lnSpc>
+                        <a:spcBef>
+                          <a:spcPts val="0"/>
+                        </a:spcBef>
+                        <a:spcAft>
+                          <a:spcPts val="0"/>
+                        </a:spcAft>
+                        <a:buClrTx/>
+                        <a:buSzTx/>
+                        <a:buFontTx/>
+                        <a:buNone/>
+                        <a:tabLst/>
+                        <a:defRPr/>
+                      </a:pPr>
+                      <a:r>
+                        <a:rPr lang="en-GB" sz="2200" b="0" dirty="0" smtClean="0">
+                          <a:solidFill>
+                            <a:sysClr val="windowText" lastClr="000000"/>
+                          </a:solidFill>
+                          <a:latin typeface="Arial" panose="020B0604020202020204" pitchFamily="34" charset="0"/>
+                          <a:ea typeface="Latin Modern Math" panose="02000503000000000000" pitchFamily="50" charset="0"/>
+                          <a:cs typeface="Arial" panose="020B0604020202020204" pitchFamily="34" charset="0"/>
+                        </a:rPr>
+                        <a:t>1254</a:t>
+                      </a:r>
+                      <a:endParaRPr lang="en-GB" sz="2200" b="0" dirty="0" smtClean="0">
+                        <a:solidFill>
+                          <a:sysClr val="windowText" lastClr="000000"/>
+                        </a:solidFill>
+                        <a:latin typeface="Arial" panose="020B0604020202020204" pitchFamily="34" charset="0"/>
+                        <a:ea typeface="Latin Modern Math" panose="02000503000000000000" pitchFamily="50" charset="0"/>
+                        <a:cs typeface="Arial" panose="020B0604020202020204" pitchFamily="34" charset="0"/>
+                      </a:endParaRPr>
+                    </a:p>
+                  </a:txBody>
+                  <a:tcPr anchor="ctr">
+                    <a:lnL w="12700" cmpd="sng">
+                      <a:noFill/>
+                    </a:lnL>
+                    <a:lnR w="12700" cmpd="sng">
+                      <a:noFill/>
+                    </a:lnR>
+                    <a:lnT w="12700" cmpd="sng">
+                      <a:noFill/>
+                    </a:lnT>
+                    <a:lnB w="12700" cmpd="sng">
+                      <a:noFill/>
+                    </a:lnB>
+                    <a:lnTlToBr w="12700" cmpd="sng">
+                      <a:noFill/>
+                      <a:prstDash val="solid"/>
+                    </a:lnTlToBr>
+                    <a:lnBlToTr w="12700" cmpd="sng">
+                      <a:noFill/>
+                      <a:prstDash val="solid"/>
+                    </a:lnBlToTr>
+                    <a:solidFill>
+                      <a:srgbClr val="E8D9F3"/>
+                    </a:solidFill>
+                  </a:tcPr>
+                </a:tc>
+                <a:extLst>
+                  <a:ext uri="{0D108BD9-81ED-4DB2-BD59-A6C34878D82A}">
+                    <a16:rowId xmlns:a16="http://schemas.microsoft.com/office/drawing/2014/main" val="4110556202"/>
+                  </a:ext>
+                </a:extLst>
+              </a:tr>
+            </a:tbl>
+          </a:graphicData>
+        </a:graphic>
+      </p:graphicFrame>
+      <p:sp>
+        <p:nvSpPr>
+          <p:cNvPr id="7" name="Down Arrow 6"/>
+          <p:cNvSpPr/>
+          <p:nvPr/>
+        </p:nvSpPr>
+        <p:spPr>
+          <a:xfrm>
+            <a:off x="5820936" y="6078751"/>
+            <a:ext cx="468352" cy="847493"/>
+          </a:xfrm>
+          <a:prstGeom prst="downArrow">
+            <a:avLst/>
+          </a:prstGeom>
+          <a:solidFill>
+            <a:schemeClr val="bg2">
+              <a:lumMod val="75000"/>
+            </a:schemeClr>
+          </a:solidFill>
+          <a:ln>
+            <a:solidFill>
+              <a:schemeClr val="bg2">
+                <a:lumMod val="75000"/>
+              </a:schemeClr>
+            </a:solidFill>
+          </a:ln>
+        </p:spPr>
+        <p:style>
+          <a:lnRef idx="2">
+            <a:schemeClr val="accent1">
+              <a:shade val="50000"/>
+            </a:schemeClr>
+          </a:lnRef>
+          <a:fillRef idx="1">
+            <a:schemeClr val="accent1"/>
+          </a:fillRef>
+          <a:effectRef idx="0">
+            <a:schemeClr val="accent1"/>
+          </a:effectRef>
+          <a:fontRef idx="minor">
+            <a:schemeClr val="lt1"/>
+          </a:fontRef>
+        </p:style>
+        <p:txBody>
+          <a:bodyPr rtlCol="0" anchor="ctr"/>
+          <a:lstStyle/>
+          <a:p>
+            <a:pPr algn="ctr"/>
+            <a:endParaRPr lang="en-GB"/>
+          </a:p>
+        </p:txBody>
+      </p:sp>
+    </p:spTree>
+    <p:extLst>
+      <p:ext uri="{BB962C8B-B14F-4D97-AF65-F5344CB8AC3E}">
+        <p14:creationId xmlns:p14="http://schemas.microsoft.com/office/powerpoint/2010/main" val="2921086253"/>
       </p:ext>
     </p:extLst>
   </p:cSld>
